--- a/Final_Presentation_Corona.pptx
+++ b/Final_Presentation_Corona.pptx
@@ -1,47 +1,54 @@
 
 <file path=ppt/presentation.xml><?xml version="1.0" encoding="utf-8"?>
-<p:presentation xmlns:a="http://schemas.openxmlformats.org/drawingml/2006/main" xmlns:r="http://schemas.openxmlformats.org/officeDocument/2006/relationships" xmlns:mc="http://schemas.openxmlformats.org/markup-compatibility/2006" xmlns:mv="urn:schemas-microsoft-com:mac:vml" xmlns:p="http://schemas.openxmlformats.org/presentationml/2006/main" xmlns:c="http://schemas.openxmlformats.org/drawingml/2006/chart" xmlns:dgm="http://schemas.openxmlformats.org/drawingml/2006/diagram" xmlns:o="urn:schemas-microsoft-com:office:office" xmlns:v="urn:schemas-microsoft-com:vml" xmlns:pvml="urn:schemas-microsoft-com:office:powerpoint" xmlns:com="http://schemas.openxmlformats.org/drawingml/2006/compatibility" xmlns:p14="http://schemas.microsoft.com/office/powerpoint/2010/main" xmlns:p15="http://schemas.microsoft.com/office/powerpoint/2012/main" xmlns:ahyp="http://schemas.microsoft.com/office/drawing/2018/hyperlinkcolor" autoCompressPictures="0" embedTrueTypeFonts="1" strictFirstAndLastChars="0" saveSubsetFonts="1">
+<p:presentation xmlns:a="http://schemas.openxmlformats.org/drawingml/2006/main" xmlns:r="http://schemas.openxmlformats.org/officeDocument/2006/relationships" xmlns:p="http://schemas.openxmlformats.org/presentationml/2006/main" strictFirstAndLastChars="0" embedTrueTypeFonts="1" saveSubsetFonts="1" autoCompressPictures="0">
   <p:sldMasterIdLst>
-    <p:sldMasterId id="2147483663" r:id="rId5"/>
+    <p:sldMasterId id="2147483663" r:id="rId1"/>
   </p:sldMasterIdLst>
   <p:notesMasterIdLst>
-    <p:notesMasterId r:id="rId6"/>
+    <p:notesMasterId r:id="rId23"/>
   </p:notesMasterIdLst>
   <p:sldIdLst>
-    <p:sldId id="256" r:id="rId7"/>
-    <p:sldId id="257" r:id="rId8"/>
-    <p:sldId id="258" r:id="rId9"/>
-    <p:sldId id="259" r:id="rId10"/>
-    <p:sldId id="260" r:id="rId11"/>
-    <p:sldId id="261" r:id="rId12"/>
-    <p:sldId id="262" r:id="rId13"/>
-    <p:sldId id="263" r:id="rId14"/>
-    <p:sldId id="264" r:id="rId15"/>
-    <p:sldId id="265" r:id="rId16"/>
-    <p:sldId id="266" r:id="rId17"/>
-    <p:sldId id="267" r:id="rId18"/>
-    <p:sldId id="268" r:id="rId19"/>
-    <p:sldId id="269" r:id="rId20"/>
-    <p:sldId id="270" r:id="rId21"/>
-    <p:sldId id="271" r:id="rId22"/>
-    <p:sldId id="272" r:id="rId23"/>
-    <p:sldId id="273" r:id="rId24"/>
-    <p:sldId id="274" r:id="rId25"/>
-    <p:sldId id="275" r:id="rId26"/>
-    <p:sldId id="276" r:id="rId27"/>
+    <p:sldId id="256" r:id="rId2"/>
+    <p:sldId id="257" r:id="rId3"/>
+    <p:sldId id="258" r:id="rId4"/>
+    <p:sldId id="259" r:id="rId5"/>
+    <p:sldId id="260" r:id="rId6"/>
+    <p:sldId id="261" r:id="rId7"/>
+    <p:sldId id="262" r:id="rId8"/>
+    <p:sldId id="263" r:id="rId9"/>
+    <p:sldId id="264" r:id="rId10"/>
+    <p:sldId id="265" r:id="rId11"/>
+    <p:sldId id="266" r:id="rId12"/>
+    <p:sldId id="267" r:id="rId13"/>
+    <p:sldId id="268" r:id="rId14"/>
+    <p:sldId id="269" r:id="rId15"/>
+    <p:sldId id="270" r:id="rId16"/>
+    <p:sldId id="271" r:id="rId17"/>
+    <p:sldId id="272" r:id="rId18"/>
+    <p:sldId id="273" r:id="rId19"/>
+    <p:sldId id="274" r:id="rId20"/>
+    <p:sldId id="275" r:id="rId21"/>
+    <p:sldId id="276" r:id="rId22"/>
   </p:sldIdLst>
-  <p:sldSz cy="5143500" cx="9144000"/>
+  <p:sldSz cx="9144000" cy="5143500" type="screen16x9"/>
   <p:notesSz cx="6858000" cy="9144000"/>
   <p:embeddedFontLst>
     <p:embeddedFont>
-      <p:font typeface="Raleway"/>
+      <p:font typeface="Lato" panose="020F0502020204030203" pitchFamily="34" charset="0"/>
+      <p:regular r:id="rId24"/>
+      <p:bold r:id="rId25"/>
+      <p:italic r:id="rId26"/>
+      <p:boldItalic r:id="rId27"/>
+    </p:embeddedFont>
+    <p:embeddedFont>
+      <p:font typeface="Raleway" pitchFamily="2" charset="0"/>
       <p:regular r:id="rId28"/>
       <p:bold r:id="rId29"/>
       <p:italic r:id="rId30"/>
       <p:boldItalic r:id="rId31"/>
     </p:embeddedFont>
     <p:embeddedFont>
-      <p:font typeface="Lato"/>
+      <p:font typeface="Trebuchet MS" panose="020B0603020202020204" pitchFamily="34" charset="0"/>
       <p:regular r:id="rId32"/>
       <p:bold r:id="rId33"/>
       <p:italic r:id="rId34"/>
@@ -49,7 +56,7 @@
     </p:embeddedFont>
   </p:embeddedFontLst>
   <p:defaultTextStyle>
-    <a:defPPr lvl="0" marR="0" rtl="0" algn="l">
+    <a:defPPr marR="0" lvl="0" algn="l" rtl="0">
       <a:lnSpc>
         <a:spcPct val="100000"/>
       </a:lnSpc>
@@ -60,7 +67,7 @@
         <a:spcPts val="0"/>
       </a:spcAft>
     </a:defPPr>
-    <a:lvl1pPr lvl="0" marR="0" rtl="0" algn="l">
+    <a:lvl1pPr marR="0" lvl="0" algn="l" rtl="0">
       <a:lnSpc>
         <a:spcPct val="100000"/>
       </a:lnSpc>
@@ -74,7 +81,7 @@
         <a:srgbClr val="000000"/>
       </a:buClr>
       <a:buFont typeface="Arial"/>
-      <a:defRPr b="0" i="0" sz="1400" u="none" cap="none" strike="noStrike">
+      <a:defRPr sz="1400" b="0" i="0" u="none" strike="noStrike" cap="none">
         <a:solidFill>
           <a:srgbClr val="000000"/>
         </a:solidFill>
@@ -84,7 +91,7 @@
         <a:sym typeface="Arial"/>
       </a:defRPr>
     </a:lvl1pPr>
-    <a:lvl2pPr lvl="1" marR="0" rtl="0" algn="l">
+    <a:lvl2pPr marR="0" lvl="1" algn="l" rtl="0">
       <a:lnSpc>
         <a:spcPct val="100000"/>
       </a:lnSpc>
@@ -98,7 +105,7 @@
         <a:srgbClr val="000000"/>
       </a:buClr>
       <a:buFont typeface="Arial"/>
-      <a:defRPr b="0" i="0" sz="1400" u="none" cap="none" strike="noStrike">
+      <a:defRPr sz="1400" b="0" i="0" u="none" strike="noStrike" cap="none">
         <a:solidFill>
           <a:srgbClr val="000000"/>
         </a:solidFill>
@@ -108,7 +115,7 @@
         <a:sym typeface="Arial"/>
       </a:defRPr>
     </a:lvl2pPr>
-    <a:lvl3pPr lvl="2" marR="0" rtl="0" algn="l">
+    <a:lvl3pPr marR="0" lvl="2" algn="l" rtl="0">
       <a:lnSpc>
         <a:spcPct val="100000"/>
       </a:lnSpc>
@@ -122,7 +129,7 @@
         <a:srgbClr val="000000"/>
       </a:buClr>
       <a:buFont typeface="Arial"/>
-      <a:defRPr b="0" i="0" sz="1400" u="none" cap="none" strike="noStrike">
+      <a:defRPr sz="1400" b="0" i="0" u="none" strike="noStrike" cap="none">
         <a:solidFill>
           <a:srgbClr val="000000"/>
         </a:solidFill>
@@ -132,7 +139,7 @@
         <a:sym typeface="Arial"/>
       </a:defRPr>
     </a:lvl3pPr>
-    <a:lvl4pPr lvl="3" marR="0" rtl="0" algn="l">
+    <a:lvl4pPr marR="0" lvl="3" algn="l" rtl="0">
       <a:lnSpc>
         <a:spcPct val="100000"/>
       </a:lnSpc>
@@ -146,7 +153,7 @@
         <a:srgbClr val="000000"/>
       </a:buClr>
       <a:buFont typeface="Arial"/>
-      <a:defRPr b="0" i="0" sz="1400" u="none" cap="none" strike="noStrike">
+      <a:defRPr sz="1400" b="0" i="0" u="none" strike="noStrike" cap="none">
         <a:solidFill>
           <a:srgbClr val="000000"/>
         </a:solidFill>
@@ -156,7 +163,7 @@
         <a:sym typeface="Arial"/>
       </a:defRPr>
     </a:lvl4pPr>
-    <a:lvl5pPr lvl="4" marR="0" rtl="0" algn="l">
+    <a:lvl5pPr marR="0" lvl="4" algn="l" rtl="0">
       <a:lnSpc>
         <a:spcPct val="100000"/>
       </a:lnSpc>
@@ -170,7 +177,7 @@
         <a:srgbClr val="000000"/>
       </a:buClr>
       <a:buFont typeface="Arial"/>
-      <a:defRPr b="0" i="0" sz="1400" u="none" cap="none" strike="noStrike">
+      <a:defRPr sz="1400" b="0" i="0" u="none" strike="noStrike" cap="none">
         <a:solidFill>
           <a:srgbClr val="000000"/>
         </a:solidFill>
@@ -180,7 +187,7 @@
         <a:sym typeface="Arial"/>
       </a:defRPr>
     </a:lvl5pPr>
-    <a:lvl6pPr lvl="5" marR="0" rtl="0" algn="l">
+    <a:lvl6pPr marR="0" lvl="5" algn="l" rtl="0">
       <a:lnSpc>
         <a:spcPct val="100000"/>
       </a:lnSpc>
@@ -194,7 +201,7 @@
         <a:srgbClr val="000000"/>
       </a:buClr>
       <a:buFont typeface="Arial"/>
-      <a:defRPr b="0" i="0" sz="1400" u="none" cap="none" strike="noStrike">
+      <a:defRPr sz="1400" b="0" i="0" u="none" strike="noStrike" cap="none">
         <a:solidFill>
           <a:srgbClr val="000000"/>
         </a:solidFill>
@@ -204,7 +211,7 @@
         <a:sym typeface="Arial"/>
       </a:defRPr>
     </a:lvl6pPr>
-    <a:lvl7pPr lvl="6" marR="0" rtl="0" algn="l">
+    <a:lvl7pPr marR="0" lvl="6" algn="l" rtl="0">
       <a:lnSpc>
         <a:spcPct val="100000"/>
       </a:lnSpc>
@@ -218,7 +225,7 @@
         <a:srgbClr val="000000"/>
       </a:buClr>
       <a:buFont typeface="Arial"/>
-      <a:defRPr b="0" i="0" sz="1400" u="none" cap="none" strike="noStrike">
+      <a:defRPr sz="1400" b="0" i="0" u="none" strike="noStrike" cap="none">
         <a:solidFill>
           <a:srgbClr val="000000"/>
         </a:solidFill>
@@ -228,7 +235,7 @@
         <a:sym typeface="Arial"/>
       </a:defRPr>
     </a:lvl7pPr>
-    <a:lvl8pPr lvl="7" marR="0" rtl="0" algn="l">
+    <a:lvl8pPr marR="0" lvl="7" algn="l" rtl="0">
       <a:lnSpc>
         <a:spcPct val="100000"/>
       </a:lnSpc>
@@ -242,7 +249,7 @@
         <a:srgbClr val="000000"/>
       </a:buClr>
       <a:buFont typeface="Arial"/>
-      <a:defRPr b="0" i="0" sz="1400" u="none" cap="none" strike="noStrike">
+      <a:defRPr sz="1400" b="0" i="0" u="none" strike="noStrike" cap="none">
         <a:solidFill>
           <a:srgbClr val="000000"/>
         </a:solidFill>
@@ -252,7 +259,7 @@
         <a:sym typeface="Arial"/>
       </a:defRPr>
     </a:lvl8pPr>
-    <a:lvl9pPr lvl="8" marR="0" rtl="0" algn="l">
+    <a:lvl9pPr marR="0" lvl="8" algn="l" rtl="0">
       <a:lnSpc>
         <a:spcPct val="100000"/>
       </a:lnSpc>
@@ -266,7 +273,7 @@
         <a:srgbClr val="000000"/>
       </a:buClr>
       <a:buFont typeface="Arial"/>
-      <a:defRPr b="0" i="0" sz="1400" u="none" cap="none" strike="noStrike">
+      <a:defRPr sz="1400" b="0" i="0" u="none" strike="noStrike" cap="none">
         <a:solidFill>
           <a:srgbClr val="000000"/>
         </a:solidFill>
@@ -279,7 +286,7 @@
   </p:defaultTextStyle>
   <p:extLst>
     <p:ext uri="{EFAFB233-063F-42B5-8137-9DF3F51BA10A}">
-      <p15:sldGuideLst>
+      <p15:sldGuideLst xmlns:p15="http://schemas.microsoft.com/office/powerpoint/2012/main">
         <p15:guide id="1" orient="horz" pos="1620">
           <p15:clr>
             <a:srgbClr val="A4A3A4"/>
@@ -297,11 +304,16 @@
 </file>
 
 <file path=ppt/notesMasters/notesMaster1.xml><?xml version="1.0" encoding="utf-8"?>
-<p:notesMaster xmlns:a="http://schemas.openxmlformats.org/drawingml/2006/main" xmlns:r="http://schemas.openxmlformats.org/officeDocument/2006/relationships" xmlns:mc="http://schemas.openxmlformats.org/markup-compatibility/2006" xmlns:mv="urn:schemas-microsoft-com:mac:vml" xmlns:p="http://schemas.openxmlformats.org/presentationml/2006/main" xmlns:c="http://schemas.openxmlformats.org/drawingml/2006/chart" xmlns:dgm="http://schemas.openxmlformats.org/drawingml/2006/diagram" xmlns:o="urn:schemas-microsoft-com:office:office" xmlns:v="urn:schemas-microsoft-com:vml" xmlns:pvml="urn:schemas-microsoft-com:office:powerpoint" xmlns:com="http://schemas.openxmlformats.org/drawingml/2006/compatibility" xmlns:p14="http://schemas.microsoft.com/office/powerpoint/2010/main" xmlns:p15="http://schemas.microsoft.com/office/powerpoint/2012/main" xmlns:ahyp="http://schemas.microsoft.com/office/drawing/2018/hyperlinkcolor">
+<p:notesMaster xmlns:a="http://schemas.openxmlformats.org/drawingml/2006/main" xmlns:r="http://schemas.openxmlformats.org/officeDocument/2006/relationships" xmlns:p="http://schemas.openxmlformats.org/presentationml/2006/main">
   <p:cSld>
+    <p:bg>
+      <p:bgRef idx="1001">
+        <a:schemeClr val="bg1"/>
+      </p:bgRef>
+    </p:bg>
     <p:spTree>
       <p:nvGrpSpPr>
-        <p:cNvPr id="2" name="Shape 2"/>
+        <p:cNvPr id="1" name="Shape 2"/>
         <p:cNvGrpSpPr/>
         <p:nvPr/>
       </p:nvGrpSpPr>
@@ -316,9 +328,11 @@
       <p:sp>
         <p:nvSpPr>
           <p:cNvPr id="3" name="Google Shape;3;n"/>
-          <p:cNvSpPr/>
+          <p:cNvSpPr>
+            <a:spLocks noGrp="1" noRot="1" noChangeAspect="1"/>
+          </p:cNvSpPr>
           <p:nvPr>
-            <p:ph idx="2" type="sldImg"/>
+            <p:ph type="sldImg" idx="2"/>
           </p:nvPr>
         </p:nvSpPr>
         <p:spPr>
@@ -327,9 +341,13 @@
             <a:ext cx="6096075" cy="3429000"/>
           </a:xfrm>
           <a:custGeom>
-            <a:rect b="b" l="l" r="r" t="t"/>
+            <a:avLst/>
+            <a:gdLst/>
+            <a:ahLst/>
+            <a:cxnLst/>
+            <a:rect l="l" t="t" r="r" b="b"/>
             <a:pathLst>
-              <a:path extrusionOk="0" h="120000" w="120000">
+              <a:path w="120000" h="120000" extrusionOk="0">
                 <a:moveTo>
                   <a:pt x="0" y="0"/>
                 </a:moveTo>
@@ -347,23 +365,25 @@
             </a:pathLst>
           </a:custGeom>
           <a:noFill/>
-          <a:ln cap="flat" cmpd="sng" w="9525">
+          <a:ln w="9525" cap="flat" cmpd="sng">
             <a:solidFill>
               <a:srgbClr val="000000"/>
             </a:solidFill>
             <a:prstDash val="solid"/>
             <a:round/>
-            <a:headEnd len="sm" w="sm" type="none"/>
-            <a:tailEnd len="sm" w="sm" type="none"/>
+            <a:headEnd type="none" w="sm" len="sm"/>
+            <a:tailEnd type="none" w="sm" len="sm"/>
           </a:ln>
         </p:spPr>
       </p:sp>
       <p:sp>
         <p:nvSpPr>
           <p:cNvPr id="4" name="Google Shape;4;n"/>
-          <p:cNvSpPr txBox="1"/>
+          <p:cNvSpPr txBox="1">
+            <a:spLocks noGrp="1"/>
+          </p:cNvSpPr>
           <p:nvPr>
-            <p:ph idx="1" type="body"/>
+            <p:ph type="body" idx="1"/>
           </p:nvPr>
         </p:nvSpPr>
         <p:spPr>
@@ -380,11 +400,11 @@
           </a:ln>
         </p:spPr>
         <p:txBody>
-          <a:bodyPr anchorCtr="0" anchor="t" bIns="91425" lIns="91425" spcFirstLastPara="1" rIns="91425" wrap="square" tIns="91425">
+          <a:bodyPr spcFirstLastPara="1" wrap="square" lIns="91425" tIns="91425" rIns="91425" bIns="91425" anchor="t" anchorCtr="0">
             <a:noAutofit/>
           </a:bodyPr>
           <a:lstStyle>
-            <a:lvl1pPr indent="-298450" lvl="0" marL="457200">
+            <a:lvl1pPr marL="457200" lvl="0" indent="-298450">
               <a:spcBef>
                 <a:spcPts val="0"/>
               </a:spcBef>
@@ -395,7 +415,7 @@
               <a:buChar char="●"/>
               <a:defRPr sz="1100"/>
             </a:lvl1pPr>
-            <a:lvl2pPr indent="-298450" lvl="1" marL="914400">
+            <a:lvl2pPr marL="914400" lvl="1" indent="-298450">
               <a:spcBef>
                 <a:spcPts val="0"/>
               </a:spcBef>
@@ -406,7 +426,7 @@
               <a:buChar char="○"/>
               <a:defRPr sz="1100"/>
             </a:lvl2pPr>
-            <a:lvl3pPr indent="-298450" lvl="2" marL="1371600">
+            <a:lvl3pPr marL="1371600" lvl="2" indent="-298450">
               <a:spcBef>
                 <a:spcPts val="0"/>
               </a:spcBef>
@@ -417,7 +437,7 @@
               <a:buChar char="■"/>
               <a:defRPr sz="1100"/>
             </a:lvl3pPr>
-            <a:lvl4pPr indent="-298450" lvl="3" marL="1828800">
+            <a:lvl4pPr marL="1828800" lvl="3" indent="-298450">
               <a:spcBef>
                 <a:spcPts val="0"/>
               </a:spcBef>
@@ -428,7 +448,7 @@
               <a:buChar char="●"/>
               <a:defRPr sz="1100"/>
             </a:lvl4pPr>
-            <a:lvl5pPr indent="-298450" lvl="4" marL="2286000">
+            <a:lvl5pPr marL="2286000" lvl="4" indent="-298450">
               <a:spcBef>
                 <a:spcPts val="0"/>
               </a:spcBef>
@@ -439,7 +459,7 @@
               <a:buChar char="○"/>
               <a:defRPr sz="1100"/>
             </a:lvl5pPr>
-            <a:lvl6pPr indent="-298450" lvl="5" marL="2743200">
+            <a:lvl6pPr marL="2743200" lvl="5" indent="-298450">
               <a:spcBef>
                 <a:spcPts val="0"/>
               </a:spcBef>
@@ -450,7 +470,7 @@
               <a:buChar char="■"/>
               <a:defRPr sz="1100"/>
             </a:lvl6pPr>
-            <a:lvl7pPr indent="-298450" lvl="6" marL="3200400">
+            <a:lvl7pPr marL="3200400" lvl="6" indent="-298450">
               <a:spcBef>
                 <a:spcPts val="0"/>
               </a:spcBef>
@@ -461,7 +481,7 @@
               <a:buChar char="●"/>
               <a:defRPr sz="1100"/>
             </a:lvl7pPr>
-            <a:lvl8pPr indent="-298450" lvl="7" marL="3657600">
+            <a:lvl8pPr marL="3657600" lvl="7" indent="-298450">
               <a:spcBef>
                 <a:spcPts val="0"/>
               </a:spcBef>
@@ -472,7 +492,7 @@
               <a:buChar char="○"/>
               <a:defRPr sz="1100"/>
             </a:lvl8pPr>
-            <a:lvl9pPr indent="-298450" lvl="8" marL="4114800">
+            <a:lvl9pPr marL="4114800" lvl="8" indent="-298450">
               <a:spcBef>
                 <a:spcPts val="0"/>
               </a:spcBef>
@@ -484,14 +504,16 @@
               <a:defRPr sz="1100"/>
             </a:lvl9pPr>
           </a:lstStyle>
-          <a:p/>
+          <a:p>
+            <a:endParaRPr/>
+          </a:p>
         </p:txBody>
       </p:sp>
     </p:spTree>
   </p:cSld>
-  <p:clrMap accent1="accent1" accent2="accent2" accent3="accent3" accent4="accent4" accent5="accent5" accent6="accent6" bg1="lt1" bg2="dk2" tx1="dk1" tx2="lt2" folHlink="folHlink" hlink="hlink"/>
+  <p:clrMap bg1="lt1" tx1="dk1" bg2="dk2" tx2="lt2" accent1="accent1" accent2="accent2" accent3="accent3" accent4="accent4" accent5="accent5" accent6="accent6" hlink="hlink" folHlink="folHlink"/>
   <p:notesStyle>
-    <a:defPPr lvl="0" marR="0" rtl="0" algn="l">
+    <a:defPPr marR="0" lvl="0" algn="l" rtl="0">
       <a:lnSpc>
         <a:spcPct val="100000"/>
       </a:lnSpc>
@@ -502,7 +524,7 @@
         <a:spcPts val="0"/>
       </a:spcAft>
     </a:defPPr>
-    <a:lvl1pPr lvl="0" marR="0" rtl="0" algn="l">
+    <a:lvl1pPr marR="0" lvl="0" algn="l" rtl="0">
       <a:lnSpc>
         <a:spcPct val="100000"/>
       </a:lnSpc>
@@ -516,7 +538,7 @@
         <a:srgbClr val="000000"/>
       </a:buClr>
       <a:buFont typeface="Arial"/>
-      <a:defRPr b="0" i="0" sz="1400" u="none" cap="none" strike="noStrike">
+      <a:defRPr sz="1400" b="0" i="0" u="none" strike="noStrike" cap="none">
         <a:solidFill>
           <a:srgbClr val="000000"/>
         </a:solidFill>
@@ -526,7 +548,7 @@
         <a:sym typeface="Arial"/>
       </a:defRPr>
     </a:lvl1pPr>
-    <a:lvl2pPr lvl="1" marR="0" rtl="0" algn="l">
+    <a:lvl2pPr marR="0" lvl="1" algn="l" rtl="0">
       <a:lnSpc>
         <a:spcPct val="100000"/>
       </a:lnSpc>
@@ -540,7 +562,7 @@
         <a:srgbClr val="000000"/>
       </a:buClr>
       <a:buFont typeface="Arial"/>
-      <a:defRPr b="0" i="0" sz="1400" u="none" cap="none" strike="noStrike">
+      <a:defRPr sz="1400" b="0" i="0" u="none" strike="noStrike" cap="none">
         <a:solidFill>
           <a:srgbClr val="000000"/>
         </a:solidFill>
@@ -550,7 +572,7 @@
         <a:sym typeface="Arial"/>
       </a:defRPr>
     </a:lvl2pPr>
-    <a:lvl3pPr lvl="2" marR="0" rtl="0" algn="l">
+    <a:lvl3pPr marR="0" lvl="2" algn="l" rtl="0">
       <a:lnSpc>
         <a:spcPct val="100000"/>
       </a:lnSpc>
@@ -564,7 +586,7 @@
         <a:srgbClr val="000000"/>
       </a:buClr>
       <a:buFont typeface="Arial"/>
-      <a:defRPr b="0" i="0" sz="1400" u="none" cap="none" strike="noStrike">
+      <a:defRPr sz="1400" b="0" i="0" u="none" strike="noStrike" cap="none">
         <a:solidFill>
           <a:srgbClr val="000000"/>
         </a:solidFill>
@@ -574,7 +596,7 @@
         <a:sym typeface="Arial"/>
       </a:defRPr>
     </a:lvl3pPr>
-    <a:lvl4pPr lvl="3" marR="0" rtl="0" algn="l">
+    <a:lvl4pPr marR="0" lvl="3" algn="l" rtl="0">
       <a:lnSpc>
         <a:spcPct val="100000"/>
       </a:lnSpc>
@@ -588,7 +610,7 @@
         <a:srgbClr val="000000"/>
       </a:buClr>
       <a:buFont typeface="Arial"/>
-      <a:defRPr b="0" i="0" sz="1400" u="none" cap="none" strike="noStrike">
+      <a:defRPr sz="1400" b="0" i="0" u="none" strike="noStrike" cap="none">
         <a:solidFill>
           <a:srgbClr val="000000"/>
         </a:solidFill>
@@ -598,7 +620,7 @@
         <a:sym typeface="Arial"/>
       </a:defRPr>
     </a:lvl4pPr>
-    <a:lvl5pPr lvl="4" marR="0" rtl="0" algn="l">
+    <a:lvl5pPr marR="0" lvl="4" algn="l" rtl="0">
       <a:lnSpc>
         <a:spcPct val="100000"/>
       </a:lnSpc>
@@ -612,7 +634,7 @@
         <a:srgbClr val="000000"/>
       </a:buClr>
       <a:buFont typeface="Arial"/>
-      <a:defRPr b="0" i="0" sz="1400" u="none" cap="none" strike="noStrike">
+      <a:defRPr sz="1400" b="0" i="0" u="none" strike="noStrike" cap="none">
         <a:solidFill>
           <a:srgbClr val="000000"/>
         </a:solidFill>
@@ -622,7 +644,7 @@
         <a:sym typeface="Arial"/>
       </a:defRPr>
     </a:lvl5pPr>
-    <a:lvl6pPr lvl="5" marR="0" rtl="0" algn="l">
+    <a:lvl6pPr marR="0" lvl="5" algn="l" rtl="0">
       <a:lnSpc>
         <a:spcPct val="100000"/>
       </a:lnSpc>
@@ -636,7 +658,7 @@
         <a:srgbClr val="000000"/>
       </a:buClr>
       <a:buFont typeface="Arial"/>
-      <a:defRPr b="0" i="0" sz="1400" u="none" cap="none" strike="noStrike">
+      <a:defRPr sz="1400" b="0" i="0" u="none" strike="noStrike" cap="none">
         <a:solidFill>
           <a:srgbClr val="000000"/>
         </a:solidFill>
@@ -646,7 +668,7 @@
         <a:sym typeface="Arial"/>
       </a:defRPr>
     </a:lvl6pPr>
-    <a:lvl7pPr lvl="6" marR="0" rtl="0" algn="l">
+    <a:lvl7pPr marR="0" lvl="6" algn="l" rtl="0">
       <a:lnSpc>
         <a:spcPct val="100000"/>
       </a:lnSpc>
@@ -660,7 +682,7 @@
         <a:srgbClr val="000000"/>
       </a:buClr>
       <a:buFont typeface="Arial"/>
-      <a:defRPr b="0" i="0" sz="1400" u="none" cap="none" strike="noStrike">
+      <a:defRPr sz="1400" b="0" i="0" u="none" strike="noStrike" cap="none">
         <a:solidFill>
           <a:srgbClr val="000000"/>
         </a:solidFill>
@@ -670,7 +692,7 @@
         <a:sym typeface="Arial"/>
       </a:defRPr>
     </a:lvl7pPr>
-    <a:lvl8pPr lvl="7" marR="0" rtl="0" algn="l">
+    <a:lvl8pPr marR="0" lvl="7" algn="l" rtl="0">
       <a:lnSpc>
         <a:spcPct val="100000"/>
       </a:lnSpc>
@@ -684,7 +706,7 @@
         <a:srgbClr val="000000"/>
       </a:buClr>
       <a:buFont typeface="Arial"/>
-      <a:defRPr b="0" i="0" sz="1400" u="none" cap="none" strike="noStrike">
+      <a:defRPr sz="1400" b="0" i="0" u="none" strike="noStrike" cap="none">
         <a:solidFill>
           <a:srgbClr val="000000"/>
         </a:solidFill>
@@ -694,7 +716,7 @@
         <a:sym typeface="Arial"/>
       </a:defRPr>
     </a:lvl8pPr>
-    <a:lvl9pPr lvl="8" marR="0" rtl="0" algn="l">
+    <a:lvl9pPr marR="0" lvl="8" algn="l" rtl="0">
       <a:lnSpc>
         <a:spcPct val="100000"/>
       </a:lnSpc>
@@ -708,7 +730,7 @@
         <a:srgbClr val="000000"/>
       </a:buClr>
       <a:buFont typeface="Arial"/>
-      <a:defRPr b="0" i="0" sz="1400" u="none" cap="none" strike="noStrike">
+      <a:defRPr sz="1400" b="0" i="0" u="none" strike="noStrike" cap="none">
         <a:solidFill>
           <a:srgbClr val="000000"/>
         </a:solidFill>
@@ -723,11 +745,11 @@
 </file>
 
 <file path=ppt/notesSlides/notesSlide1.xml><?xml version="1.0" encoding="utf-8"?>
-<p:notes xmlns:a="http://schemas.openxmlformats.org/drawingml/2006/main" xmlns:r="http://schemas.openxmlformats.org/officeDocument/2006/relationships" xmlns:mc="http://schemas.openxmlformats.org/markup-compatibility/2006" xmlns:mv="urn:schemas-microsoft-com:mac:vml" xmlns:p="http://schemas.openxmlformats.org/presentationml/2006/main" xmlns:c="http://schemas.openxmlformats.org/drawingml/2006/chart" xmlns:dgm="http://schemas.openxmlformats.org/drawingml/2006/diagram" xmlns:o="urn:schemas-microsoft-com:office:office" xmlns:v="urn:schemas-microsoft-com:vml" xmlns:pvml="urn:schemas-microsoft-com:office:powerpoint" xmlns:com="http://schemas.openxmlformats.org/drawingml/2006/compatibility" xmlns:p14="http://schemas.microsoft.com/office/powerpoint/2010/main" xmlns:p15="http://schemas.microsoft.com/office/powerpoint/2012/main" xmlns:ahyp="http://schemas.microsoft.com/office/drawing/2018/hyperlinkcolor" showMasterPhAnim="0" showMasterSp="0">
+<p:notes xmlns:a="http://schemas.openxmlformats.org/drawingml/2006/main" xmlns:r="http://schemas.openxmlformats.org/officeDocument/2006/relationships" xmlns:p="http://schemas.openxmlformats.org/presentationml/2006/main" showMasterSp="0" showMasterPhAnim="0">
   <p:cSld>
     <p:spTree>
       <p:nvGrpSpPr>
-        <p:cNvPr id="105" name="Shape 105"/>
+        <p:cNvPr id="1" name="Shape 105"/>
         <p:cNvGrpSpPr/>
         <p:nvPr/>
       </p:nvGrpSpPr>
@@ -742,9 +764,11 @@
       <p:sp>
         <p:nvSpPr>
           <p:cNvPr id="106" name="Google Shape;106;p:notes"/>
-          <p:cNvSpPr/>
+          <p:cNvSpPr>
+            <a:spLocks noGrp="1" noRot="1" noChangeAspect="1"/>
+          </p:cNvSpPr>
           <p:nvPr>
-            <p:ph idx="2" type="sldImg"/>
+            <p:ph type="sldImg" idx="2"/>
           </p:nvPr>
         </p:nvSpPr>
         <p:spPr>
@@ -753,9 +777,13 @@
             <a:ext cx="6096075" cy="3429000"/>
           </a:xfrm>
           <a:custGeom>
-            <a:rect b="b" l="l" r="r" t="t"/>
+            <a:avLst/>
+            <a:gdLst/>
+            <a:ahLst/>
+            <a:cxnLst/>
+            <a:rect l="l" t="t" r="r" b="b"/>
             <a:pathLst>
-              <a:path extrusionOk="0" h="120000" w="120000">
+              <a:path w="120000" h="120000" extrusionOk="0">
                 <a:moveTo>
                   <a:pt x="0" y="0"/>
                 </a:moveTo>
@@ -777,9 +805,11 @@
       <p:sp>
         <p:nvSpPr>
           <p:cNvPr id="107" name="Google Shape;107;p:notes"/>
-          <p:cNvSpPr txBox="1"/>
+          <p:cNvSpPr txBox="1">
+            <a:spLocks noGrp="1"/>
+          </p:cNvSpPr>
           <p:nvPr>
-            <p:ph idx="1" type="body"/>
+            <p:ph type="body" idx="1"/>
           </p:nvPr>
         </p:nvSpPr>
         <p:spPr>
@@ -792,12 +822,12 @@
           </a:prstGeom>
         </p:spPr>
         <p:txBody>
-          <a:bodyPr anchorCtr="0" anchor="t" bIns="91425" lIns="91425" spcFirstLastPara="1" rIns="91425" wrap="square" tIns="91425">
+          <a:bodyPr spcFirstLastPara="1" wrap="square" lIns="91425" tIns="91425" rIns="91425" bIns="91425" anchor="t" anchorCtr="0">
             <a:noAutofit/>
           </a:bodyPr>
           <a:lstStyle/>
           <a:p>
-            <a:pPr indent="0" lvl="0" marL="0" rtl="0" algn="l">
+            <a:pPr marL="0" lvl="0" indent="0" algn="l" rtl="0">
               <a:spcBef>
                 <a:spcPts val="0"/>
               </a:spcBef>
@@ -806,9 +836,6 @@
               </a:spcAft>
               <a:buNone/>
             </a:pPr>
-            <a:r>
-              <a:t/>
-            </a:r>
             <a:endParaRPr/>
           </a:p>
         </p:txBody>
@@ -822,11 +849,11 @@
 </file>
 
 <file path=ppt/notesSlides/notesSlide10.xml><?xml version="1.0" encoding="utf-8"?>
-<p:notes xmlns:a="http://schemas.openxmlformats.org/drawingml/2006/main" xmlns:r="http://schemas.openxmlformats.org/officeDocument/2006/relationships" xmlns:mc="http://schemas.openxmlformats.org/markup-compatibility/2006" xmlns:mv="urn:schemas-microsoft-com:mac:vml" xmlns:p="http://schemas.openxmlformats.org/presentationml/2006/main" xmlns:c="http://schemas.openxmlformats.org/drawingml/2006/chart" xmlns:dgm="http://schemas.openxmlformats.org/drawingml/2006/diagram" xmlns:o="urn:schemas-microsoft-com:office:office" xmlns:v="urn:schemas-microsoft-com:vml" xmlns:pvml="urn:schemas-microsoft-com:office:powerpoint" xmlns:com="http://schemas.openxmlformats.org/drawingml/2006/compatibility" xmlns:p14="http://schemas.microsoft.com/office/powerpoint/2010/main" xmlns:p15="http://schemas.microsoft.com/office/powerpoint/2012/main" xmlns:ahyp="http://schemas.microsoft.com/office/drawing/2018/hyperlinkcolor" showMasterPhAnim="0" showMasterSp="0">
+<p:notes xmlns:a="http://schemas.openxmlformats.org/drawingml/2006/main" xmlns:r="http://schemas.openxmlformats.org/officeDocument/2006/relationships" xmlns:p="http://schemas.openxmlformats.org/presentationml/2006/main" showMasterSp="0" showMasterPhAnim="0">
   <p:cSld>
     <p:spTree>
       <p:nvGrpSpPr>
-        <p:cNvPr id="164" name="Shape 164"/>
+        <p:cNvPr id="1" name="Shape 164"/>
         <p:cNvGrpSpPr/>
         <p:nvPr/>
       </p:nvGrpSpPr>
@@ -841,9 +868,11 @@
       <p:sp>
         <p:nvSpPr>
           <p:cNvPr id="165" name="Google Shape;165;g103ebe776ef_0_252:notes"/>
-          <p:cNvSpPr/>
+          <p:cNvSpPr>
+            <a:spLocks noGrp="1" noRot="1" noChangeAspect="1"/>
+          </p:cNvSpPr>
           <p:nvPr>
-            <p:ph idx="2" type="sldImg"/>
+            <p:ph type="sldImg" idx="2"/>
           </p:nvPr>
         </p:nvSpPr>
         <p:spPr>
@@ -852,9 +881,13 @@
             <a:ext cx="6096000" cy="3429000"/>
           </a:xfrm>
           <a:custGeom>
-            <a:rect b="b" l="l" r="r" t="t"/>
+            <a:avLst/>
+            <a:gdLst/>
+            <a:ahLst/>
+            <a:cxnLst/>
+            <a:rect l="l" t="t" r="r" b="b"/>
             <a:pathLst>
-              <a:path extrusionOk="0" h="120000" w="120000">
+              <a:path w="120000" h="120000" extrusionOk="0">
                 <a:moveTo>
                   <a:pt x="0" y="0"/>
                 </a:moveTo>
@@ -876,9 +909,11 @@
       <p:sp>
         <p:nvSpPr>
           <p:cNvPr id="166" name="Google Shape;166;g103ebe776ef_0_252:notes"/>
-          <p:cNvSpPr txBox="1"/>
+          <p:cNvSpPr txBox="1">
+            <a:spLocks noGrp="1"/>
+          </p:cNvSpPr>
           <p:nvPr>
-            <p:ph idx="1" type="body"/>
+            <p:ph type="body" idx="1"/>
           </p:nvPr>
         </p:nvSpPr>
         <p:spPr>
@@ -891,12 +926,12 @@
           </a:prstGeom>
         </p:spPr>
         <p:txBody>
-          <a:bodyPr anchorCtr="0" anchor="t" bIns="91425" lIns="91425" spcFirstLastPara="1" rIns="91425" wrap="square" tIns="91425">
+          <a:bodyPr spcFirstLastPara="1" wrap="square" lIns="91425" tIns="91425" rIns="91425" bIns="91425" anchor="t" anchorCtr="0">
             <a:noAutofit/>
           </a:bodyPr>
           <a:lstStyle/>
           <a:p>
-            <a:pPr indent="0" lvl="0" marL="0" rtl="0" algn="l">
+            <a:pPr marL="0" lvl="0" indent="0" algn="l" rtl="0">
               <a:spcBef>
                 <a:spcPts val="0"/>
               </a:spcBef>
@@ -905,9 +940,6 @@
               </a:spcAft>
               <a:buNone/>
             </a:pPr>
-            <a:r>
-              <a:t/>
-            </a:r>
             <a:endParaRPr/>
           </a:p>
         </p:txBody>
@@ -921,11 +953,11 @@
 </file>
 
 <file path=ppt/notesSlides/notesSlide11.xml><?xml version="1.0" encoding="utf-8"?>
-<p:notes xmlns:a="http://schemas.openxmlformats.org/drawingml/2006/main" xmlns:r="http://schemas.openxmlformats.org/officeDocument/2006/relationships" xmlns:mc="http://schemas.openxmlformats.org/markup-compatibility/2006" xmlns:mv="urn:schemas-microsoft-com:mac:vml" xmlns:p="http://schemas.openxmlformats.org/presentationml/2006/main" xmlns:c="http://schemas.openxmlformats.org/drawingml/2006/chart" xmlns:dgm="http://schemas.openxmlformats.org/drawingml/2006/diagram" xmlns:o="urn:schemas-microsoft-com:office:office" xmlns:v="urn:schemas-microsoft-com:vml" xmlns:pvml="urn:schemas-microsoft-com:office:powerpoint" xmlns:com="http://schemas.openxmlformats.org/drawingml/2006/compatibility" xmlns:p14="http://schemas.microsoft.com/office/powerpoint/2010/main" xmlns:p15="http://schemas.microsoft.com/office/powerpoint/2012/main" xmlns:ahyp="http://schemas.microsoft.com/office/drawing/2018/hyperlinkcolor" showMasterPhAnim="0" showMasterSp="0">
+<p:notes xmlns:a="http://schemas.openxmlformats.org/drawingml/2006/main" xmlns:r="http://schemas.openxmlformats.org/officeDocument/2006/relationships" xmlns:p="http://schemas.openxmlformats.org/presentationml/2006/main" showMasterSp="0" showMasterPhAnim="0">
   <p:cSld>
     <p:spTree>
       <p:nvGrpSpPr>
-        <p:cNvPr id="172" name="Shape 172"/>
+        <p:cNvPr id="1" name="Shape 172"/>
         <p:cNvGrpSpPr/>
         <p:nvPr/>
       </p:nvGrpSpPr>
@@ -940,9 +972,11 @@
       <p:sp>
         <p:nvSpPr>
           <p:cNvPr id="173" name="Google Shape;173;g106d9c315be_0_61:notes"/>
-          <p:cNvSpPr/>
+          <p:cNvSpPr>
+            <a:spLocks noGrp="1" noRot="1" noChangeAspect="1"/>
+          </p:cNvSpPr>
           <p:nvPr>
-            <p:ph idx="2" type="sldImg"/>
+            <p:ph type="sldImg" idx="2"/>
           </p:nvPr>
         </p:nvSpPr>
         <p:spPr>
@@ -951,9 +985,13 @@
             <a:ext cx="6096000" cy="3429000"/>
           </a:xfrm>
           <a:custGeom>
-            <a:rect b="b" l="l" r="r" t="t"/>
+            <a:avLst/>
+            <a:gdLst/>
+            <a:ahLst/>
+            <a:cxnLst/>
+            <a:rect l="l" t="t" r="r" b="b"/>
             <a:pathLst>
-              <a:path extrusionOk="0" h="120000" w="120000">
+              <a:path w="120000" h="120000" extrusionOk="0">
                 <a:moveTo>
                   <a:pt x="0" y="0"/>
                 </a:moveTo>
@@ -975,9 +1013,11 @@
       <p:sp>
         <p:nvSpPr>
           <p:cNvPr id="174" name="Google Shape;174;g106d9c315be_0_61:notes"/>
-          <p:cNvSpPr txBox="1"/>
+          <p:cNvSpPr txBox="1">
+            <a:spLocks noGrp="1"/>
+          </p:cNvSpPr>
           <p:nvPr>
-            <p:ph idx="1" type="body"/>
+            <p:ph type="body" idx="1"/>
           </p:nvPr>
         </p:nvSpPr>
         <p:spPr>
@@ -990,12 +1030,12 @@
           </a:prstGeom>
         </p:spPr>
         <p:txBody>
-          <a:bodyPr anchorCtr="0" anchor="t" bIns="91425" lIns="91425" spcFirstLastPara="1" rIns="91425" wrap="square" tIns="91425">
+          <a:bodyPr spcFirstLastPara="1" wrap="square" lIns="91425" tIns="91425" rIns="91425" bIns="91425" anchor="t" anchorCtr="0">
             <a:noAutofit/>
           </a:bodyPr>
           <a:lstStyle/>
           <a:p>
-            <a:pPr indent="0" lvl="0" marL="0" rtl="0" algn="l">
+            <a:pPr marL="0" lvl="0" indent="0" algn="l" rtl="0">
               <a:spcBef>
                 <a:spcPts val="0"/>
               </a:spcBef>
@@ -1004,9 +1044,6 @@
               </a:spcAft>
               <a:buNone/>
             </a:pPr>
-            <a:r>
-              <a:t/>
-            </a:r>
             <a:endParaRPr/>
           </a:p>
         </p:txBody>
@@ -1020,11 +1057,11 @@
 </file>
 
 <file path=ppt/notesSlides/notesSlide12.xml><?xml version="1.0" encoding="utf-8"?>
-<p:notes xmlns:a="http://schemas.openxmlformats.org/drawingml/2006/main" xmlns:r="http://schemas.openxmlformats.org/officeDocument/2006/relationships" xmlns:mc="http://schemas.openxmlformats.org/markup-compatibility/2006" xmlns:mv="urn:schemas-microsoft-com:mac:vml" xmlns:p="http://schemas.openxmlformats.org/presentationml/2006/main" xmlns:c="http://schemas.openxmlformats.org/drawingml/2006/chart" xmlns:dgm="http://schemas.openxmlformats.org/drawingml/2006/diagram" xmlns:o="urn:schemas-microsoft-com:office:office" xmlns:v="urn:schemas-microsoft-com:vml" xmlns:pvml="urn:schemas-microsoft-com:office:powerpoint" xmlns:com="http://schemas.openxmlformats.org/drawingml/2006/compatibility" xmlns:p14="http://schemas.microsoft.com/office/powerpoint/2010/main" xmlns:p15="http://schemas.microsoft.com/office/powerpoint/2012/main" xmlns:ahyp="http://schemas.microsoft.com/office/drawing/2018/hyperlinkcolor" showMasterPhAnim="0" showMasterSp="0">
+<p:notes xmlns:a="http://schemas.openxmlformats.org/drawingml/2006/main" xmlns:r="http://schemas.openxmlformats.org/officeDocument/2006/relationships" xmlns:p="http://schemas.openxmlformats.org/presentationml/2006/main" showMasterSp="0" showMasterPhAnim="0">
   <p:cSld>
     <p:spTree>
       <p:nvGrpSpPr>
-        <p:cNvPr id="178" name="Shape 178"/>
+        <p:cNvPr id="1" name="Shape 178"/>
         <p:cNvGrpSpPr/>
         <p:nvPr/>
       </p:nvGrpSpPr>
@@ -1039,9 +1076,11 @@
       <p:sp>
         <p:nvSpPr>
           <p:cNvPr id="179" name="Google Shape;179;g106d9c315be_1_76:notes"/>
-          <p:cNvSpPr/>
+          <p:cNvSpPr>
+            <a:spLocks noGrp="1" noRot="1" noChangeAspect="1"/>
+          </p:cNvSpPr>
           <p:nvPr>
-            <p:ph idx="2" type="sldImg"/>
+            <p:ph type="sldImg" idx="2"/>
           </p:nvPr>
         </p:nvSpPr>
         <p:spPr>
@@ -1050,9 +1089,13 @@
             <a:ext cx="6096000" cy="3429000"/>
           </a:xfrm>
           <a:custGeom>
-            <a:rect b="b" l="l" r="r" t="t"/>
+            <a:avLst/>
+            <a:gdLst/>
+            <a:ahLst/>
+            <a:cxnLst/>
+            <a:rect l="l" t="t" r="r" b="b"/>
             <a:pathLst>
-              <a:path extrusionOk="0" h="120000" w="120000">
+              <a:path w="120000" h="120000" extrusionOk="0">
                 <a:moveTo>
                   <a:pt x="0" y="0"/>
                 </a:moveTo>
@@ -1074,9 +1117,11 @@
       <p:sp>
         <p:nvSpPr>
           <p:cNvPr id="180" name="Google Shape;180;g106d9c315be_1_76:notes"/>
-          <p:cNvSpPr txBox="1"/>
+          <p:cNvSpPr txBox="1">
+            <a:spLocks noGrp="1"/>
+          </p:cNvSpPr>
           <p:nvPr>
-            <p:ph idx="1" type="body"/>
+            <p:ph type="body" idx="1"/>
           </p:nvPr>
         </p:nvSpPr>
         <p:spPr>
@@ -1089,12 +1134,12 @@
           </a:prstGeom>
         </p:spPr>
         <p:txBody>
-          <a:bodyPr anchorCtr="0" anchor="t" bIns="91425" lIns="91425" spcFirstLastPara="1" rIns="91425" wrap="square" tIns="91425">
+          <a:bodyPr spcFirstLastPara="1" wrap="square" lIns="91425" tIns="91425" rIns="91425" bIns="91425" anchor="t" anchorCtr="0">
             <a:noAutofit/>
           </a:bodyPr>
           <a:lstStyle/>
           <a:p>
-            <a:pPr indent="0" lvl="0" marL="0" rtl="0" algn="l">
+            <a:pPr marL="0" lvl="0" indent="0" algn="l" rtl="0">
               <a:spcBef>
                 <a:spcPts val="0"/>
               </a:spcBef>
@@ -1103,9 +1148,6 @@
               </a:spcAft>
               <a:buNone/>
             </a:pPr>
-            <a:r>
-              <a:t/>
-            </a:r>
             <a:endParaRPr/>
           </a:p>
         </p:txBody>
@@ -1119,11 +1161,11 @@
 </file>
 
 <file path=ppt/notesSlides/notesSlide13.xml><?xml version="1.0" encoding="utf-8"?>
-<p:notes xmlns:a="http://schemas.openxmlformats.org/drawingml/2006/main" xmlns:r="http://schemas.openxmlformats.org/officeDocument/2006/relationships" xmlns:mc="http://schemas.openxmlformats.org/markup-compatibility/2006" xmlns:mv="urn:schemas-microsoft-com:mac:vml" xmlns:p="http://schemas.openxmlformats.org/presentationml/2006/main" xmlns:c="http://schemas.openxmlformats.org/drawingml/2006/chart" xmlns:dgm="http://schemas.openxmlformats.org/drawingml/2006/diagram" xmlns:o="urn:schemas-microsoft-com:office:office" xmlns:v="urn:schemas-microsoft-com:vml" xmlns:pvml="urn:schemas-microsoft-com:office:powerpoint" xmlns:com="http://schemas.openxmlformats.org/drawingml/2006/compatibility" xmlns:p14="http://schemas.microsoft.com/office/powerpoint/2010/main" xmlns:p15="http://schemas.microsoft.com/office/powerpoint/2012/main" xmlns:ahyp="http://schemas.microsoft.com/office/drawing/2018/hyperlinkcolor" showMasterPhAnim="0" showMasterSp="0">
+<p:notes xmlns:a="http://schemas.openxmlformats.org/drawingml/2006/main" xmlns:r="http://schemas.openxmlformats.org/officeDocument/2006/relationships" xmlns:p="http://schemas.openxmlformats.org/presentationml/2006/main" showMasterSp="0" showMasterPhAnim="0">
   <p:cSld>
     <p:spTree>
       <p:nvGrpSpPr>
-        <p:cNvPr id="183" name="Shape 183"/>
+        <p:cNvPr id="1" name="Shape 183"/>
         <p:cNvGrpSpPr/>
         <p:nvPr/>
       </p:nvGrpSpPr>
@@ -1138,9 +1180,11 @@
       <p:sp>
         <p:nvSpPr>
           <p:cNvPr id="184" name="Google Shape;184;g106d9c315be_0_0:notes"/>
-          <p:cNvSpPr/>
+          <p:cNvSpPr>
+            <a:spLocks noGrp="1" noRot="1" noChangeAspect="1"/>
+          </p:cNvSpPr>
           <p:nvPr>
-            <p:ph idx="2" type="sldImg"/>
+            <p:ph type="sldImg" idx="2"/>
           </p:nvPr>
         </p:nvSpPr>
         <p:spPr>
@@ -1149,9 +1193,13 @@
             <a:ext cx="6096000" cy="3429000"/>
           </a:xfrm>
           <a:custGeom>
-            <a:rect b="b" l="l" r="r" t="t"/>
+            <a:avLst/>
+            <a:gdLst/>
+            <a:ahLst/>
+            <a:cxnLst/>
+            <a:rect l="l" t="t" r="r" b="b"/>
             <a:pathLst>
-              <a:path extrusionOk="0" h="120000" w="120000">
+              <a:path w="120000" h="120000" extrusionOk="0">
                 <a:moveTo>
                   <a:pt x="0" y="0"/>
                 </a:moveTo>
@@ -1173,9 +1221,11 @@
       <p:sp>
         <p:nvSpPr>
           <p:cNvPr id="185" name="Google Shape;185;g106d9c315be_0_0:notes"/>
-          <p:cNvSpPr txBox="1"/>
+          <p:cNvSpPr txBox="1">
+            <a:spLocks noGrp="1"/>
+          </p:cNvSpPr>
           <p:nvPr>
-            <p:ph idx="1" type="body"/>
+            <p:ph type="body" idx="1"/>
           </p:nvPr>
         </p:nvSpPr>
         <p:spPr>
@@ -1188,12 +1238,12 @@
           </a:prstGeom>
         </p:spPr>
         <p:txBody>
-          <a:bodyPr anchorCtr="0" anchor="t" bIns="91425" lIns="91425" spcFirstLastPara="1" rIns="91425" wrap="square" tIns="91425">
+          <a:bodyPr spcFirstLastPara="1" wrap="square" lIns="91425" tIns="91425" rIns="91425" bIns="91425" anchor="t" anchorCtr="0">
             <a:noAutofit/>
           </a:bodyPr>
           <a:lstStyle/>
           <a:p>
-            <a:pPr indent="0" lvl="0" marL="0" rtl="0" algn="l">
+            <a:pPr marL="0" lvl="0" indent="0" algn="l" rtl="0">
               <a:spcBef>
                 <a:spcPts val="0"/>
               </a:spcBef>
@@ -1202,9 +1252,6 @@
               </a:spcAft>
               <a:buNone/>
             </a:pPr>
-            <a:r>
-              <a:t/>
-            </a:r>
             <a:endParaRPr/>
           </a:p>
         </p:txBody>
@@ -1218,11 +1265,11 @@
 </file>
 
 <file path=ppt/notesSlides/notesSlide14.xml><?xml version="1.0" encoding="utf-8"?>
-<p:notes xmlns:a="http://schemas.openxmlformats.org/drawingml/2006/main" xmlns:r="http://schemas.openxmlformats.org/officeDocument/2006/relationships" xmlns:mc="http://schemas.openxmlformats.org/markup-compatibility/2006" xmlns:mv="urn:schemas-microsoft-com:mac:vml" xmlns:p="http://schemas.openxmlformats.org/presentationml/2006/main" xmlns:c="http://schemas.openxmlformats.org/drawingml/2006/chart" xmlns:dgm="http://schemas.openxmlformats.org/drawingml/2006/diagram" xmlns:o="urn:schemas-microsoft-com:office:office" xmlns:v="urn:schemas-microsoft-com:vml" xmlns:pvml="urn:schemas-microsoft-com:office:powerpoint" xmlns:com="http://schemas.openxmlformats.org/drawingml/2006/compatibility" xmlns:p14="http://schemas.microsoft.com/office/powerpoint/2010/main" xmlns:p15="http://schemas.microsoft.com/office/powerpoint/2012/main" xmlns:ahyp="http://schemas.microsoft.com/office/drawing/2018/hyperlinkcolor" showMasterPhAnim="0" showMasterSp="0">
+<p:notes xmlns:a="http://schemas.openxmlformats.org/drawingml/2006/main" xmlns:r="http://schemas.openxmlformats.org/officeDocument/2006/relationships" xmlns:p="http://schemas.openxmlformats.org/presentationml/2006/main" showMasterSp="0" showMasterPhAnim="0">
   <p:cSld>
     <p:spTree>
       <p:nvGrpSpPr>
-        <p:cNvPr id="189" name="Shape 189"/>
+        <p:cNvPr id="1" name="Shape 189"/>
         <p:cNvGrpSpPr/>
         <p:nvPr/>
       </p:nvGrpSpPr>
@@ -1237,9 +1284,11 @@
       <p:sp>
         <p:nvSpPr>
           <p:cNvPr id="190" name="Google Shape;190;g103ebe776ef_0_164:notes"/>
-          <p:cNvSpPr/>
+          <p:cNvSpPr>
+            <a:spLocks noGrp="1" noRot="1" noChangeAspect="1"/>
+          </p:cNvSpPr>
           <p:nvPr>
-            <p:ph idx="2" type="sldImg"/>
+            <p:ph type="sldImg" idx="2"/>
           </p:nvPr>
         </p:nvSpPr>
         <p:spPr>
@@ -1248,9 +1297,13 @@
             <a:ext cx="6096000" cy="3429000"/>
           </a:xfrm>
           <a:custGeom>
-            <a:rect b="b" l="l" r="r" t="t"/>
+            <a:avLst/>
+            <a:gdLst/>
+            <a:ahLst/>
+            <a:cxnLst/>
+            <a:rect l="l" t="t" r="r" b="b"/>
             <a:pathLst>
-              <a:path extrusionOk="0" h="120000" w="120000">
+              <a:path w="120000" h="120000" extrusionOk="0">
                 <a:moveTo>
                   <a:pt x="0" y="0"/>
                 </a:moveTo>
@@ -1272,9 +1325,11 @@
       <p:sp>
         <p:nvSpPr>
           <p:cNvPr id="191" name="Google Shape;191;g103ebe776ef_0_164:notes"/>
-          <p:cNvSpPr txBox="1"/>
+          <p:cNvSpPr txBox="1">
+            <a:spLocks noGrp="1"/>
+          </p:cNvSpPr>
           <p:nvPr>
-            <p:ph idx="1" type="body"/>
+            <p:ph type="body" idx="1"/>
           </p:nvPr>
         </p:nvSpPr>
         <p:spPr>
@@ -1287,12 +1342,12 @@
           </a:prstGeom>
         </p:spPr>
         <p:txBody>
-          <a:bodyPr anchorCtr="0" anchor="t" bIns="91425" lIns="91425" spcFirstLastPara="1" rIns="91425" wrap="square" tIns="91425">
+          <a:bodyPr spcFirstLastPara="1" wrap="square" lIns="91425" tIns="91425" rIns="91425" bIns="91425" anchor="t" anchorCtr="0">
             <a:noAutofit/>
           </a:bodyPr>
           <a:lstStyle/>
           <a:p>
-            <a:pPr indent="0" lvl="0" marL="0" rtl="0" algn="l">
+            <a:pPr marL="0" lvl="0" indent="0" algn="l" rtl="0">
               <a:spcBef>
                 <a:spcPts val="0"/>
               </a:spcBef>
@@ -1301,9 +1356,6 @@
               </a:spcAft>
               <a:buNone/>
             </a:pPr>
-            <a:r>
-              <a:t/>
-            </a:r>
             <a:endParaRPr/>
           </a:p>
         </p:txBody>
@@ -1317,11 +1369,11 @@
 </file>
 
 <file path=ppt/notesSlides/notesSlide15.xml><?xml version="1.0" encoding="utf-8"?>
-<p:notes xmlns:a="http://schemas.openxmlformats.org/drawingml/2006/main" xmlns:r="http://schemas.openxmlformats.org/officeDocument/2006/relationships" xmlns:mc="http://schemas.openxmlformats.org/markup-compatibility/2006" xmlns:mv="urn:schemas-microsoft-com:mac:vml" xmlns:p="http://schemas.openxmlformats.org/presentationml/2006/main" xmlns:c="http://schemas.openxmlformats.org/drawingml/2006/chart" xmlns:dgm="http://schemas.openxmlformats.org/drawingml/2006/diagram" xmlns:o="urn:schemas-microsoft-com:office:office" xmlns:v="urn:schemas-microsoft-com:vml" xmlns:pvml="urn:schemas-microsoft-com:office:powerpoint" xmlns:com="http://schemas.openxmlformats.org/drawingml/2006/compatibility" xmlns:p14="http://schemas.microsoft.com/office/powerpoint/2010/main" xmlns:p15="http://schemas.microsoft.com/office/powerpoint/2012/main" xmlns:ahyp="http://schemas.microsoft.com/office/drawing/2018/hyperlinkcolor" showMasterPhAnim="0" showMasterSp="0">
+<p:notes xmlns:a="http://schemas.openxmlformats.org/drawingml/2006/main" xmlns:r="http://schemas.openxmlformats.org/officeDocument/2006/relationships" xmlns:p="http://schemas.openxmlformats.org/presentationml/2006/main" showMasterSp="0" showMasterPhAnim="0">
   <p:cSld>
     <p:spTree>
       <p:nvGrpSpPr>
-        <p:cNvPr id="195" name="Shape 195"/>
+        <p:cNvPr id="1" name="Shape 195"/>
         <p:cNvGrpSpPr/>
         <p:nvPr/>
       </p:nvGrpSpPr>
@@ -1336,9 +1388,11 @@
       <p:sp>
         <p:nvSpPr>
           <p:cNvPr id="196" name="Google Shape;196;g106d9c315be_0_43:notes"/>
-          <p:cNvSpPr/>
+          <p:cNvSpPr>
+            <a:spLocks noGrp="1" noRot="1" noChangeAspect="1"/>
+          </p:cNvSpPr>
           <p:nvPr>
-            <p:ph idx="2" type="sldImg"/>
+            <p:ph type="sldImg" idx="2"/>
           </p:nvPr>
         </p:nvSpPr>
         <p:spPr>
@@ -1347,9 +1401,13 @@
             <a:ext cx="6096000" cy="3429000"/>
           </a:xfrm>
           <a:custGeom>
-            <a:rect b="b" l="l" r="r" t="t"/>
+            <a:avLst/>
+            <a:gdLst/>
+            <a:ahLst/>
+            <a:cxnLst/>
+            <a:rect l="l" t="t" r="r" b="b"/>
             <a:pathLst>
-              <a:path extrusionOk="0" h="120000" w="120000">
+              <a:path w="120000" h="120000" extrusionOk="0">
                 <a:moveTo>
                   <a:pt x="0" y="0"/>
                 </a:moveTo>
@@ -1371,9 +1429,11 @@
       <p:sp>
         <p:nvSpPr>
           <p:cNvPr id="197" name="Google Shape;197;g106d9c315be_0_43:notes"/>
-          <p:cNvSpPr txBox="1"/>
+          <p:cNvSpPr txBox="1">
+            <a:spLocks noGrp="1"/>
+          </p:cNvSpPr>
           <p:nvPr>
-            <p:ph idx="1" type="body"/>
+            <p:ph type="body" idx="1"/>
           </p:nvPr>
         </p:nvSpPr>
         <p:spPr>
@@ -1386,12 +1446,12 @@
           </a:prstGeom>
         </p:spPr>
         <p:txBody>
-          <a:bodyPr anchorCtr="0" anchor="t" bIns="91425" lIns="91425" spcFirstLastPara="1" rIns="91425" wrap="square" tIns="91425">
+          <a:bodyPr spcFirstLastPara="1" wrap="square" lIns="91425" tIns="91425" rIns="91425" bIns="91425" anchor="t" anchorCtr="0">
             <a:noAutofit/>
           </a:bodyPr>
           <a:lstStyle/>
           <a:p>
-            <a:pPr indent="0" lvl="0" marL="0" rtl="0" algn="l">
+            <a:pPr marL="0" lvl="0" indent="0" algn="l" rtl="0">
               <a:spcBef>
                 <a:spcPts val="0"/>
               </a:spcBef>
@@ -1400,9 +1460,6 @@
               </a:spcAft>
               <a:buNone/>
             </a:pPr>
-            <a:r>
-              <a:t/>
-            </a:r>
             <a:endParaRPr/>
           </a:p>
         </p:txBody>
@@ -1416,11 +1473,11 @@
 </file>
 
 <file path=ppt/notesSlides/notesSlide16.xml><?xml version="1.0" encoding="utf-8"?>
-<p:notes xmlns:a="http://schemas.openxmlformats.org/drawingml/2006/main" xmlns:r="http://schemas.openxmlformats.org/officeDocument/2006/relationships" xmlns:mc="http://schemas.openxmlformats.org/markup-compatibility/2006" xmlns:mv="urn:schemas-microsoft-com:mac:vml" xmlns:p="http://schemas.openxmlformats.org/presentationml/2006/main" xmlns:c="http://schemas.openxmlformats.org/drawingml/2006/chart" xmlns:dgm="http://schemas.openxmlformats.org/drawingml/2006/diagram" xmlns:o="urn:schemas-microsoft-com:office:office" xmlns:v="urn:schemas-microsoft-com:vml" xmlns:pvml="urn:schemas-microsoft-com:office:powerpoint" xmlns:com="http://schemas.openxmlformats.org/drawingml/2006/compatibility" xmlns:p14="http://schemas.microsoft.com/office/powerpoint/2010/main" xmlns:p15="http://schemas.microsoft.com/office/powerpoint/2012/main" xmlns:ahyp="http://schemas.microsoft.com/office/drawing/2018/hyperlinkcolor" showMasterPhAnim="0" showMasterSp="0">
+<p:notes xmlns:a="http://schemas.openxmlformats.org/drawingml/2006/main" xmlns:r="http://schemas.openxmlformats.org/officeDocument/2006/relationships" xmlns:p="http://schemas.openxmlformats.org/presentationml/2006/main" showMasterSp="0" showMasterPhAnim="0">
   <p:cSld>
     <p:spTree>
       <p:nvGrpSpPr>
-        <p:cNvPr id="201" name="Shape 201"/>
+        <p:cNvPr id="1" name="Shape 201"/>
         <p:cNvGrpSpPr/>
         <p:nvPr/>
       </p:nvGrpSpPr>
@@ -1435,9 +1492,11 @@
       <p:sp>
         <p:nvSpPr>
           <p:cNvPr id="202" name="Google Shape;202;g106d9c315be_0_55:notes"/>
-          <p:cNvSpPr/>
+          <p:cNvSpPr>
+            <a:spLocks noGrp="1" noRot="1" noChangeAspect="1"/>
+          </p:cNvSpPr>
           <p:nvPr>
-            <p:ph idx="2" type="sldImg"/>
+            <p:ph type="sldImg" idx="2"/>
           </p:nvPr>
         </p:nvSpPr>
         <p:spPr>
@@ -1446,9 +1505,13 @@
             <a:ext cx="6096000" cy="3429000"/>
           </a:xfrm>
           <a:custGeom>
-            <a:rect b="b" l="l" r="r" t="t"/>
+            <a:avLst/>
+            <a:gdLst/>
+            <a:ahLst/>
+            <a:cxnLst/>
+            <a:rect l="l" t="t" r="r" b="b"/>
             <a:pathLst>
-              <a:path extrusionOk="0" h="120000" w="120000">
+              <a:path w="120000" h="120000" extrusionOk="0">
                 <a:moveTo>
                   <a:pt x="0" y="0"/>
                 </a:moveTo>
@@ -1470,9 +1533,11 @@
       <p:sp>
         <p:nvSpPr>
           <p:cNvPr id="203" name="Google Shape;203;g106d9c315be_0_55:notes"/>
-          <p:cNvSpPr txBox="1"/>
+          <p:cNvSpPr txBox="1">
+            <a:spLocks noGrp="1"/>
+          </p:cNvSpPr>
           <p:nvPr>
-            <p:ph idx="1" type="body"/>
+            <p:ph type="body" idx="1"/>
           </p:nvPr>
         </p:nvSpPr>
         <p:spPr>
@@ -1485,12 +1550,12 @@
           </a:prstGeom>
         </p:spPr>
         <p:txBody>
-          <a:bodyPr anchorCtr="0" anchor="t" bIns="91425" lIns="91425" spcFirstLastPara="1" rIns="91425" wrap="square" tIns="91425">
+          <a:bodyPr spcFirstLastPara="1" wrap="square" lIns="91425" tIns="91425" rIns="91425" bIns="91425" anchor="t" anchorCtr="0">
             <a:noAutofit/>
           </a:bodyPr>
           <a:lstStyle/>
           <a:p>
-            <a:pPr indent="0" lvl="0" marL="0" rtl="0" algn="l">
+            <a:pPr marL="0" lvl="0" indent="0" algn="l" rtl="0">
               <a:spcBef>
                 <a:spcPts val="0"/>
               </a:spcBef>
@@ -1499,9 +1564,6 @@
               </a:spcAft>
               <a:buNone/>
             </a:pPr>
-            <a:r>
-              <a:t/>
-            </a:r>
             <a:endParaRPr/>
           </a:p>
         </p:txBody>
@@ -1515,11 +1577,11 @@
 </file>
 
 <file path=ppt/notesSlides/notesSlide17.xml><?xml version="1.0" encoding="utf-8"?>
-<p:notes xmlns:a="http://schemas.openxmlformats.org/drawingml/2006/main" xmlns:r="http://schemas.openxmlformats.org/officeDocument/2006/relationships" xmlns:mc="http://schemas.openxmlformats.org/markup-compatibility/2006" xmlns:mv="urn:schemas-microsoft-com:mac:vml" xmlns:p="http://schemas.openxmlformats.org/presentationml/2006/main" xmlns:c="http://schemas.openxmlformats.org/drawingml/2006/chart" xmlns:dgm="http://schemas.openxmlformats.org/drawingml/2006/diagram" xmlns:o="urn:schemas-microsoft-com:office:office" xmlns:v="urn:schemas-microsoft-com:vml" xmlns:pvml="urn:schemas-microsoft-com:office:powerpoint" xmlns:com="http://schemas.openxmlformats.org/drawingml/2006/compatibility" xmlns:p14="http://schemas.microsoft.com/office/powerpoint/2010/main" xmlns:p15="http://schemas.microsoft.com/office/powerpoint/2012/main" xmlns:ahyp="http://schemas.microsoft.com/office/drawing/2018/hyperlinkcolor" showMasterPhAnim="0" showMasterSp="0">
+<p:notes xmlns:a="http://schemas.openxmlformats.org/drawingml/2006/main" xmlns:r="http://schemas.openxmlformats.org/officeDocument/2006/relationships" xmlns:p="http://schemas.openxmlformats.org/presentationml/2006/main" showMasterSp="0" showMasterPhAnim="0">
   <p:cSld>
     <p:spTree>
       <p:nvGrpSpPr>
-        <p:cNvPr id="207" name="Shape 207"/>
+        <p:cNvPr id="1" name="Shape 207"/>
         <p:cNvGrpSpPr/>
         <p:nvPr/>
       </p:nvGrpSpPr>
@@ -1534,9 +1596,11 @@
       <p:sp>
         <p:nvSpPr>
           <p:cNvPr id="208" name="Google Shape;208;g103ebe776ef_0_175:notes"/>
-          <p:cNvSpPr/>
+          <p:cNvSpPr>
+            <a:spLocks noGrp="1" noRot="1" noChangeAspect="1"/>
+          </p:cNvSpPr>
           <p:nvPr>
-            <p:ph idx="2" type="sldImg"/>
+            <p:ph type="sldImg" idx="2"/>
           </p:nvPr>
         </p:nvSpPr>
         <p:spPr>
@@ -1545,9 +1609,13 @@
             <a:ext cx="6096000" cy="3429000"/>
           </a:xfrm>
           <a:custGeom>
-            <a:rect b="b" l="l" r="r" t="t"/>
+            <a:avLst/>
+            <a:gdLst/>
+            <a:ahLst/>
+            <a:cxnLst/>
+            <a:rect l="l" t="t" r="r" b="b"/>
             <a:pathLst>
-              <a:path extrusionOk="0" h="120000" w="120000">
+              <a:path w="120000" h="120000" extrusionOk="0">
                 <a:moveTo>
                   <a:pt x="0" y="0"/>
                 </a:moveTo>
@@ -1569,9 +1637,11 @@
       <p:sp>
         <p:nvSpPr>
           <p:cNvPr id="209" name="Google Shape;209;g103ebe776ef_0_175:notes"/>
-          <p:cNvSpPr txBox="1"/>
+          <p:cNvSpPr txBox="1">
+            <a:spLocks noGrp="1"/>
+          </p:cNvSpPr>
           <p:nvPr>
-            <p:ph idx="1" type="body"/>
+            <p:ph type="body" idx="1"/>
           </p:nvPr>
         </p:nvSpPr>
         <p:spPr>
@@ -1584,12 +1654,12 @@
           </a:prstGeom>
         </p:spPr>
         <p:txBody>
-          <a:bodyPr anchorCtr="0" anchor="t" bIns="91425" lIns="91425" spcFirstLastPara="1" rIns="91425" wrap="square" tIns="91425">
+          <a:bodyPr spcFirstLastPara="1" wrap="square" lIns="91425" tIns="91425" rIns="91425" bIns="91425" anchor="t" anchorCtr="0">
             <a:noAutofit/>
           </a:bodyPr>
           <a:lstStyle/>
           <a:p>
-            <a:pPr indent="0" lvl="0" marL="0" rtl="0" algn="l">
+            <a:pPr marL="0" lvl="0" indent="0" algn="l" rtl="0">
               <a:spcBef>
                 <a:spcPts val="0"/>
               </a:spcBef>
@@ -1598,9 +1668,6 @@
               </a:spcAft>
               <a:buNone/>
             </a:pPr>
-            <a:r>
-              <a:t/>
-            </a:r>
             <a:endParaRPr/>
           </a:p>
         </p:txBody>
@@ -1614,11 +1681,11 @@
 </file>
 
 <file path=ppt/notesSlides/notesSlide18.xml><?xml version="1.0" encoding="utf-8"?>
-<p:notes xmlns:a="http://schemas.openxmlformats.org/drawingml/2006/main" xmlns:r="http://schemas.openxmlformats.org/officeDocument/2006/relationships" xmlns:mc="http://schemas.openxmlformats.org/markup-compatibility/2006" xmlns:mv="urn:schemas-microsoft-com:mac:vml" xmlns:p="http://schemas.openxmlformats.org/presentationml/2006/main" xmlns:c="http://schemas.openxmlformats.org/drawingml/2006/chart" xmlns:dgm="http://schemas.openxmlformats.org/drawingml/2006/diagram" xmlns:o="urn:schemas-microsoft-com:office:office" xmlns:v="urn:schemas-microsoft-com:vml" xmlns:pvml="urn:schemas-microsoft-com:office:powerpoint" xmlns:com="http://schemas.openxmlformats.org/drawingml/2006/compatibility" xmlns:p14="http://schemas.microsoft.com/office/powerpoint/2010/main" xmlns:p15="http://schemas.microsoft.com/office/powerpoint/2012/main" xmlns:ahyp="http://schemas.microsoft.com/office/drawing/2018/hyperlinkcolor" showMasterPhAnim="0" showMasterSp="0">
+<p:notes xmlns:a="http://schemas.openxmlformats.org/drawingml/2006/main" xmlns:r="http://schemas.openxmlformats.org/officeDocument/2006/relationships" xmlns:p="http://schemas.openxmlformats.org/presentationml/2006/main" showMasterSp="0" showMasterPhAnim="0">
   <p:cSld>
     <p:spTree>
       <p:nvGrpSpPr>
-        <p:cNvPr id="213" name="Shape 213"/>
+        <p:cNvPr id="1" name="Shape 213"/>
         <p:cNvGrpSpPr/>
         <p:nvPr/>
       </p:nvGrpSpPr>
@@ -1633,9 +1700,11 @@
       <p:sp>
         <p:nvSpPr>
           <p:cNvPr id="214" name="Google Shape;214;g106d9c315be_0_49:notes"/>
-          <p:cNvSpPr/>
+          <p:cNvSpPr>
+            <a:spLocks noGrp="1" noRot="1" noChangeAspect="1"/>
+          </p:cNvSpPr>
           <p:nvPr>
-            <p:ph idx="2" type="sldImg"/>
+            <p:ph type="sldImg" idx="2"/>
           </p:nvPr>
         </p:nvSpPr>
         <p:spPr>
@@ -1644,9 +1713,13 @@
             <a:ext cx="6096000" cy="3429000"/>
           </a:xfrm>
           <a:custGeom>
-            <a:rect b="b" l="l" r="r" t="t"/>
+            <a:avLst/>
+            <a:gdLst/>
+            <a:ahLst/>
+            <a:cxnLst/>
+            <a:rect l="l" t="t" r="r" b="b"/>
             <a:pathLst>
-              <a:path extrusionOk="0" h="120000" w="120000">
+              <a:path w="120000" h="120000" extrusionOk="0">
                 <a:moveTo>
                   <a:pt x="0" y="0"/>
                 </a:moveTo>
@@ -1668,9 +1741,11 @@
       <p:sp>
         <p:nvSpPr>
           <p:cNvPr id="215" name="Google Shape;215;g106d9c315be_0_49:notes"/>
-          <p:cNvSpPr txBox="1"/>
+          <p:cNvSpPr txBox="1">
+            <a:spLocks noGrp="1"/>
+          </p:cNvSpPr>
           <p:nvPr>
-            <p:ph idx="1" type="body"/>
+            <p:ph type="body" idx="1"/>
           </p:nvPr>
         </p:nvSpPr>
         <p:spPr>
@@ -1683,12 +1758,12 @@
           </a:prstGeom>
         </p:spPr>
         <p:txBody>
-          <a:bodyPr anchorCtr="0" anchor="t" bIns="91425" lIns="91425" spcFirstLastPara="1" rIns="91425" wrap="square" tIns="91425">
+          <a:bodyPr spcFirstLastPara="1" wrap="square" lIns="91425" tIns="91425" rIns="91425" bIns="91425" anchor="t" anchorCtr="0">
             <a:noAutofit/>
           </a:bodyPr>
           <a:lstStyle/>
           <a:p>
-            <a:pPr indent="0" lvl="0" marL="0" rtl="0" algn="l">
+            <a:pPr marL="0" lvl="0" indent="0" algn="l" rtl="0">
               <a:spcBef>
                 <a:spcPts val="0"/>
               </a:spcBef>
@@ -1697,9 +1772,6 @@
               </a:spcAft>
               <a:buNone/>
             </a:pPr>
-            <a:r>
-              <a:t/>
-            </a:r>
             <a:endParaRPr/>
           </a:p>
         </p:txBody>
@@ -1713,11 +1785,11 @@
 </file>
 
 <file path=ppt/notesSlides/notesSlide19.xml><?xml version="1.0" encoding="utf-8"?>
-<p:notes xmlns:a="http://schemas.openxmlformats.org/drawingml/2006/main" xmlns:r="http://schemas.openxmlformats.org/officeDocument/2006/relationships" xmlns:mc="http://schemas.openxmlformats.org/markup-compatibility/2006" xmlns:mv="urn:schemas-microsoft-com:mac:vml" xmlns:p="http://schemas.openxmlformats.org/presentationml/2006/main" xmlns:c="http://schemas.openxmlformats.org/drawingml/2006/chart" xmlns:dgm="http://schemas.openxmlformats.org/drawingml/2006/diagram" xmlns:o="urn:schemas-microsoft-com:office:office" xmlns:v="urn:schemas-microsoft-com:vml" xmlns:pvml="urn:schemas-microsoft-com:office:powerpoint" xmlns:com="http://schemas.openxmlformats.org/drawingml/2006/compatibility" xmlns:p14="http://schemas.microsoft.com/office/powerpoint/2010/main" xmlns:p15="http://schemas.microsoft.com/office/powerpoint/2012/main" xmlns:ahyp="http://schemas.microsoft.com/office/drawing/2018/hyperlinkcolor" showMasterPhAnim="0" showMasterSp="0">
+<p:notes xmlns:a="http://schemas.openxmlformats.org/drawingml/2006/main" xmlns:r="http://schemas.openxmlformats.org/officeDocument/2006/relationships" xmlns:p="http://schemas.openxmlformats.org/presentationml/2006/main" showMasterSp="0" showMasterPhAnim="0">
   <p:cSld>
     <p:spTree>
       <p:nvGrpSpPr>
-        <p:cNvPr id="219" name="Shape 219"/>
+        <p:cNvPr id="1" name="Shape 219"/>
         <p:cNvGrpSpPr/>
         <p:nvPr/>
       </p:nvGrpSpPr>
@@ -1732,9 +1804,11 @@
       <p:sp>
         <p:nvSpPr>
           <p:cNvPr id="220" name="Google Shape;220;g103ebe776ef_0_284:notes"/>
-          <p:cNvSpPr/>
+          <p:cNvSpPr>
+            <a:spLocks noGrp="1" noRot="1" noChangeAspect="1"/>
+          </p:cNvSpPr>
           <p:nvPr>
-            <p:ph idx="2" type="sldImg"/>
+            <p:ph type="sldImg" idx="2"/>
           </p:nvPr>
         </p:nvSpPr>
         <p:spPr>
@@ -1743,9 +1817,13 @@
             <a:ext cx="6096000" cy="3429000"/>
           </a:xfrm>
           <a:custGeom>
-            <a:rect b="b" l="l" r="r" t="t"/>
+            <a:avLst/>
+            <a:gdLst/>
+            <a:ahLst/>
+            <a:cxnLst/>
+            <a:rect l="l" t="t" r="r" b="b"/>
             <a:pathLst>
-              <a:path extrusionOk="0" h="120000" w="120000">
+              <a:path w="120000" h="120000" extrusionOk="0">
                 <a:moveTo>
                   <a:pt x="0" y="0"/>
                 </a:moveTo>
@@ -1767,9 +1845,11 @@
       <p:sp>
         <p:nvSpPr>
           <p:cNvPr id="221" name="Google Shape;221;g103ebe776ef_0_284:notes"/>
-          <p:cNvSpPr txBox="1"/>
+          <p:cNvSpPr txBox="1">
+            <a:spLocks noGrp="1"/>
+          </p:cNvSpPr>
           <p:nvPr>
-            <p:ph idx="1" type="body"/>
+            <p:ph type="body" idx="1"/>
           </p:nvPr>
         </p:nvSpPr>
         <p:spPr>
@@ -1782,12 +1862,12 @@
           </a:prstGeom>
         </p:spPr>
         <p:txBody>
-          <a:bodyPr anchorCtr="0" anchor="t" bIns="91425" lIns="91425" spcFirstLastPara="1" rIns="91425" wrap="square" tIns="91425">
+          <a:bodyPr spcFirstLastPara="1" wrap="square" lIns="91425" tIns="91425" rIns="91425" bIns="91425" anchor="t" anchorCtr="0">
             <a:noAutofit/>
           </a:bodyPr>
           <a:lstStyle/>
           <a:p>
-            <a:pPr indent="0" lvl="0" marL="0" rtl="0" algn="l">
+            <a:pPr marL="0" lvl="0" indent="0" algn="l" rtl="0">
               <a:spcBef>
                 <a:spcPts val="0"/>
               </a:spcBef>
@@ -1796,9 +1876,6 @@
               </a:spcAft>
               <a:buNone/>
             </a:pPr>
-            <a:r>
-              <a:t/>
-            </a:r>
             <a:endParaRPr/>
           </a:p>
         </p:txBody>
@@ -1812,11 +1889,11 @@
 </file>
 
 <file path=ppt/notesSlides/notesSlide2.xml><?xml version="1.0" encoding="utf-8"?>
-<p:notes xmlns:a="http://schemas.openxmlformats.org/drawingml/2006/main" xmlns:r="http://schemas.openxmlformats.org/officeDocument/2006/relationships" xmlns:mc="http://schemas.openxmlformats.org/markup-compatibility/2006" xmlns:mv="urn:schemas-microsoft-com:mac:vml" xmlns:p="http://schemas.openxmlformats.org/presentationml/2006/main" xmlns:c="http://schemas.openxmlformats.org/drawingml/2006/chart" xmlns:dgm="http://schemas.openxmlformats.org/drawingml/2006/diagram" xmlns:o="urn:schemas-microsoft-com:office:office" xmlns:v="urn:schemas-microsoft-com:vml" xmlns:pvml="urn:schemas-microsoft-com:office:powerpoint" xmlns:com="http://schemas.openxmlformats.org/drawingml/2006/compatibility" xmlns:p14="http://schemas.microsoft.com/office/powerpoint/2010/main" xmlns:p15="http://schemas.microsoft.com/office/powerpoint/2012/main" xmlns:ahyp="http://schemas.microsoft.com/office/drawing/2018/hyperlinkcolor" showMasterPhAnim="0" showMasterSp="0">
+<p:notes xmlns:a="http://schemas.openxmlformats.org/drawingml/2006/main" xmlns:r="http://schemas.openxmlformats.org/officeDocument/2006/relationships" xmlns:p="http://schemas.openxmlformats.org/presentationml/2006/main" showMasterSp="0" showMasterPhAnim="0">
   <p:cSld>
     <p:spTree>
       <p:nvGrpSpPr>
-        <p:cNvPr id="112" name="Shape 112"/>
+        <p:cNvPr id="1" name="Shape 112"/>
         <p:cNvGrpSpPr/>
         <p:nvPr/>
       </p:nvGrpSpPr>
@@ -1831,9 +1908,11 @@
       <p:sp>
         <p:nvSpPr>
           <p:cNvPr id="113" name="Google Shape;113;gcfce91ef25_0_16:notes"/>
-          <p:cNvSpPr/>
+          <p:cNvSpPr>
+            <a:spLocks noGrp="1" noRot="1" noChangeAspect="1"/>
+          </p:cNvSpPr>
           <p:nvPr>
-            <p:ph idx="2" type="sldImg"/>
+            <p:ph type="sldImg" idx="2"/>
           </p:nvPr>
         </p:nvSpPr>
         <p:spPr>
@@ -1842,9 +1921,13 @@
             <a:ext cx="6096000" cy="3429000"/>
           </a:xfrm>
           <a:custGeom>
-            <a:rect b="b" l="l" r="r" t="t"/>
+            <a:avLst/>
+            <a:gdLst/>
+            <a:ahLst/>
+            <a:cxnLst/>
+            <a:rect l="l" t="t" r="r" b="b"/>
             <a:pathLst>
-              <a:path extrusionOk="0" h="120000" w="120000">
+              <a:path w="120000" h="120000" extrusionOk="0">
                 <a:moveTo>
                   <a:pt x="0" y="0"/>
                 </a:moveTo>
@@ -1866,9 +1949,11 @@
       <p:sp>
         <p:nvSpPr>
           <p:cNvPr id="114" name="Google Shape;114;gcfce91ef25_0_16:notes"/>
-          <p:cNvSpPr txBox="1"/>
+          <p:cNvSpPr txBox="1">
+            <a:spLocks noGrp="1"/>
+          </p:cNvSpPr>
           <p:nvPr>
-            <p:ph idx="1" type="body"/>
+            <p:ph type="body" idx="1"/>
           </p:nvPr>
         </p:nvSpPr>
         <p:spPr>
@@ -1881,12 +1966,12 @@
           </a:prstGeom>
         </p:spPr>
         <p:txBody>
-          <a:bodyPr anchorCtr="0" anchor="t" bIns="91425" lIns="91425" spcFirstLastPara="1" rIns="91425" wrap="square" tIns="91425">
+          <a:bodyPr spcFirstLastPara="1" wrap="square" lIns="91425" tIns="91425" rIns="91425" bIns="91425" anchor="t" anchorCtr="0">
             <a:noAutofit/>
           </a:bodyPr>
           <a:lstStyle/>
           <a:p>
-            <a:pPr indent="0" lvl="0" marL="0" rtl="0" algn="l">
+            <a:pPr marL="0" lvl="0" indent="0" algn="l" rtl="0">
               <a:spcBef>
                 <a:spcPts val="0"/>
               </a:spcBef>
@@ -1895,9 +1980,6 @@
               </a:spcAft>
               <a:buNone/>
             </a:pPr>
-            <a:r>
-              <a:t/>
-            </a:r>
             <a:endParaRPr/>
           </a:p>
         </p:txBody>
@@ -1911,11 +1993,11 @@
 </file>
 
 <file path=ppt/notesSlides/notesSlide20.xml><?xml version="1.0" encoding="utf-8"?>
-<p:notes xmlns:a="http://schemas.openxmlformats.org/drawingml/2006/main" xmlns:r="http://schemas.openxmlformats.org/officeDocument/2006/relationships" xmlns:mc="http://schemas.openxmlformats.org/markup-compatibility/2006" xmlns:mv="urn:schemas-microsoft-com:mac:vml" xmlns:p="http://schemas.openxmlformats.org/presentationml/2006/main" xmlns:c="http://schemas.openxmlformats.org/drawingml/2006/chart" xmlns:dgm="http://schemas.openxmlformats.org/drawingml/2006/diagram" xmlns:o="urn:schemas-microsoft-com:office:office" xmlns:v="urn:schemas-microsoft-com:vml" xmlns:pvml="urn:schemas-microsoft-com:office:powerpoint" xmlns:com="http://schemas.openxmlformats.org/drawingml/2006/compatibility" xmlns:p14="http://schemas.microsoft.com/office/powerpoint/2010/main" xmlns:p15="http://schemas.microsoft.com/office/powerpoint/2012/main" xmlns:ahyp="http://schemas.microsoft.com/office/drawing/2018/hyperlinkcolor" showMasterPhAnim="0" showMasterSp="0">
+<p:notes xmlns:a="http://schemas.openxmlformats.org/drawingml/2006/main" xmlns:r="http://schemas.openxmlformats.org/officeDocument/2006/relationships" xmlns:p="http://schemas.openxmlformats.org/presentationml/2006/main" showMasterSp="0" showMasterPhAnim="0">
   <p:cSld>
     <p:spTree>
       <p:nvGrpSpPr>
-        <p:cNvPr id="225" name="Shape 225"/>
+        <p:cNvPr id="1" name="Shape 225"/>
         <p:cNvGrpSpPr/>
         <p:nvPr/>
       </p:nvGrpSpPr>
@@ -1930,9 +2012,11 @@
       <p:sp>
         <p:nvSpPr>
           <p:cNvPr id="226" name="Google Shape;226;g106d9c315be_1_80:notes"/>
-          <p:cNvSpPr/>
+          <p:cNvSpPr>
+            <a:spLocks noGrp="1" noRot="1" noChangeAspect="1"/>
+          </p:cNvSpPr>
           <p:nvPr>
-            <p:ph idx="2" type="sldImg"/>
+            <p:ph type="sldImg" idx="2"/>
           </p:nvPr>
         </p:nvSpPr>
         <p:spPr>
@@ -1941,9 +2025,13 @@
             <a:ext cx="6096000" cy="3429000"/>
           </a:xfrm>
           <a:custGeom>
-            <a:rect b="b" l="l" r="r" t="t"/>
+            <a:avLst/>
+            <a:gdLst/>
+            <a:ahLst/>
+            <a:cxnLst/>
+            <a:rect l="l" t="t" r="r" b="b"/>
             <a:pathLst>
-              <a:path extrusionOk="0" h="120000" w="120000">
+              <a:path w="120000" h="120000" extrusionOk="0">
                 <a:moveTo>
                   <a:pt x="0" y="0"/>
                 </a:moveTo>
@@ -1965,9 +2053,11 @@
       <p:sp>
         <p:nvSpPr>
           <p:cNvPr id="227" name="Google Shape;227;g106d9c315be_1_80:notes"/>
-          <p:cNvSpPr txBox="1"/>
+          <p:cNvSpPr txBox="1">
+            <a:spLocks noGrp="1"/>
+          </p:cNvSpPr>
           <p:nvPr>
-            <p:ph idx="1" type="body"/>
+            <p:ph type="body" idx="1"/>
           </p:nvPr>
         </p:nvSpPr>
         <p:spPr>
@@ -1980,12 +2070,12 @@
           </a:prstGeom>
         </p:spPr>
         <p:txBody>
-          <a:bodyPr anchorCtr="0" anchor="t" bIns="91425" lIns="91425" spcFirstLastPara="1" rIns="91425" wrap="square" tIns="91425">
+          <a:bodyPr spcFirstLastPara="1" wrap="square" lIns="91425" tIns="91425" rIns="91425" bIns="91425" anchor="t" anchorCtr="0">
             <a:noAutofit/>
           </a:bodyPr>
           <a:lstStyle/>
           <a:p>
-            <a:pPr indent="0" lvl="0" marL="0" rtl="0" algn="l">
+            <a:pPr marL="0" lvl="0" indent="0" algn="l" rtl="0">
               <a:spcBef>
                 <a:spcPts val="0"/>
               </a:spcBef>
@@ -1994,9 +2084,6 @@
               </a:spcAft>
               <a:buNone/>
             </a:pPr>
-            <a:r>
-              <a:t/>
-            </a:r>
             <a:endParaRPr/>
           </a:p>
         </p:txBody>
@@ -2010,11 +2097,11 @@
 </file>
 
 <file path=ppt/notesSlides/notesSlide21.xml><?xml version="1.0" encoding="utf-8"?>
-<p:notes xmlns:a="http://schemas.openxmlformats.org/drawingml/2006/main" xmlns:r="http://schemas.openxmlformats.org/officeDocument/2006/relationships" xmlns:mc="http://schemas.openxmlformats.org/markup-compatibility/2006" xmlns:mv="urn:schemas-microsoft-com:mac:vml" xmlns:p="http://schemas.openxmlformats.org/presentationml/2006/main" xmlns:c="http://schemas.openxmlformats.org/drawingml/2006/chart" xmlns:dgm="http://schemas.openxmlformats.org/drawingml/2006/diagram" xmlns:o="urn:schemas-microsoft-com:office:office" xmlns:v="urn:schemas-microsoft-com:vml" xmlns:pvml="urn:schemas-microsoft-com:office:powerpoint" xmlns:com="http://schemas.openxmlformats.org/drawingml/2006/compatibility" xmlns:p14="http://schemas.microsoft.com/office/powerpoint/2010/main" xmlns:p15="http://schemas.microsoft.com/office/powerpoint/2012/main" xmlns:ahyp="http://schemas.microsoft.com/office/drawing/2018/hyperlinkcolor" showMasterPhAnim="0" showMasterSp="0">
+<p:notes xmlns:a="http://schemas.openxmlformats.org/drawingml/2006/main" xmlns:r="http://schemas.openxmlformats.org/officeDocument/2006/relationships" xmlns:p="http://schemas.openxmlformats.org/presentationml/2006/main" showMasterSp="0" showMasterPhAnim="0">
   <p:cSld>
     <p:spTree>
       <p:nvGrpSpPr>
-        <p:cNvPr id="231" name="Shape 231"/>
+        <p:cNvPr id="1" name="Shape 231"/>
         <p:cNvGrpSpPr/>
         <p:nvPr/>
       </p:nvGrpSpPr>
@@ -2029,9 +2116,11 @@
       <p:sp>
         <p:nvSpPr>
           <p:cNvPr id="232" name="Google Shape;232;g103ebe776ef_0_200:notes"/>
-          <p:cNvSpPr/>
+          <p:cNvSpPr>
+            <a:spLocks noGrp="1" noRot="1" noChangeAspect="1"/>
+          </p:cNvSpPr>
           <p:nvPr>
-            <p:ph idx="2" type="sldImg"/>
+            <p:ph type="sldImg" idx="2"/>
           </p:nvPr>
         </p:nvSpPr>
         <p:spPr>
@@ -2040,9 +2129,13 @@
             <a:ext cx="6096000" cy="3429000"/>
           </a:xfrm>
           <a:custGeom>
-            <a:rect b="b" l="l" r="r" t="t"/>
+            <a:avLst/>
+            <a:gdLst/>
+            <a:ahLst/>
+            <a:cxnLst/>
+            <a:rect l="l" t="t" r="r" b="b"/>
             <a:pathLst>
-              <a:path extrusionOk="0" h="120000" w="120000">
+              <a:path w="120000" h="120000" extrusionOk="0">
                 <a:moveTo>
                   <a:pt x="0" y="0"/>
                 </a:moveTo>
@@ -2064,9 +2157,11 @@
       <p:sp>
         <p:nvSpPr>
           <p:cNvPr id="233" name="Google Shape;233;g103ebe776ef_0_200:notes"/>
-          <p:cNvSpPr txBox="1"/>
+          <p:cNvSpPr txBox="1">
+            <a:spLocks noGrp="1"/>
+          </p:cNvSpPr>
           <p:nvPr>
-            <p:ph idx="1" type="body"/>
+            <p:ph type="body" idx="1"/>
           </p:nvPr>
         </p:nvSpPr>
         <p:spPr>
@@ -2079,12 +2174,12 @@
           </a:prstGeom>
         </p:spPr>
         <p:txBody>
-          <a:bodyPr anchorCtr="0" anchor="t" bIns="91425" lIns="91425" spcFirstLastPara="1" rIns="91425" wrap="square" tIns="91425">
+          <a:bodyPr spcFirstLastPara="1" wrap="square" lIns="91425" tIns="91425" rIns="91425" bIns="91425" anchor="t" anchorCtr="0">
             <a:noAutofit/>
           </a:bodyPr>
           <a:lstStyle/>
           <a:p>
-            <a:pPr indent="0" lvl="0" marL="0" rtl="0" algn="l">
+            <a:pPr marL="0" lvl="0" indent="0" algn="l" rtl="0">
               <a:spcBef>
                 <a:spcPts val="0"/>
               </a:spcBef>
@@ -2093,9 +2188,6 @@
               </a:spcAft>
               <a:buNone/>
             </a:pPr>
-            <a:r>
-              <a:t/>
-            </a:r>
             <a:endParaRPr/>
           </a:p>
         </p:txBody>
@@ -2109,11 +2201,11 @@
 </file>
 
 <file path=ppt/notesSlides/notesSlide3.xml><?xml version="1.0" encoding="utf-8"?>
-<p:notes xmlns:a="http://schemas.openxmlformats.org/drawingml/2006/main" xmlns:r="http://schemas.openxmlformats.org/officeDocument/2006/relationships" xmlns:mc="http://schemas.openxmlformats.org/markup-compatibility/2006" xmlns:mv="urn:schemas-microsoft-com:mac:vml" xmlns:p="http://schemas.openxmlformats.org/presentationml/2006/main" xmlns:c="http://schemas.openxmlformats.org/drawingml/2006/chart" xmlns:dgm="http://schemas.openxmlformats.org/drawingml/2006/diagram" xmlns:o="urn:schemas-microsoft-com:office:office" xmlns:v="urn:schemas-microsoft-com:vml" xmlns:pvml="urn:schemas-microsoft-com:office:powerpoint" xmlns:com="http://schemas.openxmlformats.org/drawingml/2006/compatibility" xmlns:p14="http://schemas.microsoft.com/office/powerpoint/2010/main" xmlns:p15="http://schemas.microsoft.com/office/powerpoint/2012/main" xmlns:ahyp="http://schemas.microsoft.com/office/drawing/2018/hyperlinkcolor" showMasterPhAnim="0" showMasterSp="0">
+<p:notes xmlns:a="http://schemas.openxmlformats.org/drawingml/2006/main" xmlns:r="http://schemas.openxmlformats.org/officeDocument/2006/relationships" xmlns:p="http://schemas.openxmlformats.org/presentationml/2006/main" showMasterSp="0" showMasterPhAnim="0">
   <p:cSld>
     <p:spTree>
       <p:nvGrpSpPr>
-        <p:cNvPr id="120" name="Shape 120"/>
+        <p:cNvPr id="1" name="Shape 120"/>
         <p:cNvGrpSpPr/>
         <p:nvPr/>
       </p:nvGrpSpPr>
@@ -2128,9 +2220,11 @@
       <p:sp>
         <p:nvSpPr>
           <p:cNvPr id="121" name="Google Shape;121;g1069e3c3504_0_10:notes"/>
-          <p:cNvSpPr/>
+          <p:cNvSpPr>
+            <a:spLocks noGrp="1" noRot="1" noChangeAspect="1"/>
+          </p:cNvSpPr>
           <p:nvPr>
-            <p:ph idx="2" type="sldImg"/>
+            <p:ph type="sldImg" idx="2"/>
           </p:nvPr>
         </p:nvSpPr>
         <p:spPr>
@@ -2139,9 +2233,13 @@
             <a:ext cx="6096000" cy="3429000"/>
           </a:xfrm>
           <a:custGeom>
-            <a:rect b="b" l="l" r="r" t="t"/>
+            <a:avLst/>
+            <a:gdLst/>
+            <a:ahLst/>
+            <a:cxnLst/>
+            <a:rect l="l" t="t" r="r" b="b"/>
             <a:pathLst>
-              <a:path extrusionOk="0" h="120000" w="120000">
+              <a:path w="120000" h="120000" extrusionOk="0">
                 <a:moveTo>
                   <a:pt x="0" y="0"/>
                 </a:moveTo>
@@ -2163,9 +2261,11 @@
       <p:sp>
         <p:nvSpPr>
           <p:cNvPr id="122" name="Google Shape;122;g1069e3c3504_0_10:notes"/>
-          <p:cNvSpPr txBox="1"/>
+          <p:cNvSpPr txBox="1">
+            <a:spLocks noGrp="1"/>
+          </p:cNvSpPr>
           <p:nvPr>
-            <p:ph idx="1" type="body"/>
+            <p:ph type="body" idx="1"/>
           </p:nvPr>
         </p:nvSpPr>
         <p:spPr>
@@ -2178,12 +2278,12 @@
           </a:prstGeom>
         </p:spPr>
         <p:txBody>
-          <a:bodyPr anchorCtr="0" anchor="t" bIns="91425" lIns="91425" spcFirstLastPara="1" rIns="91425" wrap="square" tIns="91425">
+          <a:bodyPr spcFirstLastPara="1" wrap="square" lIns="91425" tIns="91425" rIns="91425" bIns="91425" anchor="t" anchorCtr="0">
             <a:noAutofit/>
           </a:bodyPr>
           <a:lstStyle/>
           <a:p>
-            <a:pPr indent="0" lvl="0" marL="0" rtl="0" algn="l">
+            <a:pPr marL="0" lvl="0" indent="0" algn="l" rtl="0">
               <a:spcBef>
                 <a:spcPts val="0"/>
               </a:spcBef>
@@ -2192,9 +2292,6 @@
               </a:spcAft>
               <a:buNone/>
             </a:pPr>
-            <a:r>
-              <a:t/>
-            </a:r>
             <a:endParaRPr/>
           </a:p>
         </p:txBody>
@@ -2208,11 +2305,11 @@
 </file>
 
 <file path=ppt/notesSlides/notesSlide4.xml><?xml version="1.0" encoding="utf-8"?>
-<p:notes xmlns:a="http://schemas.openxmlformats.org/drawingml/2006/main" xmlns:r="http://schemas.openxmlformats.org/officeDocument/2006/relationships" xmlns:mc="http://schemas.openxmlformats.org/markup-compatibility/2006" xmlns:mv="urn:schemas-microsoft-com:mac:vml" xmlns:p="http://schemas.openxmlformats.org/presentationml/2006/main" xmlns:c="http://schemas.openxmlformats.org/drawingml/2006/chart" xmlns:dgm="http://schemas.openxmlformats.org/drawingml/2006/diagram" xmlns:o="urn:schemas-microsoft-com:office:office" xmlns:v="urn:schemas-microsoft-com:vml" xmlns:pvml="urn:schemas-microsoft-com:office:powerpoint" xmlns:com="http://schemas.openxmlformats.org/drawingml/2006/compatibility" xmlns:p14="http://schemas.microsoft.com/office/powerpoint/2010/main" xmlns:p15="http://schemas.microsoft.com/office/powerpoint/2012/main" xmlns:ahyp="http://schemas.microsoft.com/office/drawing/2018/hyperlinkcolor" showMasterPhAnim="0" showMasterSp="0">
+<p:notes xmlns:a="http://schemas.openxmlformats.org/drawingml/2006/main" xmlns:r="http://schemas.openxmlformats.org/officeDocument/2006/relationships" xmlns:p="http://schemas.openxmlformats.org/presentationml/2006/main" showMasterSp="0" showMasterPhAnim="0">
   <p:cSld>
     <p:spTree>
       <p:nvGrpSpPr>
-        <p:cNvPr id="127" name="Shape 127"/>
+        <p:cNvPr id="1" name="Shape 127"/>
         <p:cNvGrpSpPr/>
         <p:nvPr/>
       </p:nvGrpSpPr>
@@ -2227,9 +2324,11 @@
       <p:sp>
         <p:nvSpPr>
           <p:cNvPr id="128" name="Google Shape;128;g1069e3c3504_0_5:notes"/>
-          <p:cNvSpPr/>
+          <p:cNvSpPr>
+            <a:spLocks noGrp="1" noRot="1" noChangeAspect="1"/>
+          </p:cNvSpPr>
           <p:nvPr>
-            <p:ph idx="2" type="sldImg"/>
+            <p:ph type="sldImg" idx="2"/>
           </p:nvPr>
         </p:nvSpPr>
         <p:spPr>
@@ -2238,9 +2337,13 @@
             <a:ext cx="6096000" cy="3429000"/>
           </a:xfrm>
           <a:custGeom>
-            <a:rect b="b" l="l" r="r" t="t"/>
+            <a:avLst/>
+            <a:gdLst/>
+            <a:ahLst/>
+            <a:cxnLst/>
+            <a:rect l="l" t="t" r="r" b="b"/>
             <a:pathLst>
-              <a:path extrusionOk="0" h="120000" w="120000">
+              <a:path w="120000" h="120000" extrusionOk="0">
                 <a:moveTo>
                   <a:pt x="0" y="0"/>
                 </a:moveTo>
@@ -2262,9 +2365,11 @@
       <p:sp>
         <p:nvSpPr>
           <p:cNvPr id="129" name="Google Shape;129;g1069e3c3504_0_5:notes"/>
-          <p:cNvSpPr txBox="1"/>
+          <p:cNvSpPr txBox="1">
+            <a:spLocks noGrp="1"/>
+          </p:cNvSpPr>
           <p:nvPr>
-            <p:ph idx="1" type="body"/>
+            <p:ph type="body" idx="1"/>
           </p:nvPr>
         </p:nvSpPr>
         <p:spPr>
@@ -2277,12 +2382,12 @@
           </a:prstGeom>
         </p:spPr>
         <p:txBody>
-          <a:bodyPr anchorCtr="0" anchor="t" bIns="91425" lIns="91425" spcFirstLastPara="1" rIns="91425" wrap="square" tIns="91425">
+          <a:bodyPr spcFirstLastPara="1" wrap="square" lIns="91425" tIns="91425" rIns="91425" bIns="91425" anchor="t" anchorCtr="0">
             <a:noAutofit/>
           </a:bodyPr>
           <a:lstStyle/>
           <a:p>
-            <a:pPr indent="0" lvl="0" marL="0" rtl="0" algn="l">
+            <a:pPr marL="0" lvl="0" indent="0" algn="l" rtl="0">
               <a:spcBef>
                 <a:spcPts val="0"/>
               </a:spcBef>
@@ -2291,9 +2396,6 @@
               </a:spcAft>
               <a:buNone/>
             </a:pPr>
-            <a:r>
-              <a:t/>
-            </a:r>
             <a:endParaRPr/>
           </a:p>
         </p:txBody>
@@ -2307,11 +2409,11 @@
 </file>
 
 <file path=ppt/notesSlides/notesSlide5.xml><?xml version="1.0" encoding="utf-8"?>
-<p:notes xmlns:a="http://schemas.openxmlformats.org/drawingml/2006/main" xmlns:r="http://schemas.openxmlformats.org/officeDocument/2006/relationships" xmlns:mc="http://schemas.openxmlformats.org/markup-compatibility/2006" xmlns:mv="urn:schemas-microsoft-com:mac:vml" xmlns:p="http://schemas.openxmlformats.org/presentationml/2006/main" xmlns:c="http://schemas.openxmlformats.org/drawingml/2006/chart" xmlns:dgm="http://schemas.openxmlformats.org/drawingml/2006/diagram" xmlns:o="urn:schemas-microsoft-com:office:office" xmlns:v="urn:schemas-microsoft-com:vml" xmlns:pvml="urn:schemas-microsoft-com:office:powerpoint" xmlns:com="http://schemas.openxmlformats.org/drawingml/2006/compatibility" xmlns:p14="http://schemas.microsoft.com/office/powerpoint/2010/main" xmlns:p15="http://schemas.microsoft.com/office/powerpoint/2012/main" xmlns:ahyp="http://schemas.microsoft.com/office/drawing/2018/hyperlinkcolor" showMasterPhAnim="0" showMasterSp="0">
+<p:notes xmlns:a="http://schemas.openxmlformats.org/drawingml/2006/main" xmlns:r="http://schemas.openxmlformats.org/officeDocument/2006/relationships" xmlns:p="http://schemas.openxmlformats.org/presentationml/2006/main" showMasterSp="0" showMasterPhAnim="0">
   <p:cSld>
     <p:spTree>
       <p:nvGrpSpPr>
-        <p:cNvPr id="133" name="Shape 133"/>
+        <p:cNvPr id="1" name="Shape 133"/>
         <p:cNvGrpSpPr/>
         <p:nvPr/>
       </p:nvGrpSpPr>
@@ -2326,9 +2428,11 @@
       <p:sp>
         <p:nvSpPr>
           <p:cNvPr id="134" name="Google Shape;134;g103ebe776ef_0_225:notes"/>
-          <p:cNvSpPr/>
+          <p:cNvSpPr>
+            <a:spLocks noGrp="1" noRot="1" noChangeAspect="1"/>
+          </p:cNvSpPr>
           <p:nvPr>
-            <p:ph idx="2" type="sldImg"/>
+            <p:ph type="sldImg" idx="2"/>
           </p:nvPr>
         </p:nvSpPr>
         <p:spPr>
@@ -2337,9 +2441,13 @@
             <a:ext cx="6096000" cy="3429000"/>
           </a:xfrm>
           <a:custGeom>
-            <a:rect b="b" l="l" r="r" t="t"/>
+            <a:avLst/>
+            <a:gdLst/>
+            <a:ahLst/>
+            <a:cxnLst/>
+            <a:rect l="l" t="t" r="r" b="b"/>
             <a:pathLst>
-              <a:path extrusionOk="0" h="120000" w="120000">
+              <a:path w="120000" h="120000" extrusionOk="0">
                 <a:moveTo>
                   <a:pt x="0" y="0"/>
                 </a:moveTo>
@@ -2361,9 +2469,11 @@
       <p:sp>
         <p:nvSpPr>
           <p:cNvPr id="135" name="Google Shape;135;g103ebe776ef_0_225:notes"/>
-          <p:cNvSpPr txBox="1"/>
+          <p:cNvSpPr txBox="1">
+            <a:spLocks noGrp="1"/>
+          </p:cNvSpPr>
           <p:nvPr>
-            <p:ph idx="1" type="body"/>
+            <p:ph type="body" idx="1"/>
           </p:nvPr>
         </p:nvSpPr>
         <p:spPr>
@@ -2376,12 +2486,12 @@
           </a:prstGeom>
         </p:spPr>
         <p:txBody>
-          <a:bodyPr anchorCtr="0" anchor="t" bIns="91425" lIns="91425" spcFirstLastPara="1" rIns="91425" wrap="square" tIns="91425">
+          <a:bodyPr spcFirstLastPara="1" wrap="square" lIns="91425" tIns="91425" rIns="91425" bIns="91425" anchor="t" anchorCtr="0">
             <a:noAutofit/>
           </a:bodyPr>
           <a:lstStyle/>
           <a:p>
-            <a:pPr indent="0" lvl="0" marL="0" rtl="0" algn="l">
+            <a:pPr marL="0" lvl="0" indent="0" algn="l" rtl="0">
               <a:spcBef>
                 <a:spcPts val="0"/>
               </a:spcBef>
@@ -2390,9 +2500,6 @@
               </a:spcAft>
               <a:buNone/>
             </a:pPr>
-            <a:r>
-              <a:t/>
-            </a:r>
             <a:endParaRPr/>
           </a:p>
         </p:txBody>
@@ -2406,11 +2513,11 @@
 </file>
 
 <file path=ppt/notesSlides/notesSlide6.xml><?xml version="1.0" encoding="utf-8"?>
-<p:notes xmlns:a="http://schemas.openxmlformats.org/drawingml/2006/main" xmlns:r="http://schemas.openxmlformats.org/officeDocument/2006/relationships" xmlns:mc="http://schemas.openxmlformats.org/markup-compatibility/2006" xmlns:mv="urn:schemas-microsoft-com:mac:vml" xmlns:p="http://schemas.openxmlformats.org/presentationml/2006/main" xmlns:c="http://schemas.openxmlformats.org/drawingml/2006/chart" xmlns:dgm="http://schemas.openxmlformats.org/drawingml/2006/diagram" xmlns:o="urn:schemas-microsoft-com:office:office" xmlns:v="urn:schemas-microsoft-com:vml" xmlns:pvml="urn:schemas-microsoft-com:office:powerpoint" xmlns:com="http://schemas.openxmlformats.org/drawingml/2006/compatibility" xmlns:p14="http://schemas.microsoft.com/office/powerpoint/2010/main" xmlns:p15="http://schemas.microsoft.com/office/powerpoint/2012/main" xmlns:ahyp="http://schemas.microsoft.com/office/drawing/2018/hyperlinkcolor" showMasterPhAnim="0" showMasterSp="0">
+<p:notes xmlns:a="http://schemas.openxmlformats.org/drawingml/2006/main" xmlns:r="http://schemas.openxmlformats.org/officeDocument/2006/relationships" xmlns:p="http://schemas.openxmlformats.org/presentationml/2006/main" showMasterSp="0" showMasterPhAnim="0">
   <p:cSld>
     <p:spTree>
       <p:nvGrpSpPr>
-        <p:cNvPr id="139" name="Shape 139"/>
+        <p:cNvPr id="1" name="Shape 139"/>
         <p:cNvGrpSpPr/>
         <p:nvPr/>
       </p:nvGrpSpPr>
@@ -2425,9 +2532,11 @@
       <p:sp>
         <p:nvSpPr>
           <p:cNvPr id="140" name="Google Shape;140;g106d9c315be_1_991:notes"/>
-          <p:cNvSpPr/>
+          <p:cNvSpPr>
+            <a:spLocks noGrp="1" noRot="1" noChangeAspect="1"/>
+          </p:cNvSpPr>
           <p:nvPr>
-            <p:ph idx="2" type="sldImg"/>
+            <p:ph type="sldImg" idx="2"/>
           </p:nvPr>
         </p:nvSpPr>
         <p:spPr>
@@ -2436,9 +2545,13 @@
             <a:ext cx="6096000" cy="3429000"/>
           </a:xfrm>
           <a:custGeom>
-            <a:rect b="b" l="l" r="r" t="t"/>
+            <a:avLst/>
+            <a:gdLst/>
+            <a:ahLst/>
+            <a:cxnLst/>
+            <a:rect l="l" t="t" r="r" b="b"/>
             <a:pathLst>
-              <a:path extrusionOk="0" h="120000" w="120000">
+              <a:path w="120000" h="120000" extrusionOk="0">
                 <a:moveTo>
                   <a:pt x="0" y="0"/>
                 </a:moveTo>
@@ -2460,9 +2573,11 @@
       <p:sp>
         <p:nvSpPr>
           <p:cNvPr id="141" name="Google Shape;141;g106d9c315be_1_991:notes"/>
-          <p:cNvSpPr txBox="1"/>
+          <p:cNvSpPr txBox="1">
+            <a:spLocks noGrp="1"/>
+          </p:cNvSpPr>
           <p:nvPr>
-            <p:ph idx="1" type="body"/>
+            <p:ph type="body" idx="1"/>
           </p:nvPr>
         </p:nvSpPr>
         <p:spPr>
@@ -2475,12 +2590,12 @@
           </a:prstGeom>
         </p:spPr>
         <p:txBody>
-          <a:bodyPr anchorCtr="0" anchor="t" bIns="91425" lIns="91425" spcFirstLastPara="1" rIns="91425" wrap="square" tIns="91425">
+          <a:bodyPr spcFirstLastPara="1" wrap="square" lIns="91425" tIns="91425" rIns="91425" bIns="91425" anchor="t" anchorCtr="0">
             <a:noAutofit/>
           </a:bodyPr>
           <a:lstStyle/>
           <a:p>
-            <a:pPr indent="0" lvl="0" marL="0" rtl="0" algn="l">
+            <a:pPr marL="0" lvl="0" indent="0" algn="l" rtl="0">
               <a:spcBef>
                 <a:spcPts val="0"/>
               </a:spcBef>
@@ -2489,9 +2604,6 @@
               </a:spcAft>
               <a:buNone/>
             </a:pPr>
-            <a:r>
-              <a:t/>
-            </a:r>
             <a:endParaRPr/>
           </a:p>
         </p:txBody>
@@ -2505,11 +2617,11 @@
 </file>
 
 <file path=ppt/notesSlides/notesSlide7.xml><?xml version="1.0" encoding="utf-8"?>
-<p:notes xmlns:a="http://schemas.openxmlformats.org/drawingml/2006/main" xmlns:r="http://schemas.openxmlformats.org/officeDocument/2006/relationships" xmlns:mc="http://schemas.openxmlformats.org/markup-compatibility/2006" xmlns:mv="urn:schemas-microsoft-com:mac:vml" xmlns:p="http://schemas.openxmlformats.org/presentationml/2006/main" xmlns:c="http://schemas.openxmlformats.org/drawingml/2006/chart" xmlns:dgm="http://schemas.openxmlformats.org/drawingml/2006/diagram" xmlns:o="urn:schemas-microsoft-com:office:office" xmlns:v="urn:schemas-microsoft-com:vml" xmlns:pvml="urn:schemas-microsoft-com:office:powerpoint" xmlns:com="http://schemas.openxmlformats.org/drawingml/2006/compatibility" xmlns:p14="http://schemas.microsoft.com/office/powerpoint/2010/main" xmlns:p15="http://schemas.microsoft.com/office/powerpoint/2012/main" xmlns:ahyp="http://schemas.microsoft.com/office/drawing/2018/hyperlinkcolor" showMasterPhAnim="0" showMasterSp="0">
+<p:notes xmlns:a="http://schemas.openxmlformats.org/drawingml/2006/main" xmlns:r="http://schemas.openxmlformats.org/officeDocument/2006/relationships" xmlns:p="http://schemas.openxmlformats.org/presentationml/2006/main" showMasterSp="0" showMasterPhAnim="0">
   <p:cSld>
     <p:spTree>
       <p:nvGrpSpPr>
-        <p:cNvPr id="145" name="Shape 145"/>
+        <p:cNvPr id="1" name="Shape 145"/>
         <p:cNvGrpSpPr/>
         <p:nvPr/>
       </p:nvGrpSpPr>
@@ -2524,9 +2636,11 @@
       <p:sp>
         <p:nvSpPr>
           <p:cNvPr id="146" name="Google Shape;146;g106d9c315be_1_1209:notes"/>
-          <p:cNvSpPr/>
+          <p:cNvSpPr>
+            <a:spLocks noGrp="1" noRot="1" noChangeAspect="1"/>
+          </p:cNvSpPr>
           <p:nvPr>
-            <p:ph idx="2" type="sldImg"/>
+            <p:ph type="sldImg" idx="2"/>
           </p:nvPr>
         </p:nvSpPr>
         <p:spPr>
@@ -2535,9 +2649,13 @@
             <a:ext cx="6096000" cy="3429000"/>
           </a:xfrm>
           <a:custGeom>
-            <a:rect b="b" l="l" r="r" t="t"/>
+            <a:avLst/>
+            <a:gdLst/>
+            <a:ahLst/>
+            <a:cxnLst/>
+            <a:rect l="l" t="t" r="r" b="b"/>
             <a:pathLst>
-              <a:path extrusionOk="0" h="120000" w="120000">
+              <a:path w="120000" h="120000" extrusionOk="0">
                 <a:moveTo>
                   <a:pt x="0" y="0"/>
                 </a:moveTo>
@@ -2559,9 +2677,11 @@
       <p:sp>
         <p:nvSpPr>
           <p:cNvPr id="147" name="Google Shape;147;g106d9c315be_1_1209:notes"/>
-          <p:cNvSpPr txBox="1"/>
+          <p:cNvSpPr txBox="1">
+            <a:spLocks noGrp="1"/>
+          </p:cNvSpPr>
           <p:nvPr>
-            <p:ph idx="1" type="body"/>
+            <p:ph type="body" idx="1"/>
           </p:nvPr>
         </p:nvSpPr>
         <p:spPr>
@@ -2574,12 +2694,12 @@
           </a:prstGeom>
         </p:spPr>
         <p:txBody>
-          <a:bodyPr anchorCtr="0" anchor="t" bIns="91425" lIns="91425" spcFirstLastPara="1" rIns="91425" wrap="square" tIns="91425">
+          <a:bodyPr spcFirstLastPara="1" wrap="square" lIns="91425" tIns="91425" rIns="91425" bIns="91425" anchor="t" anchorCtr="0">
             <a:noAutofit/>
           </a:bodyPr>
           <a:lstStyle/>
           <a:p>
-            <a:pPr indent="0" lvl="0" marL="0" rtl="0" algn="l">
+            <a:pPr marL="0" lvl="0" indent="0" algn="l" rtl="0">
               <a:spcBef>
                 <a:spcPts val="0"/>
               </a:spcBef>
@@ -2588,9 +2708,6 @@
               </a:spcAft>
               <a:buNone/>
             </a:pPr>
-            <a:r>
-              <a:t/>
-            </a:r>
             <a:endParaRPr/>
           </a:p>
         </p:txBody>
@@ -2604,11 +2721,11 @@
 </file>
 
 <file path=ppt/notesSlides/notesSlide8.xml><?xml version="1.0" encoding="utf-8"?>
-<p:notes xmlns:a="http://schemas.openxmlformats.org/drawingml/2006/main" xmlns:r="http://schemas.openxmlformats.org/officeDocument/2006/relationships" xmlns:mc="http://schemas.openxmlformats.org/markup-compatibility/2006" xmlns:mv="urn:schemas-microsoft-com:mac:vml" xmlns:p="http://schemas.openxmlformats.org/presentationml/2006/main" xmlns:c="http://schemas.openxmlformats.org/drawingml/2006/chart" xmlns:dgm="http://schemas.openxmlformats.org/drawingml/2006/diagram" xmlns:o="urn:schemas-microsoft-com:office:office" xmlns:v="urn:schemas-microsoft-com:vml" xmlns:pvml="urn:schemas-microsoft-com:office:powerpoint" xmlns:com="http://schemas.openxmlformats.org/drawingml/2006/compatibility" xmlns:p14="http://schemas.microsoft.com/office/powerpoint/2010/main" xmlns:p15="http://schemas.microsoft.com/office/powerpoint/2012/main" xmlns:ahyp="http://schemas.microsoft.com/office/drawing/2018/hyperlinkcolor" showMasterPhAnim="0" showMasterSp="0">
+<p:notes xmlns:a="http://schemas.openxmlformats.org/drawingml/2006/main" xmlns:r="http://schemas.openxmlformats.org/officeDocument/2006/relationships" xmlns:p="http://schemas.openxmlformats.org/presentationml/2006/main" showMasterSp="0" showMasterPhAnim="0">
   <p:cSld>
     <p:spTree>
       <p:nvGrpSpPr>
-        <p:cNvPr id="150" name="Shape 150"/>
+        <p:cNvPr id="1" name="Shape 150"/>
         <p:cNvGrpSpPr/>
         <p:nvPr/>
       </p:nvGrpSpPr>
@@ -2623,9 +2740,11 @@
       <p:sp>
         <p:nvSpPr>
           <p:cNvPr id="151" name="Google Shape;151;g103ebe776ef_0_243:notes"/>
-          <p:cNvSpPr/>
+          <p:cNvSpPr>
+            <a:spLocks noGrp="1" noRot="1" noChangeAspect="1"/>
+          </p:cNvSpPr>
           <p:nvPr>
-            <p:ph idx="2" type="sldImg"/>
+            <p:ph type="sldImg" idx="2"/>
           </p:nvPr>
         </p:nvSpPr>
         <p:spPr>
@@ -2634,9 +2753,13 @@
             <a:ext cx="6096000" cy="3429000"/>
           </a:xfrm>
           <a:custGeom>
-            <a:rect b="b" l="l" r="r" t="t"/>
+            <a:avLst/>
+            <a:gdLst/>
+            <a:ahLst/>
+            <a:cxnLst/>
+            <a:rect l="l" t="t" r="r" b="b"/>
             <a:pathLst>
-              <a:path extrusionOk="0" h="120000" w="120000">
+              <a:path w="120000" h="120000" extrusionOk="0">
                 <a:moveTo>
                   <a:pt x="0" y="0"/>
                 </a:moveTo>
@@ -2658,9 +2781,11 @@
       <p:sp>
         <p:nvSpPr>
           <p:cNvPr id="152" name="Google Shape;152;g103ebe776ef_0_243:notes"/>
-          <p:cNvSpPr txBox="1"/>
+          <p:cNvSpPr txBox="1">
+            <a:spLocks noGrp="1"/>
+          </p:cNvSpPr>
           <p:nvPr>
-            <p:ph idx="1" type="body"/>
+            <p:ph type="body" idx="1"/>
           </p:nvPr>
         </p:nvSpPr>
         <p:spPr>
@@ -2673,12 +2798,12 @@
           </a:prstGeom>
         </p:spPr>
         <p:txBody>
-          <a:bodyPr anchorCtr="0" anchor="t" bIns="91425" lIns="91425" spcFirstLastPara="1" rIns="91425" wrap="square" tIns="91425">
+          <a:bodyPr spcFirstLastPara="1" wrap="square" lIns="91425" tIns="91425" rIns="91425" bIns="91425" anchor="t" anchorCtr="0">
             <a:noAutofit/>
           </a:bodyPr>
           <a:lstStyle/>
           <a:p>
-            <a:pPr indent="0" lvl="0" marL="0" rtl="0" algn="l">
+            <a:pPr marL="0" lvl="0" indent="0" algn="l" rtl="0">
               <a:spcBef>
                 <a:spcPts val="0"/>
               </a:spcBef>
@@ -2687,9 +2812,6 @@
               </a:spcAft>
               <a:buNone/>
             </a:pPr>
-            <a:r>
-              <a:t/>
-            </a:r>
             <a:endParaRPr/>
           </a:p>
         </p:txBody>
@@ -2703,11 +2825,11 @@
 </file>
 
 <file path=ppt/notesSlides/notesSlide9.xml><?xml version="1.0" encoding="utf-8"?>
-<p:notes xmlns:a="http://schemas.openxmlformats.org/drawingml/2006/main" xmlns:r="http://schemas.openxmlformats.org/officeDocument/2006/relationships" xmlns:mc="http://schemas.openxmlformats.org/markup-compatibility/2006" xmlns:mv="urn:schemas-microsoft-com:mac:vml" xmlns:p="http://schemas.openxmlformats.org/presentationml/2006/main" xmlns:c="http://schemas.openxmlformats.org/drawingml/2006/chart" xmlns:dgm="http://schemas.openxmlformats.org/drawingml/2006/diagram" xmlns:o="urn:schemas-microsoft-com:office:office" xmlns:v="urn:schemas-microsoft-com:vml" xmlns:pvml="urn:schemas-microsoft-com:office:powerpoint" xmlns:com="http://schemas.openxmlformats.org/drawingml/2006/compatibility" xmlns:p14="http://schemas.microsoft.com/office/powerpoint/2010/main" xmlns:p15="http://schemas.microsoft.com/office/powerpoint/2012/main" xmlns:ahyp="http://schemas.microsoft.com/office/drawing/2018/hyperlinkcolor" showMasterPhAnim="0" showMasterSp="0">
+<p:notes xmlns:a="http://schemas.openxmlformats.org/drawingml/2006/main" xmlns:r="http://schemas.openxmlformats.org/officeDocument/2006/relationships" xmlns:p="http://schemas.openxmlformats.org/presentationml/2006/main" showMasterSp="0" showMasterPhAnim="0">
   <p:cSld>
     <p:spTree>
       <p:nvGrpSpPr>
-        <p:cNvPr id="158" name="Shape 158"/>
+        <p:cNvPr id="1" name="Shape 158"/>
         <p:cNvGrpSpPr/>
         <p:nvPr/>
       </p:nvGrpSpPr>
@@ -2722,9 +2844,11 @@
       <p:sp>
         <p:nvSpPr>
           <p:cNvPr id="159" name="Google Shape;159;g106d9c315be_1_0:notes"/>
-          <p:cNvSpPr/>
+          <p:cNvSpPr>
+            <a:spLocks noGrp="1" noRot="1" noChangeAspect="1"/>
+          </p:cNvSpPr>
           <p:nvPr>
-            <p:ph idx="2" type="sldImg"/>
+            <p:ph type="sldImg" idx="2"/>
           </p:nvPr>
         </p:nvSpPr>
         <p:spPr>
@@ -2733,9 +2857,13 @@
             <a:ext cx="6096000" cy="3429000"/>
           </a:xfrm>
           <a:custGeom>
-            <a:rect b="b" l="l" r="r" t="t"/>
+            <a:avLst/>
+            <a:gdLst/>
+            <a:ahLst/>
+            <a:cxnLst/>
+            <a:rect l="l" t="t" r="r" b="b"/>
             <a:pathLst>
-              <a:path extrusionOk="0" h="120000" w="120000">
+              <a:path w="120000" h="120000" extrusionOk="0">
                 <a:moveTo>
                   <a:pt x="0" y="0"/>
                 </a:moveTo>
@@ -2757,9 +2885,11 @@
       <p:sp>
         <p:nvSpPr>
           <p:cNvPr id="160" name="Google Shape;160;g106d9c315be_1_0:notes"/>
-          <p:cNvSpPr txBox="1"/>
+          <p:cNvSpPr txBox="1">
+            <a:spLocks noGrp="1"/>
+          </p:cNvSpPr>
           <p:nvPr>
-            <p:ph idx="1" type="body"/>
+            <p:ph type="body" idx="1"/>
           </p:nvPr>
         </p:nvSpPr>
         <p:spPr>
@@ -2772,12 +2902,12 @@
           </a:prstGeom>
         </p:spPr>
         <p:txBody>
-          <a:bodyPr anchorCtr="0" anchor="t" bIns="91425" lIns="91425" spcFirstLastPara="1" rIns="91425" wrap="square" tIns="91425">
+          <a:bodyPr spcFirstLastPara="1" wrap="square" lIns="91425" tIns="91425" rIns="91425" bIns="91425" anchor="t" anchorCtr="0">
             <a:noAutofit/>
           </a:bodyPr>
           <a:lstStyle/>
           <a:p>
-            <a:pPr indent="0" lvl="0" marL="0" rtl="0" algn="l">
+            <a:pPr marL="0" lvl="0" indent="0" algn="l" rtl="0">
               <a:spcBef>
                 <a:spcPts val="0"/>
               </a:spcBef>
@@ -2786,9 +2916,6 @@
               </a:spcAft>
               <a:buNone/>
             </a:pPr>
-            <a:r>
-              <a:t/>
-            </a:r>
             <a:endParaRPr/>
           </a:p>
         </p:txBody>
@@ -2802,18 +2929,19 @@
 </file>
 
 <file path=ppt/slideLayouts/slideLayout1.xml><?xml version="1.0" encoding="utf-8"?>
-<p:sldLayout xmlns:a="http://schemas.openxmlformats.org/drawingml/2006/main" xmlns:r="http://schemas.openxmlformats.org/officeDocument/2006/relationships" xmlns:mc="http://schemas.openxmlformats.org/markup-compatibility/2006" xmlns:mv="urn:schemas-microsoft-com:mac:vml" xmlns:p="http://schemas.openxmlformats.org/presentationml/2006/main" xmlns:c="http://schemas.openxmlformats.org/drawingml/2006/chart" xmlns:dgm="http://schemas.openxmlformats.org/drawingml/2006/diagram" xmlns:o="urn:schemas-microsoft-com:office:office" xmlns:v="urn:schemas-microsoft-com:vml" xmlns:pvml="urn:schemas-microsoft-com:office:powerpoint" xmlns:com="http://schemas.openxmlformats.org/drawingml/2006/compatibility" xmlns:p14="http://schemas.microsoft.com/office/powerpoint/2010/main" xmlns:p15="http://schemas.microsoft.com/office/powerpoint/2012/main" xmlns:ahyp="http://schemas.microsoft.com/office/drawing/2018/hyperlinkcolor" matchingName="Title slide" type="title">
+<p:sldLayout xmlns:a="http://schemas.openxmlformats.org/drawingml/2006/main" xmlns:r="http://schemas.openxmlformats.org/officeDocument/2006/relationships" xmlns:p="http://schemas.openxmlformats.org/presentationml/2006/main" matchingName="Title slide" type="title">
   <p:cSld name="TITLE">
     <p:bg>
       <p:bgPr>
         <a:solidFill>
           <a:schemeClr val="lt2"/>
         </a:solidFill>
+        <a:effectLst/>
       </p:bgPr>
     </p:bg>
     <p:spTree>
       <p:nvGrpSpPr>
-        <p:cNvPr id="9" name="Shape 9"/>
+        <p:cNvPr id="1" name="Shape 9"/>
         <p:cNvGrpSpPr/>
         <p:nvPr/>
       </p:nvGrpSpPr>
@@ -2847,12 +2975,12 @@
           </a:ln>
         </p:spPr>
         <p:txBody>
-          <a:bodyPr anchorCtr="0" anchor="ctr" bIns="91425" lIns="91425" spcFirstLastPara="1" rIns="91425" wrap="square" tIns="91425">
+          <a:bodyPr spcFirstLastPara="1" wrap="square" lIns="91425" tIns="91425" rIns="91425" bIns="91425" anchor="ctr" anchorCtr="0">
             <a:noAutofit/>
           </a:bodyPr>
           <a:lstStyle/>
           <a:p>
-            <a:pPr indent="0" lvl="0" marL="0" rtl="0" algn="l">
+            <a:pPr marL="0" lvl="0" indent="0" algn="l" rtl="0">
               <a:spcBef>
                 <a:spcPts val="0"/>
               </a:spcBef>
@@ -2861,9 +2989,6 @@
               </a:spcAft>
               <a:buNone/>
             </a:pPr>
-            <a:r>
-              <a:t/>
-            </a:r>
             <a:endParaRPr/>
           </a:p>
         </p:txBody>
@@ -2904,12 +3029,12 @@
             </a:ln>
           </p:spPr>
           <p:txBody>
-            <a:bodyPr anchorCtr="0" anchor="ctr" bIns="91425" lIns="91425" spcFirstLastPara="1" rIns="91425" wrap="square" tIns="91425">
+            <a:bodyPr spcFirstLastPara="1" wrap="square" lIns="91425" tIns="91425" rIns="91425" bIns="91425" anchor="ctr" anchorCtr="0">
               <a:noAutofit/>
             </a:bodyPr>
             <a:lstStyle/>
             <a:p>
-              <a:pPr indent="0" lvl="0" marL="0" rtl="0" algn="l">
+              <a:pPr marL="0" lvl="0" indent="0" algn="l" rtl="0">
                 <a:spcBef>
                   <a:spcPts val="0"/>
                 </a:spcBef>
@@ -2918,9 +3043,6 @@
                 </a:spcAft>
                 <a:buNone/>
               </a:pPr>
-              <a:r>
-                <a:t/>
-              </a:r>
               <a:endParaRPr/>
             </a:p>
           </p:txBody>
@@ -2947,12 +3069,12 @@
             </a:ln>
           </p:spPr>
           <p:txBody>
-            <a:bodyPr anchorCtr="0" anchor="ctr" bIns="91425" lIns="91425" spcFirstLastPara="1" rIns="91425" wrap="square" tIns="91425">
+            <a:bodyPr spcFirstLastPara="1" wrap="square" lIns="91425" tIns="91425" rIns="91425" bIns="91425" anchor="ctr" anchorCtr="0">
               <a:noAutofit/>
             </a:bodyPr>
             <a:lstStyle/>
             <a:p>
-              <a:pPr indent="0" lvl="0" marL="0" rtl="0" algn="l">
+              <a:pPr marL="0" lvl="0" indent="0" algn="l" rtl="0">
                 <a:spcBef>
                   <a:spcPts val="0"/>
                 </a:spcBef>
@@ -2961,9 +3083,6 @@
                 </a:spcAft>
                 <a:buNone/>
               </a:pPr>
-              <a:r>
-                <a:t/>
-              </a:r>
               <a:endParaRPr/>
             </a:p>
           </p:txBody>
@@ -2972,7 +3091,9 @@
       <p:sp>
         <p:nvSpPr>
           <p:cNvPr id="14" name="Google Shape;14;p2"/>
-          <p:cNvSpPr txBox="1"/>
+          <p:cNvSpPr txBox="1">
+            <a:spLocks noGrp="1"/>
+          </p:cNvSpPr>
           <p:nvPr>
             <p:ph type="ctrTitle"/>
           </p:nvPr>
@@ -2987,7 +3108,7 @@
           </a:prstGeom>
         </p:spPr>
         <p:txBody>
-          <a:bodyPr anchorCtr="0" anchor="t" bIns="91425" lIns="91425" spcFirstLastPara="1" rIns="91425" wrap="square" tIns="91425">
+          <a:bodyPr spcFirstLastPara="1" wrap="square" lIns="91425" tIns="91425" rIns="91425" bIns="91425" anchor="t" anchorCtr="0">
             <a:normAutofit/>
           </a:bodyPr>
           <a:lstStyle>
@@ -3091,15 +3212,19 @@
               <a:defRPr sz="4200"/>
             </a:lvl9pPr>
           </a:lstStyle>
-          <a:p/>
+          <a:p>
+            <a:endParaRPr/>
+          </a:p>
         </p:txBody>
       </p:sp>
       <p:sp>
         <p:nvSpPr>
           <p:cNvPr id="15" name="Google Shape;15;p2"/>
-          <p:cNvSpPr txBox="1"/>
+          <p:cNvSpPr txBox="1">
+            <a:spLocks noGrp="1"/>
+          </p:cNvSpPr>
           <p:nvPr>
-            <p:ph idx="1" type="subTitle"/>
+            <p:ph type="subTitle" idx="1"/>
           </p:nvPr>
         </p:nvSpPr>
         <p:spPr>
@@ -3112,7 +3237,7 @@
           </a:prstGeom>
         </p:spPr>
         <p:txBody>
-          <a:bodyPr anchorCtr="0" anchor="t" bIns="91425" lIns="91425" spcFirstLastPara="1" rIns="91425" wrap="square" tIns="91425">
+          <a:bodyPr spcFirstLastPara="1" wrap="square" lIns="91425" tIns="91425" rIns="91425" bIns="91425" anchor="t" anchorCtr="0">
             <a:normAutofit/>
           </a:bodyPr>
           <a:lstStyle>
@@ -3243,15 +3368,19 @@
               <a:defRPr sz="1600"/>
             </a:lvl9pPr>
           </a:lstStyle>
-          <a:p/>
+          <a:p>
+            <a:endParaRPr/>
+          </a:p>
         </p:txBody>
       </p:sp>
       <p:sp>
         <p:nvSpPr>
           <p:cNvPr id="16" name="Google Shape;16;p2"/>
-          <p:cNvSpPr txBox="1"/>
+          <p:cNvSpPr txBox="1">
+            <a:spLocks noGrp="1"/>
+          </p:cNvSpPr>
           <p:nvPr>
-            <p:ph idx="12" type="sldNum"/>
+            <p:ph type="sldNum" idx="12"/>
           </p:nvPr>
         </p:nvSpPr>
         <p:spPr>
@@ -3264,7 +3393,7 @@
           </a:prstGeom>
         </p:spPr>
         <p:txBody>
-          <a:bodyPr anchorCtr="0" anchor="ctr" bIns="91425" lIns="91425" spcFirstLastPara="1" rIns="91425" wrap="square" tIns="91425">
+          <a:bodyPr spcFirstLastPara="1" wrap="square" lIns="91425" tIns="91425" rIns="91425" bIns="91425" anchor="ctr" anchorCtr="0">
             <a:normAutofit/>
           </a:bodyPr>
           <a:lstStyle>
@@ -3306,7 +3435,7 @@
             </a:lvl9pPr>
           </a:lstStyle>
           <a:p>
-            <a:pPr indent="0" lvl="0" marL="0" rtl="0" algn="r">
+            <a:pPr marL="0" lvl="0" indent="0" algn="r" rtl="0">
               <a:spcBef>
                 <a:spcPts val="0"/>
               </a:spcBef>
@@ -3332,18 +3461,19 @@
 </file>
 
 <file path=ppt/slideLayouts/slideLayout10.xml><?xml version="1.0" encoding="utf-8"?>
-<p:sldLayout xmlns:a="http://schemas.openxmlformats.org/drawingml/2006/main" xmlns:r="http://schemas.openxmlformats.org/officeDocument/2006/relationships" xmlns:mc="http://schemas.openxmlformats.org/markup-compatibility/2006" xmlns:mv="urn:schemas-microsoft-com:mac:vml" xmlns:p="http://schemas.openxmlformats.org/presentationml/2006/main" xmlns:c="http://schemas.openxmlformats.org/drawingml/2006/chart" xmlns:dgm="http://schemas.openxmlformats.org/drawingml/2006/diagram" xmlns:o="urn:schemas-microsoft-com:office:office" xmlns:v="urn:schemas-microsoft-com:vml" xmlns:pvml="urn:schemas-microsoft-com:office:powerpoint" xmlns:com="http://schemas.openxmlformats.org/drawingml/2006/compatibility" xmlns:p14="http://schemas.microsoft.com/office/powerpoint/2010/main" xmlns:p15="http://schemas.microsoft.com/office/powerpoint/2012/main" xmlns:ahyp="http://schemas.microsoft.com/office/drawing/2018/hyperlinkcolor" matchingName="Big number">
+<p:sldLayout xmlns:a="http://schemas.openxmlformats.org/drawingml/2006/main" xmlns:r="http://schemas.openxmlformats.org/officeDocument/2006/relationships" xmlns:p="http://schemas.openxmlformats.org/presentationml/2006/main" matchingName="Big number">
   <p:cSld name="BIG_NUMBER">
     <p:bg>
       <p:bgPr>
         <a:solidFill>
           <a:schemeClr val="dk1"/>
         </a:solidFill>
+        <a:effectLst/>
       </p:bgPr>
     </p:bg>
     <p:spTree>
       <p:nvGrpSpPr>
-        <p:cNvPr id="73" name="Shape 73"/>
+        <p:cNvPr id="1" name="Shape 73"/>
         <p:cNvGrpSpPr/>
         <p:nvPr/>
       </p:nvGrpSpPr>
@@ -3391,12 +3521,12 @@
             </a:ln>
           </p:spPr>
           <p:txBody>
-            <a:bodyPr anchorCtr="0" anchor="ctr" bIns="91425" lIns="91425" spcFirstLastPara="1" rIns="91425" wrap="square" tIns="91425">
+            <a:bodyPr spcFirstLastPara="1" wrap="square" lIns="91425" tIns="91425" rIns="91425" bIns="91425" anchor="ctr" anchorCtr="0">
               <a:noAutofit/>
             </a:bodyPr>
             <a:lstStyle/>
             <a:p>
-              <a:pPr indent="0" lvl="0" marL="0" rtl="0" algn="l">
+              <a:pPr marL="0" lvl="0" indent="0" algn="l" rtl="0">
                 <a:spcBef>
                   <a:spcPts val="0"/>
                 </a:spcBef>
@@ -3405,9 +3535,6 @@
                 </a:spcAft>
                 <a:buNone/>
               </a:pPr>
-              <a:r>
-                <a:t/>
-              </a:r>
               <a:endParaRPr/>
             </a:p>
           </p:txBody>
@@ -3434,12 +3561,12 @@
             </a:ln>
           </p:spPr>
           <p:txBody>
-            <a:bodyPr anchorCtr="0" anchor="ctr" bIns="91425" lIns="91425" spcFirstLastPara="1" rIns="91425" wrap="square" tIns="91425">
+            <a:bodyPr spcFirstLastPara="1" wrap="square" lIns="91425" tIns="91425" rIns="91425" bIns="91425" anchor="ctr" anchorCtr="0">
               <a:noAutofit/>
             </a:bodyPr>
             <a:lstStyle/>
             <a:p>
-              <a:pPr indent="0" lvl="0" marL="0" rtl="0" algn="l">
+              <a:pPr marL="0" lvl="0" indent="0" algn="l" rtl="0">
                 <a:spcBef>
                   <a:spcPts val="0"/>
                 </a:spcBef>
@@ -3448,9 +3575,6 @@
                 </a:spcAft>
                 <a:buNone/>
               </a:pPr>
-              <a:r>
-                <a:t/>
-              </a:r>
               <a:endParaRPr/>
             </a:p>
           </p:txBody>
@@ -3459,9 +3583,11 @@
       <p:sp>
         <p:nvSpPr>
           <p:cNvPr id="77" name="Google Shape;77;p11"/>
-          <p:cNvSpPr txBox="1"/>
+          <p:cNvSpPr txBox="1">
+            <a:spLocks noGrp="1"/>
+          </p:cNvSpPr>
           <p:nvPr>
-            <p:ph hasCustomPrompt="1" type="title"/>
+            <p:ph type="title" hasCustomPrompt="1"/>
           </p:nvPr>
         </p:nvSpPr>
         <p:spPr>
@@ -3474,7 +3600,7 @@
           </a:prstGeom>
         </p:spPr>
         <p:txBody>
-          <a:bodyPr anchorCtr="0" anchor="t" bIns="91425" lIns="91425" spcFirstLastPara="1" rIns="91425" wrap="square" tIns="91425">
+          <a:bodyPr spcFirstLastPara="1" wrap="square" lIns="91425" tIns="91425" rIns="91425" bIns="91425" anchor="t" anchorCtr="0">
             <a:normAutofit/>
           </a:bodyPr>
           <a:lstStyle>
@@ -3651,9 +3777,11 @@
       <p:sp>
         <p:nvSpPr>
           <p:cNvPr id="78" name="Google Shape;78;p11"/>
-          <p:cNvSpPr txBox="1"/>
+          <p:cNvSpPr txBox="1">
+            <a:spLocks noGrp="1"/>
+          </p:cNvSpPr>
           <p:nvPr>
-            <p:ph idx="1" type="body"/>
+            <p:ph type="body" idx="1"/>
           </p:nvPr>
         </p:nvSpPr>
         <p:spPr>
@@ -3666,11 +3794,11 @@
           </a:prstGeom>
         </p:spPr>
         <p:txBody>
-          <a:bodyPr anchorCtr="0" anchor="t" bIns="91425" lIns="91425" spcFirstLastPara="1" rIns="91425" wrap="square" tIns="91425">
+          <a:bodyPr spcFirstLastPara="1" wrap="square" lIns="91425" tIns="91425" rIns="91425" bIns="91425" anchor="t" anchorCtr="0">
             <a:normAutofit/>
           </a:bodyPr>
           <a:lstStyle>
-            <a:lvl1pPr indent="-311150" lvl="0" marL="457200">
+            <a:lvl1pPr marL="457200" lvl="0" indent="-311150">
               <a:spcBef>
                 <a:spcPts val="0"/>
               </a:spcBef>
@@ -3688,7 +3816,7 @@
                 </a:solidFill>
               </a:defRPr>
             </a:lvl1pPr>
-            <a:lvl2pPr indent="-298450" lvl="1" marL="914400">
+            <a:lvl2pPr marL="914400" lvl="1" indent="-298450">
               <a:spcBef>
                 <a:spcPts val="0"/>
               </a:spcBef>
@@ -3706,7 +3834,7 @@
                 </a:solidFill>
               </a:defRPr>
             </a:lvl2pPr>
-            <a:lvl3pPr indent="-298450" lvl="2" marL="1371600">
+            <a:lvl3pPr marL="1371600" lvl="2" indent="-298450">
               <a:spcBef>
                 <a:spcPts val="0"/>
               </a:spcBef>
@@ -3724,7 +3852,7 @@
                 </a:solidFill>
               </a:defRPr>
             </a:lvl3pPr>
-            <a:lvl4pPr indent="-298450" lvl="3" marL="1828800">
+            <a:lvl4pPr marL="1828800" lvl="3" indent="-298450">
               <a:spcBef>
                 <a:spcPts val="0"/>
               </a:spcBef>
@@ -3742,7 +3870,7 @@
                 </a:solidFill>
               </a:defRPr>
             </a:lvl4pPr>
-            <a:lvl5pPr indent="-298450" lvl="4" marL="2286000">
+            <a:lvl5pPr marL="2286000" lvl="4" indent="-298450">
               <a:spcBef>
                 <a:spcPts val="0"/>
               </a:spcBef>
@@ -3760,7 +3888,7 @@
                 </a:solidFill>
               </a:defRPr>
             </a:lvl5pPr>
-            <a:lvl6pPr indent="-298450" lvl="5" marL="2743200">
+            <a:lvl6pPr marL="2743200" lvl="5" indent="-298450">
               <a:spcBef>
                 <a:spcPts val="0"/>
               </a:spcBef>
@@ -3778,7 +3906,7 @@
                 </a:solidFill>
               </a:defRPr>
             </a:lvl6pPr>
-            <a:lvl7pPr indent="-298450" lvl="6" marL="3200400">
+            <a:lvl7pPr marL="3200400" lvl="6" indent="-298450">
               <a:spcBef>
                 <a:spcPts val="0"/>
               </a:spcBef>
@@ -3796,7 +3924,7 @@
                 </a:solidFill>
               </a:defRPr>
             </a:lvl7pPr>
-            <a:lvl8pPr indent="-298450" lvl="7" marL="3657600">
+            <a:lvl8pPr marL="3657600" lvl="7" indent="-298450">
               <a:spcBef>
                 <a:spcPts val="0"/>
               </a:spcBef>
@@ -3814,7 +3942,7 @@
                 </a:solidFill>
               </a:defRPr>
             </a:lvl8pPr>
-            <a:lvl9pPr indent="-298450" lvl="8" marL="4114800">
+            <a:lvl9pPr marL="4114800" lvl="8" indent="-298450">
               <a:spcBef>
                 <a:spcPts val="0"/>
               </a:spcBef>
@@ -3833,15 +3961,19 @@
               </a:defRPr>
             </a:lvl9pPr>
           </a:lstStyle>
-          <a:p/>
+          <a:p>
+            <a:endParaRPr/>
+          </a:p>
         </p:txBody>
       </p:sp>
       <p:sp>
         <p:nvSpPr>
           <p:cNvPr id="79" name="Google Shape;79;p11"/>
-          <p:cNvSpPr txBox="1"/>
+          <p:cNvSpPr txBox="1">
+            <a:spLocks noGrp="1"/>
+          </p:cNvSpPr>
           <p:nvPr>
-            <p:ph idx="12" type="sldNum"/>
+            <p:ph type="sldNum" idx="12"/>
           </p:nvPr>
         </p:nvSpPr>
         <p:spPr>
@@ -3854,7 +3986,7 @@
           </a:prstGeom>
         </p:spPr>
         <p:txBody>
-          <a:bodyPr anchorCtr="0" anchor="ctr" bIns="91425" lIns="91425" spcFirstLastPara="1" rIns="91425" wrap="square" tIns="91425">
+          <a:bodyPr spcFirstLastPara="1" wrap="square" lIns="91425" tIns="91425" rIns="91425" bIns="91425" anchor="ctr" anchorCtr="0">
             <a:normAutofit/>
           </a:bodyPr>
           <a:lstStyle>
@@ -3932,7 +4064,7 @@
             </a:lvl9pPr>
           </a:lstStyle>
           <a:p>
-            <a:pPr indent="0" lvl="0" marL="0" rtl="0" algn="r">
+            <a:pPr marL="0" lvl="0" indent="0" algn="r" rtl="0">
               <a:spcBef>
                 <a:spcPts val="0"/>
               </a:spcBef>
@@ -3958,11 +4090,11 @@
 </file>
 
 <file path=ppt/slideLayouts/slideLayout11.xml><?xml version="1.0" encoding="utf-8"?>
-<p:sldLayout xmlns:a="http://schemas.openxmlformats.org/drawingml/2006/main" xmlns:r="http://schemas.openxmlformats.org/officeDocument/2006/relationships" xmlns:mc="http://schemas.openxmlformats.org/markup-compatibility/2006" xmlns:mv="urn:schemas-microsoft-com:mac:vml" xmlns:p="http://schemas.openxmlformats.org/presentationml/2006/main" xmlns:c="http://schemas.openxmlformats.org/drawingml/2006/chart" xmlns:dgm="http://schemas.openxmlformats.org/drawingml/2006/diagram" xmlns:o="urn:schemas-microsoft-com:office:office" xmlns:v="urn:schemas-microsoft-com:vml" xmlns:pvml="urn:schemas-microsoft-com:office:powerpoint" xmlns:com="http://schemas.openxmlformats.org/drawingml/2006/compatibility" xmlns:p14="http://schemas.microsoft.com/office/powerpoint/2010/main" xmlns:p15="http://schemas.microsoft.com/office/powerpoint/2012/main" xmlns:ahyp="http://schemas.microsoft.com/office/drawing/2018/hyperlinkcolor" matchingName="Blank" type="blank">
+<p:sldLayout xmlns:a="http://schemas.openxmlformats.org/drawingml/2006/main" xmlns:r="http://schemas.openxmlformats.org/officeDocument/2006/relationships" xmlns:p="http://schemas.openxmlformats.org/presentationml/2006/main" matchingName="Blank" type="blank">
   <p:cSld name="BLANK">
     <p:spTree>
       <p:nvGrpSpPr>
-        <p:cNvPr id="80" name="Shape 80"/>
+        <p:cNvPr id="1" name="Shape 80"/>
         <p:cNvGrpSpPr/>
         <p:nvPr/>
       </p:nvGrpSpPr>
@@ -3977,9 +4109,11 @@
       <p:sp>
         <p:nvSpPr>
           <p:cNvPr id="81" name="Google Shape;81;p12"/>
-          <p:cNvSpPr txBox="1"/>
+          <p:cNvSpPr txBox="1">
+            <a:spLocks noGrp="1"/>
+          </p:cNvSpPr>
           <p:nvPr>
-            <p:ph idx="12" type="sldNum"/>
+            <p:ph type="sldNum" idx="12"/>
           </p:nvPr>
         </p:nvSpPr>
         <p:spPr>
@@ -3992,7 +4126,7 @@
           </a:prstGeom>
         </p:spPr>
         <p:txBody>
-          <a:bodyPr anchorCtr="0" anchor="ctr" bIns="91425" lIns="91425" spcFirstLastPara="1" rIns="91425" wrap="square" tIns="91425">
+          <a:bodyPr spcFirstLastPara="1" wrap="square" lIns="91425" tIns="91425" rIns="91425" bIns="91425" anchor="ctr" anchorCtr="0">
             <a:normAutofit/>
           </a:bodyPr>
           <a:lstStyle>
@@ -4034,7 +4168,7 @@
             </a:lvl9pPr>
           </a:lstStyle>
           <a:p>
-            <a:pPr indent="0" lvl="0" marL="0" rtl="0" algn="r">
+            <a:pPr marL="0" lvl="0" indent="0" algn="r" rtl="0">
               <a:spcBef>
                 <a:spcPts val="0"/>
               </a:spcBef>
@@ -4060,18 +4194,19 @@
 </file>
 
 <file path=ppt/slideLayouts/slideLayout12.xml><?xml version="1.0" encoding="utf-8"?>
-<p:sldLayout xmlns:a="http://schemas.openxmlformats.org/drawingml/2006/main" xmlns:r="http://schemas.openxmlformats.org/officeDocument/2006/relationships" xmlns:mc="http://schemas.openxmlformats.org/markup-compatibility/2006" xmlns:mv="urn:schemas-microsoft-com:mac:vml" xmlns:p="http://schemas.openxmlformats.org/presentationml/2006/main" xmlns:c="http://schemas.openxmlformats.org/drawingml/2006/chart" xmlns:dgm="http://schemas.openxmlformats.org/drawingml/2006/diagram" xmlns:o="urn:schemas-microsoft-com:office:office" xmlns:v="urn:schemas-microsoft-com:vml" xmlns:pvml="urn:schemas-microsoft-com:office:powerpoint" xmlns:com="http://schemas.openxmlformats.org/drawingml/2006/compatibility" xmlns:p14="http://schemas.microsoft.com/office/powerpoint/2010/main" xmlns:p15="http://schemas.microsoft.com/office/powerpoint/2012/main" xmlns:ahyp="http://schemas.microsoft.com/office/drawing/2018/hyperlinkcolor" matchingName="Custom layout">
+<p:sldLayout xmlns:a="http://schemas.openxmlformats.org/drawingml/2006/main" xmlns:r="http://schemas.openxmlformats.org/officeDocument/2006/relationships" xmlns:p="http://schemas.openxmlformats.org/presentationml/2006/main" matchingName="Custom layout">
   <p:cSld name="AUTOLAYOUT">
     <p:bg>
       <p:bgPr>
         <a:solidFill>
           <a:srgbClr val="FFFFFF"/>
         </a:solidFill>
+        <a:effectLst/>
       </p:bgPr>
     </p:bg>
     <p:spTree>
       <p:nvGrpSpPr>
-        <p:cNvPr id="82" name="Shape 82"/>
+        <p:cNvPr id="1" name="Shape 82"/>
         <p:cNvGrpSpPr/>
         <p:nvPr/>
       </p:nvGrpSpPr>
@@ -4105,12 +4240,12 @@
           </a:ln>
         </p:spPr>
         <p:txBody>
-          <a:bodyPr anchorCtr="0" anchor="ctr" bIns="91425" lIns="91425" spcFirstLastPara="1" rIns="91425" wrap="square" tIns="91425">
+          <a:bodyPr spcFirstLastPara="1" wrap="square" lIns="91425" tIns="91425" rIns="91425" bIns="91425" anchor="ctr" anchorCtr="0">
             <a:noAutofit/>
           </a:bodyPr>
           <a:lstStyle/>
           <a:p>
-            <a:pPr indent="0" lvl="0" marL="0" rtl="0" algn="l">
+            <a:pPr marL="0" lvl="0" indent="0" algn="l" rtl="0">
               <a:spcBef>
                 <a:spcPts val="0"/>
               </a:spcBef>
@@ -4119,9 +4254,6 @@
               </a:spcAft>
               <a:buNone/>
             </a:pPr>
-            <a:r>
-              <a:t/>
-            </a:r>
             <a:endParaRPr/>
           </a:p>
         </p:txBody>
@@ -4129,9 +4261,11 @@
       <p:sp>
         <p:nvSpPr>
           <p:cNvPr id="84" name="Google Shape;84;p13"/>
-          <p:cNvSpPr txBox="1"/>
+          <p:cNvSpPr txBox="1">
+            <a:spLocks noGrp="1"/>
+          </p:cNvSpPr>
           <p:nvPr>
-            <p:ph idx="12" type="sldNum"/>
+            <p:ph type="sldNum" idx="12"/>
           </p:nvPr>
         </p:nvSpPr>
         <p:spPr>
@@ -4145,7 +4279,7 @@
           <a:noFill/>
         </p:spPr>
         <p:txBody>
-          <a:bodyPr anchorCtr="0" anchor="ctr" bIns="91425" lIns="91425" spcFirstLastPara="1" rIns="91425" wrap="square" tIns="91425">
+          <a:bodyPr spcFirstLastPara="1" wrap="square" lIns="91425" tIns="91425" rIns="91425" bIns="91425" anchor="ctr" anchorCtr="0">
             <a:normAutofit/>
           </a:bodyPr>
           <a:lstStyle>
@@ -4277,7 +4411,7 @@
             </a:lvl9pPr>
           </a:lstStyle>
           <a:p>
-            <a:pPr indent="0" lvl="0" marL="0" rtl="0" algn="r">
+            <a:pPr marL="0" lvl="0" indent="0" algn="r" rtl="0">
               <a:spcBef>
                 <a:spcPts val="0"/>
               </a:spcBef>
@@ -4303,18 +4437,19 @@
 </file>
 
 <file path=ppt/slideLayouts/slideLayout13.xml><?xml version="1.0" encoding="utf-8"?>
-<p:sldLayout xmlns:a="http://schemas.openxmlformats.org/drawingml/2006/main" xmlns:r="http://schemas.openxmlformats.org/officeDocument/2006/relationships" xmlns:mc="http://schemas.openxmlformats.org/markup-compatibility/2006" xmlns:mv="urn:schemas-microsoft-com:mac:vml" xmlns:p="http://schemas.openxmlformats.org/presentationml/2006/main" xmlns:c="http://schemas.openxmlformats.org/drawingml/2006/chart" xmlns:dgm="http://schemas.openxmlformats.org/drawingml/2006/diagram" xmlns:o="urn:schemas-microsoft-com:office:office" xmlns:v="urn:schemas-microsoft-com:vml" xmlns:pvml="urn:schemas-microsoft-com:office:powerpoint" xmlns:com="http://schemas.openxmlformats.org/drawingml/2006/compatibility" xmlns:p14="http://schemas.microsoft.com/office/powerpoint/2010/main" xmlns:p15="http://schemas.microsoft.com/office/powerpoint/2012/main" xmlns:ahyp="http://schemas.microsoft.com/office/drawing/2018/hyperlinkcolor" matchingName="Custom layout 1">
+<p:sldLayout xmlns:a="http://schemas.openxmlformats.org/drawingml/2006/main" xmlns:r="http://schemas.openxmlformats.org/officeDocument/2006/relationships" xmlns:p="http://schemas.openxmlformats.org/presentationml/2006/main" matchingName="Custom layout 1">
   <p:cSld name="AUTOLAYOUT_5">
     <p:bg>
       <p:bgPr>
         <a:solidFill>
           <a:srgbClr val="FFFFFF"/>
         </a:solidFill>
+        <a:effectLst/>
       </p:bgPr>
     </p:bg>
     <p:spTree>
       <p:nvGrpSpPr>
-        <p:cNvPr id="85" name="Shape 85"/>
+        <p:cNvPr id="1" name="Shape 85"/>
         <p:cNvGrpSpPr/>
         <p:nvPr/>
       </p:nvGrpSpPr>
@@ -4348,12 +4483,12 @@
           </a:ln>
         </p:spPr>
         <p:txBody>
-          <a:bodyPr anchorCtr="0" anchor="ctr" bIns="91425" lIns="91425" spcFirstLastPara="1" rIns="91425" wrap="square" tIns="91425">
+          <a:bodyPr spcFirstLastPara="1" wrap="square" lIns="91425" tIns="91425" rIns="91425" bIns="91425" anchor="ctr" anchorCtr="0">
             <a:noAutofit/>
           </a:bodyPr>
           <a:lstStyle/>
           <a:p>
-            <a:pPr indent="0" lvl="0" marL="0" rtl="0" algn="l">
+            <a:pPr marL="0" lvl="0" indent="0" algn="l" rtl="0">
               <a:spcBef>
                 <a:spcPts val="0"/>
               </a:spcBef>
@@ -4362,9 +4497,6 @@
               </a:spcAft>
               <a:buNone/>
             </a:pPr>
-            <a:r>
-              <a:t/>
-            </a:r>
             <a:endParaRPr/>
           </a:p>
         </p:txBody>
@@ -4405,12 +4537,12 @@
             </a:ln>
           </p:spPr>
           <p:txBody>
-            <a:bodyPr anchorCtr="0" anchor="ctr" bIns="91425" lIns="91425" spcFirstLastPara="1" rIns="91425" wrap="square" tIns="91425">
+            <a:bodyPr spcFirstLastPara="1" wrap="square" lIns="91425" tIns="91425" rIns="91425" bIns="91425" anchor="ctr" anchorCtr="0">
               <a:noAutofit/>
             </a:bodyPr>
             <a:lstStyle/>
             <a:p>
-              <a:pPr indent="0" lvl="0" marL="0" rtl="0" algn="l">
+              <a:pPr marL="0" lvl="0" indent="0" algn="l" rtl="0">
                 <a:spcBef>
                   <a:spcPts val="0"/>
                 </a:spcBef>
@@ -4419,9 +4551,6 @@
                 </a:spcAft>
                 <a:buNone/>
               </a:pPr>
-              <a:r>
-                <a:t/>
-              </a:r>
               <a:endParaRPr/>
             </a:p>
           </p:txBody>
@@ -4448,12 +4577,12 @@
             </a:ln>
           </p:spPr>
           <p:txBody>
-            <a:bodyPr anchorCtr="0" anchor="ctr" bIns="91425" lIns="91425" spcFirstLastPara="1" rIns="91425" wrap="square" tIns="91425">
+            <a:bodyPr spcFirstLastPara="1" wrap="square" lIns="91425" tIns="91425" rIns="91425" bIns="91425" anchor="ctr" anchorCtr="0">
               <a:noAutofit/>
             </a:bodyPr>
             <a:lstStyle/>
             <a:p>
-              <a:pPr indent="0" lvl="0" marL="0" rtl="0" algn="l">
+              <a:pPr marL="0" lvl="0" indent="0" algn="l" rtl="0">
                 <a:spcBef>
                   <a:spcPts val="0"/>
                 </a:spcBef>
@@ -4462,9 +4591,6 @@
                 </a:spcAft>
                 <a:buNone/>
               </a:pPr>
-              <a:r>
-                <a:t/>
-              </a:r>
               <a:endParaRPr/>
             </a:p>
           </p:txBody>
@@ -4476,7 +4602,7 @@
             <p:nvPr/>
           </p:nvSpPr>
           <p:spPr>
-            <a:xfrm flipH="1" rot="5400000">
+            <a:xfrm rot="5400000" flipH="1">
               <a:off x="1689952" y="4547698"/>
               <a:ext cx="429600" cy="762000"/>
             </a:xfrm>
@@ -4491,12 +4617,12 @@
             </a:ln>
           </p:spPr>
           <p:txBody>
-            <a:bodyPr anchorCtr="0" anchor="ctr" bIns="91425" lIns="91425" spcFirstLastPara="1" rIns="91425" wrap="square" tIns="91425">
+            <a:bodyPr spcFirstLastPara="1" wrap="square" lIns="91425" tIns="91425" rIns="91425" bIns="91425" anchor="ctr" anchorCtr="0">
               <a:noAutofit/>
             </a:bodyPr>
             <a:lstStyle/>
             <a:p>
-              <a:pPr indent="0" lvl="0" marL="0" rtl="0" algn="l">
+              <a:pPr marL="0" lvl="0" indent="0" algn="l" rtl="0">
                 <a:spcBef>
                   <a:spcPts val="0"/>
                 </a:spcBef>
@@ -4505,9 +4631,6 @@
                 </a:spcAft>
                 <a:buNone/>
               </a:pPr>
-              <a:r>
-                <a:t/>
-              </a:r>
               <a:endParaRPr/>
             </a:p>
           </p:txBody>
@@ -4519,7 +4642,7 @@
             <p:nvPr/>
           </p:nvSpPr>
           <p:spPr>
-            <a:xfrm flipH="1" rot="5400000">
+            <a:xfrm rot="5400000" flipH="1">
               <a:off x="166127" y="4547698"/>
               <a:ext cx="429600" cy="762000"/>
             </a:xfrm>
@@ -4534,12 +4657,12 @@
             </a:ln>
           </p:spPr>
           <p:txBody>
-            <a:bodyPr anchorCtr="0" anchor="ctr" bIns="91425" lIns="91425" spcFirstLastPara="1" rIns="91425" wrap="square" tIns="91425">
+            <a:bodyPr spcFirstLastPara="1" wrap="square" lIns="91425" tIns="91425" rIns="91425" bIns="91425" anchor="ctr" anchorCtr="0">
               <a:noAutofit/>
             </a:bodyPr>
             <a:lstStyle/>
             <a:p>
-              <a:pPr indent="0" lvl="0" marL="0" rtl="0" algn="l">
+              <a:pPr marL="0" lvl="0" indent="0" algn="l" rtl="0">
                 <a:spcBef>
                   <a:spcPts val="0"/>
                 </a:spcBef>
@@ -4548,9 +4671,6 @@
                 </a:spcAft>
                 <a:buNone/>
               </a:pPr>
-              <a:r>
-                <a:t/>
-              </a:r>
               <a:endParaRPr/>
             </a:p>
           </p:txBody>
@@ -4578,12 +4698,12 @@
           </a:ln>
         </p:spPr>
         <p:txBody>
-          <a:bodyPr anchorCtr="0" anchor="ctr" bIns="91425" lIns="91425" spcFirstLastPara="1" rIns="91425" wrap="square" tIns="91425">
+          <a:bodyPr spcFirstLastPara="1" wrap="square" lIns="91425" tIns="91425" rIns="91425" bIns="91425" anchor="ctr" anchorCtr="0">
             <a:noAutofit/>
           </a:bodyPr>
           <a:lstStyle/>
           <a:p>
-            <a:pPr indent="0" lvl="0" marL="0" rtl="0" algn="l">
+            <a:pPr marL="0" lvl="0" indent="0" algn="l" rtl="0">
               <a:spcBef>
                 <a:spcPts val="0"/>
               </a:spcBef>
@@ -4592,9 +4712,6 @@
               </a:spcAft>
               <a:buNone/>
             </a:pPr>
-            <a:r>
-              <a:t/>
-            </a:r>
             <a:endParaRPr/>
           </a:p>
         </p:txBody>
@@ -4602,7 +4719,9 @@
       <p:sp>
         <p:nvSpPr>
           <p:cNvPr id="93" name="Google Shape;93;p14"/>
-          <p:cNvSpPr txBox="1"/>
+          <p:cNvSpPr txBox="1">
+            <a:spLocks noGrp="1"/>
+          </p:cNvSpPr>
           <p:nvPr>
             <p:ph type="title"/>
           </p:nvPr>
@@ -4618,7 +4737,7 @@
           <a:noFill/>
         </p:spPr>
         <p:txBody>
-          <a:bodyPr anchorCtr="0" anchor="t" bIns="91425" lIns="91425" spcFirstLastPara="1" rIns="91425" wrap="square" tIns="91425">
+          <a:bodyPr spcFirstLastPara="1" wrap="square" lIns="91425" tIns="91425" rIns="91425" bIns="91425" anchor="t" anchorCtr="0">
             <a:normAutofit/>
           </a:bodyPr>
           <a:lstStyle>
@@ -4633,7 +4752,7 @@
                 <a:spcPts val="0"/>
               </a:spcAft>
               <a:buNone/>
-              <a:defRPr b="1" sz="3000">
+              <a:defRPr sz="3000" b="1">
                 <a:solidFill>
                   <a:srgbClr val="212121"/>
                 </a:solidFill>
@@ -4650,7 +4769,7 @@
                 <a:spcPts val="0"/>
               </a:spcAft>
               <a:buNone/>
-              <a:defRPr b="1" sz="3000">
+              <a:defRPr sz="3000" b="1">
                 <a:solidFill>
                   <a:srgbClr val="212121"/>
                 </a:solidFill>
@@ -4667,7 +4786,7 @@
                 <a:spcPts val="0"/>
               </a:spcAft>
               <a:buNone/>
-              <a:defRPr b="1" sz="3000">
+              <a:defRPr sz="3000" b="1">
                 <a:solidFill>
                   <a:srgbClr val="212121"/>
                 </a:solidFill>
@@ -4684,7 +4803,7 @@
                 <a:spcPts val="0"/>
               </a:spcAft>
               <a:buNone/>
-              <a:defRPr b="1" sz="3000">
+              <a:defRPr sz="3000" b="1">
                 <a:solidFill>
                   <a:srgbClr val="212121"/>
                 </a:solidFill>
@@ -4701,7 +4820,7 @@
                 <a:spcPts val="0"/>
               </a:spcAft>
               <a:buNone/>
-              <a:defRPr b="1" sz="3000">
+              <a:defRPr sz="3000" b="1">
                 <a:solidFill>
                   <a:srgbClr val="212121"/>
                 </a:solidFill>
@@ -4718,7 +4837,7 @@
                 <a:spcPts val="0"/>
               </a:spcAft>
               <a:buNone/>
-              <a:defRPr b="1" sz="3000">
+              <a:defRPr sz="3000" b="1">
                 <a:solidFill>
                   <a:srgbClr val="212121"/>
                 </a:solidFill>
@@ -4735,7 +4854,7 @@
                 <a:spcPts val="0"/>
               </a:spcAft>
               <a:buNone/>
-              <a:defRPr b="1" sz="3000">
+              <a:defRPr sz="3000" b="1">
                 <a:solidFill>
                   <a:srgbClr val="212121"/>
                 </a:solidFill>
@@ -4752,7 +4871,7 @@
                 <a:spcPts val="0"/>
               </a:spcAft>
               <a:buNone/>
-              <a:defRPr b="1" sz="3000">
+              <a:defRPr sz="3000" b="1">
                 <a:solidFill>
                   <a:srgbClr val="212121"/>
                 </a:solidFill>
@@ -4769,22 +4888,26 @@
                 <a:spcPts val="0"/>
               </a:spcAft>
               <a:buNone/>
-              <a:defRPr b="1" sz="3000">
+              <a:defRPr sz="3000" b="1">
                 <a:solidFill>
                   <a:srgbClr val="212121"/>
                 </a:solidFill>
               </a:defRPr>
             </a:lvl9pPr>
           </a:lstStyle>
-          <a:p/>
+          <a:p>
+            <a:endParaRPr/>
+          </a:p>
         </p:txBody>
       </p:sp>
       <p:sp>
         <p:nvSpPr>
           <p:cNvPr id="94" name="Google Shape;94;p14"/>
-          <p:cNvSpPr txBox="1"/>
+          <p:cNvSpPr txBox="1">
+            <a:spLocks noGrp="1"/>
+          </p:cNvSpPr>
           <p:nvPr>
-            <p:ph idx="12" type="sldNum"/>
+            <p:ph type="sldNum" idx="12"/>
           </p:nvPr>
         </p:nvSpPr>
         <p:spPr>
@@ -4798,7 +4921,7 @@
           <a:noFill/>
         </p:spPr>
         <p:txBody>
-          <a:bodyPr anchorCtr="0" anchor="ctr" bIns="91425" lIns="91425" spcFirstLastPara="1" rIns="91425" wrap="square" tIns="91425">
+          <a:bodyPr spcFirstLastPara="1" wrap="square" lIns="91425" tIns="91425" rIns="91425" bIns="91425" anchor="ctr" anchorCtr="0">
             <a:normAutofit/>
           </a:bodyPr>
           <a:lstStyle>
@@ -4930,7 +5053,7 @@
             </a:lvl9pPr>
           </a:lstStyle>
           <a:p>
-            <a:pPr indent="0" lvl="0" marL="0" rtl="0" algn="r">
+            <a:pPr marL="0" lvl="0" indent="0" algn="r" rtl="0">
               <a:spcBef>
                 <a:spcPts val="0"/>
               </a:spcBef>
@@ -4956,11 +5079,11 @@
 </file>
 
 <file path=ppt/slideLayouts/slideLayout14.xml><?xml version="1.0" encoding="utf-8"?>
-<p:sldLayout xmlns:a="http://schemas.openxmlformats.org/drawingml/2006/main" xmlns:r="http://schemas.openxmlformats.org/officeDocument/2006/relationships" xmlns:mc="http://schemas.openxmlformats.org/markup-compatibility/2006" xmlns:mv="urn:schemas-microsoft-com:mac:vml" xmlns:p="http://schemas.openxmlformats.org/presentationml/2006/main" xmlns:c="http://schemas.openxmlformats.org/drawingml/2006/chart" xmlns:dgm="http://schemas.openxmlformats.org/drawingml/2006/diagram" xmlns:o="urn:schemas-microsoft-com:office:office" xmlns:v="urn:schemas-microsoft-com:vml" xmlns:pvml="urn:schemas-microsoft-com:office:powerpoint" xmlns:com="http://schemas.openxmlformats.org/drawingml/2006/compatibility" xmlns:p14="http://schemas.microsoft.com/office/powerpoint/2010/main" xmlns:p15="http://schemas.microsoft.com/office/powerpoint/2012/main" xmlns:ahyp="http://schemas.microsoft.com/office/drawing/2018/hyperlinkcolor" matchingName="Custom layout 3">
+<p:sldLayout xmlns:a="http://schemas.openxmlformats.org/drawingml/2006/main" xmlns:r="http://schemas.openxmlformats.org/officeDocument/2006/relationships" xmlns:p="http://schemas.openxmlformats.org/presentationml/2006/main" matchingName="Custom layout 3">
   <p:cSld name="AUTOLAYOUT_9">
     <p:spTree>
       <p:nvGrpSpPr>
-        <p:cNvPr id="95" name="Shape 95"/>
+        <p:cNvPr id="1" name="Shape 95"/>
         <p:cNvGrpSpPr/>
         <p:nvPr/>
       </p:nvGrpSpPr>
@@ -4994,12 +5117,12 @@
           </a:ln>
         </p:spPr>
         <p:txBody>
-          <a:bodyPr anchorCtr="0" anchor="ctr" bIns="91425" lIns="91425" spcFirstLastPara="1" rIns="91425" wrap="square" tIns="91425">
+          <a:bodyPr spcFirstLastPara="1" wrap="square" lIns="91425" tIns="91425" rIns="91425" bIns="91425" anchor="ctr" anchorCtr="0">
             <a:noAutofit/>
           </a:bodyPr>
           <a:lstStyle/>
           <a:p>
-            <a:pPr indent="0" lvl="0" marL="0" rtl="0" algn="l">
+            <a:pPr marL="0" lvl="0" indent="0" algn="l" rtl="0">
               <a:spcBef>
                 <a:spcPts val="0"/>
               </a:spcBef>
@@ -5008,9 +5131,6 @@
               </a:spcAft>
               <a:buNone/>
             </a:pPr>
-            <a:r>
-              <a:t/>
-            </a:r>
             <a:endParaRPr/>
           </a:p>
         </p:txBody>
@@ -5030,23 +5150,23 @@
             <a:avLst/>
           </a:prstGeom>
           <a:noFill/>
-          <a:ln cap="flat" cmpd="sng" w="152400">
+          <a:ln w="152400" cap="flat" cmpd="sng">
             <a:solidFill>
               <a:srgbClr val="37474F"/>
             </a:solidFill>
             <a:prstDash val="solid"/>
             <a:miter lim="8000"/>
-            <a:headEnd len="sm" w="sm" type="none"/>
-            <a:tailEnd len="sm" w="sm" type="none"/>
+            <a:headEnd type="none" w="sm" len="sm"/>
+            <a:tailEnd type="none" w="sm" len="sm"/>
           </a:ln>
         </p:spPr>
         <p:txBody>
-          <a:bodyPr anchorCtr="0" anchor="ctr" bIns="91425" lIns="91425" spcFirstLastPara="1" rIns="91425" wrap="square" tIns="91425">
+          <a:bodyPr spcFirstLastPara="1" wrap="square" lIns="91425" tIns="91425" rIns="91425" bIns="91425" anchor="ctr" anchorCtr="0">
             <a:noAutofit/>
           </a:bodyPr>
           <a:lstStyle/>
           <a:p>
-            <a:pPr indent="0" lvl="0" marL="0" rtl="0" algn="l">
+            <a:pPr marL="0" lvl="0" indent="0" algn="l" rtl="0">
               <a:spcBef>
                 <a:spcPts val="0"/>
               </a:spcBef>
@@ -5055,9 +5175,6 @@
               </a:spcAft>
               <a:buNone/>
             </a:pPr>
-            <a:r>
-              <a:t/>
-            </a:r>
             <a:endParaRPr/>
           </a:p>
         </p:txBody>
@@ -5065,7 +5182,9 @@
       <p:sp>
         <p:nvSpPr>
           <p:cNvPr id="98" name="Google Shape;98;p15"/>
-          <p:cNvSpPr txBox="1"/>
+          <p:cNvSpPr txBox="1">
+            <a:spLocks noGrp="1"/>
+          </p:cNvSpPr>
           <p:nvPr>
             <p:ph type="title"/>
           </p:nvPr>
@@ -5081,7 +5200,7 @@
           <a:noFill/>
         </p:spPr>
         <p:txBody>
-          <a:bodyPr anchorCtr="0" anchor="ctr" bIns="91425" lIns="91425" spcFirstLastPara="1" rIns="91425" wrap="square" tIns="91425">
+          <a:bodyPr spcFirstLastPara="1" wrap="square" lIns="91425" tIns="91425" rIns="91425" bIns="91425" anchor="ctr" anchorCtr="0">
             <a:normAutofit/>
           </a:bodyPr>
           <a:lstStyle>
@@ -5275,15 +5394,19 @@
               </a:defRPr>
             </a:lvl9pPr>
           </a:lstStyle>
-          <a:p/>
+          <a:p>
+            <a:endParaRPr/>
+          </a:p>
         </p:txBody>
       </p:sp>
       <p:sp>
         <p:nvSpPr>
           <p:cNvPr id="99" name="Google Shape;99;p15"/>
-          <p:cNvSpPr txBox="1"/>
+          <p:cNvSpPr txBox="1">
+            <a:spLocks noGrp="1"/>
+          </p:cNvSpPr>
           <p:nvPr>
-            <p:ph idx="12" type="sldNum"/>
+            <p:ph type="sldNum" idx="12"/>
           </p:nvPr>
         </p:nvSpPr>
         <p:spPr>
@@ -5297,7 +5420,7 @@
           <a:noFill/>
         </p:spPr>
         <p:txBody>
-          <a:bodyPr anchorCtr="0" anchor="ctr" bIns="91425" lIns="91425" spcFirstLastPara="1" rIns="91425" wrap="square" tIns="91425">
+          <a:bodyPr spcFirstLastPara="1" wrap="square" lIns="91425" tIns="91425" rIns="91425" bIns="91425" anchor="ctr" anchorCtr="0">
             <a:normAutofit/>
           </a:bodyPr>
           <a:lstStyle>
@@ -5429,7 +5552,7 @@
             </a:lvl9pPr>
           </a:lstStyle>
           <a:p>
-            <a:pPr indent="0" lvl="0" marL="0" rtl="0" algn="r">
+            <a:pPr marL="0" lvl="0" indent="0" algn="r" rtl="0">
               <a:spcBef>
                 <a:spcPts val="0"/>
               </a:spcBef>
@@ -5455,11 +5578,11 @@
 </file>
 
 <file path=ppt/slideLayouts/slideLayout15.xml><?xml version="1.0" encoding="utf-8"?>
-<p:sldLayout xmlns:a="http://schemas.openxmlformats.org/drawingml/2006/main" xmlns:r="http://schemas.openxmlformats.org/officeDocument/2006/relationships" xmlns:mc="http://schemas.openxmlformats.org/markup-compatibility/2006" xmlns:mv="urn:schemas-microsoft-com:mac:vml" xmlns:p="http://schemas.openxmlformats.org/presentationml/2006/main" xmlns:c="http://schemas.openxmlformats.org/drawingml/2006/chart" xmlns:dgm="http://schemas.openxmlformats.org/drawingml/2006/diagram" xmlns:o="urn:schemas-microsoft-com:office:office" xmlns:v="urn:schemas-microsoft-com:vml" xmlns:pvml="urn:schemas-microsoft-com:office:powerpoint" xmlns:com="http://schemas.openxmlformats.org/drawingml/2006/compatibility" xmlns:p14="http://schemas.microsoft.com/office/powerpoint/2010/main" xmlns:p15="http://schemas.microsoft.com/office/powerpoint/2012/main" xmlns:ahyp="http://schemas.microsoft.com/office/drawing/2018/hyperlinkcolor" matchingName="Custom layout 2">
+<p:sldLayout xmlns:a="http://schemas.openxmlformats.org/drawingml/2006/main" xmlns:r="http://schemas.openxmlformats.org/officeDocument/2006/relationships" xmlns:p="http://schemas.openxmlformats.org/presentationml/2006/main" matchingName="Custom layout 2">
   <p:cSld name="AUTOLAYOUT_10">
     <p:spTree>
       <p:nvGrpSpPr>
-        <p:cNvPr id="100" name="Shape 100"/>
+        <p:cNvPr id="1" name="Shape 100"/>
         <p:cNvGrpSpPr/>
         <p:nvPr/>
       </p:nvGrpSpPr>
@@ -5493,12 +5616,12 @@
           </a:ln>
         </p:spPr>
         <p:txBody>
-          <a:bodyPr anchorCtr="0" anchor="ctr" bIns="91425" lIns="91425" spcFirstLastPara="1" rIns="91425" wrap="square" tIns="91425">
+          <a:bodyPr spcFirstLastPara="1" wrap="square" lIns="91425" tIns="91425" rIns="91425" bIns="91425" anchor="ctr" anchorCtr="0">
             <a:noAutofit/>
           </a:bodyPr>
           <a:lstStyle/>
           <a:p>
-            <a:pPr indent="0" lvl="0" marL="0" rtl="0" algn="l">
+            <a:pPr marL="0" lvl="0" indent="0" algn="l" rtl="0">
               <a:spcBef>
                 <a:spcPts val="0"/>
               </a:spcBef>
@@ -5507,9 +5630,6 @@
               </a:spcAft>
               <a:buNone/>
             </a:pPr>
-            <a:r>
-              <a:t/>
-            </a:r>
             <a:endParaRPr/>
           </a:p>
         </p:txBody>
@@ -5529,23 +5649,23 @@
             <a:avLst/>
           </a:prstGeom>
           <a:noFill/>
-          <a:ln cap="flat" cmpd="sng" w="152400">
+          <a:ln w="152400" cap="flat" cmpd="sng">
             <a:solidFill>
               <a:srgbClr val="37474F"/>
             </a:solidFill>
             <a:prstDash val="solid"/>
             <a:miter lim="8000"/>
-            <a:headEnd len="sm" w="sm" type="none"/>
-            <a:tailEnd len="sm" w="sm" type="none"/>
+            <a:headEnd type="none" w="sm" len="sm"/>
+            <a:tailEnd type="none" w="sm" len="sm"/>
           </a:ln>
         </p:spPr>
         <p:txBody>
-          <a:bodyPr anchorCtr="0" anchor="ctr" bIns="91425" lIns="91425" spcFirstLastPara="1" rIns="91425" wrap="square" tIns="91425">
+          <a:bodyPr spcFirstLastPara="1" wrap="square" lIns="91425" tIns="91425" rIns="91425" bIns="91425" anchor="ctr" anchorCtr="0">
             <a:noAutofit/>
           </a:bodyPr>
           <a:lstStyle/>
           <a:p>
-            <a:pPr indent="0" lvl="0" marL="0" rtl="0" algn="l">
+            <a:pPr marL="0" lvl="0" indent="0" algn="l" rtl="0">
               <a:spcBef>
                 <a:spcPts val="0"/>
               </a:spcBef>
@@ -5554,9 +5674,6 @@
               </a:spcAft>
               <a:buNone/>
             </a:pPr>
-            <a:r>
-              <a:t/>
-            </a:r>
             <a:endParaRPr/>
           </a:p>
         </p:txBody>
@@ -5564,7 +5681,9 @@
       <p:sp>
         <p:nvSpPr>
           <p:cNvPr id="103" name="Google Shape;103;p16"/>
-          <p:cNvSpPr txBox="1"/>
+          <p:cNvSpPr txBox="1">
+            <a:spLocks noGrp="1"/>
+          </p:cNvSpPr>
           <p:nvPr>
             <p:ph type="title"/>
           </p:nvPr>
@@ -5580,7 +5699,7 @@
           <a:noFill/>
         </p:spPr>
         <p:txBody>
-          <a:bodyPr anchorCtr="0" anchor="ctr" bIns="91425" lIns="91425" spcFirstLastPara="1" rIns="91425" wrap="square" tIns="91425">
+          <a:bodyPr spcFirstLastPara="1" wrap="square" lIns="91425" tIns="91425" rIns="91425" bIns="91425" anchor="ctr" anchorCtr="0">
             <a:normAutofit/>
           </a:bodyPr>
           <a:lstStyle>
@@ -5774,15 +5893,19 @@
               </a:defRPr>
             </a:lvl9pPr>
           </a:lstStyle>
-          <a:p/>
+          <a:p>
+            <a:endParaRPr/>
+          </a:p>
         </p:txBody>
       </p:sp>
       <p:sp>
         <p:nvSpPr>
           <p:cNvPr id="104" name="Google Shape;104;p16"/>
-          <p:cNvSpPr txBox="1"/>
+          <p:cNvSpPr txBox="1">
+            <a:spLocks noGrp="1"/>
+          </p:cNvSpPr>
           <p:nvPr>
-            <p:ph idx="12" type="sldNum"/>
+            <p:ph type="sldNum" idx="12"/>
           </p:nvPr>
         </p:nvSpPr>
         <p:spPr>
@@ -5796,7 +5919,7 @@
           <a:noFill/>
         </p:spPr>
         <p:txBody>
-          <a:bodyPr anchorCtr="0" anchor="ctr" bIns="91425" lIns="91425" spcFirstLastPara="1" rIns="91425" wrap="square" tIns="91425">
+          <a:bodyPr spcFirstLastPara="1" wrap="square" lIns="91425" tIns="91425" rIns="91425" bIns="91425" anchor="ctr" anchorCtr="0">
             <a:normAutofit/>
           </a:bodyPr>
           <a:lstStyle>
@@ -5928,7 +6051,7 @@
             </a:lvl9pPr>
           </a:lstStyle>
           <a:p>
-            <a:pPr indent="0" lvl="0" marL="0" rtl="0" algn="r">
+            <a:pPr marL="0" lvl="0" indent="0" algn="r" rtl="0">
               <a:spcBef>
                 <a:spcPts val="0"/>
               </a:spcBef>
@@ -5954,18 +6077,19 @@
 </file>
 
 <file path=ppt/slideLayouts/slideLayout2.xml><?xml version="1.0" encoding="utf-8"?>
-<p:sldLayout xmlns:a="http://schemas.openxmlformats.org/drawingml/2006/main" xmlns:r="http://schemas.openxmlformats.org/officeDocument/2006/relationships" xmlns:mc="http://schemas.openxmlformats.org/markup-compatibility/2006" xmlns:mv="urn:schemas-microsoft-com:mac:vml" xmlns:p="http://schemas.openxmlformats.org/presentationml/2006/main" xmlns:c="http://schemas.openxmlformats.org/drawingml/2006/chart" xmlns:dgm="http://schemas.openxmlformats.org/drawingml/2006/diagram" xmlns:o="urn:schemas-microsoft-com:office:office" xmlns:v="urn:schemas-microsoft-com:vml" xmlns:pvml="urn:schemas-microsoft-com:office:powerpoint" xmlns:com="http://schemas.openxmlformats.org/drawingml/2006/compatibility" xmlns:p14="http://schemas.microsoft.com/office/powerpoint/2010/main" xmlns:p15="http://schemas.microsoft.com/office/powerpoint/2012/main" xmlns:ahyp="http://schemas.microsoft.com/office/drawing/2018/hyperlinkcolor" matchingName="Section header" type="secHead">
+<p:sldLayout xmlns:a="http://schemas.openxmlformats.org/drawingml/2006/main" xmlns:r="http://schemas.openxmlformats.org/officeDocument/2006/relationships" xmlns:p="http://schemas.openxmlformats.org/presentationml/2006/main" matchingName="Section header" type="secHead">
   <p:cSld name="SECTION_HEADER">
     <p:bg>
       <p:bgPr>
         <a:solidFill>
           <a:schemeClr val="dk1"/>
         </a:solidFill>
+        <a:effectLst/>
       </p:bgPr>
     </p:bg>
     <p:spTree>
       <p:nvGrpSpPr>
-        <p:cNvPr id="17" name="Shape 17"/>
+        <p:cNvPr id="1" name="Shape 17"/>
         <p:cNvGrpSpPr/>
         <p:nvPr/>
       </p:nvGrpSpPr>
@@ -6013,12 +6137,12 @@
             </a:ln>
           </p:spPr>
           <p:txBody>
-            <a:bodyPr anchorCtr="0" anchor="ctr" bIns="91425" lIns="91425" spcFirstLastPara="1" rIns="91425" wrap="square" tIns="91425">
+            <a:bodyPr spcFirstLastPara="1" wrap="square" lIns="91425" tIns="91425" rIns="91425" bIns="91425" anchor="ctr" anchorCtr="0">
               <a:noAutofit/>
             </a:bodyPr>
             <a:lstStyle/>
             <a:p>
-              <a:pPr indent="0" lvl="0" marL="0" rtl="0" algn="l">
+              <a:pPr marL="0" lvl="0" indent="0" algn="l" rtl="0">
                 <a:spcBef>
                   <a:spcPts val="0"/>
                 </a:spcBef>
@@ -6027,9 +6151,6 @@
                 </a:spcAft>
                 <a:buNone/>
               </a:pPr>
-              <a:r>
-                <a:t/>
-              </a:r>
               <a:endParaRPr/>
             </a:p>
           </p:txBody>
@@ -6056,12 +6177,12 @@
             </a:ln>
           </p:spPr>
           <p:txBody>
-            <a:bodyPr anchorCtr="0" anchor="ctr" bIns="91425" lIns="91425" spcFirstLastPara="1" rIns="91425" wrap="square" tIns="91425">
+            <a:bodyPr spcFirstLastPara="1" wrap="square" lIns="91425" tIns="91425" rIns="91425" bIns="91425" anchor="ctr" anchorCtr="0">
               <a:noAutofit/>
             </a:bodyPr>
             <a:lstStyle/>
             <a:p>
-              <a:pPr indent="0" lvl="0" marL="0" rtl="0" algn="l">
+              <a:pPr marL="0" lvl="0" indent="0" algn="l" rtl="0">
                 <a:spcBef>
                   <a:spcPts val="0"/>
                 </a:spcBef>
@@ -6070,9 +6191,6 @@
                 </a:spcAft>
                 <a:buNone/>
               </a:pPr>
-              <a:r>
-                <a:t/>
-              </a:r>
               <a:endParaRPr/>
             </a:p>
           </p:txBody>
@@ -6081,7 +6199,9 @@
       <p:sp>
         <p:nvSpPr>
           <p:cNvPr id="21" name="Google Shape;21;p3"/>
-          <p:cNvSpPr txBox="1"/>
+          <p:cNvSpPr txBox="1">
+            <a:spLocks noGrp="1"/>
+          </p:cNvSpPr>
           <p:nvPr>
             <p:ph type="title"/>
           </p:nvPr>
@@ -6096,7 +6216,7 @@
           </a:prstGeom>
         </p:spPr>
         <p:txBody>
-          <a:bodyPr anchorCtr="0" anchor="t" bIns="91425" lIns="91425" spcFirstLastPara="1" rIns="91425" wrap="square" tIns="91425">
+          <a:bodyPr spcFirstLastPara="1" wrap="square" lIns="91425" tIns="91425" rIns="91425" bIns="91425" anchor="t" anchorCtr="0">
             <a:normAutofit/>
           </a:bodyPr>
           <a:lstStyle>
@@ -6263,15 +6383,19 @@
               </a:defRPr>
             </a:lvl9pPr>
           </a:lstStyle>
-          <a:p/>
+          <a:p>
+            <a:endParaRPr/>
+          </a:p>
         </p:txBody>
       </p:sp>
       <p:sp>
         <p:nvSpPr>
           <p:cNvPr id="22" name="Google Shape;22;p3"/>
-          <p:cNvSpPr txBox="1"/>
+          <p:cNvSpPr txBox="1">
+            <a:spLocks noGrp="1"/>
+          </p:cNvSpPr>
           <p:nvPr>
-            <p:ph idx="12" type="sldNum"/>
+            <p:ph type="sldNum" idx="12"/>
           </p:nvPr>
         </p:nvSpPr>
         <p:spPr>
@@ -6284,7 +6408,7 @@
           </a:prstGeom>
         </p:spPr>
         <p:txBody>
-          <a:bodyPr anchorCtr="0" anchor="ctr" bIns="91425" lIns="91425" spcFirstLastPara="1" rIns="91425" wrap="square" tIns="91425">
+          <a:bodyPr spcFirstLastPara="1" wrap="square" lIns="91425" tIns="91425" rIns="91425" bIns="91425" anchor="ctr" anchorCtr="0">
             <a:normAutofit/>
           </a:bodyPr>
           <a:lstStyle>
@@ -6362,7 +6486,7 @@
             </a:lvl9pPr>
           </a:lstStyle>
           <a:p>
-            <a:pPr indent="0" lvl="0" marL="0" rtl="0" algn="r">
+            <a:pPr marL="0" lvl="0" indent="0" algn="r" rtl="0">
               <a:spcBef>
                 <a:spcPts val="0"/>
               </a:spcBef>
@@ -6388,11 +6512,11 @@
 </file>
 
 <file path=ppt/slideLayouts/slideLayout3.xml><?xml version="1.0" encoding="utf-8"?>
-<p:sldLayout xmlns:a="http://schemas.openxmlformats.org/drawingml/2006/main" xmlns:r="http://schemas.openxmlformats.org/officeDocument/2006/relationships" xmlns:mc="http://schemas.openxmlformats.org/markup-compatibility/2006" xmlns:mv="urn:schemas-microsoft-com:mac:vml" xmlns:p="http://schemas.openxmlformats.org/presentationml/2006/main" xmlns:c="http://schemas.openxmlformats.org/drawingml/2006/chart" xmlns:dgm="http://schemas.openxmlformats.org/drawingml/2006/diagram" xmlns:o="urn:schemas-microsoft-com:office:office" xmlns:v="urn:schemas-microsoft-com:vml" xmlns:pvml="urn:schemas-microsoft-com:office:powerpoint" xmlns:com="http://schemas.openxmlformats.org/drawingml/2006/compatibility" xmlns:p14="http://schemas.microsoft.com/office/powerpoint/2010/main" xmlns:p15="http://schemas.microsoft.com/office/powerpoint/2012/main" xmlns:ahyp="http://schemas.microsoft.com/office/drawing/2018/hyperlinkcolor" matchingName="Title and body" type="tx">
+<p:sldLayout xmlns:a="http://schemas.openxmlformats.org/drawingml/2006/main" xmlns:r="http://schemas.openxmlformats.org/officeDocument/2006/relationships" xmlns:p="http://schemas.openxmlformats.org/presentationml/2006/main" matchingName="Title and body" type="tx">
   <p:cSld name="TITLE_AND_BODY">
     <p:spTree>
       <p:nvGrpSpPr>
-        <p:cNvPr id="23" name="Shape 23"/>
+        <p:cNvPr id="1" name="Shape 23"/>
         <p:cNvGrpSpPr/>
         <p:nvPr/>
       </p:nvGrpSpPr>
@@ -6426,12 +6550,12 @@
           </a:ln>
         </p:spPr>
         <p:txBody>
-          <a:bodyPr anchorCtr="0" anchor="ctr" bIns="91425" lIns="91425" spcFirstLastPara="1" rIns="91425" wrap="square" tIns="91425">
+          <a:bodyPr spcFirstLastPara="1" wrap="square" lIns="91425" tIns="91425" rIns="91425" bIns="91425" anchor="ctr" anchorCtr="0">
             <a:noAutofit/>
           </a:bodyPr>
           <a:lstStyle/>
           <a:p>
-            <a:pPr indent="0" lvl="0" marL="0" rtl="0" algn="l">
+            <a:pPr marL="0" lvl="0" indent="0" algn="l" rtl="0">
               <a:spcBef>
                 <a:spcPts val="0"/>
               </a:spcBef>
@@ -6440,9 +6564,6 @@
               </a:spcAft>
               <a:buNone/>
             </a:pPr>
-            <a:r>
-              <a:t/>
-            </a:r>
             <a:endParaRPr/>
           </a:p>
         </p:txBody>
@@ -6483,12 +6604,12 @@
             </a:ln>
           </p:spPr>
           <p:txBody>
-            <a:bodyPr anchorCtr="0" anchor="ctr" bIns="91425" lIns="91425" spcFirstLastPara="1" rIns="91425" wrap="square" tIns="91425">
+            <a:bodyPr spcFirstLastPara="1" wrap="square" lIns="91425" tIns="91425" rIns="91425" bIns="91425" anchor="ctr" anchorCtr="0">
               <a:noAutofit/>
             </a:bodyPr>
             <a:lstStyle/>
             <a:p>
-              <a:pPr indent="0" lvl="0" marL="0" rtl="0" algn="l">
+              <a:pPr marL="0" lvl="0" indent="0" algn="l" rtl="0">
                 <a:spcBef>
                   <a:spcPts val="0"/>
                 </a:spcBef>
@@ -6497,9 +6618,6 @@
                 </a:spcAft>
                 <a:buNone/>
               </a:pPr>
-              <a:r>
-                <a:t/>
-              </a:r>
               <a:endParaRPr/>
             </a:p>
           </p:txBody>
@@ -6526,12 +6644,12 @@
             </a:ln>
           </p:spPr>
           <p:txBody>
-            <a:bodyPr anchorCtr="0" anchor="ctr" bIns="91425" lIns="91425" spcFirstLastPara="1" rIns="91425" wrap="square" tIns="91425">
+            <a:bodyPr spcFirstLastPara="1" wrap="square" lIns="91425" tIns="91425" rIns="91425" bIns="91425" anchor="ctr" anchorCtr="0">
               <a:noAutofit/>
             </a:bodyPr>
             <a:lstStyle/>
             <a:p>
-              <a:pPr indent="0" lvl="0" marL="0" rtl="0" algn="l">
+              <a:pPr marL="0" lvl="0" indent="0" algn="l" rtl="0">
                 <a:spcBef>
                   <a:spcPts val="0"/>
                 </a:spcBef>
@@ -6540,9 +6658,6 @@
                 </a:spcAft>
                 <a:buNone/>
               </a:pPr>
-              <a:r>
-                <a:t/>
-              </a:r>
               <a:endParaRPr/>
             </a:p>
           </p:txBody>
@@ -6551,7 +6666,9 @@
       <p:sp>
         <p:nvSpPr>
           <p:cNvPr id="28" name="Google Shape;28;p4"/>
-          <p:cNvSpPr txBox="1"/>
+          <p:cNvSpPr txBox="1">
+            <a:spLocks noGrp="1"/>
+          </p:cNvSpPr>
           <p:nvPr>
             <p:ph type="title"/>
           </p:nvPr>
@@ -6566,7 +6683,7 @@
           </a:prstGeom>
         </p:spPr>
         <p:txBody>
-          <a:bodyPr anchorCtr="0" anchor="t" bIns="91425" lIns="91425" spcFirstLastPara="1" rIns="91425" wrap="square" tIns="91425">
+          <a:bodyPr spcFirstLastPara="1" wrap="square" lIns="91425" tIns="91425" rIns="91425" bIns="91425" anchor="t" anchorCtr="0">
             <a:normAutofit/>
           </a:bodyPr>
           <a:lstStyle>
@@ -6670,15 +6787,19 @@
               <a:defRPr sz="2600"/>
             </a:lvl9pPr>
           </a:lstStyle>
-          <a:p/>
+          <a:p>
+            <a:endParaRPr/>
+          </a:p>
         </p:txBody>
       </p:sp>
       <p:sp>
         <p:nvSpPr>
           <p:cNvPr id="29" name="Google Shape;29;p4"/>
-          <p:cNvSpPr txBox="1"/>
+          <p:cNvSpPr txBox="1">
+            <a:spLocks noGrp="1"/>
+          </p:cNvSpPr>
           <p:nvPr>
-            <p:ph idx="1" type="body"/>
+            <p:ph type="body" idx="1"/>
           </p:nvPr>
         </p:nvSpPr>
         <p:spPr>
@@ -6691,11 +6812,11 @@
           </a:prstGeom>
         </p:spPr>
         <p:txBody>
-          <a:bodyPr anchorCtr="0" anchor="t" bIns="91425" lIns="91425" spcFirstLastPara="1" rIns="91425" wrap="square" tIns="91425">
+          <a:bodyPr spcFirstLastPara="1" wrap="square" lIns="91425" tIns="91425" rIns="91425" bIns="91425" anchor="t" anchorCtr="0">
             <a:normAutofit/>
           </a:bodyPr>
           <a:lstStyle>
-            <a:lvl1pPr indent="-311150" lvl="0" marL="457200">
+            <a:lvl1pPr marL="457200" lvl="0" indent="-311150">
               <a:spcBef>
                 <a:spcPts val="0"/>
               </a:spcBef>
@@ -6706,7 +6827,7 @@
               <a:buChar char="●"/>
               <a:defRPr/>
             </a:lvl1pPr>
-            <a:lvl2pPr indent="-298450" lvl="1" marL="914400">
+            <a:lvl2pPr marL="914400" lvl="1" indent="-298450">
               <a:spcBef>
                 <a:spcPts val="0"/>
               </a:spcBef>
@@ -6717,7 +6838,7 @@
               <a:buChar char="○"/>
               <a:defRPr/>
             </a:lvl2pPr>
-            <a:lvl3pPr indent="-298450" lvl="2" marL="1371600">
+            <a:lvl3pPr marL="1371600" lvl="2" indent="-298450">
               <a:spcBef>
                 <a:spcPts val="0"/>
               </a:spcBef>
@@ -6728,7 +6849,7 @@
               <a:buChar char="■"/>
               <a:defRPr/>
             </a:lvl3pPr>
-            <a:lvl4pPr indent="-298450" lvl="3" marL="1828800">
+            <a:lvl4pPr marL="1828800" lvl="3" indent="-298450">
               <a:spcBef>
                 <a:spcPts val="0"/>
               </a:spcBef>
@@ -6739,7 +6860,7 @@
               <a:buChar char="●"/>
               <a:defRPr/>
             </a:lvl4pPr>
-            <a:lvl5pPr indent="-298450" lvl="4" marL="2286000">
+            <a:lvl5pPr marL="2286000" lvl="4" indent="-298450">
               <a:spcBef>
                 <a:spcPts val="0"/>
               </a:spcBef>
@@ -6750,7 +6871,7 @@
               <a:buChar char="○"/>
               <a:defRPr/>
             </a:lvl5pPr>
-            <a:lvl6pPr indent="-298450" lvl="5" marL="2743200">
+            <a:lvl6pPr marL="2743200" lvl="5" indent="-298450">
               <a:spcBef>
                 <a:spcPts val="0"/>
               </a:spcBef>
@@ -6761,7 +6882,7 @@
               <a:buChar char="■"/>
               <a:defRPr/>
             </a:lvl6pPr>
-            <a:lvl7pPr indent="-298450" lvl="6" marL="3200400">
+            <a:lvl7pPr marL="3200400" lvl="6" indent="-298450">
               <a:spcBef>
                 <a:spcPts val="0"/>
               </a:spcBef>
@@ -6772,7 +6893,7 @@
               <a:buChar char="●"/>
               <a:defRPr/>
             </a:lvl7pPr>
-            <a:lvl8pPr indent="-298450" lvl="7" marL="3657600">
+            <a:lvl8pPr marL="3657600" lvl="7" indent="-298450">
               <a:spcBef>
                 <a:spcPts val="0"/>
               </a:spcBef>
@@ -6783,7 +6904,7 @@
               <a:buChar char="○"/>
               <a:defRPr/>
             </a:lvl8pPr>
-            <a:lvl9pPr indent="-298450" lvl="8" marL="4114800">
+            <a:lvl9pPr marL="4114800" lvl="8" indent="-298450">
               <a:spcBef>
                 <a:spcPts val="0"/>
               </a:spcBef>
@@ -6795,15 +6916,19 @@
               <a:defRPr/>
             </a:lvl9pPr>
           </a:lstStyle>
-          <a:p/>
+          <a:p>
+            <a:endParaRPr/>
+          </a:p>
         </p:txBody>
       </p:sp>
       <p:sp>
         <p:nvSpPr>
           <p:cNvPr id="30" name="Google Shape;30;p4"/>
-          <p:cNvSpPr txBox="1"/>
+          <p:cNvSpPr txBox="1">
+            <a:spLocks noGrp="1"/>
+          </p:cNvSpPr>
           <p:nvPr>
-            <p:ph idx="12" type="sldNum"/>
+            <p:ph type="sldNum" idx="12"/>
           </p:nvPr>
         </p:nvSpPr>
         <p:spPr>
@@ -6816,7 +6941,7 @@
           </a:prstGeom>
         </p:spPr>
         <p:txBody>
-          <a:bodyPr anchorCtr="0" anchor="ctr" bIns="91425" lIns="91425" spcFirstLastPara="1" rIns="91425" wrap="square" tIns="91425">
+          <a:bodyPr spcFirstLastPara="1" wrap="square" lIns="91425" tIns="91425" rIns="91425" bIns="91425" anchor="ctr" anchorCtr="0">
             <a:normAutofit/>
           </a:bodyPr>
           <a:lstStyle>
@@ -6858,7 +6983,7 @@
             </a:lvl9pPr>
           </a:lstStyle>
           <a:p>
-            <a:pPr indent="0" lvl="0" marL="0" rtl="0" algn="r">
+            <a:pPr marL="0" lvl="0" indent="0" algn="r" rtl="0">
               <a:spcBef>
                 <a:spcPts val="0"/>
               </a:spcBef>
@@ -6884,11 +7009,11 @@
 </file>
 
 <file path=ppt/slideLayouts/slideLayout4.xml><?xml version="1.0" encoding="utf-8"?>
-<p:sldLayout xmlns:a="http://schemas.openxmlformats.org/drawingml/2006/main" xmlns:r="http://schemas.openxmlformats.org/officeDocument/2006/relationships" xmlns:mc="http://schemas.openxmlformats.org/markup-compatibility/2006" xmlns:mv="urn:schemas-microsoft-com:mac:vml" xmlns:p="http://schemas.openxmlformats.org/presentationml/2006/main" xmlns:c="http://schemas.openxmlformats.org/drawingml/2006/chart" xmlns:dgm="http://schemas.openxmlformats.org/drawingml/2006/diagram" xmlns:o="urn:schemas-microsoft-com:office:office" xmlns:v="urn:schemas-microsoft-com:vml" xmlns:pvml="urn:schemas-microsoft-com:office:powerpoint" xmlns:com="http://schemas.openxmlformats.org/drawingml/2006/compatibility" xmlns:p14="http://schemas.microsoft.com/office/powerpoint/2010/main" xmlns:p15="http://schemas.microsoft.com/office/powerpoint/2012/main" xmlns:ahyp="http://schemas.microsoft.com/office/drawing/2018/hyperlinkcolor" matchingName="Title and two columns" type="twoColTx">
+<p:sldLayout xmlns:a="http://schemas.openxmlformats.org/drawingml/2006/main" xmlns:r="http://schemas.openxmlformats.org/officeDocument/2006/relationships" xmlns:p="http://schemas.openxmlformats.org/presentationml/2006/main" matchingName="Title and two columns" type="twoColTx">
   <p:cSld name="TITLE_AND_TWO_COLUMNS">
     <p:spTree>
       <p:nvGrpSpPr>
-        <p:cNvPr id="31" name="Shape 31"/>
+        <p:cNvPr id="1" name="Shape 31"/>
         <p:cNvGrpSpPr/>
         <p:nvPr/>
       </p:nvGrpSpPr>
@@ -6922,12 +7047,12 @@
           </a:ln>
         </p:spPr>
         <p:txBody>
-          <a:bodyPr anchorCtr="0" anchor="ctr" bIns="91425" lIns="91425" spcFirstLastPara="1" rIns="91425" wrap="square" tIns="91425">
+          <a:bodyPr spcFirstLastPara="1" wrap="square" lIns="91425" tIns="91425" rIns="91425" bIns="91425" anchor="ctr" anchorCtr="0">
             <a:noAutofit/>
           </a:bodyPr>
           <a:lstStyle/>
           <a:p>
-            <a:pPr indent="0" lvl="0" marL="0" rtl="0" algn="l">
+            <a:pPr marL="0" lvl="0" indent="0" algn="l" rtl="0">
               <a:spcBef>
                 <a:spcPts val="0"/>
               </a:spcBef>
@@ -6936,9 +7061,6 @@
               </a:spcAft>
               <a:buNone/>
             </a:pPr>
-            <a:r>
-              <a:t/>
-            </a:r>
             <a:endParaRPr/>
           </a:p>
         </p:txBody>
@@ -6979,12 +7101,12 @@
             </a:ln>
           </p:spPr>
           <p:txBody>
-            <a:bodyPr anchorCtr="0" anchor="ctr" bIns="91425" lIns="91425" spcFirstLastPara="1" rIns="91425" wrap="square" tIns="91425">
+            <a:bodyPr spcFirstLastPara="1" wrap="square" lIns="91425" tIns="91425" rIns="91425" bIns="91425" anchor="ctr" anchorCtr="0">
               <a:noAutofit/>
             </a:bodyPr>
             <a:lstStyle/>
             <a:p>
-              <a:pPr indent="0" lvl="0" marL="0" rtl="0" algn="l">
+              <a:pPr marL="0" lvl="0" indent="0" algn="l" rtl="0">
                 <a:spcBef>
                   <a:spcPts val="0"/>
                 </a:spcBef>
@@ -6993,9 +7115,6 @@
                 </a:spcAft>
                 <a:buNone/>
               </a:pPr>
-              <a:r>
-                <a:t/>
-              </a:r>
               <a:endParaRPr/>
             </a:p>
           </p:txBody>
@@ -7022,12 +7141,12 @@
             </a:ln>
           </p:spPr>
           <p:txBody>
-            <a:bodyPr anchorCtr="0" anchor="ctr" bIns="91425" lIns="91425" spcFirstLastPara="1" rIns="91425" wrap="square" tIns="91425">
+            <a:bodyPr spcFirstLastPara="1" wrap="square" lIns="91425" tIns="91425" rIns="91425" bIns="91425" anchor="ctr" anchorCtr="0">
               <a:noAutofit/>
             </a:bodyPr>
             <a:lstStyle/>
             <a:p>
-              <a:pPr indent="0" lvl="0" marL="0" rtl="0" algn="l">
+              <a:pPr marL="0" lvl="0" indent="0" algn="l" rtl="0">
                 <a:spcBef>
                   <a:spcPts val="0"/>
                 </a:spcBef>
@@ -7036,9 +7155,6 @@
                 </a:spcAft>
                 <a:buNone/>
               </a:pPr>
-              <a:r>
-                <a:t/>
-              </a:r>
               <a:endParaRPr/>
             </a:p>
           </p:txBody>
@@ -7047,7 +7163,9 @@
       <p:sp>
         <p:nvSpPr>
           <p:cNvPr id="36" name="Google Shape;36;p5"/>
-          <p:cNvSpPr txBox="1"/>
+          <p:cNvSpPr txBox="1">
+            <a:spLocks noGrp="1"/>
+          </p:cNvSpPr>
           <p:nvPr>
             <p:ph type="title"/>
           </p:nvPr>
@@ -7062,7 +7180,7 @@
           </a:prstGeom>
         </p:spPr>
         <p:txBody>
-          <a:bodyPr anchorCtr="0" anchor="t" bIns="91425" lIns="91425" spcFirstLastPara="1" rIns="91425" wrap="square" tIns="91425">
+          <a:bodyPr spcFirstLastPara="1" wrap="square" lIns="91425" tIns="91425" rIns="91425" bIns="91425" anchor="t" anchorCtr="0">
             <a:normAutofit/>
           </a:bodyPr>
           <a:lstStyle>
@@ -7166,15 +7284,19 @@
               <a:defRPr sz="2600"/>
             </a:lvl9pPr>
           </a:lstStyle>
-          <a:p/>
+          <a:p>
+            <a:endParaRPr/>
+          </a:p>
         </p:txBody>
       </p:sp>
       <p:sp>
         <p:nvSpPr>
           <p:cNvPr id="37" name="Google Shape;37;p5"/>
-          <p:cNvSpPr txBox="1"/>
+          <p:cNvSpPr txBox="1">
+            <a:spLocks noGrp="1"/>
+          </p:cNvSpPr>
           <p:nvPr>
-            <p:ph idx="1" type="body"/>
+            <p:ph type="body" idx="1"/>
           </p:nvPr>
         </p:nvSpPr>
         <p:spPr>
@@ -7187,11 +7309,11 @@
           </a:prstGeom>
         </p:spPr>
         <p:txBody>
-          <a:bodyPr anchorCtr="0" anchor="t" bIns="91425" lIns="91425" spcFirstLastPara="1" rIns="91425" wrap="square" tIns="91425">
+          <a:bodyPr spcFirstLastPara="1" wrap="square" lIns="91425" tIns="91425" rIns="91425" bIns="91425" anchor="t" anchorCtr="0">
             <a:normAutofit/>
           </a:bodyPr>
           <a:lstStyle>
-            <a:lvl1pPr indent="-311150" lvl="0" marL="457200">
+            <a:lvl1pPr marL="457200" lvl="0" indent="-311150">
               <a:spcBef>
                 <a:spcPts val="0"/>
               </a:spcBef>
@@ -7202,7 +7324,7 @@
               <a:buChar char="●"/>
               <a:defRPr/>
             </a:lvl1pPr>
-            <a:lvl2pPr indent="-298450" lvl="1" marL="914400">
+            <a:lvl2pPr marL="914400" lvl="1" indent="-298450">
               <a:spcBef>
                 <a:spcPts val="0"/>
               </a:spcBef>
@@ -7213,7 +7335,7 @@
               <a:buChar char="○"/>
               <a:defRPr/>
             </a:lvl2pPr>
-            <a:lvl3pPr indent="-298450" lvl="2" marL="1371600">
+            <a:lvl3pPr marL="1371600" lvl="2" indent="-298450">
               <a:spcBef>
                 <a:spcPts val="0"/>
               </a:spcBef>
@@ -7224,7 +7346,7 @@
               <a:buChar char="■"/>
               <a:defRPr/>
             </a:lvl3pPr>
-            <a:lvl4pPr indent="-298450" lvl="3" marL="1828800">
+            <a:lvl4pPr marL="1828800" lvl="3" indent="-298450">
               <a:spcBef>
                 <a:spcPts val="0"/>
               </a:spcBef>
@@ -7235,7 +7357,7 @@
               <a:buChar char="●"/>
               <a:defRPr/>
             </a:lvl4pPr>
-            <a:lvl5pPr indent="-298450" lvl="4" marL="2286000">
+            <a:lvl5pPr marL="2286000" lvl="4" indent="-298450">
               <a:spcBef>
                 <a:spcPts val="0"/>
               </a:spcBef>
@@ -7246,7 +7368,7 @@
               <a:buChar char="○"/>
               <a:defRPr/>
             </a:lvl5pPr>
-            <a:lvl6pPr indent="-298450" lvl="5" marL="2743200">
+            <a:lvl6pPr marL="2743200" lvl="5" indent="-298450">
               <a:spcBef>
                 <a:spcPts val="0"/>
               </a:spcBef>
@@ -7257,7 +7379,7 @@
               <a:buChar char="■"/>
               <a:defRPr/>
             </a:lvl6pPr>
-            <a:lvl7pPr indent="-298450" lvl="6" marL="3200400">
+            <a:lvl7pPr marL="3200400" lvl="6" indent="-298450">
               <a:spcBef>
                 <a:spcPts val="0"/>
               </a:spcBef>
@@ -7268,7 +7390,7 @@
               <a:buChar char="●"/>
               <a:defRPr/>
             </a:lvl7pPr>
-            <a:lvl8pPr indent="-298450" lvl="7" marL="3657600">
+            <a:lvl8pPr marL="3657600" lvl="7" indent="-298450">
               <a:spcBef>
                 <a:spcPts val="0"/>
               </a:spcBef>
@@ -7279,7 +7401,7 @@
               <a:buChar char="○"/>
               <a:defRPr/>
             </a:lvl8pPr>
-            <a:lvl9pPr indent="-298450" lvl="8" marL="4114800">
+            <a:lvl9pPr marL="4114800" lvl="8" indent="-298450">
               <a:spcBef>
                 <a:spcPts val="0"/>
               </a:spcBef>
@@ -7291,15 +7413,19 @@
               <a:defRPr/>
             </a:lvl9pPr>
           </a:lstStyle>
-          <a:p/>
+          <a:p>
+            <a:endParaRPr/>
+          </a:p>
         </p:txBody>
       </p:sp>
       <p:sp>
         <p:nvSpPr>
           <p:cNvPr id="38" name="Google Shape;38;p5"/>
-          <p:cNvSpPr txBox="1"/>
+          <p:cNvSpPr txBox="1">
+            <a:spLocks noGrp="1"/>
+          </p:cNvSpPr>
           <p:nvPr>
-            <p:ph idx="2" type="body"/>
+            <p:ph type="body" idx="2"/>
           </p:nvPr>
         </p:nvSpPr>
         <p:spPr>
@@ -7312,11 +7438,11 @@
           </a:prstGeom>
         </p:spPr>
         <p:txBody>
-          <a:bodyPr anchorCtr="0" anchor="t" bIns="91425" lIns="91425" spcFirstLastPara="1" rIns="91425" wrap="square" tIns="91425">
+          <a:bodyPr spcFirstLastPara="1" wrap="square" lIns="91425" tIns="91425" rIns="91425" bIns="91425" anchor="t" anchorCtr="0">
             <a:normAutofit/>
           </a:bodyPr>
           <a:lstStyle>
-            <a:lvl1pPr indent="-311150" lvl="0" marL="457200">
+            <a:lvl1pPr marL="457200" lvl="0" indent="-311150">
               <a:spcBef>
                 <a:spcPts val="0"/>
               </a:spcBef>
@@ -7327,7 +7453,7 @@
               <a:buChar char="●"/>
               <a:defRPr/>
             </a:lvl1pPr>
-            <a:lvl2pPr indent="-298450" lvl="1" marL="914400">
+            <a:lvl2pPr marL="914400" lvl="1" indent="-298450">
               <a:spcBef>
                 <a:spcPts val="0"/>
               </a:spcBef>
@@ -7338,7 +7464,7 @@
               <a:buChar char="○"/>
               <a:defRPr/>
             </a:lvl2pPr>
-            <a:lvl3pPr indent="-298450" lvl="2" marL="1371600">
+            <a:lvl3pPr marL="1371600" lvl="2" indent="-298450">
               <a:spcBef>
                 <a:spcPts val="0"/>
               </a:spcBef>
@@ -7349,7 +7475,7 @@
               <a:buChar char="■"/>
               <a:defRPr/>
             </a:lvl3pPr>
-            <a:lvl4pPr indent="-298450" lvl="3" marL="1828800">
+            <a:lvl4pPr marL="1828800" lvl="3" indent="-298450">
               <a:spcBef>
                 <a:spcPts val="0"/>
               </a:spcBef>
@@ -7360,7 +7486,7 @@
               <a:buChar char="●"/>
               <a:defRPr/>
             </a:lvl4pPr>
-            <a:lvl5pPr indent="-298450" lvl="4" marL="2286000">
+            <a:lvl5pPr marL="2286000" lvl="4" indent="-298450">
               <a:spcBef>
                 <a:spcPts val="0"/>
               </a:spcBef>
@@ -7371,7 +7497,7 @@
               <a:buChar char="○"/>
               <a:defRPr/>
             </a:lvl5pPr>
-            <a:lvl6pPr indent="-298450" lvl="5" marL="2743200">
+            <a:lvl6pPr marL="2743200" lvl="5" indent="-298450">
               <a:spcBef>
                 <a:spcPts val="0"/>
               </a:spcBef>
@@ -7382,7 +7508,7 @@
               <a:buChar char="■"/>
               <a:defRPr/>
             </a:lvl6pPr>
-            <a:lvl7pPr indent="-298450" lvl="6" marL="3200400">
+            <a:lvl7pPr marL="3200400" lvl="6" indent="-298450">
               <a:spcBef>
                 <a:spcPts val="0"/>
               </a:spcBef>
@@ -7393,7 +7519,7 @@
               <a:buChar char="●"/>
               <a:defRPr/>
             </a:lvl7pPr>
-            <a:lvl8pPr indent="-298450" lvl="7" marL="3657600">
+            <a:lvl8pPr marL="3657600" lvl="7" indent="-298450">
               <a:spcBef>
                 <a:spcPts val="0"/>
               </a:spcBef>
@@ -7404,7 +7530,7 @@
               <a:buChar char="○"/>
               <a:defRPr/>
             </a:lvl8pPr>
-            <a:lvl9pPr indent="-298450" lvl="8" marL="4114800">
+            <a:lvl9pPr marL="4114800" lvl="8" indent="-298450">
               <a:spcBef>
                 <a:spcPts val="0"/>
               </a:spcBef>
@@ -7416,15 +7542,19 @@
               <a:defRPr/>
             </a:lvl9pPr>
           </a:lstStyle>
-          <a:p/>
+          <a:p>
+            <a:endParaRPr/>
+          </a:p>
         </p:txBody>
       </p:sp>
       <p:sp>
         <p:nvSpPr>
           <p:cNvPr id="39" name="Google Shape;39;p5"/>
-          <p:cNvSpPr txBox="1"/>
+          <p:cNvSpPr txBox="1">
+            <a:spLocks noGrp="1"/>
+          </p:cNvSpPr>
           <p:nvPr>
-            <p:ph idx="12" type="sldNum"/>
+            <p:ph type="sldNum" idx="12"/>
           </p:nvPr>
         </p:nvSpPr>
         <p:spPr>
@@ -7437,7 +7567,7 @@
           </a:prstGeom>
         </p:spPr>
         <p:txBody>
-          <a:bodyPr anchorCtr="0" anchor="ctr" bIns="91425" lIns="91425" spcFirstLastPara="1" rIns="91425" wrap="square" tIns="91425">
+          <a:bodyPr spcFirstLastPara="1" wrap="square" lIns="91425" tIns="91425" rIns="91425" bIns="91425" anchor="ctr" anchorCtr="0">
             <a:normAutofit/>
           </a:bodyPr>
           <a:lstStyle>
@@ -7479,7 +7609,7 @@
             </a:lvl9pPr>
           </a:lstStyle>
           <a:p>
-            <a:pPr indent="0" lvl="0" marL="0" rtl="0" algn="r">
+            <a:pPr marL="0" lvl="0" indent="0" algn="r" rtl="0">
               <a:spcBef>
                 <a:spcPts val="0"/>
               </a:spcBef>
@@ -7505,11 +7635,11 @@
 </file>
 
 <file path=ppt/slideLayouts/slideLayout5.xml><?xml version="1.0" encoding="utf-8"?>
-<p:sldLayout xmlns:a="http://schemas.openxmlformats.org/drawingml/2006/main" xmlns:r="http://schemas.openxmlformats.org/officeDocument/2006/relationships" xmlns:mc="http://schemas.openxmlformats.org/markup-compatibility/2006" xmlns:mv="urn:schemas-microsoft-com:mac:vml" xmlns:p="http://schemas.openxmlformats.org/presentationml/2006/main" xmlns:c="http://schemas.openxmlformats.org/drawingml/2006/chart" xmlns:dgm="http://schemas.openxmlformats.org/drawingml/2006/diagram" xmlns:o="urn:schemas-microsoft-com:office:office" xmlns:v="urn:schemas-microsoft-com:vml" xmlns:pvml="urn:schemas-microsoft-com:office:powerpoint" xmlns:com="http://schemas.openxmlformats.org/drawingml/2006/compatibility" xmlns:p14="http://schemas.microsoft.com/office/powerpoint/2010/main" xmlns:p15="http://schemas.microsoft.com/office/powerpoint/2012/main" xmlns:ahyp="http://schemas.microsoft.com/office/drawing/2018/hyperlinkcolor" matchingName="Title only" type="titleOnly">
+<p:sldLayout xmlns:a="http://schemas.openxmlformats.org/drawingml/2006/main" xmlns:r="http://schemas.openxmlformats.org/officeDocument/2006/relationships" xmlns:p="http://schemas.openxmlformats.org/presentationml/2006/main" matchingName="Title only" type="titleOnly">
   <p:cSld name="TITLE_ONLY">
     <p:spTree>
       <p:nvGrpSpPr>
-        <p:cNvPr id="40" name="Shape 40"/>
+        <p:cNvPr id="1" name="Shape 40"/>
         <p:cNvGrpSpPr/>
         <p:nvPr/>
       </p:nvGrpSpPr>
@@ -7543,12 +7673,12 @@
           </a:ln>
         </p:spPr>
         <p:txBody>
-          <a:bodyPr anchorCtr="0" anchor="ctr" bIns="91425" lIns="91425" spcFirstLastPara="1" rIns="91425" wrap="square" tIns="91425">
+          <a:bodyPr spcFirstLastPara="1" wrap="square" lIns="91425" tIns="91425" rIns="91425" bIns="91425" anchor="ctr" anchorCtr="0">
             <a:noAutofit/>
           </a:bodyPr>
           <a:lstStyle/>
           <a:p>
-            <a:pPr indent="0" lvl="0" marL="0" rtl="0" algn="l">
+            <a:pPr marL="0" lvl="0" indent="0" algn="l" rtl="0">
               <a:spcBef>
                 <a:spcPts val="0"/>
               </a:spcBef>
@@ -7557,9 +7687,6 @@
               </a:spcAft>
               <a:buNone/>
             </a:pPr>
-            <a:r>
-              <a:t/>
-            </a:r>
             <a:endParaRPr/>
           </a:p>
         </p:txBody>
@@ -7600,12 +7727,12 @@
             </a:ln>
           </p:spPr>
           <p:txBody>
-            <a:bodyPr anchorCtr="0" anchor="ctr" bIns="91425" lIns="91425" spcFirstLastPara="1" rIns="91425" wrap="square" tIns="91425">
+            <a:bodyPr spcFirstLastPara="1" wrap="square" lIns="91425" tIns="91425" rIns="91425" bIns="91425" anchor="ctr" anchorCtr="0">
               <a:noAutofit/>
             </a:bodyPr>
             <a:lstStyle/>
             <a:p>
-              <a:pPr indent="0" lvl="0" marL="0" rtl="0" algn="l">
+              <a:pPr marL="0" lvl="0" indent="0" algn="l" rtl="0">
                 <a:spcBef>
                   <a:spcPts val="0"/>
                 </a:spcBef>
@@ -7614,9 +7741,6 @@
                 </a:spcAft>
                 <a:buNone/>
               </a:pPr>
-              <a:r>
-                <a:t/>
-              </a:r>
               <a:endParaRPr/>
             </a:p>
           </p:txBody>
@@ -7643,12 +7767,12 @@
             </a:ln>
           </p:spPr>
           <p:txBody>
-            <a:bodyPr anchorCtr="0" anchor="ctr" bIns="91425" lIns="91425" spcFirstLastPara="1" rIns="91425" wrap="square" tIns="91425">
+            <a:bodyPr spcFirstLastPara="1" wrap="square" lIns="91425" tIns="91425" rIns="91425" bIns="91425" anchor="ctr" anchorCtr="0">
               <a:noAutofit/>
             </a:bodyPr>
             <a:lstStyle/>
             <a:p>
-              <a:pPr indent="0" lvl="0" marL="0" rtl="0" algn="l">
+              <a:pPr marL="0" lvl="0" indent="0" algn="l" rtl="0">
                 <a:spcBef>
                   <a:spcPts val="0"/>
                 </a:spcBef>
@@ -7657,9 +7781,6 @@
                 </a:spcAft>
                 <a:buNone/>
               </a:pPr>
-              <a:r>
-                <a:t/>
-              </a:r>
               <a:endParaRPr/>
             </a:p>
           </p:txBody>
@@ -7668,7 +7789,9 @@
       <p:sp>
         <p:nvSpPr>
           <p:cNvPr id="45" name="Google Shape;45;p6"/>
-          <p:cNvSpPr txBox="1"/>
+          <p:cNvSpPr txBox="1">
+            <a:spLocks noGrp="1"/>
+          </p:cNvSpPr>
           <p:nvPr>
             <p:ph type="title"/>
           </p:nvPr>
@@ -7683,7 +7806,7 @@
           </a:prstGeom>
         </p:spPr>
         <p:txBody>
-          <a:bodyPr anchorCtr="0" anchor="t" bIns="91425" lIns="91425" spcFirstLastPara="1" rIns="91425" wrap="square" tIns="91425">
+          <a:bodyPr spcFirstLastPara="1" wrap="square" lIns="91425" tIns="91425" rIns="91425" bIns="91425" anchor="t" anchorCtr="0">
             <a:normAutofit/>
           </a:bodyPr>
           <a:lstStyle>
@@ -7787,15 +7910,19 @@
               <a:defRPr sz="2600"/>
             </a:lvl9pPr>
           </a:lstStyle>
-          <a:p/>
+          <a:p>
+            <a:endParaRPr/>
+          </a:p>
         </p:txBody>
       </p:sp>
       <p:sp>
         <p:nvSpPr>
           <p:cNvPr id="46" name="Google Shape;46;p6"/>
-          <p:cNvSpPr txBox="1"/>
+          <p:cNvSpPr txBox="1">
+            <a:spLocks noGrp="1"/>
+          </p:cNvSpPr>
           <p:nvPr>
-            <p:ph idx="12" type="sldNum"/>
+            <p:ph type="sldNum" idx="12"/>
           </p:nvPr>
         </p:nvSpPr>
         <p:spPr>
@@ -7808,7 +7935,7 @@
           </a:prstGeom>
         </p:spPr>
         <p:txBody>
-          <a:bodyPr anchorCtr="0" anchor="ctr" bIns="91425" lIns="91425" spcFirstLastPara="1" rIns="91425" wrap="square" tIns="91425">
+          <a:bodyPr spcFirstLastPara="1" wrap="square" lIns="91425" tIns="91425" rIns="91425" bIns="91425" anchor="ctr" anchorCtr="0">
             <a:normAutofit/>
           </a:bodyPr>
           <a:lstStyle>
@@ -7850,7 +7977,7 @@
             </a:lvl9pPr>
           </a:lstStyle>
           <a:p>
-            <a:pPr indent="0" lvl="0" marL="0" rtl="0" algn="r">
+            <a:pPr marL="0" lvl="0" indent="0" algn="r" rtl="0">
               <a:spcBef>
                 <a:spcPts val="0"/>
               </a:spcBef>
@@ -7876,11 +8003,11 @@
 </file>
 
 <file path=ppt/slideLayouts/slideLayout6.xml><?xml version="1.0" encoding="utf-8"?>
-<p:sldLayout xmlns:a="http://schemas.openxmlformats.org/drawingml/2006/main" xmlns:r="http://schemas.openxmlformats.org/officeDocument/2006/relationships" xmlns:mc="http://schemas.openxmlformats.org/markup-compatibility/2006" xmlns:mv="urn:schemas-microsoft-com:mac:vml" xmlns:p="http://schemas.openxmlformats.org/presentationml/2006/main" xmlns:c="http://schemas.openxmlformats.org/drawingml/2006/chart" xmlns:dgm="http://schemas.openxmlformats.org/drawingml/2006/diagram" xmlns:o="urn:schemas-microsoft-com:office:office" xmlns:v="urn:schemas-microsoft-com:vml" xmlns:pvml="urn:schemas-microsoft-com:office:powerpoint" xmlns:com="http://schemas.openxmlformats.org/drawingml/2006/compatibility" xmlns:p14="http://schemas.microsoft.com/office/powerpoint/2010/main" xmlns:p15="http://schemas.microsoft.com/office/powerpoint/2012/main" xmlns:ahyp="http://schemas.microsoft.com/office/drawing/2018/hyperlinkcolor" matchingName="One column text">
+<p:sldLayout xmlns:a="http://schemas.openxmlformats.org/drawingml/2006/main" xmlns:r="http://schemas.openxmlformats.org/officeDocument/2006/relationships" xmlns:p="http://schemas.openxmlformats.org/presentationml/2006/main" matchingName="One column text">
   <p:cSld name="ONE_COLUMN_TEXT">
     <p:spTree>
       <p:nvGrpSpPr>
-        <p:cNvPr id="47" name="Shape 47"/>
+        <p:cNvPr id="1" name="Shape 47"/>
         <p:cNvGrpSpPr/>
         <p:nvPr/>
       </p:nvGrpSpPr>
@@ -7914,12 +8041,12 @@
           </a:ln>
         </p:spPr>
         <p:txBody>
-          <a:bodyPr anchorCtr="0" anchor="ctr" bIns="91425" lIns="91425" spcFirstLastPara="1" rIns="91425" wrap="square" tIns="91425">
+          <a:bodyPr spcFirstLastPara="1" wrap="square" lIns="91425" tIns="91425" rIns="91425" bIns="91425" anchor="ctr" anchorCtr="0">
             <a:noAutofit/>
           </a:bodyPr>
           <a:lstStyle/>
           <a:p>
-            <a:pPr indent="0" lvl="0" marL="0" rtl="0" algn="l">
+            <a:pPr marL="0" lvl="0" indent="0" algn="l" rtl="0">
               <a:spcBef>
                 <a:spcPts val="0"/>
               </a:spcBef>
@@ -7928,9 +8055,6 @@
               </a:spcAft>
               <a:buNone/>
             </a:pPr>
-            <a:r>
-              <a:t/>
-            </a:r>
             <a:endParaRPr/>
           </a:p>
         </p:txBody>
@@ -7971,12 +8095,12 @@
             </a:ln>
           </p:spPr>
           <p:txBody>
-            <a:bodyPr anchorCtr="0" anchor="ctr" bIns="91425" lIns="91425" spcFirstLastPara="1" rIns="91425" wrap="square" tIns="91425">
+            <a:bodyPr spcFirstLastPara="1" wrap="square" lIns="91425" tIns="91425" rIns="91425" bIns="91425" anchor="ctr" anchorCtr="0">
               <a:noAutofit/>
             </a:bodyPr>
             <a:lstStyle/>
             <a:p>
-              <a:pPr indent="0" lvl="0" marL="0" rtl="0" algn="l">
+              <a:pPr marL="0" lvl="0" indent="0" algn="l" rtl="0">
                 <a:spcBef>
                   <a:spcPts val="0"/>
                 </a:spcBef>
@@ -7985,9 +8109,6 @@
                 </a:spcAft>
                 <a:buNone/>
               </a:pPr>
-              <a:r>
-                <a:t/>
-              </a:r>
               <a:endParaRPr/>
             </a:p>
           </p:txBody>
@@ -8014,12 +8135,12 @@
             </a:ln>
           </p:spPr>
           <p:txBody>
-            <a:bodyPr anchorCtr="0" anchor="ctr" bIns="91425" lIns="91425" spcFirstLastPara="1" rIns="91425" wrap="square" tIns="91425">
+            <a:bodyPr spcFirstLastPara="1" wrap="square" lIns="91425" tIns="91425" rIns="91425" bIns="91425" anchor="ctr" anchorCtr="0">
               <a:noAutofit/>
             </a:bodyPr>
             <a:lstStyle/>
             <a:p>
-              <a:pPr indent="0" lvl="0" marL="0" rtl="0" algn="l">
+              <a:pPr marL="0" lvl="0" indent="0" algn="l" rtl="0">
                 <a:spcBef>
                   <a:spcPts val="0"/>
                 </a:spcBef>
@@ -8028,9 +8149,6 @@
                 </a:spcAft>
                 <a:buNone/>
               </a:pPr>
-              <a:r>
-                <a:t/>
-              </a:r>
               <a:endParaRPr/>
             </a:p>
           </p:txBody>
@@ -8039,7 +8157,9 @@
       <p:sp>
         <p:nvSpPr>
           <p:cNvPr id="52" name="Google Shape;52;p7"/>
-          <p:cNvSpPr txBox="1"/>
+          <p:cNvSpPr txBox="1">
+            <a:spLocks noGrp="1"/>
+          </p:cNvSpPr>
           <p:nvPr>
             <p:ph type="title"/>
           </p:nvPr>
@@ -8054,7 +8174,7 @@
           </a:prstGeom>
         </p:spPr>
         <p:txBody>
-          <a:bodyPr anchorCtr="0" anchor="t" bIns="91425" lIns="91425" spcFirstLastPara="1" rIns="91425" wrap="square" tIns="91425">
+          <a:bodyPr spcFirstLastPara="1" wrap="square" lIns="91425" tIns="91425" rIns="91425" bIns="91425" anchor="t" anchorCtr="0">
             <a:normAutofit/>
           </a:bodyPr>
           <a:lstStyle>
@@ -8158,15 +8278,19 @@
               <a:defRPr sz="2600"/>
             </a:lvl9pPr>
           </a:lstStyle>
-          <a:p/>
+          <a:p>
+            <a:endParaRPr/>
+          </a:p>
         </p:txBody>
       </p:sp>
       <p:sp>
         <p:nvSpPr>
           <p:cNvPr id="53" name="Google Shape;53;p7"/>
-          <p:cNvSpPr txBox="1"/>
+          <p:cNvSpPr txBox="1">
+            <a:spLocks noGrp="1"/>
+          </p:cNvSpPr>
           <p:nvPr>
-            <p:ph idx="1" type="body"/>
+            <p:ph type="body" idx="1"/>
           </p:nvPr>
         </p:nvSpPr>
         <p:spPr>
@@ -8179,11 +8303,11 @@
           </a:prstGeom>
         </p:spPr>
         <p:txBody>
-          <a:bodyPr anchorCtr="0" anchor="t" bIns="91425" lIns="91425" spcFirstLastPara="1" rIns="91425" wrap="square" tIns="91425">
+          <a:bodyPr spcFirstLastPara="1" wrap="square" lIns="91425" tIns="91425" rIns="91425" bIns="91425" anchor="t" anchorCtr="0">
             <a:normAutofit/>
           </a:bodyPr>
           <a:lstStyle>
-            <a:lvl1pPr indent="-311150" lvl="0" marL="457200">
+            <a:lvl1pPr marL="457200" lvl="0" indent="-311150">
               <a:spcBef>
                 <a:spcPts val="0"/>
               </a:spcBef>
@@ -8194,7 +8318,7 @@
               <a:buChar char="●"/>
               <a:defRPr/>
             </a:lvl1pPr>
-            <a:lvl2pPr indent="-298450" lvl="1" marL="914400">
+            <a:lvl2pPr marL="914400" lvl="1" indent="-298450">
               <a:spcBef>
                 <a:spcPts val="0"/>
               </a:spcBef>
@@ -8205,7 +8329,7 @@
               <a:buChar char="○"/>
               <a:defRPr/>
             </a:lvl2pPr>
-            <a:lvl3pPr indent="-298450" lvl="2" marL="1371600">
+            <a:lvl3pPr marL="1371600" lvl="2" indent="-298450">
               <a:spcBef>
                 <a:spcPts val="0"/>
               </a:spcBef>
@@ -8216,7 +8340,7 @@
               <a:buChar char="■"/>
               <a:defRPr/>
             </a:lvl3pPr>
-            <a:lvl4pPr indent="-298450" lvl="3" marL="1828800">
+            <a:lvl4pPr marL="1828800" lvl="3" indent="-298450">
               <a:spcBef>
                 <a:spcPts val="0"/>
               </a:spcBef>
@@ -8227,7 +8351,7 @@
               <a:buChar char="●"/>
               <a:defRPr/>
             </a:lvl4pPr>
-            <a:lvl5pPr indent="-298450" lvl="4" marL="2286000">
+            <a:lvl5pPr marL="2286000" lvl="4" indent="-298450">
               <a:spcBef>
                 <a:spcPts val="0"/>
               </a:spcBef>
@@ -8238,7 +8362,7 @@
               <a:buChar char="○"/>
               <a:defRPr/>
             </a:lvl5pPr>
-            <a:lvl6pPr indent="-298450" lvl="5" marL="2743200">
+            <a:lvl6pPr marL="2743200" lvl="5" indent="-298450">
               <a:spcBef>
                 <a:spcPts val="0"/>
               </a:spcBef>
@@ -8249,7 +8373,7 @@
               <a:buChar char="■"/>
               <a:defRPr/>
             </a:lvl6pPr>
-            <a:lvl7pPr indent="-298450" lvl="6" marL="3200400">
+            <a:lvl7pPr marL="3200400" lvl="6" indent="-298450">
               <a:spcBef>
                 <a:spcPts val="0"/>
               </a:spcBef>
@@ -8260,7 +8384,7 @@
               <a:buChar char="●"/>
               <a:defRPr/>
             </a:lvl7pPr>
-            <a:lvl8pPr indent="-298450" lvl="7" marL="3657600">
+            <a:lvl8pPr marL="3657600" lvl="7" indent="-298450">
               <a:spcBef>
                 <a:spcPts val="0"/>
               </a:spcBef>
@@ -8271,7 +8395,7 @@
               <a:buChar char="○"/>
               <a:defRPr/>
             </a:lvl8pPr>
-            <a:lvl9pPr indent="-298450" lvl="8" marL="4114800">
+            <a:lvl9pPr marL="4114800" lvl="8" indent="-298450">
               <a:spcBef>
                 <a:spcPts val="0"/>
               </a:spcBef>
@@ -8283,15 +8407,19 @@
               <a:defRPr/>
             </a:lvl9pPr>
           </a:lstStyle>
-          <a:p/>
+          <a:p>
+            <a:endParaRPr/>
+          </a:p>
         </p:txBody>
       </p:sp>
       <p:sp>
         <p:nvSpPr>
           <p:cNvPr id="54" name="Google Shape;54;p7"/>
-          <p:cNvSpPr txBox="1"/>
+          <p:cNvSpPr txBox="1">
+            <a:spLocks noGrp="1"/>
+          </p:cNvSpPr>
           <p:nvPr>
-            <p:ph idx="12" type="sldNum"/>
+            <p:ph type="sldNum" idx="12"/>
           </p:nvPr>
         </p:nvSpPr>
         <p:spPr>
@@ -8304,7 +8432,7 @@
           </a:prstGeom>
         </p:spPr>
         <p:txBody>
-          <a:bodyPr anchorCtr="0" anchor="ctr" bIns="91425" lIns="91425" spcFirstLastPara="1" rIns="91425" wrap="square" tIns="91425">
+          <a:bodyPr spcFirstLastPara="1" wrap="square" lIns="91425" tIns="91425" rIns="91425" bIns="91425" anchor="ctr" anchorCtr="0">
             <a:normAutofit/>
           </a:bodyPr>
           <a:lstStyle>
@@ -8346,7 +8474,7 @@
             </a:lvl9pPr>
           </a:lstStyle>
           <a:p>
-            <a:pPr indent="0" lvl="0" marL="0" rtl="0" algn="r">
+            <a:pPr marL="0" lvl="0" indent="0" algn="r" rtl="0">
               <a:spcBef>
                 <a:spcPts val="0"/>
               </a:spcBef>
@@ -8372,18 +8500,19 @@
 </file>
 
 <file path=ppt/slideLayouts/slideLayout7.xml><?xml version="1.0" encoding="utf-8"?>
-<p:sldLayout xmlns:a="http://schemas.openxmlformats.org/drawingml/2006/main" xmlns:r="http://schemas.openxmlformats.org/officeDocument/2006/relationships" xmlns:mc="http://schemas.openxmlformats.org/markup-compatibility/2006" xmlns:mv="urn:schemas-microsoft-com:mac:vml" xmlns:p="http://schemas.openxmlformats.org/presentationml/2006/main" xmlns:c="http://schemas.openxmlformats.org/drawingml/2006/chart" xmlns:dgm="http://schemas.openxmlformats.org/drawingml/2006/diagram" xmlns:o="urn:schemas-microsoft-com:office:office" xmlns:v="urn:schemas-microsoft-com:vml" xmlns:pvml="urn:schemas-microsoft-com:office:powerpoint" xmlns:com="http://schemas.openxmlformats.org/drawingml/2006/compatibility" xmlns:p14="http://schemas.microsoft.com/office/powerpoint/2010/main" xmlns:p15="http://schemas.microsoft.com/office/powerpoint/2012/main" xmlns:ahyp="http://schemas.microsoft.com/office/drawing/2018/hyperlinkcolor" matchingName="Main point">
+<p:sldLayout xmlns:a="http://schemas.openxmlformats.org/drawingml/2006/main" xmlns:r="http://schemas.openxmlformats.org/officeDocument/2006/relationships" xmlns:p="http://schemas.openxmlformats.org/presentationml/2006/main" matchingName="Main point">
   <p:cSld name="MAIN_POINT">
     <p:bg>
       <p:bgPr>
         <a:solidFill>
           <a:schemeClr val="accent3"/>
         </a:solidFill>
+        <a:effectLst/>
       </p:bgPr>
     </p:bg>
     <p:spTree>
       <p:nvGrpSpPr>
-        <p:cNvPr id="55" name="Shape 55"/>
+        <p:cNvPr id="1" name="Shape 55"/>
         <p:cNvGrpSpPr/>
         <p:nvPr/>
       </p:nvGrpSpPr>
@@ -8431,12 +8560,12 @@
             </a:ln>
           </p:spPr>
           <p:txBody>
-            <a:bodyPr anchorCtr="0" anchor="ctr" bIns="91425" lIns="91425" spcFirstLastPara="1" rIns="91425" wrap="square" tIns="91425">
+            <a:bodyPr spcFirstLastPara="1" wrap="square" lIns="91425" tIns="91425" rIns="91425" bIns="91425" anchor="ctr" anchorCtr="0">
               <a:noAutofit/>
             </a:bodyPr>
             <a:lstStyle/>
             <a:p>
-              <a:pPr indent="0" lvl="0" marL="0" rtl="0" algn="l">
+              <a:pPr marL="0" lvl="0" indent="0" algn="l" rtl="0">
                 <a:spcBef>
                   <a:spcPts val="0"/>
                 </a:spcBef>
@@ -8445,9 +8574,6 @@
                 </a:spcAft>
                 <a:buNone/>
               </a:pPr>
-              <a:r>
-                <a:t/>
-              </a:r>
               <a:endParaRPr/>
             </a:p>
           </p:txBody>
@@ -8474,12 +8600,12 @@
             </a:ln>
           </p:spPr>
           <p:txBody>
-            <a:bodyPr anchorCtr="0" anchor="ctr" bIns="91425" lIns="91425" spcFirstLastPara="1" rIns="91425" wrap="square" tIns="91425">
+            <a:bodyPr spcFirstLastPara="1" wrap="square" lIns="91425" tIns="91425" rIns="91425" bIns="91425" anchor="ctr" anchorCtr="0">
               <a:noAutofit/>
             </a:bodyPr>
             <a:lstStyle/>
             <a:p>
-              <a:pPr indent="0" lvl="0" marL="0" rtl="0" algn="l">
+              <a:pPr marL="0" lvl="0" indent="0" algn="l" rtl="0">
                 <a:spcBef>
                   <a:spcPts val="0"/>
                 </a:spcBef>
@@ -8488,9 +8614,6 @@
                 </a:spcAft>
                 <a:buNone/>
               </a:pPr>
-              <a:r>
-                <a:t/>
-              </a:r>
               <a:endParaRPr/>
             </a:p>
           </p:txBody>
@@ -8499,7 +8622,9 @@
       <p:sp>
         <p:nvSpPr>
           <p:cNvPr id="59" name="Google Shape;59;p8"/>
-          <p:cNvSpPr txBox="1"/>
+          <p:cNvSpPr txBox="1">
+            <a:spLocks noGrp="1"/>
+          </p:cNvSpPr>
           <p:nvPr>
             <p:ph type="title"/>
           </p:nvPr>
@@ -8514,7 +8639,7 @@
           </a:prstGeom>
         </p:spPr>
         <p:txBody>
-          <a:bodyPr anchorCtr="0" anchor="ctr" bIns="91425" lIns="91425" spcFirstLastPara="1" rIns="91425" wrap="square" tIns="91425">
+          <a:bodyPr spcFirstLastPara="1" wrap="square" lIns="91425" tIns="91425" rIns="91425" bIns="91425" anchor="ctr" anchorCtr="0">
             <a:normAutofit/>
           </a:bodyPr>
           <a:lstStyle>
@@ -8681,15 +8806,19 @@
               </a:defRPr>
             </a:lvl9pPr>
           </a:lstStyle>
-          <a:p/>
+          <a:p>
+            <a:endParaRPr/>
+          </a:p>
         </p:txBody>
       </p:sp>
       <p:sp>
         <p:nvSpPr>
           <p:cNvPr id="60" name="Google Shape;60;p8"/>
-          <p:cNvSpPr txBox="1"/>
+          <p:cNvSpPr txBox="1">
+            <a:spLocks noGrp="1"/>
+          </p:cNvSpPr>
           <p:nvPr>
-            <p:ph idx="12" type="sldNum"/>
+            <p:ph type="sldNum" idx="12"/>
           </p:nvPr>
         </p:nvSpPr>
         <p:spPr>
@@ -8702,7 +8831,7 @@
           </a:prstGeom>
         </p:spPr>
         <p:txBody>
-          <a:bodyPr anchorCtr="0" anchor="ctr" bIns="91425" lIns="91425" spcFirstLastPara="1" rIns="91425" wrap="square" tIns="91425">
+          <a:bodyPr spcFirstLastPara="1" wrap="square" lIns="91425" tIns="91425" rIns="91425" bIns="91425" anchor="ctr" anchorCtr="0">
             <a:normAutofit/>
           </a:bodyPr>
           <a:lstStyle>
@@ -8780,7 +8909,7 @@
             </a:lvl9pPr>
           </a:lstStyle>
           <a:p>
-            <a:pPr indent="0" lvl="0" marL="0" rtl="0" algn="r">
+            <a:pPr marL="0" lvl="0" indent="0" algn="r" rtl="0">
               <a:spcBef>
                 <a:spcPts val="0"/>
               </a:spcBef>
@@ -8806,11 +8935,11 @@
 </file>
 
 <file path=ppt/slideLayouts/slideLayout8.xml><?xml version="1.0" encoding="utf-8"?>
-<p:sldLayout xmlns:a="http://schemas.openxmlformats.org/drawingml/2006/main" xmlns:r="http://schemas.openxmlformats.org/officeDocument/2006/relationships" xmlns:mc="http://schemas.openxmlformats.org/markup-compatibility/2006" xmlns:mv="urn:schemas-microsoft-com:mac:vml" xmlns:p="http://schemas.openxmlformats.org/presentationml/2006/main" xmlns:c="http://schemas.openxmlformats.org/drawingml/2006/chart" xmlns:dgm="http://schemas.openxmlformats.org/drawingml/2006/diagram" xmlns:o="urn:schemas-microsoft-com:office:office" xmlns:v="urn:schemas-microsoft-com:vml" xmlns:pvml="urn:schemas-microsoft-com:office:powerpoint" xmlns:com="http://schemas.openxmlformats.org/drawingml/2006/compatibility" xmlns:p14="http://schemas.microsoft.com/office/powerpoint/2010/main" xmlns:p15="http://schemas.microsoft.com/office/powerpoint/2012/main" xmlns:ahyp="http://schemas.microsoft.com/office/drawing/2018/hyperlinkcolor" matchingName="Section title and description">
+<p:sldLayout xmlns:a="http://schemas.openxmlformats.org/drawingml/2006/main" xmlns:r="http://schemas.openxmlformats.org/officeDocument/2006/relationships" xmlns:p="http://schemas.openxmlformats.org/presentationml/2006/main" matchingName="Section title and description">
   <p:cSld name="SECTION_TITLE_AND_DESCRIPTION">
     <p:spTree>
       <p:nvGrpSpPr>
-        <p:cNvPr id="61" name="Shape 61"/>
+        <p:cNvPr id="1" name="Shape 61"/>
         <p:cNvGrpSpPr/>
         <p:nvPr/>
       </p:nvGrpSpPr>
@@ -8844,12 +8973,12 @@
           </a:ln>
         </p:spPr>
         <p:txBody>
-          <a:bodyPr anchorCtr="0" anchor="ctr" bIns="91425" lIns="91425" spcFirstLastPara="1" rIns="91425" wrap="square" tIns="91425">
+          <a:bodyPr spcFirstLastPara="1" wrap="square" lIns="91425" tIns="91425" rIns="91425" bIns="91425" anchor="ctr" anchorCtr="0">
             <a:noAutofit/>
           </a:bodyPr>
           <a:lstStyle/>
           <a:p>
-            <a:pPr indent="0" lvl="0" marL="0" rtl="0" algn="l">
+            <a:pPr marL="0" lvl="0" indent="0" algn="l" rtl="0">
               <a:spcBef>
                 <a:spcPts val="0"/>
               </a:spcBef>
@@ -8858,9 +8987,6 @@
               </a:spcAft>
               <a:buNone/>
             </a:pPr>
-            <a:r>
-              <a:t/>
-            </a:r>
             <a:endParaRPr/>
           </a:p>
         </p:txBody>
@@ -8901,12 +9027,12 @@
             </a:ln>
           </p:spPr>
           <p:txBody>
-            <a:bodyPr anchorCtr="0" anchor="ctr" bIns="91425" lIns="91425" spcFirstLastPara="1" rIns="91425" wrap="square" tIns="91425">
+            <a:bodyPr spcFirstLastPara="1" wrap="square" lIns="91425" tIns="91425" rIns="91425" bIns="91425" anchor="ctr" anchorCtr="0">
               <a:noAutofit/>
             </a:bodyPr>
             <a:lstStyle/>
             <a:p>
-              <a:pPr indent="0" lvl="0" marL="0" rtl="0" algn="l">
+              <a:pPr marL="0" lvl="0" indent="0" algn="l" rtl="0">
                 <a:spcBef>
                   <a:spcPts val="0"/>
                 </a:spcBef>
@@ -8915,9 +9041,6 @@
                 </a:spcAft>
                 <a:buNone/>
               </a:pPr>
-              <a:r>
-                <a:t/>
-              </a:r>
               <a:endParaRPr/>
             </a:p>
           </p:txBody>
@@ -8944,12 +9067,12 @@
             </a:ln>
           </p:spPr>
           <p:txBody>
-            <a:bodyPr anchorCtr="0" anchor="ctr" bIns="91425" lIns="91425" spcFirstLastPara="1" rIns="91425" wrap="square" tIns="91425">
+            <a:bodyPr spcFirstLastPara="1" wrap="square" lIns="91425" tIns="91425" rIns="91425" bIns="91425" anchor="ctr" anchorCtr="0">
               <a:noAutofit/>
             </a:bodyPr>
             <a:lstStyle/>
             <a:p>
-              <a:pPr indent="0" lvl="0" marL="0" rtl="0" algn="l">
+              <a:pPr marL="0" lvl="0" indent="0" algn="l" rtl="0">
                 <a:spcBef>
                   <a:spcPts val="0"/>
                 </a:spcBef>
@@ -8958,9 +9081,6 @@
                 </a:spcAft>
                 <a:buNone/>
               </a:pPr>
-              <a:r>
-                <a:t/>
-              </a:r>
               <a:endParaRPr/>
             </a:p>
           </p:txBody>
@@ -8969,7 +9089,9 @@
       <p:sp>
         <p:nvSpPr>
           <p:cNvPr id="66" name="Google Shape;66;p9"/>
-          <p:cNvSpPr txBox="1"/>
+          <p:cNvSpPr txBox="1">
+            <a:spLocks noGrp="1"/>
+          </p:cNvSpPr>
           <p:nvPr>
             <p:ph type="title"/>
           </p:nvPr>
@@ -8984,7 +9106,7 @@
           </a:prstGeom>
         </p:spPr>
         <p:txBody>
-          <a:bodyPr anchorCtr="0" anchor="t" bIns="91425" lIns="91425" spcFirstLastPara="1" rIns="91425" wrap="square" tIns="91425">
+          <a:bodyPr spcFirstLastPara="1" wrap="square" lIns="91425" tIns="91425" rIns="91425" bIns="91425" anchor="t" anchorCtr="0">
             <a:normAutofit/>
           </a:bodyPr>
           <a:lstStyle>
@@ -9088,15 +9210,19 @@
               <a:defRPr sz="2600"/>
             </a:lvl9pPr>
           </a:lstStyle>
-          <a:p/>
+          <a:p>
+            <a:endParaRPr/>
+          </a:p>
         </p:txBody>
       </p:sp>
       <p:sp>
         <p:nvSpPr>
           <p:cNvPr id="67" name="Google Shape;67;p9"/>
-          <p:cNvSpPr txBox="1"/>
+          <p:cNvSpPr txBox="1">
+            <a:spLocks noGrp="1"/>
+          </p:cNvSpPr>
           <p:nvPr>
-            <p:ph idx="1" type="subTitle"/>
+            <p:ph type="subTitle" idx="1"/>
           </p:nvPr>
         </p:nvSpPr>
         <p:spPr>
@@ -9109,7 +9235,7 @@
           </a:prstGeom>
         </p:spPr>
         <p:txBody>
-          <a:bodyPr anchorCtr="0" anchor="t" bIns="91425" lIns="91425" spcFirstLastPara="1" rIns="91425" wrap="square" tIns="91425">
+          <a:bodyPr spcFirstLastPara="1" wrap="square" lIns="91425" tIns="91425" rIns="91425" bIns="91425" anchor="t" anchorCtr="0">
             <a:normAutofit/>
           </a:bodyPr>
           <a:lstStyle>
@@ -9240,15 +9366,19 @@
               <a:defRPr sz="1600"/>
             </a:lvl9pPr>
           </a:lstStyle>
-          <a:p/>
+          <a:p>
+            <a:endParaRPr/>
+          </a:p>
         </p:txBody>
       </p:sp>
       <p:sp>
         <p:nvSpPr>
           <p:cNvPr id="68" name="Google Shape;68;p9"/>
-          <p:cNvSpPr txBox="1"/>
+          <p:cNvSpPr txBox="1">
+            <a:spLocks noGrp="1"/>
+          </p:cNvSpPr>
           <p:nvPr>
-            <p:ph idx="2" type="body"/>
+            <p:ph type="body" idx="2"/>
           </p:nvPr>
         </p:nvSpPr>
         <p:spPr>
@@ -9261,11 +9391,11 @@
           </a:prstGeom>
         </p:spPr>
         <p:txBody>
-          <a:bodyPr anchorCtr="0" anchor="t" bIns="91425" lIns="91425" spcFirstLastPara="1" rIns="91425" wrap="square" tIns="91425">
+          <a:bodyPr spcFirstLastPara="1" wrap="square" lIns="91425" tIns="91425" rIns="91425" bIns="91425" anchor="t" anchorCtr="0">
             <a:normAutofit/>
           </a:bodyPr>
           <a:lstStyle>
-            <a:lvl1pPr indent="-311150" lvl="0" marL="457200">
+            <a:lvl1pPr marL="457200" lvl="0" indent="-311150">
               <a:spcBef>
                 <a:spcPts val="0"/>
               </a:spcBef>
@@ -9276,7 +9406,7 @@
               <a:buChar char="●"/>
               <a:defRPr/>
             </a:lvl1pPr>
-            <a:lvl2pPr indent="-298450" lvl="1" marL="914400">
+            <a:lvl2pPr marL="914400" lvl="1" indent="-298450">
               <a:spcBef>
                 <a:spcPts val="0"/>
               </a:spcBef>
@@ -9287,7 +9417,7 @@
               <a:buChar char="○"/>
               <a:defRPr/>
             </a:lvl2pPr>
-            <a:lvl3pPr indent="-298450" lvl="2" marL="1371600">
+            <a:lvl3pPr marL="1371600" lvl="2" indent="-298450">
               <a:spcBef>
                 <a:spcPts val="0"/>
               </a:spcBef>
@@ -9298,7 +9428,7 @@
               <a:buChar char="■"/>
               <a:defRPr/>
             </a:lvl3pPr>
-            <a:lvl4pPr indent="-298450" lvl="3" marL="1828800">
+            <a:lvl4pPr marL="1828800" lvl="3" indent="-298450">
               <a:spcBef>
                 <a:spcPts val="0"/>
               </a:spcBef>
@@ -9309,7 +9439,7 @@
               <a:buChar char="●"/>
               <a:defRPr/>
             </a:lvl4pPr>
-            <a:lvl5pPr indent="-298450" lvl="4" marL="2286000">
+            <a:lvl5pPr marL="2286000" lvl="4" indent="-298450">
               <a:spcBef>
                 <a:spcPts val="0"/>
               </a:spcBef>
@@ -9320,7 +9450,7 @@
               <a:buChar char="○"/>
               <a:defRPr/>
             </a:lvl5pPr>
-            <a:lvl6pPr indent="-298450" lvl="5" marL="2743200">
+            <a:lvl6pPr marL="2743200" lvl="5" indent="-298450">
               <a:spcBef>
                 <a:spcPts val="0"/>
               </a:spcBef>
@@ -9331,7 +9461,7 @@
               <a:buChar char="■"/>
               <a:defRPr/>
             </a:lvl6pPr>
-            <a:lvl7pPr indent="-298450" lvl="6" marL="3200400">
+            <a:lvl7pPr marL="3200400" lvl="6" indent="-298450">
               <a:spcBef>
                 <a:spcPts val="0"/>
               </a:spcBef>
@@ -9342,7 +9472,7 @@
               <a:buChar char="●"/>
               <a:defRPr/>
             </a:lvl7pPr>
-            <a:lvl8pPr indent="-298450" lvl="7" marL="3657600">
+            <a:lvl8pPr marL="3657600" lvl="7" indent="-298450">
               <a:spcBef>
                 <a:spcPts val="0"/>
               </a:spcBef>
@@ -9353,7 +9483,7 @@
               <a:buChar char="○"/>
               <a:defRPr/>
             </a:lvl8pPr>
-            <a:lvl9pPr indent="-298450" lvl="8" marL="4114800">
+            <a:lvl9pPr marL="4114800" lvl="8" indent="-298450">
               <a:spcBef>
                 <a:spcPts val="0"/>
               </a:spcBef>
@@ -9365,15 +9495,19 @@
               <a:defRPr/>
             </a:lvl9pPr>
           </a:lstStyle>
-          <a:p/>
+          <a:p>
+            <a:endParaRPr/>
+          </a:p>
         </p:txBody>
       </p:sp>
       <p:sp>
         <p:nvSpPr>
           <p:cNvPr id="69" name="Google Shape;69;p9"/>
-          <p:cNvSpPr txBox="1"/>
+          <p:cNvSpPr txBox="1">
+            <a:spLocks noGrp="1"/>
+          </p:cNvSpPr>
           <p:nvPr>
-            <p:ph idx="12" type="sldNum"/>
+            <p:ph type="sldNum" idx="12"/>
           </p:nvPr>
         </p:nvSpPr>
         <p:spPr>
@@ -9386,7 +9520,7 @@
           </a:prstGeom>
         </p:spPr>
         <p:txBody>
-          <a:bodyPr anchorCtr="0" anchor="ctr" bIns="91425" lIns="91425" spcFirstLastPara="1" rIns="91425" wrap="square" tIns="91425">
+          <a:bodyPr spcFirstLastPara="1" wrap="square" lIns="91425" tIns="91425" rIns="91425" bIns="91425" anchor="ctr" anchorCtr="0">
             <a:normAutofit/>
           </a:bodyPr>
           <a:lstStyle>
@@ -9428,7 +9562,7 @@
             </a:lvl9pPr>
           </a:lstStyle>
           <a:p>
-            <a:pPr indent="0" lvl="0" marL="0" rtl="0" algn="r">
+            <a:pPr marL="0" lvl="0" indent="0" algn="r" rtl="0">
               <a:spcBef>
                 <a:spcPts val="0"/>
               </a:spcBef>
@@ -9454,11 +9588,11 @@
 </file>
 
 <file path=ppt/slideLayouts/slideLayout9.xml><?xml version="1.0" encoding="utf-8"?>
-<p:sldLayout xmlns:a="http://schemas.openxmlformats.org/drawingml/2006/main" xmlns:r="http://schemas.openxmlformats.org/officeDocument/2006/relationships" xmlns:mc="http://schemas.openxmlformats.org/markup-compatibility/2006" xmlns:mv="urn:schemas-microsoft-com:mac:vml" xmlns:p="http://schemas.openxmlformats.org/presentationml/2006/main" xmlns:c="http://schemas.openxmlformats.org/drawingml/2006/chart" xmlns:dgm="http://schemas.openxmlformats.org/drawingml/2006/diagram" xmlns:o="urn:schemas-microsoft-com:office:office" xmlns:v="urn:schemas-microsoft-com:vml" xmlns:pvml="urn:schemas-microsoft-com:office:powerpoint" xmlns:com="http://schemas.openxmlformats.org/drawingml/2006/compatibility" xmlns:p14="http://schemas.microsoft.com/office/powerpoint/2010/main" xmlns:p15="http://schemas.microsoft.com/office/powerpoint/2012/main" xmlns:ahyp="http://schemas.microsoft.com/office/drawing/2018/hyperlinkcolor" matchingName="Caption">
+<p:sldLayout xmlns:a="http://schemas.openxmlformats.org/drawingml/2006/main" xmlns:r="http://schemas.openxmlformats.org/officeDocument/2006/relationships" xmlns:p="http://schemas.openxmlformats.org/presentationml/2006/main" matchingName="Caption">
   <p:cSld name="CAPTION_ONLY">
     <p:spTree>
       <p:nvGrpSpPr>
-        <p:cNvPr id="70" name="Shape 70"/>
+        <p:cNvPr id="1" name="Shape 70"/>
         <p:cNvGrpSpPr/>
         <p:nvPr/>
       </p:nvGrpSpPr>
@@ -9473,9 +9607,11 @@
       <p:sp>
         <p:nvSpPr>
           <p:cNvPr id="71" name="Google Shape;71;p10"/>
-          <p:cNvSpPr txBox="1"/>
+          <p:cNvSpPr txBox="1">
+            <a:spLocks noGrp="1"/>
+          </p:cNvSpPr>
           <p:nvPr>
-            <p:ph idx="1" type="body"/>
+            <p:ph type="body" idx="1"/>
           </p:nvPr>
         </p:nvSpPr>
         <p:spPr>
@@ -9488,11 +9624,11 @@
           </a:prstGeom>
         </p:spPr>
         <p:txBody>
-          <a:bodyPr anchorCtr="0" anchor="ctr" bIns="91425" lIns="91425" spcFirstLastPara="1" rIns="91425" wrap="square" tIns="91425">
+          <a:bodyPr spcFirstLastPara="1" wrap="square" lIns="91425" tIns="91425" rIns="91425" bIns="91425" anchor="ctr" anchorCtr="0">
             <a:normAutofit/>
           </a:bodyPr>
           <a:lstStyle>
-            <a:lvl1pPr indent="-228600" lvl="0" marL="457200">
+            <a:lvl1pPr marL="457200" lvl="0" indent="-228600">
               <a:lnSpc>
                 <a:spcPct val="100000"/>
               </a:lnSpc>
@@ -9507,15 +9643,19 @@
               <a:defRPr/>
             </a:lvl1pPr>
           </a:lstStyle>
-          <a:p/>
+          <a:p>
+            <a:endParaRPr/>
+          </a:p>
         </p:txBody>
       </p:sp>
       <p:sp>
         <p:nvSpPr>
           <p:cNvPr id="72" name="Google Shape;72;p10"/>
-          <p:cNvSpPr txBox="1"/>
+          <p:cNvSpPr txBox="1">
+            <a:spLocks noGrp="1"/>
+          </p:cNvSpPr>
           <p:nvPr>
-            <p:ph idx="12" type="sldNum"/>
+            <p:ph type="sldNum" idx="12"/>
           </p:nvPr>
         </p:nvSpPr>
         <p:spPr>
@@ -9528,7 +9668,7 @@
           </a:prstGeom>
         </p:spPr>
         <p:txBody>
-          <a:bodyPr anchorCtr="0" anchor="ctr" bIns="91425" lIns="91425" spcFirstLastPara="1" rIns="91425" wrap="square" tIns="91425">
+          <a:bodyPr spcFirstLastPara="1" wrap="square" lIns="91425" tIns="91425" rIns="91425" bIns="91425" anchor="ctr" anchorCtr="0">
             <a:normAutofit/>
           </a:bodyPr>
           <a:lstStyle>
@@ -9570,7 +9710,7 @@
             </a:lvl9pPr>
           </a:lstStyle>
           <a:p>
-            <a:pPr indent="0" lvl="0" marL="0" rtl="0" algn="r">
+            <a:pPr marL="0" lvl="0" indent="0" algn="r" rtl="0">
               <a:spcBef>
                 <a:spcPts val="0"/>
               </a:spcBef>
@@ -9596,18 +9736,19 @@
 </file>
 
 <file path=ppt/slideMasters/slideMaster1.xml><?xml version="1.0" encoding="utf-8"?>
-<p:sldMaster xmlns:a="http://schemas.openxmlformats.org/drawingml/2006/main" xmlns:r="http://schemas.openxmlformats.org/officeDocument/2006/relationships" xmlns:mc="http://schemas.openxmlformats.org/markup-compatibility/2006" xmlns:mv="urn:schemas-microsoft-com:mac:vml" xmlns:p="http://schemas.openxmlformats.org/presentationml/2006/main" xmlns:c="http://schemas.openxmlformats.org/drawingml/2006/chart" xmlns:dgm="http://schemas.openxmlformats.org/drawingml/2006/diagram" xmlns:o="urn:schemas-microsoft-com:office:office" xmlns:v="urn:schemas-microsoft-com:vml" xmlns:pvml="urn:schemas-microsoft-com:office:powerpoint" xmlns:com="http://schemas.openxmlformats.org/drawingml/2006/compatibility" xmlns:p14="http://schemas.microsoft.com/office/powerpoint/2010/main" xmlns:p15="http://schemas.microsoft.com/office/powerpoint/2012/main" xmlns:ahyp="http://schemas.microsoft.com/office/drawing/2018/hyperlinkcolor">
+<p:sldMaster xmlns:a="http://schemas.openxmlformats.org/drawingml/2006/main" xmlns:r="http://schemas.openxmlformats.org/officeDocument/2006/relationships" xmlns:p="http://schemas.openxmlformats.org/presentationml/2006/main">
   <p:cSld name="streamline">
     <p:bg>
       <p:bgPr>
         <a:solidFill>
           <a:schemeClr val="lt1"/>
         </a:solidFill>
+        <a:effectLst/>
       </p:bgPr>
     </p:bg>
     <p:spTree>
       <p:nvGrpSpPr>
-        <p:cNvPr id="5" name="Shape 5"/>
+        <p:cNvPr id="1" name="Shape 5"/>
         <p:cNvGrpSpPr/>
         <p:nvPr/>
       </p:nvGrpSpPr>
@@ -9622,7 +9763,9 @@
       <p:sp>
         <p:nvSpPr>
           <p:cNvPr id="6" name="Google Shape;6;p1"/>
-          <p:cNvSpPr txBox="1"/>
+          <p:cNvSpPr txBox="1">
+            <a:spLocks noGrp="1"/>
+          </p:cNvSpPr>
           <p:nvPr>
             <p:ph type="title"/>
           </p:nvPr>
@@ -9641,7 +9784,7 @@
           </a:ln>
         </p:spPr>
         <p:txBody>
-          <a:bodyPr anchorCtr="0" anchor="t" bIns="91425" lIns="91425" spcFirstLastPara="1" rIns="91425" wrap="square" tIns="91425">
+          <a:bodyPr spcFirstLastPara="1" wrap="square" lIns="91425" tIns="91425" rIns="91425" bIns="91425" anchor="t" anchorCtr="0">
             <a:normAutofit/>
           </a:bodyPr>
           <a:lstStyle>
@@ -9658,7 +9801,7 @@
               <a:buSzPts val="2800"/>
               <a:buFont typeface="Raleway"/>
               <a:buNone/>
-              <a:defRPr b="1" sz="2800">
+              <a:defRPr sz="2800" b="1">
                 <a:solidFill>
                   <a:schemeClr val="dk2"/>
                 </a:solidFill>
@@ -9681,7 +9824,7 @@
               <a:buSzPts val="2800"/>
               <a:buFont typeface="Raleway"/>
               <a:buNone/>
-              <a:defRPr b="1" sz="2800">
+              <a:defRPr sz="2800" b="1">
                 <a:solidFill>
                   <a:schemeClr val="dk2"/>
                 </a:solidFill>
@@ -9704,7 +9847,7 @@
               <a:buSzPts val="2800"/>
               <a:buFont typeface="Raleway"/>
               <a:buNone/>
-              <a:defRPr b="1" sz="2800">
+              <a:defRPr sz="2800" b="1">
                 <a:solidFill>
                   <a:schemeClr val="dk2"/>
                 </a:solidFill>
@@ -9727,7 +9870,7 @@
               <a:buSzPts val="2800"/>
               <a:buFont typeface="Raleway"/>
               <a:buNone/>
-              <a:defRPr b="1" sz="2800">
+              <a:defRPr sz="2800" b="1">
                 <a:solidFill>
                   <a:schemeClr val="dk2"/>
                 </a:solidFill>
@@ -9750,7 +9893,7 @@
               <a:buSzPts val="2800"/>
               <a:buFont typeface="Raleway"/>
               <a:buNone/>
-              <a:defRPr b="1" sz="2800">
+              <a:defRPr sz="2800" b="1">
                 <a:solidFill>
                   <a:schemeClr val="dk2"/>
                 </a:solidFill>
@@ -9773,7 +9916,7 @@
               <a:buSzPts val="2800"/>
               <a:buFont typeface="Raleway"/>
               <a:buNone/>
-              <a:defRPr b="1" sz="2800">
+              <a:defRPr sz="2800" b="1">
                 <a:solidFill>
                   <a:schemeClr val="dk2"/>
                 </a:solidFill>
@@ -9796,7 +9939,7 @@
               <a:buSzPts val="2800"/>
               <a:buFont typeface="Raleway"/>
               <a:buNone/>
-              <a:defRPr b="1" sz="2800">
+              <a:defRPr sz="2800" b="1">
                 <a:solidFill>
                   <a:schemeClr val="dk2"/>
                 </a:solidFill>
@@ -9819,7 +9962,7 @@
               <a:buSzPts val="2800"/>
               <a:buFont typeface="Raleway"/>
               <a:buNone/>
-              <a:defRPr b="1" sz="2800">
+              <a:defRPr sz="2800" b="1">
                 <a:solidFill>
                   <a:schemeClr val="dk2"/>
                 </a:solidFill>
@@ -9842,7 +9985,7 @@
               <a:buSzPts val="2800"/>
               <a:buFont typeface="Raleway"/>
               <a:buNone/>
-              <a:defRPr b="1" sz="2800">
+              <a:defRPr sz="2800" b="1">
                 <a:solidFill>
                   <a:schemeClr val="dk2"/>
                 </a:solidFill>
@@ -9853,15 +9996,19 @@
               </a:defRPr>
             </a:lvl9pPr>
           </a:lstStyle>
-          <a:p/>
+          <a:p>
+            <a:endParaRPr/>
+          </a:p>
         </p:txBody>
       </p:sp>
       <p:sp>
         <p:nvSpPr>
           <p:cNvPr id="7" name="Google Shape;7;p1"/>
-          <p:cNvSpPr txBox="1"/>
+          <p:cNvSpPr txBox="1">
+            <a:spLocks noGrp="1"/>
+          </p:cNvSpPr>
           <p:nvPr>
-            <p:ph idx="1" type="body"/>
+            <p:ph type="body" idx="1"/>
           </p:nvPr>
         </p:nvSpPr>
         <p:spPr>
@@ -9878,11 +10025,11 @@
           </a:ln>
         </p:spPr>
         <p:txBody>
-          <a:bodyPr anchorCtr="0" anchor="t" bIns="91425" lIns="91425" spcFirstLastPara="1" rIns="91425" wrap="square" tIns="91425">
+          <a:bodyPr spcFirstLastPara="1" wrap="square" lIns="91425" tIns="91425" rIns="91425" bIns="91425" anchor="t" anchorCtr="0">
             <a:normAutofit/>
           </a:bodyPr>
           <a:lstStyle>
-            <a:lvl1pPr indent="-311150" lvl="0" marL="457200">
+            <a:lvl1pPr marL="457200" lvl="0" indent="-311150">
               <a:lnSpc>
                 <a:spcPct val="115000"/>
               </a:lnSpc>
@@ -9908,7 +10055,7 @@
                 <a:sym typeface="Lato"/>
               </a:defRPr>
             </a:lvl1pPr>
-            <a:lvl2pPr indent="-298450" lvl="1" marL="914400">
+            <a:lvl2pPr marL="914400" lvl="1" indent="-298450">
               <a:lnSpc>
                 <a:spcPct val="115000"/>
               </a:lnSpc>
@@ -9934,7 +10081,7 @@
                 <a:sym typeface="Lato"/>
               </a:defRPr>
             </a:lvl2pPr>
-            <a:lvl3pPr indent="-298450" lvl="2" marL="1371600">
+            <a:lvl3pPr marL="1371600" lvl="2" indent="-298450">
               <a:lnSpc>
                 <a:spcPct val="115000"/>
               </a:lnSpc>
@@ -9960,7 +10107,7 @@
                 <a:sym typeface="Lato"/>
               </a:defRPr>
             </a:lvl3pPr>
-            <a:lvl4pPr indent="-298450" lvl="3" marL="1828800">
+            <a:lvl4pPr marL="1828800" lvl="3" indent="-298450">
               <a:lnSpc>
                 <a:spcPct val="115000"/>
               </a:lnSpc>
@@ -9986,7 +10133,7 @@
                 <a:sym typeface="Lato"/>
               </a:defRPr>
             </a:lvl4pPr>
-            <a:lvl5pPr indent="-298450" lvl="4" marL="2286000">
+            <a:lvl5pPr marL="2286000" lvl="4" indent="-298450">
               <a:lnSpc>
                 <a:spcPct val="115000"/>
               </a:lnSpc>
@@ -10012,7 +10159,7 @@
                 <a:sym typeface="Lato"/>
               </a:defRPr>
             </a:lvl5pPr>
-            <a:lvl6pPr indent="-298450" lvl="5" marL="2743200">
+            <a:lvl6pPr marL="2743200" lvl="5" indent="-298450">
               <a:lnSpc>
                 <a:spcPct val="115000"/>
               </a:lnSpc>
@@ -10038,7 +10185,7 @@
                 <a:sym typeface="Lato"/>
               </a:defRPr>
             </a:lvl6pPr>
-            <a:lvl7pPr indent="-298450" lvl="6" marL="3200400">
+            <a:lvl7pPr marL="3200400" lvl="6" indent="-298450">
               <a:lnSpc>
                 <a:spcPct val="115000"/>
               </a:lnSpc>
@@ -10064,7 +10211,7 @@
                 <a:sym typeface="Lato"/>
               </a:defRPr>
             </a:lvl7pPr>
-            <a:lvl8pPr indent="-298450" lvl="7" marL="3657600">
+            <a:lvl8pPr marL="3657600" lvl="7" indent="-298450">
               <a:lnSpc>
                 <a:spcPct val="115000"/>
               </a:lnSpc>
@@ -10090,7 +10237,7 @@
                 <a:sym typeface="Lato"/>
               </a:defRPr>
             </a:lvl8pPr>
-            <a:lvl9pPr indent="-298450" lvl="8" marL="4114800">
+            <a:lvl9pPr marL="4114800" lvl="8" indent="-298450">
               <a:lnSpc>
                 <a:spcPct val="115000"/>
               </a:lnSpc>
@@ -10117,15 +10264,19 @@
               </a:defRPr>
             </a:lvl9pPr>
           </a:lstStyle>
-          <a:p/>
+          <a:p>
+            <a:endParaRPr/>
+          </a:p>
         </p:txBody>
       </p:sp>
       <p:sp>
         <p:nvSpPr>
           <p:cNvPr id="8" name="Google Shape;8;p1"/>
-          <p:cNvSpPr txBox="1"/>
+          <p:cNvSpPr txBox="1">
+            <a:spLocks noGrp="1"/>
+          </p:cNvSpPr>
           <p:nvPr>
-            <p:ph idx="12" type="sldNum"/>
+            <p:ph type="sldNum" idx="12"/>
           </p:nvPr>
         </p:nvSpPr>
         <p:spPr>
@@ -10142,7 +10293,7 @@
           </a:ln>
         </p:spPr>
         <p:txBody>
-          <a:bodyPr anchorCtr="0" anchor="ctr" bIns="91425" lIns="91425" spcFirstLastPara="1" rIns="91425" wrap="square" tIns="91425">
+          <a:bodyPr spcFirstLastPara="1" wrap="square" lIns="91425" tIns="91425" rIns="91425" bIns="91425" anchor="ctr" anchorCtr="0">
             <a:normAutofit/>
           </a:bodyPr>
           <a:lstStyle>
@@ -10256,7 +10407,7 @@
             </a:lvl9pPr>
           </a:lstStyle>
           <a:p>
-            <a:pPr indent="0" lvl="0" marL="0" rtl="0" algn="r">
+            <a:pPr marL="0" lvl="0" indent="0" algn="r" rtl="0">
               <a:spcBef>
                 <a:spcPts val="0"/>
               </a:spcBef>
@@ -10275,7 +10426,7 @@
       </p:sp>
     </p:spTree>
   </p:cSld>
-  <p:clrMap accent1="accent1" accent2="accent2" accent3="accent3" accent4="accent4" accent5="accent5" accent6="accent6" bg1="lt1" bg2="dk2" tx1="dk1" tx2="lt2" folHlink="folHlink" hlink="hlink"/>
+  <p:clrMap bg1="lt1" tx1="dk1" bg2="dk2" tx2="lt2" accent1="accent1" accent2="accent2" accent3="accent3" accent4="accent4" accent5="accent5" accent6="accent6" hlink="hlink" folHlink="folHlink"/>
   <p:sldLayoutIdLst>
     <p:sldLayoutId id="2147483648" r:id="rId1"/>
     <p:sldLayoutId id="2147483649" r:id="rId2"/>
@@ -10293,10 +10444,10 @@
     <p:sldLayoutId id="2147483661" r:id="rId14"/>
     <p:sldLayoutId id="2147483662" r:id="rId15"/>
   </p:sldLayoutIdLst>
-  <p:hf dt="0" ftr="0" hdr="0" sldNum="0"/>
+  <p:hf sldNum="0" hdr="0" ftr="0" dt="0"/>
   <p:txStyles>
     <p:titleStyle>
-      <a:defPPr lvl="0" marR="0" rtl="0" algn="l">
+      <a:defPPr marR="0" lvl="0" algn="l" rtl="0">
         <a:lnSpc>
           <a:spcPct val="100000"/>
         </a:lnSpc>
@@ -10307,7 +10458,7 @@
           <a:spcPts val="0"/>
         </a:spcAft>
       </a:defPPr>
-      <a:lvl1pPr lvl="0" marR="0" rtl="0" algn="l">
+      <a:lvl1pPr marR="0" lvl="0" algn="l" rtl="0">
         <a:lnSpc>
           <a:spcPct val="100000"/>
         </a:lnSpc>
@@ -10321,7 +10472,7 @@
           <a:srgbClr val="000000"/>
         </a:buClr>
         <a:buFont typeface="Arial"/>
-        <a:defRPr b="0" i="0" sz="1400" u="none" cap="none" strike="noStrike">
+        <a:defRPr sz="1400" b="0" i="0" u="none" strike="noStrike" cap="none">
           <a:solidFill>
             <a:srgbClr val="000000"/>
           </a:solidFill>
@@ -10331,7 +10482,7 @@
           <a:sym typeface="Arial"/>
         </a:defRPr>
       </a:lvl1pPr>
-      <a:lvl2pPr lvl="1" marR="0" rtl="0" algn="l">
+      <a:lvl2pPr marR="0" lvl="1" algn="l" rtl="0">
         <a:lnSpc>
           <a:spcPct val="100000"/>
         </a:lnSpc>
@@ -10345,7 +10496,7 @@
           <a:srgbClr val="000000"/>
         </a:buClr>
         <a:buFont typeface="Arial"/>
-        <a:defRPr b="0" i="0" sz="1400" u="none" cap="none" strike="noStrike">
+        <a:defRPr sz="1400" b="0" i="0" u="none" strike="noStrike" cap="none">
           <a:solidFill>
             <a:srgbClr val="000000"/>
           </a:solidFill>
@@ -10355,7 +10506,7 @@
           <a:sym typeface="Arial"/>
         </a:defRPr>
       </a:lvl2pPr>
-      <a:lvl3pPr lvl="2" marR="0" rtl="0" algn="l">
+      <a:lvl3pPr marR="0" lvl="2" algn="l" rtl="0">
         <a:lnSpc>
           <a:spcPct val="100000"/>
         </a:lnSpc>
@@ -10369,7 +10520,7 @@
           <a:srgbClr val="000000"/>
         </a:buClr>
         <a:buFont typeface="Arial"/>
-        <a:defRPr b="0" i="0" sz="1400" u="none" cap="none" strike="noStrike">
+        <a:defRPr sz="1400" b="0" i="0" u="none" strike="noStrike" cap="none">
           <a:solidFill>
             <a:srgbClr val="000000"/>
           </a:solidFill>
@@ -10379,7 +10530,7 @@
           <a:sym typeface="Arial"/>
         </a:defRPr>
       </a:lvl3pPr>
-      <a:lvl4pPr lvl="3" marR="0" rtl="0" algn="l">
+      <a:lvl4pPr marR="0" lvl="3" algn="l" rtl="0">
         <a:lnSpc>
           <a:spcPct val="100000"/>
         </a:lnSpc>
@@ -10393,7 +10544,7 @@
           <a:srgbClr val="000000"/>
         </a:buClr>
         <a:buFont typeface="Arial"/>
-        <a:defRPr b="0" i="0" sz="1400" u="none" cap="none" strike="noStrike">
+        <a:defRPr sz="1400" b="0" i="0" u="none" strike="noStrike" cap="none">
           <a:solidFill>
             <a:srgbClr val="000000"/>
           </a:solidFill>
@@ -10403,7 +10554,7 @@
           <a:sym typeface="Arial"/>
         </a:defRPr>
       </a:lvl4pPr>
-      <a:lvl5pPr lvl="4" marR="0" rtl="0" algn="l">
+      <a:lvl5pPr marR="0" lvl="4" algn="l" rtl="0">
         <a:lnSpc>
           <a:spcPct val="100000"/>
         </a:lnSpc>
@@ -10417,7 +10568,7 @@
           <a:srgbClr val="000000"/>
         </a:buClr>
         <a:buFont typeface="Arial"/>
-        <a:defRPr b="0" i="0" sz="1400" u="none" cap="none" strike="noStrike">
+        <a:defRPr sz="1400" b="0" i="0" u="none" strike="noStrike" cap="none">
           <a:solidFill>
             <a:srgbClr val="000000"/>
           </a:solidFill>
@@ -10427,7 +10578,7 @@
           <a:sym typeface="Arial"/>
         </a:defRPr>
       </a:lvl5pPr>
-      <a:lvl6pPr lvl="5" marR="0" rtl="0" algn="l">
+      <a:lvl6pPr marR="0" lvl="5" algn="l" rtl="0">
         <a:lnSpc>
           <a:spcPct val="100000"/>
         </a:lnSpc>
@@ -10441,7 +10592,7 @@
           <a:srgbClr val="000000"/>
         </a:buClr>
         <a:buFont typeface="Arial"/>
-        <a:defRPr b="0" i="0" sz="1400" u="none" cap="none" strike="noStrike">
+        <a:defRPr sz="1400" b="0" i="0" u="none" strike="noStrike" cap="none">
           <a:solidFill>
             <a:srgbClr val="000000"/>
           </a:solidFill>
@@ -10451,7 +10602,7 @@
           <a:sym typeface="Arial"/>
         </a:defRPr>
       </a:lvl6pPr>
-      <a:lvl7pPr lvl="6" marR="0" rtl="0" algn="l">
+      <a:lvl7pPr marR="0" lvl="6" algn="l" rtl="0">
         <a:lnSpc>
           <a:spcPct val="100000"/>
         </a:lnSpc>
@@ -10465,7 +10616,7 @@
           <a:srgbClr val="000000"/>
         </a:buClr>
         <a:buFont typeface="Arial"/>
-        <a:defRPr b="0" i="0" sz="1400" u="none" cap="none" strike="noStrike">
+        <a:defRPr sz="1400" b="0" i="0" u="none" strike="noStrike" cap="none">
           <a:solidFill>
             <a:srgbClr val="000000"/>
           </a:solidFill>
@@ -10475,7 +10626,7 @@
           <a:sym typeface="Arial"/>
         </a:defRPr>
       </a:lvl7pPr>
-      <a:lvl8pPr lvl="7" marR="0" rtl="0" algn="l">
+      <a:lvl8pPr marR="0" lvl="7" algn="l" rtl="0">
         <a:lnSpc>
           <a:spcPct val="100000"/>
         </a:lnSpc>
@@ -10489,7 +10640,7 @@
           <a:srgbClr val="000000"/>
         </a:buClr>
         <a:buFont typeface="Arial"/>
-        <a:defRPr b="0" i="0" sz="1400" u="none" cap="none" strike="noStrike">
+        <a:defRPr sz="1400" b="0" i="0" u="none" strike="noStrike" cap="none">
           <a:solidFill>
             <a:srgbClr val="000000"/>
           </a:solidFill>
@@ -10499,7 +10650,7 @@
           <a:sym typeface="Arial"/>
         </a:defRPr>
       </a:lvl8pPr>
-      <a:lvl9pPr lvl="8" marR="0" rtl="0" algn="l">
+      <a:lvl9pPr marR="0" lvl="8" algn="l" rtl="0">
         <a:lnSpc>
           <a:spcPct val="100000"/>
         </a:lnSpc>
@@ -10513,7 +10664,7 @@
           <a:srgbClr val="000000"/>
         </a:buClr>
         <a:buFont typeface="Arial"/>
-        <a:defRPr b="0" i="0" sz="1400" u="none" cap="none" strike="noStrike">
+        <a:defRPr sz="1400" b="0" i="0" u="none" strike="noStrike" cap="none">
           <a:solidFill>
             <a:srgbClr val="000000"/>
           </a:solidFill>
@@ -10525,7 +10676,7 @@
       </a:lvl9pPr>
     </p:titleStyle>
     <p:bodyStyle>
-      <a:defPPr lvl="0" marR="0" rtl="0" algn="l">
+      <a:defPPr marR="0" lvl="0" algn="l" rtl="0">
         <a:lnSpc>
           <a:spcPct val="100000"/>
         </a:lnSpc>
@@ -10536,7 +10687,7 @@
           <a:spcPts val="0"/>
         </a:spcAft>
       </a:defPPr>
-      <a:lvl1pPr lvl="0" marR="0" rtl="0" algn="l">
+      <a:lvl1pPr marR="0" lvl="0" algn="l" rtl="0">
         <a:lnSpc>
           <a:spcPct val="100000"/>
         </a:lnSpc>
@@ -10550,7 +10701,7 @@
           <a:srgbClr val="000000"/>
         </a:buClr>
         <a:buFont typeface="Arial"/>
-        <a:defRPr b="0" i="0" sz="1400" u="none" cap="none" strike="noStrike">
+        <a:defRPr sz="1400" b="0" i="0" u="none" strike="noStrike" cap="none">
           <a:solidFill>
             <a:srgbClr val="000000"/>
           </a:solidFill>
@@ -10560,7 +10711,7 @@
           <a:sym typeface="Arial"/>
         </a:defRPr>
       </a:lvl1pPr>
-      <a:lvl2pPr lvl="1" marR="0" rtl="0" algn="l">
+      <a:lvl2pPr marR="0" lvl="1" algn="l" rtl="0">
         <a:lnSpc>
           <a:spcPct val="100000"/>
         </a:lnSpc>
@@ -10574,7 +10725,7 @@
           <a:srgbClr val="000000"/>
         </a:buClr>
         <a:buFont typeface="Arial"/>
-        <a:defRPr b="0" i="0" sz="1400" u="none" cap="none" strike="noStrike">
+        <a:defRPr sz="1400" b="0" i="0" u="none" strike="noStrike" cap="none">
           <a:solidFill>
             <a:srgbClr val="000000"/>
           </a:solidFill>
@@ -10584,7 +10735,7 @@
           <a:sym typeface="Arial"/>
         </a:defRPr>
       </a:lvl2pPr>
-      <a:lvl3pPr lvl="2" marR="0" rtl="0" algn="l">
+      <a:lvl3pPr marR="0" lvl="2" algn="l" rtl="0">
         <a:lnSpc>
           <a:spcPct val="100000"/>
         </a:lnSpc>
@@ -10598,7 +10749,7 @@
           <a:srgbClr val="000000"/>
         </a:buClr>
         <a:buFont typeface="Arial"/>
-        <a:defRPr b="0" i="0" sz="1400" u="none" cap="none" strike="noStrike">
+        <a:defRPr sz="1400" b="0" i="0" u="none" strike="noStrike" cap="none">
           <a:solidFill>
             <a:srgbClr val="000000"/>
           </a:solidFill>
@@ -10608,7 +10759,7 @@
           <a:sym typeface="Arial"/>
         </a:defRPr>
       </a:lvl3pPr>
-      <a:lvl4pPr lvl="3" marR="0" rtl="0" algn="l">
+      <a:lvl4pPr marR="0" lvl="3" algn="l" rtl="0">
         <a:lnSpc>
           <a:spcPct val="100000"/>
         </a:lnSpc>
@@ -10622,7 +10773,7 @@
           <a:srgbClr val="000000"/>
         </a:buClr>
         <a:buFont typeface="Arial"/>
-        <a:defRPr b="0" i="0" sz="1400" u="none" cap="none" strike="noStrike">
+        <a:defRPr sz="1400" b="0" i="0" u="none" strike="noStrike" cap="none">
           <a:solidFill>
             <a:srgbClr val="000000"/>
           </a:solidFill>
@@ -10632,7 +10783,7 @@
           <a:sym typeface="Arial"/>
         </a:defRPr>
       </a:lvl4pPr>
-      <a:lvl5pPr lvl="4" marR="0" rtl="0" algn="l">
+      <a:lvl5pPr marR="0" lvl="4" algn="l" rtl="0">
         <a:lnSpc>
           <a:spcPct val="100000"/>
         </a:lnSpc>
@@ -10646,7 +10797,7 @@
           <a:srgbClr val="000000"/>
         </a:buClr>
         <a:buFont typeface="Arial"/>
-        <a:defRPr b="0" i="0" sz="1400" u="none" cap="none" strike="noStrike">
+        <a:defRPr sz="1400" b="0" i="0" u="none" strike="noStrike" cap="none">
           <a:solidFill>
             <a:srgbClr val="000000"/>
           </a:solidFill>
@@ -10656,7 +10807,7 @@
           <a:sym typeface="Arial"/>
         </a:defRPr>
       </a:lvl5pPr>
-      <a:lvl6pPr lvl="5" marR="0" rtl="0" algn="l">
+      <a:lvl6pPr marR="0" lvl="5" algn="l" rtl="0">
         <a:lnSpc>
           <a:spcPct val="100000"/>
         </a:lnSpc>
@@ -10670,7 +10821,7 @@
           <a:srgbClr val="000000"/>
         </a:buClr>
         <a:buFont typeface="Arial"/>
-        <a:defRPr b="0" i="0" sz="1400" u="none" cap="none" strike="noStrike">
+        <a:defRPr sz="1400" b="0" i="0" u="none" strike="noStrike" cap="none">
           <a:solidFill>
             <a:srgbClr val="000000"/>
           </a:solidFill>
@@ -10680,7 +10831,7 @@
           <a:sym typeface="Arial"/>
         </a:defRPr>
       </a:lvl6pPr>
-      <a:lvl7pPr lvl="6" marR="0" rtl="0" algn="l">
+      <a:lvl7pPr marR="0" lvl="6" algn="l" rtl="0">
         <a:lnSpc>
           <a:spcPct val="100000"/>
         </a:lnSpc>
@@ -10694,7 +10845,7 @@
           <a:srgbClr val="000000"/>
         </a:buClr>
         <a:buFont typeface="Arial"/>
-        <a:defRPr b="0" i="0" sz="1400" u="none" cap="none" strike="noStrike">
+        <a:defRPr sz="1400" b="0" i="0" u="none" strike="noStrike" cap="none">
           <a:solidFill>
             <a:srgbClr val="000000"/>
           </a:solidFill>
@@ -10704,7 +10855,7 @@
           <a:sym typeface="Arial"/>
         </a:defRPr>
       </a:lvl7pPr>
-      <a:lvl8pPr lvl="7" marR="0" rtl="0" algn="l">
+      <a:lvl8pPr marR="0" lvl="7" algn="l" rtl="0">
         <a:lnSpc>
           <a:spcPct val="100000"/>
         </a:lnSpc>
@@ -10718,7 +10869,7 @@
           <a:srgbClr val="000000"/>
         </a:buClr>
         <a:buFont typeface="Arial"/>
-        <a:defRPr b="0" i="0" sz="1400" u="none" cap="none" strike="noStrike">
+        <a:defRPr sz="1400" b="0" i="0" u="none" strike="noStrike" cap="none">
           <a:solidFill>
             <a:srgbClr val="000000"/>
           </a:solidFill>
@@ -10728,7 +10879,7 @@
           <a:sym typeface="Arial"/>
         </a:defRPr>
       </a:lvl8pPr>
-      <a:lvl9pPr lvl="8" marR="0" rtl="0" algn="l">
+      <a:lvl9pPr marR="0" lvl="8" algn="l" rtl="0">
         <a:lnSpc>
           <a:spcPct val="100000"/>
         </a:lnSpc>
@@ -10742,7 +10893,7 @@
           <a:srgbClr val="000000"/>
         </a:buClr>
         <a:buFont typeface="Arial"/>
-        <a:defRPr b="0" i="0" sz="1400" u="none" cap="none" strike="noStrike">
+        <a:defRPr sz="1400" b="0" i="0" u="none" strike="noStrike" cap="none">
           <a:solidFill>
             <a:srgbClr val="000000"/>
           </a:solidFill>
@@ -10754,7 +10905,7 @@
       </a:lvl9pPr>
     </p:bodyStyle>
     <p:otherStyle>
-      <a:defPPr lvl="0" marR="0" rtl="0" algn="l">
+      <a:defPPr marR="0" lvl="0" algn="l" rtl="0">
         <a:lnSpc>
           <a:spcPct val="100000"/>
         </a:lnSpc>
@@ -10765,7 +10916,7 @@
           <a:spcPts val="0"/>
         </a:spcAft>
       </a:defPPr>
-      <a:lvl1pPr lvl="0" marR="0" rtl="0" algn="l">
+      <a:lvl1pPr marR="0" lvl="0" algn="l" rtl="0">
         <a:lnSpc>
           <a:spcPct val="100000"/>
         </a:lnSpc>
@@ -10779,7 +10930,7 @@
           <a:srgbClr val="000000"/>
         </a:buClr>
         <a:buFont typeface="Arial"/>
-        <a:defRPr b="0" i="0" sz="1400" u="none" cap="none" strike="noStrike">
+        <a:defRPr sz="1400" b="0" i="0" u="none" strike="noStrike" cap="none">
           <a:solidFill>
             <a:srgbClr val="000000"/>
           </a:solidFill>
@@ -10789,7 +10940,7 @@
           <a:sym typeface="Arial"/>
         </a:defRPr>
       </a:lvl1pPr>
-      <a:lvl2pPr lvl="1" marR="0" rtl="0" algn="l">
+      <a:lvl2pPr marR="0" lvl="1" algn="l" rtl="0">
         <a:lnSpc>
           <a:spcPct val="100000"/>
         </a:lnSpc>
@@ -10803,7 +10954,7 @@
           <a:srgbClr val="000000"/>
         </a:buClr>
         <a:buFont typeface="Arial"/>
-        <a:defRPr b="0" i="0" sz="1400" u="none" cap="none" strike="noStrike">
+        <a:defRPr sz="1400" b="0" i="0" u="none" strike="noStrike" cap="none">
           <a:solidFill>
             <a:srgbClr val="000000"/>
           </a:solidFill>
@@ -10813,7 +10964,7 @@
           <a:sym typeface="Arial"/>
         </a:defRPr>
       </a:lvl2pPr>
-      <a:lvl3pPr lvl="2" marR="0" rtl="0" algn="l">
+      <a:lvl3pPr marR="0" lvl="2" algn="l" rtl="0">
         <a:lnSpc>
           <a:spcPct val="100000"/>
         </a:lnSpc>
@@ -10827,7 +10978,7 @@
           <a:srgbClr val="000000"/>
         </a:buClr>
         <a:buFont typeface="Arial"/>
-        <a:defRPr b="0" i="0" sz="1400" u="none" cap="none" strike="noStrike">
+        <a:defRPr sz="1400" b="0" i="0" u="none" strike="noStrike" cap="none">
           <a:solidFill>
             <a:srgbClr val="000000"/>
           </a:solidFill>
@@ -10837,7 +10988,7 @@
           <a:sym typeface="Arial"/>
         </a:defRPr>
       </a:lvl3pPr>
-      <a:lvl4pPr lvl="3" marR="0" rtl="0" algn="l">
+      <a:lvl4pPr marR="0" lvl="3" algn="l" rtl="0">
         <a:lnSpc>
           <a:spcPct val="100000"/>
         </a:lnSpc>
@@ -10851,7 +11002,7 @@
           <a:srgbClr val="000000"/>
         </a:buClr>
         <a:buFont typeface="Arial"/>
-        <a:defRPr b="0" i="0" sz="1400" u="none" cap="none" strike="noStrike">
+        <a:defRPr sz="1400" b="0" i="0" u="none" strike="noStrike" cap="none">
           <a:solidFill>
             <a:srgbClr val="000000"/>
           </a:solidFill>
@@ -10861,7 +11012,7 @@
           <a:sym typeface="Arial"/>
         </a:defRPr>
       </a:lvl4pPr>
-      <a:lvl5pPr lvl="4" marR="0" rtl="0" algn="l">
+      <a:lvl5pPr marR="0" lvl="4" algn="l" rtl="0">
         <a:lnSpc>
           <a:spcPct val="100000"/>
         </a:lnSpc>
@@ -10875,7 +11026,7 @@
           <a:srgbClr val="000000"/>
         </a:buClr>
         <a:buFont typeface="Arial"/>
-        <a:defRPr b="0" i="0" sz="1400" u="none" cap="none" strike="noStrike">
+        <a:defRPr sz="1400" b="0" i="0" u="none" strike="noStrike" cap="none">
           <a:solidFill>
             <a:srgbClr val="000000"/>
           </a:solidFill>
@@ -10885,7 +11036,7 @@
           <a:sym typeface="Arial"/>
         </a:defRPr>
       </a:lvl5pPr>
-      <a:lvl6pPr lvl="5" marR="0" rtl="0" algn="l">
+      <a:lvl6pPr marR="0" lvl="5" algn="l" rtl="0">
         <a:lnSpc>
           <a:spcPct val="100000"/>
         </a:lnSpc>
@@ -10899,7 +11050,7 @@
           <a:srgbClr val="000000"/>
         </a:buClr>
         <a:buFont typeface="Arial"/>
-        <a:defRPr b="0" i="0" sz="1400" u="none" cap="none" strike="noStrike">
+        <a:defRPr sz="1400" b="0" i="0" u="none" strike="noStrike" cap="none">
           <a:solidFill>
             <a:srgbClr val="000000"/>
           </a:solidFill>
@@ -10909,7 +11060,7 @@
           <a:sym typeface="Arial"/>
         </a:defRPr>
       </a:lvl6pPr>
-      <a:lvl7pPr lvl="6" marR="0" rtl="0" algn="l">
+      <a:lvl7pPr marR="0" lvl="6" algn="l" rtl="0">
         <a:lnSpc>
           <a:spcPct val="100000"/>
         </a:lnSpc>
@@ -10923,7 +11074,7 @@
           <a:srgbClr val="000000"/>
         </a:buClr>
         <a:buFont typeface="Arial"/>
-        <a:defRPr b="0" i="0" sz="1400" u="none" cap="none" strike="noStrike">
+        <a:defRPr sz="1400" b="0" i="0" u="none" strike="noStrike" cap="none">
           <a:solidFill>
             <a:srgbClr val="000000"/>
           </a:solidFill>
@@ -10933,7 +11084,7 @@
           <a:sym typeface="Arial"/>
         </a:defRPr>
       </a:lvl7pPr>
-      <a:lvl8pPr lvl="7" marR="0" rtl="0" algn="l">
+      <a:lvl8pPr marR="0" lvl="7" algn="l" rtl="0">
         <a:lnSpc>
           <a:spcPct val="100000"/>
         </a:lnSpc>
@@ -10947,7 +11098,7 @@
           <a:srgbClr val="000000"/>
         </a:buClr>
         <a:buFont typeface="Arial"/>
-        <a:defRPr b="0" i="0" sz="1400" u="none" cap="none" strike="noStrike">
+        <a:defRPr sz="1400" b="0" i="0" u="none" strike="noStrike" cap="none">
           <a:solidFill>
             <a:srgbClr val="000000"/>
           </a:solidFill>
@@ -10957,7 +11108,7 @@
           <a:sym typeface="Arial"/>
         </a:defRPr>
       </a:lvl8pPr>
-      <a:lvl9pPr lvl="8" marR="0" rtl="0" algn="l">
+      <a:lvl9pPr marR="0" lvl="8" algn="l" rtl="0">
         <a:lnSpc>
           <a:spcPct val="100000"/>
         </a:lnSpc>
@@ -10971,7 +11122,7 @@
           <a:srgbClr val="000000"/>
         </a:buClr>
         <a:buFont typeface="Arial"/>
-        <a:defRPr b="0" i="0" sz="1400" u="none" cap="none" strike="noStrike">
+        <a:defRPr sz="1400" b="0" i="0" u="none" strike="noStrike" cap="none">
           <a:solidFill>
             <a:srgbClr val="000000"/>
           </a:solidFill>
@@ -10987,11 +11138,11 @@
 </file>
 
 <file path=ppt/slides/slide1.xml><?xml version="1.0" encoding="utf-8"?>
-<p:sld xmlns:a="http://schemas.openxmlformats.org/drawingml/2006/main" xmlns:r="http://schemas.openxmlformats.org/officeDocument/2006/relationships" xmlns:mc="http://schemas.openxmlformats.org/markup-compatibility/2006" xmlns:mv="urn:schemas-microsoft-com:mac:vml" xmlns:p="http://schemas.openxmlformats.org/presentationml/2006/main" xmlns:c="http://schemas.openxmlformats.org/drawingml/2006/chart" xmlns:dgm="http://schemas.openxmlformats.org/drawingml/2006/diagram" xmlns:o="urn:schemas-microsoft-com:office:office" xmlns:v="urn:schemas-microsoft-com:vml" xmlns:pvml="urn:schemas-microsoft-com:office:powerpoint" xmlns:com="http://schemas.openxmlformats.org/drawingml/2006/compatibility" xmlns:p14="http://schemas.microsoft.com/office/powerpoint/2010/main" xmlns:p15="http://schemas.microsoft.com/office/powerpoint/2012/main" xmlns:ahyp="http://schemas.microsoft.com/office/drawing/2018/hyperlinkcolor">
+<p:sld xmlns:a="http://schemas.openxmlformats.org/drawingml/2006/main" xmlns:r="http://schemas.openxmlformats.org/officeDocument/2006/relationships" xmlns:p="http://schemas.openxmlformats.org/presentationml/2006/main">
   <p:cSld>
     <p:spTree>
       <p:nvGrpSpPr>
-        <p:cNvPr id="108" name="Shape 108"/>
+        <p:cNvPr id="1" name="Shape 108"/>
         <p:cNvGrpSpPr/>
         <p:nvPr/>
       </p:nvGrpSpPr>
@@ -11006,7 +11157,9 @@
       <p:sp>
         <p:nvSpPr>
           <p:cNvPr id="109" name="Google Shape;109;p17"/>
-          <p:cNvSpPr txBox="1"/>
+          <p:cNvSpPr txBox="1">
+            <a:spLocks noGrp="1"/>
+          </p:cNvSpPr>
           <p:nvPr>
             <p:ph type="ctrTitle"/>
           </p:nvPr>
@@ -11021,12 +11174,12 @@
           </a:prstGeom>
         </p:spPr>
         <p:txBody>
-          <a:bodyPr anchorCtr="0" anchor="t" bIns="91425" lIns="91425" spcFirstLastPara="1" rIns="91425" wrap="square" tIns="91425">
+          <a:bodyPr spcFirstLastPara="1" wrap="square" lIns="91425" tIns="91425" rIns="91425" bIns="91425" anchor="t" anchorCtr="0">
             <a:normAutofit fontScale="90000"/>
           </a:bodyPr>
           <a:lstStyle/>
           <a:p>
-            <a:pPr indent="0" lvl="0" marL="0" rtl="0" algn="l">
+            <a:pPr marL="0" lvl="0" indent="0" algn="l" rtl="0">
               <a:spcBef>
                 <a:spcPts val="0"/>
               </a:spcBef>
@@ -11046,9 +11199,11 @@
       <p:sp>
         <p:nvSpPr>
           <p:cNvPr id="110" name="Google Shape;110;p17"/>
-          <p:cNvSpPr txBox="1"/>
+          <p:cNvSpPr txBox="1">
+            <a:spLocks noGrp="1"/>
+          </p:cNvSpPr>
           <p:nvPr>
-            <p:ph idx="1" type="subTitle"/>
+            <p:ph type="subTitle" idx="1"/>
           </p:nvPr>
         </p:nvSpPr>
         <p:spPr>
@@ -11061,12 +11216,12 @@
           </a:prstGeom>
         </p:spPr>
         <p:txBody>
-          <a:bodyPr anchorCtr="0" anchor="t" bIns="91425" lIns="91425" spcFirstLastPara="1" rIns="91425" wrap="square" tIns="91425">
+          <a:bodyPr spcFirstLastPara="1" wrap="square" lIns="91425" tIns="91425" rIns="91425" bIns="91425" anchor="t" anchorCtr="0">
             <a:normAutofit/>
           </a:bodyPr>
           <a:lstStyle/>
           <a:p>
-            <a:pPr indent="0" lvl="0" marL="0" rtl="0" algn="l">
+            <a:pPr marL="0" lvl="0" indent="0" algn="l" rtl="0">
               <a:spcBef>
                 <a:spcPts val="0"/>
               </a:spcBef>
@@ -11082,7 +11237,7 @@
             <a:endParaRPr/>
           </a:p>
           <a:p>
-            <a:pPr indent="0" lvl="0" marL="0" rtl="0" algn="l">
+            <a:pPr marL="0" lvl="0" indent="0" algn="l" rtl="0">
               <a:spcBef>
                 <a:spcPts val="0"/>
               </a:spcBef>
@@ -11098,7 +11253,7 @@
             <a:endParaRPr/>
           </a:p>
           <a:p>
-            <a:pPr indent="0" lvl="0" marL="0" rtl="0" algn="l">
+            <a:pPr marL="0" lvl="0" indent="0" algn="l" rtl="0">
               <a:spcBef>
                 <a:spcPts val="0"/>
               </a:spcBef>
@@ -11125,7 +11280,7 @@
           <a:blip r:embed="rId3">
             <a:alphaModFix/>
           </a:blip>
-          <a:srcRect b="12571" l="0" r="0" t="43005"/>
+          <a:srcRect t="43005" b="12571"/>
           <a:stretch/>
         </p:blipFill>
         <p:spPr>
@@ -11151,11 +11306,11 @@
 </file>
 
 <file path=ppt/slides/slide10.xml><?xml version="1.0" encoding="utf-8"?>
-<p:sld xmlns:a="http://schemas.openxmlformats.org/drawingml/2006/main" xmlns:r="http://schemas.openxmlformats.org/officeDocument/2006/relationships" xmlns:mc="http://schemas.openxmlformats.org/markup-compatibility/2006" xmlns:mv="urn:schemas-microsoft-com:mac:vml" xmlns:p="http://schemas.openxmlformats.org/presentationml/2006/main" xmlns:c="http://schemas.openxmlformats.org/drawingml/2006/chart" xmlns:dgm="http://schemas.openxmlformats.org/drawingml/2006/diagram" xmlns:o="urn:schemas-microsoft-com:office:office" xmlns:v="urn:schemas-microsoft-com:vml" xmlns:pvml="urn:schemas-microsoft-com:office:powerpoint" xmlns:com="http://schemas.openxmlformats.org/drawingml/2006/compatibility" xmlns:p14="http://schemas.microsoft.com/office/powerpoint/2010/main" xmlns:p15="http://schemas.microsoft.com/office/powerpoint/2012/main" xmlns:ahyp="http://schemas.microsoft.com/office/drawing/2018/hyperlinkcolor">
+<p:sld xmlns:a="http://schemas.openxmlformats.org/drawingml/2006/main" xmlns:r="http://schemas.openxmlformats.org/officeDocument/2006/relationships" xmlns:p="http://schemas.openxmlformats.org/presentationml/2006/main">
   <p:cSld>
     <p:spTree>
       <p:nvGrpSpPr>
-        <p:cNvPr id="167" name="Shape 167"/>
+        <p:cNvPr id="1" name="Shape 167"/>
         <p:cNvGrpSpPr/>
         <p:nvPr/>
       </p:nvGrpSpPr>
@@ -11170,7 +11325,9 @@
       <p:sp>
         <p:nvSpPr>
           <p:cNvPr id="168" name="Google Shape;168;p26"/>
-          <p:cNvSpPr txBox="1"/>
+          <p:cNvSpPr txBox="1">
+            <a:spLocks noGrp="1"/>
+          </p:cNvSpPr>
           <p:nvPr>
             <p:ph type="title"/>
           </p:nvPr>
@@ -11185,12 +11342,12 @@
           </a:prstGeom>
         </p:spPr>
         <p:txBody>
-          <a:bodyPr anchorCtr="0" anchor="t" bIns="91425" lIns="91425" spcFirstLastPara="1" rIns="91425" wrap="square" tIns="91425">
+          <a:bodyPr spcFirstLastPara="1" wrap="square" lIns="91425" tIns="91425" rIns="91425" bIns="91425" anchor="t" anchorCtr="0">
             <a:normAutofit/>
           </a:bodyPr>
           <a:lstStyle/>
           <a:p>
-            <a:pPr indent="0" lvl="0" marL="0" rtl="0" algn="l">
+            <a:pPr marL="0" lvl="0" indent="0" algn="l" rtl="0">
               <a:spcBef>
                 <a:spcPts val="0"/>
               </a:spcBef>
@@ -11225,17 +11382,35 @@
                 <a:tableStyleId>{37428047-7E56-418E-9C37-17E7DD44C2F6}</a:tableStyleId>
               </a:tblPr>
               <a:tblGrid>
-                <a:gridCol w="2413000"/>
-                <a:gridCol w="2413000"/>
-                <a:gridCol w="2413000"/>
+                <a:gridCol w="2413000">
+                  <a:extLst>
+                    <a:ext uri="{9D8B030D-6E8A-4147-A177-3AD203B41FA5}">
+                      <a16:colId xmlns:a16="http://schemas.microsoft.com/office/drawing/2014/main" val="20000"/>
+                    </a:ext>
+                  </a:extLst>
+                </a:gridCol>
+                <a:gridCol w="2413000">
+                  <a:extLst>
+                    <a:ext uri="{9D8B030D-6E8A-4147-A177-3AD203B41FA5}">
+                      <a16:colId xmlns:a16="http://schemas.microsoft.com/office/drawing/2014/main" val="20001"/>
+                    </a:ext>
+                  </a:extLst>
+                </a:gridCol>
+                <a:gridCol w="2413000">
+                  <a:extLst>
+                    <a:ext uri="{9D8B030D-6E8A-4147-A177-3AD203B41FA5}">
+                      <a16:colId xmlns:a16="http://schemas.microsoft.com/office/drawing/2014/main" val="20002"/>
+                    </a:ext>
+                  </a:extLst>
+                </a:gridCol>
               </a:tblGrid>
-              <a:tr h="100000">
+              <a:tr h="0">
                 <a:tc>
                   <a:txBody>
                     <a:bodyPr/>
                     <a:lstStyle/>
                     <a:p>
-                      <a:pPr indent="0" lvl="0" marL="0" rtl="0" algn="l">
+                      <a:pPr marL="0" lvl="0" indent="0" algn="l" rtl="0">
                         <a:spcBef>
                           <a:spcPts val="0"/>
                         </a:spcBef>
@@ -11259,14 +11434,14 @@
                       </a:endParaRPr>
                     </a:p>
                   </a:txBody>
-                  <a:tcPr marT="91425" marB="91425" marR="91425" marL="91425"/>
+                  <a:tcPr marL="91425" marR="91425" marT="91425" marB="91425"/>
                 </a:tc>
                 <a:tc>
                   <a:txBody>
                     <a:bodyPr/>
                     <a:lstStyle/>
                     <a:p>
-                      <a:pPr indent="0" lvl="0" marL="0" rtl="0" algn="l">
+                      <a:pPr marL="0" lvl="0" indent="0" algn="l" rtl="0">
                         <a:spcBef>
                           <a:spcPts val="0"/>
                         </a:spcBef>
@@ -11290,14 +11465,14 @@
                       </a:endParaRPr>
                     </a:p>
                   </a:txBody>
-                  <a:tcPr marT="91425" marB="91425" marR="91425" marL="91425"/>
+                  <a:tcPr marL="91425" marR="91425" marT="91425" marB="91425"/>
                 </a:tc>
                 <a:tc>
                   <a:txBody>
                     <a:bodyPr/>
                     <a:lstStyle/>
                     <a:p>
-                      <a:pPr indent="0" lvl="0" marL="0" rtl="0" algn="l">
+                      <a:pPr marL="0" lvl="0" indent="0" algn="l" rtl="0">
                         <a:spcBef>
                           <a:spcPts val="0"/>
                         </a:spcBef>
@@ -11321,8 +11496,13 @@
                       </a:endParaRPr>
                     </a:p>
                   </a:txBody>
-                  <a:tcPr marT="91425" marB="91425" marR="91425" marL="91425"/>
+                  <a:tcPr marL="91425" marR="91425" marT="91425" marB="91425"/>
                 </a:tc>
+                <a:extLst>
+                  <a:ext uri="{0D108BD9-81ED-4DB2-BD59-A6C34878D82A}">
+                    <a16:rowId xmlns:a16="http://schemas.microsoft.com/office/drawing/2014/main" val="10000"/>
+                  </a:ext>
+                </a:extLst>
               </a:tr>
               <a:tr h="381000">
                 <a:tc>
@@ -11330,7 +11510,7 @@
                     <a:bodyPr/>
                     <a:lstStyle/>
                     <a:p>
-                      <a:pPr indent="0" lvl="0" marL="0" rtl="0" algn="l">
+                      <a:pPr marL="0" lvl="0" indent="0" algn="l" rtl="0">
                         <a:spcBef>
                           <a:spcPts val="0"/>
                         </a:spcBef>
@@ -11354,14 +11534,14 @@
                       </a:endParaRPr>
                     </a:p>
                   </a:txBody>
-                  <a:tcPr marT="91425" marB="91425" marR="91425" marL="91425"/>
+                  <a:tcPr marL="91425" marR="91425" marT="91425" marB="91425"/>
                 </a:tc>
                 <a:tc>
                   <a:txBody>
                     <a:bodyPr/>
                     <a:lstStyle/>
                     <a:p>
-                      <a:pPr indent="0" lvl="0" marL="0" rtl="0" algn="l">
+                      <a:pPr marL="0" lvl="0" indent="0" algn="l" rtl="0">
                         <a:spcBef>
                           <a:spcPts val="0"/>
                         </a:spcBef>
@@ -11376,15 +11556,7 @@
                             <a:schemeClr val="lt1"/>
                           </a:solidFill>
                         </a:rPr>
-                        <a:t>0</a:t>
-                      </a:r>
-                      <a:r>
-                        <a:rPr lang="en">
-                          <a:solidFill>
-                            <a:schemeClr val="lt1"/>
-                          </a:solidFill>
-                        </a:rPr>
-                        <a:t>.12</a:t>
+                        <a:t>0.12</a:t>
                       </a:r>
                       <a:endParaRPr>
                         <a:solidFill>
@@ -11393,14 +11565,14 @@
                       </a:endParaRPr>
                     </a:p>
                   </a:txBody>
-                  <a:tcPr marT="91425" marB="91425" marR="91425" marL="91425"/>
+                  <a:tcPr marL="91425" marR="91425" marT="91425" marB="91425"/>
                 </a:tc>
                 <a:tc>
                   <a:txBody>
                     <a:bodyPr/>
                     <a:lstStyle/>
                     <a:p>
-                      <a:pPr indent="0" lvl="0" marL="0" rtl="0" algn="l">
+                      <a:pPr marL="0" lvl="0" indent="0" algn="l" rtl="0">
                         <a:spcBef>
                           <a:spcPts val="0"/>
                         </a:spcBef>
@@ -11424,8 +11596,13 @@
                       </a:endParaRPr>
                     </a:p>
                   </a:txBody>
-                  <a:tcPr marT="91425" marB="91425" marR="91425" marL="91425"/>
+                  <a:tcPr marL="91425" marR="91425" marT="91425" marB="91425"/>
                 </a:tc>
+                <a:extLst>
+                  <a:ext uri="{0D108BD9-81ED-4DB2-BD59-A6C34878D82A}">
+                    <a16:rowId xmlns:a16="http://schemas.microsoft.com/office/drawing/2014/main" val="10001"/>
+                  </a:ext>
+                </a:extLst>
               </a:tr>
             </a:tbl>
           </a:graphicData>
@@ -11449,9 +11626,27 @@
                 <a:tableStyleId>{37428047-7E56-418E-9C37-17E7DD44C2F6}</a:tableStyleId>
               </a:tblPr>
               <a:tblGrid>
-                <a:gridCol w="2413000"/>
-                <a:gridCol w="2413000"/>
-                <a:gridCol w="2413000"/>
+                <a:gridCol w="2413000">
+                  <a:extLst>
+                    <a:ext uri="{9D8B030D-6E8A-4147-A177-3AD203B41FA5}">
+                      <a16:colId xmlns:a16="http://schemas.microsoft.com/office/drawing/2014/main" val="20000"/>
+                    </a:ext>
+                  </a:extLst>
+                </a:gridCol>
+                <a:gridCol w="2413000">
+                  <a:extLst>
+                    <a:ext uri="{9D8B030D-6E8A-4147-A177-3AD203B41FA5}">
+                      <a16:colId xmlns:a16="http://schemas.microsoft.com/office/drawing/2014/main" val="20001"/>
+                    </a:ext>
+                  </a:extLst>
+                </a:gridCol>
+                <a:gridCol w="2413000">
+                  <a:extLst>
+                    <a:ext uri="{9D8B030D-6E8A-4147-A177-3AD203B41FA5}">
+                      <a16:colId xmlns:a16="http://schemas.microsoft.com/office/drawing/2014/main" val="20002"/>
+                    </a:ext>
+                  </a:extLst>
+                </a:gridCol>
               </a:tblGrid>
               <a:tr h="381000">
                 <a:tc>
@@ -11459,7 +11654,7 @@
                     <a:bodyPr/>
                     <a:lstStyle/>
                     <a:p>
-                      <a:pPr indent="0" lvl="0" marL="0" rtl="0" algn="l">
+                      <a:pPr marL="0" lvl="0" indent="0" algn="l" rtl="0">
                         <a:spcBef>
                           <a:spcPts val="0"/>
                         </a:spcBef>
@@ -11483,14 +11678,14 @@
                       </a:endParaRPr>
                     </a:p>
                   </a:txBody>
-                  <a:tcPr marT="91425" marB="91425" marR="91425" marL="91425"/>
+                  <a:tcPr marL="91425" marR="91425" marT="91425" marB="91425"/>
                 </a:tc>
                 <a:tc>
                   <a:txBody>
                     <a:bodyPr/>
                     <a:lstStyle/>
                     <a:p>
-                      <a:pPr indent="0" lvl="0" marL="0" rtl="0" algn="l">
+                      <a:pPr marL="0" lvl="0" indent="0" algn="l" rtl="0">
                         <a:spcBef>
                           <a:spcPts val="0"/>
                         </a:spcBef>
@@ -11514,14 +11709,14 @@
                       </a:endParaRPr>
                     </a:p>
                   </a:txBody>
-                  <a:tcPr marT="91425" marB="91425" marR="91425" marL="91425"/>
+                  <a:tcPr marL="91425" marR="91425" marT="91425" marB="91425"/>
                 </a:tc>
                 <a:tc>
                   <a:txBody>
                     <a:bodyPr/>
                     <a:lstStyle/>
                     <a:p>
-                      <a:pPr indent="0" lvl="0" marL="0" rtl="0" algn="l">
+                      <a:pPr marL="0" lvl="0" indent="0" algn="l" rtl="0">
                         <a:spcBef>
                           <a:spcPts val="0"/>
                         </a:spcBef>
@@ -11545,8 +11740,13 @@
                       </a:endParaRPr>
                     </a:p>
                   </a:txBody>
-                  <a:tcPr marT="91425" marB="91425" marR="91425" marL="91425"/>
+                  <a:tcPr marL="91425" marR="91425" marT="91425" marB="91425"/>
                 </a:tc>
+                <a:extLst>
+                  <a:ext uri="{0D108BD9-81ED-4DB2-BD59-A6C34878D82A}">
+                    <a16:rowId xmlns:a16="http://schemas.microsoft.com/office/drawing/2014/main" val="10000"/>
+                  </a:ext>
+                </a:extLst>
               </a:tr>
               <a:tr h="381000">
                 <a:tc>
@@ -11554,7 +11754,7 @@
                     <a:bodyPr/>
                     <a:lstStyle/>
                     <a:p>
-                      <a:pPr indent="0" lvl="0" marL="0" rtl="0" algn="l">
+                      <a:pPr marL="0" lvl="0" indent="0" algn="l" rtl="0">
                         <a:spcBef>
                           <a:spcPts val="0"/>
                         </a:spcBef>
@@ -11578,14 +11778,14 @@
                       </a:endParaRPr>
                     </a:p>
                   </a:txBody>
-                  <a:tcPr marT="91425" marB="91425" marR="91425" marL="91425"/>
+                  <a:tcPr marL="91425" marR="91425" marT="91425" marB="91425"/>
                 </a:tc>
                 <a:tc>
                   <a:txBody>
                     <a:bodyPr/>
                     <a:lstStyle/>
                     <a:p>
-                      <a:pPr indent="0" lvl="0" marL="0" rtl="0" algn="l">
+                      <a:pPr marL="0" lvl="0" indent="0" algn="l" rtl="0">
                         <a:spcBef>
                           <a:spcPts val="0"/>
                         </a:spcBef>
@@ -11600,15 +11800,7 @@
                             <a:schemeClr val="lt1"/>
                           </a:solidFill>
                         </a:rPr>
-                        <a:t>0</a:t>
-                      </a:r>
-                      <a:r>
-                        <a:rPr lang="en">
-                          <a:solidFill>
-                            <a:schemeClr val="lt1"/>
-                          </a:solidFill>
-                        </a:rPr>
-                        <a:t>.05</a:t>
+                        <a:t>0.05</a:t>
                       </a:r>
                       <a:endParaRPr>
                         <a:solidFill>
@@ -11617,14 +11809,14 @@
                       </a:endParaRPr>
                     </a:p>
                   </a:txBody>
-                  <a:tcPr marT="91425" marB="91425" marR="91425" marL="91425"/>
+                  <a:tcPr marL="91425" marR="91425" marT="91425" marB="91425"/>
                 </a:tc>
                 <a:tc>
                   <a:txBody>
                     <a:bodyPr/>
                     <a:lstStyle/>
                     <a:p>
-                      <a:pPr indent="0" lvl="0" marL="0" rtl="0" algn="l">
+                      <a:pPr marL="0" lvl="0" indent="0" algn="l" rtl="0">
                         <a:spcBef>
                           <a:spcPts val="0"/>
                         </a:spcBef>
@@ -11648,8 +11840,13 @@
                       </a:endParaRPr>
                     </a:p>
                   </a:txBody>
-                  <a:tcPr marT="91425" marB="91425" marR="91425" marL="91425"/>
+                  <a:tcPr marL="91425" marR="91425" marT="91425" marB="91425"/>
                 </a:tc>
+                <a:extLst>
+                  <a:ext uri="{0D108BD9-81ED-4DB2-BD59-A6C34878D82A}">
+                    <a16:rowId xmlns:a16="http://schemas.microsoft.com/office/drawing/2014/main" val="10001"/>
+                  </a:ext>
+                </a:extLst>
               </a:tr>
             </a:tbl>
           </a:graphicData>
@@ -11673,17 +11870,35 @@
                 <a:tableStyleId>{37428047-7E56-418E-9C37-17E7DD44C2F6}</a:tableStyleId>
               </a:tblPr>
               <a:tblGrid>
-                <a:gridCol w="2413000"/>
-                <a:gridCol w="2413000"/>
-                <a:gridCol w="2413000"/>
+                <a:gridCol w="2413000">
+                  <a:extLst>
+                    <a:ext uri="{9D8B030D-6E8A-4147-A177-3AD203B41FA5}">
+                      <a16:colId xmlns:a16="http://schemas.microsoft.com/office/drawing/2014/main" val="20000"/>
+                    </a:ext>
+                  </a:extLst>
+                </a:gridCol>
+                <a:gridCol w="2413000">
+                  <a:extLst>
+                    <a:ext uri="{9D8B030D-6E8A-4147-A177-3AD203B41FA5}">
+                      <a16:colId xmlns:a16="http://schemas.microsoft.com/office/drawing/2014/main" val="20001"/>
+                    </a:ext>
+                  </a:extLst>
+                </a:gridCol>
+                <a:gridCol w="2413000">
+                  <a:extLst>
+                    <a:ext uri="{9D8B030D-6E8A-4147-A177-3AD203B41FA5}">
+                      <a16:colId xmlns:a16="http://schemas.microsoft.com/office/drawing/2014/main" val="20002"/>
+                    </a:ext>
+                  </a:extLst>
+                </a:gridCol>
               </a:tblGrid>
-              <a:tr h="100000">
+              <a:tr h="0">
                 <a:tc>
                   <a:txBody>
                     <a:bodyPr/>
                     <a:lstStyle/>
                     <a:p>
-                      <a:pPr indent="0" lvl="0" marL="0" rtl="0" algn="l">
+                      <a:pPr marL="0" lvl="0" indent="0" algn="l" rtl="0">
                         <a:spcBef>
                           <a:spcPts val="0"/>
                         </a:spcBef>
@@ -11707,14 +11922,14 @@
                       </a:endParaRPr>
                     </a:p>
                   </a:txBody>
-                  <a:tcPr marT="91425" marB="91425" marR="91425" marL="91425"/>
+                  <a:tcPr marL="91425" marR="91425" marT="91425" marB="91425"/>
                 </a:tc>
                 <a:tc>
                   <a:txBody>
                     <a:bodyPr/>
                     <a:lstStyle/>
                     <a:p>
-                      <a:pPr indent="0" lvl="0" marL="0" rtl="0" algn="l">
+                      <a:pPr marL="0" lvl="0" indent="0" algn="l" rtl="0">
                         <a:spcBef>
                           <a:spcPts val="0"/>
                         </a:spcBef>
@@ -11738,14 +11953,14 @@
                       </a:endParaRPr>
                     </a:p>
                   </a:txBody>
-                  <a:tcPr marT="91425" marB="91425" marR="91425" marL="91425"/>
+                  <a:tcPr marL="91425" marR="91425" marT="91425" marB="91425"/>
                 </a:tc>
                 <a:tc>
                   <a:txBody>
                     <a:bodyPr/>
                     <a:lstStyle/>
                     <a:p>
-                      <a:pPr indent="0" lvl="0" marL="0" rtl="0" algn="l">
+                      <a:pPr marL="0" lvl="0" indent="0" algn="l" rtl="0">
                         <a:spcBef>
                           <a:spcPts val="0"/>
                         </a:spcBef>
@@ -11769,8 +11984,13 @@
                       </a:endParaRPr>
                     </a:p>
                   </a:txBody>
-                  <a:tcPr marT="91425" marB="91425" marR="91425" marL="91425"/>
+                  <a:tcPr marL="91425" marR="91425" marT="91425" marB="91425"/>
                 </a:tc>
+                <a:extLst>
+                  <a:ext uri="{0D108BD9-81ED-4DB2-BD59-A6C34878D82A}">
+                    <a16:rowId xmlns:a16="http://schemas.microsoft.com/office/drawing/2014/main" val="10000"/>
+                  </a:ext>
+                </a:extLst>
               </a:tr>
               <a:tr h="381000">
                 <a:tc>
@@ -11778,7 +11998,7 @@
                     <a:bodyPr/>
                     <a:lstStyle/>
                     <a:p>
-                      <a:pPr indent="0" lvl="0" marL="0" rtl="0" algn="l">
+                      <a:pPr marL="0" lvl="0" indent="0" algn="l" rtl="0">
                         <a:spcBef>
                           <a:spcPts val="0"/>
                         </a:spcBef>
@@ -11802,14 +12022,14 @@
                       </a:endParaRPr>
                     </a:p>
                   </a:txBody>
-                  <a:tcPr marT="91425" marB="91425" marR="91425" marL="91425"/>
+                  <a:tcPr marL="91425" marR="91425" marT="91425" marB="91425"/>
                 </a:tc>
                 <a:tc>
                   <a:txBody>
                     <a:bodyPr/>
                     <a:lstStyle/>
                     <a:p>
-                      <a:pPr indent="0" lvl="0" marL="0" rtl="0" algn="l">
+                      <a:pPr marL="0" lvl="0" indent="0" algn="l" rtl="0">
                         <a:spcBef>
                           <a:spcPts val="0"/>
                         </a:spcBef>
@@ -11824,15 +12044,7 @@
                             <a:schemeClr val="lt1"/>
                           </a:solidFill>
                         </a:rPr>
-                        <a:t>0</a:t>
-                      </a:r>
-                      <a:r>
-                        <a:rPr lang="en">
-                          <a:solidFill>
-                            <a:schemeClr val="lt1"/>
-                          </a:solidFill>
-                        </a:rPr>
-                        <a:t>.31</a:t>
+                        <a:t>0.31</a:t>
                       </a:r>
                       <a:endParaRPr>
                         <a:solidFill>
@@ -11841,14 +12053,14 @@
                       </a:endParaRPr>
                     </a:p>
                   </a:txBody>
-                  <a:tcPr marT="91425" marB="91425" marR="91425" marL="91425"/>
+                  <a:tcPr marL="91425" marR="91425" marT="91425" marB="91425"/>
                 </a:tc>
                 <a:tc>
                   <a:txBody>
                     <a:bodyPr/>
                     <a:lstStyle/>
                     <a:p>
-                      <a:pPr indent="0" lvl="0" marL="0" rtl="0" algn="l">
+                      <a:pPr marL="0" lvl="0" indent="0" algn="l" rtl="0">
                         <a:spcBef>
                           <a:spcPts val="0"/>
                         </a:spcBef>
@@ -11872,8 +12084,13 @@
                       </a:endParaRPr>
                     </a:p>
                   </a:txBody>
-                  <a:tcPr marT="91425" marB="91425" marR="91425" marL="91425"/>
+                  <a:tcPr marL="91425" marR="91425" marT="91425" marB="91425"/>
                 </a:tc>
+                <a:extLst>
+                  <a:ext uri="{0D108BD9-81ED-4DB2-BD59-A6C34878D82A}">
+                    <a16:rowId xmlns:a16="http://schemas.microsoft.com/office/drawing/2014/main" val="10001"/>
+                  </a:ext>
+                </a:extLst>
               </a:tr>
             </a:tbl>
           </a:graphicData>
@@ -11888,11 +12105,11 @@
 </file>
 
 <file path=ppt/slides/slide11.xml><?xml version="1.0" encoding="utf-8"?>
-<p:sld xmlns:a="http://schemas.openxmlformats.org/drawingml/2006/main" xmlns:r="http://schemas.openxmlformats.org/officeDocument/2006/relationships" xmlns:mc="http://schemas.openxmlformats.org/markup-compatibility/2006" xmlns:mv="urn:schemas-microsoft-com:mac:vml" xmlns:p="http://schemas.openxmlformats.org/presentationml/2006/main" xmlns:c="http://schemas.openxmlformats.org/drawingml/2006/chart" xmlns:dgm="http://schemas.openxmlformats.org/drawingml/2006/diagram" xmlns:o="urn:schemas-microsoft-com:office:office" xmlns:v="urn:schemas-microsoft-com:vml" xmlns:pvml="urn:schemas-microsoft-com:office:powerpoint" xmlns:com="http://schemas.openxmlformats.org/drawingml/2006/compatibility" xmlns:p14="http://schemas.microsoft.com/office/powerpoint/2010/main" xmlns:p15="http://schemas.microsoft.com/office/powerpoint/2012/main" xmlns:ahyp="http://schemas.microsoft.com/office/drawing/2018/hyperlinkcolor">
+<p:sld xmlns:a="http://schemas.openxmlformats.org/drawingml/2006/main" xmlns:r="http://schemas.openxmlformats.org/officeDocument/2006/relationships" xmlns:p="http://schemas.openxmlformats.org/presentationml/2006/main">
   <p:cSld>
     <p:spTree>
       <p:nvGrpSpPr>
-        <p:cNvPr id="175" name="Shape 175"/>
+        <p:cNvPr id="1" name="Shape 175"/>
         <p:cNvGrpSpPr/>
         <p:nvPr/>
       </p:nvGrpSpPr>
@@ -11935,7 +12152,9 @@
       <p:sp>
         <p:nvSpPr>
           <p:cNvPr id="177" name="Google Shape;177;p27"/>
-          <p:cNvSpPr txBox="1"/>
+          <p:cNvSpPr txBox="1">
+            <a:spLocks noGrp="1"/>
+          </p:cNvSpPr>
           <p:nvPr>
             <p:ph type="title"/>
           </p:nvPr>
@@ -11950,12 +12169,12 @@
           </a:prstGeom>
         </p:spPr>
         <p:txBody>
-          <a:bodyPr anchorCtr="0" anchor="t" bIns="91425" lIns="91425" spcFirstLastPara="1" rIns="91425" wrap="square" tIns="91425">
+          <a:bodyPr spcFirstLastPara="1" wrap="square" lIns="91425" tIns="91425" rIns="91425" bIns="91425" anchor="t" anchorCtr="0">
             <a:normAutofit fontScale="90000"/>
           </a:bodyPr>
           <a:lstStyle/>
           <a:p>
-            <a:pPr indent="0" lvl="0" marL="0" rtl="0" algn="l">
+            <a:pPr marL="0" lvl="0" indent="0" algn="l" rtl="0">
               <a:spcBef>
                 <a:spcPts val="0"/>
               </a:spcBef>
@@ -11966,11 +12185,7 @@
             </a:pPr>
             <a:r>
               <a:rPr lang="en"/>
-              <a:t>UNDERNOURISHED</a:t>
-            </a:r>
-            <a:r>
-              <a:rPr lang="en"/>
-              <a:t> vs. COVID-19</a:t>
+              <a:t>UNDERNOURISHED vs. COVID-19</a:t>
             </a:r>
             <a:endParaRPr/>
           </a:p>
@@ -11985,11 +12200,11 @@
 </file>
 
 <file path=ppt/slides/slide12.xml><?xml version="1.0" encoding="utf-8"?>
-<p:sld xmlns:a="http://schemas.openxmlformats.org/drawingml/2006/main" xmlns:r="http://schemas.openxmlformats.org/officeDocument/2006/relationships" xmlns:mc="http://schemas.openxmlformats.org/markup-compatibility/2006" xmlns:mv="urn:schemas-microsoft-com:mac:vml" xmlns:p="http://schemas.openxmlformats.org/presentationml/2006/main" xmlns:c="http://schemas.openxmlformats.org/drawingml/2006/chart" xmlns:dgm="http://schemas.openxmlformats.org/drawingml/2006/diagram" xmlns:o="urn:schemas-microsoft-com:office:office" xmlns:v="urn:schemas-microsoft-com:vml" xmlns:pvml="urn:schemas-microsoft-com:office:powerpoint" xmlns:com="http://schemas.openxmlformats.org/drawingml/2006/compatibility" xmlns:p14="http://schemas.microsoft.com/office/powerpoint/2010/main" xmlns:p15="http://schemas.microsoft.com/office/powerpoint/2012/main" xmlns:ahyp="http://schemas.microsoft.com/office/drawing/2018/hyperlinkcolor">
+<p:sld xmlns:a="http://schemas.openxmlformats.org/drawingml/2006/main" xmlns:r="http://schemas.openxmlformats.org/officeDocument/2006/relationships" xmlns:p="http://schemas.openxmlformats.org/presentationml/2006/main">
   <p:cSld>
     <p:spTree>
       <p:nvGrpSpPr>
-        <p:cNvPr id="181" name="Shape 181"/>
+        <p:cNvPr id="1" name="Shape 181"/>
         <p:cNvGrpSpPr/>
         <p:nvPr/>
       </p:nvGrpSpPr>
@@ -12004,7 +12219,9 @@
       <p:sp>
         <p:nvSpPr>
           <p:cNvPr id="182" name="Google Shape;182;p28"/>
-          <p:cNvSpPr txBox="1"/>
+          <p:cNvSpPr txBox="1">
+            <a:spLocks noGrp="1"/>
+          </p:cNvSpPr>
           <p:nvPr>
             <p:ph type="title"/>
           </p:nvPr>
@@ -12019,12 +12236,12 @@
           </a:prstGeom>
         </p:spPr>
         <p:txBody>
-          <a:bodyPr anchorCtr="0" anchor="ctr" bIns="91425" lIns="91425" spcFirstLastPara="1" rIns="91425" wrap="square" tIns="91425">
+          <a:bodyPr spcFirstLastPara="1" wrap="square" lIns="91425" tIns="91425" rIns="91425" bIns="91425" anchor="ctr" anchorCtr="0">
             <a:normAutofit/>
           </a:bodyPr>
           <a:lstStyle/>
           <a:p>
-            <a:pPr indent="0" lvl="0" marL="0" rtl="0" algn="l">
+            <a:pPr marL="0" lvl="0" indent="0" algn="l" rtl="0">
               <a:spcBef>
                 <a:spcPts val="0"/>
               </a:spcBef>
@@ -12040,7 +12257,7 @@
             <a:endParaRPr sz="2400"/>
           </a:p>
           <a:p>
-            <a:pPr indent="0" lvl="0" marL="0" rtl="0" algn="l">
+            <a:pPr marL="0" lvl="0" indent="0" algn="l" rtl="0">
               <a:spcBef>
                 <a:spcPts val="0"/>
               </a:spcBef>
@@ -12049,13 +12266,10 @@
               </a:spcAft>
               <a:buNone/>
             </a:pPr>
-            <a:r>
-              <a:t/>
-            </a:r>
             <a:endParaRPr sz="2400"/>
           </a:p>
           <a:p>
-            <a:pPr indent="0" lvl="0" marL="0" rtl="0" algn="l">
+            <a:pPr marL="0" lvl="0" indent="0" algn="l" rtl="0">
               <a:spcBef>
                 <a:spcPts val="0"/>
               </a:spcBef>
@@ -12081,11 +12295,11 @@
 </file>
 
 <file path=ppt/slides/slide13.xml><?xml version="1.0" encoding="utf-8"?>
-<p:sld xmlns:a="http://schemas.openxmlformats.org/drawingml/2006/main" xmlns:r="http://schemas.openxmlformats.org/officeDocument/2006/relationships" xmlns:mc="http://schemas.openxmlformats.org/markup-compatibility/2006" xmlns:mv="urn:schemas-microsoft-com:mac:vml" xmlns:p="http://schemas.openxmlformats.org/presentationml/2006/main" xmlns:c="http://schemas.openxmlformats.org/drawingml/2006/chart" xmlns:dgm="http://schemas.openxmlformats.org/drawingml/2006/diagram" xmlns:o="urn:schemas-microsoft-com:office:office" xmlns:v="urn:schemas-microsoft-com:vml" xmlns:pvml="urn:schemas-microsoft-com:office:powerpoint" xmlns:com="http://schemas.openxmlformats.org/drawingml/2006/compatibility" xmlns:p14="http://schemas.microsoft.com/office/powerpoint/2010/main" xmlns:p15="http://schemas.microsoft.com/office/powerpoint/2012/main" xmlns:ahyp="http://schemas.microsoft.com/office/drawing/2018/hyperlinkcolor">
+<p:sld xmlns:a="http://schemas.openxmlformats.org/drawingml/2006/main" xmlns:r="http://schemas.openxmlformats.org/officeDocument/2006/relationships" xmlns:p="http://schemas.openxmlformats.org/presentationml/2006/main">
   <p:cSld>
     <p:spTree>
       <p:nvGrpSpPr>
-        <p:cNvPr id="186" name="Shape 186"/>
+        <p:cNvPr id="1" name="Shape 186"/>
         <p:cNvGrpSpPr/>
         <p:nvPr/>
       </p:nvGrpSpPr>
@@ -12100,7 +12314,9 @@
       <p:sp>
         <p:nvSpPr>
           <p:cNvPr id="187" name="Google Shape;187;p29"/>
-          <p:cNvSpPr txBox="1"/>
+          <p:cNvSpPr txBox="1">
+            <a:spLocks noGrp="1"/>
+          </p:cNvSpPr>
           <p:nvPr>
             <p:ph type="title"/>
           </p:nvPr>
@@ -12115,12 +12331,12 @@
           </a:prstGeom>
         </p:spPr>
         <p:txBody>
-          <a:bodyPr anchorCtr="0" anchor="t" bIns="91425" lIns="91425" spcFirstLastPara="1" rIns="91425" wrap="square" tIns="91425">
+          <a:bodyPr spcFirstLastPara="1" wrap="square" lIns="91425" tIns="91425" rIns="91425" bIns="91425" anchor="t" anchorCtr="0">
             <a:normAutofit fontScale="90000"/>
           </a:bodyPr>
           <a:lstStyle/>
           <a:p>
-            <a:pPr indent="0" lvl="0" marL="0" rtl="0" algn="l">
+            <a:pPr marL="0" lvl="0" indent="0" algn="l" rtl="0">
               <a:spcBef>
                 <a:spcPts val="0"/>
               </a:spcBef>
@@ -12140,9 +12356,11 @@
       <p:sp>
         <p:nvSpPr>
           <p:cNvPr id="188" name="Google Shape;188;p29"/>
-          <p:cNvSpPr txBox="1"/>
+          <p:cNvSpPr txBox="1">
+            <a:spLocks noGrp="1"/>
+          </p:cNvSpPr>
           <p:nvPr>
-            <p:ph idx="1" type="body"/>
+            <p:ph type="body" idx="1"/>
           </p:nvPr>
         </p:nvSpPr>
         <p:spPr>
@@ -12155,12 +12373,12 @@
           </a:prstGeom>
         </p:spPr>
         <p:txBody>
-          <a:bodyPr anchorCtr="0" anchor="t" bIns="91425" lIns="91425" spcFirstLastPara="1" rIns="91425" wrap="square" tIns="91425">
+          <a:bodyPr spcFirstLastPara="1" wrap="square" lIns="91425" tIns="91425" rIns="91425" bIns="91425" anchor="t" anchorCtr="0">
             <a:normAutofit/>
           </a:bodyPr>
           <a:lstStyle/>
           <a:p>
-            <a:pPr indent="-323850" lvl="0" marL="457200" rtl="0" algn="l">
+            <a:pPr marL="457200" lvl="0" indent="-323850" algn="l" rtl="0">
               <a:spcBef>
                 <a:spcPts val="0"/>
               </a:spcBef>
@@ -12177,7 +12395,7 @@
             <a:endParaRPr sz="1500"/>
           </a:p>
           <a:p>
-            <a:pPr indent="-323850" lvl="0" marL="457200" rtl="0" algn="l">
+            <a:pPr marL="457200" lvl="0" indent="-323850" algn="l" rtl="0">
               <a:spcBef>
                 <a:spcPts val="0"/>
               </a:spcBef>
@@ -12194,7 +12412,7 @@
             <a:endParaRPr sz="1500"/>
           </a:p>
           <a:p>
-            <a:pPr indent="-323850" lvl="0" marL="457200" rtl="0" algn="l">
+            <a:pPr marL="457200" lvl="0" indent="-323850" algn="l" rtl="0">
               <a:spcBef>
                 <a:spcPts val="0"/>
               </a:spcBef>
@@ -12211,7 +12429,7 @@
             <a:endParaRPr sz="1500"/>
           </a:p>
           <a:p>
-            <a:pPr indent="-323850" lvl="0" marL="457200" rtl="0" algn="l">
+            <a:pPr marL="457200" lvl="0" indent="-323850" algn="l" rtl="0">
               <a:spcBef>
                 <a:spcPts val="0"/>
               </a:spcBef>
@@ -12238,11 +12456,11 @@
 </file>
 
 <file path=ppt/slides/slide14.xml><?xml version="1.0" encoding="utf-8"?>
-<p:sld xmlns:a="http://schemas.openxmlformats.org/drawingml/2006/main" xmlns:r="http://schemas.openxmlformats.org/officeDocument/2006/relationships" xmlns:mc="http://schemas.openxmlformats.org/markup-compatibility/2006" xmlns:mv="urn:schemas-microsoft-com:mac:vml" xmlns:p="http://schemas.openxmlformats.org/presentationml/2006/main" xmlns:c="http://schemas.openxmlformats.org/drawingml/2006/chart" xmlns:dgm="http://schemas.openxmlformats.org/drawingml/2006/diagram" xmlns:o="urn:schemas-microsoft-com:office:office" xmlns:v="urn:schemas-microsoft-com:vml" xmlns:pvml="urn:schemas-microsoft-com:office:powerpoint" xmlns:com="http://schemas.openxmlformats.org/drawingml/2006/compatibility" xmlns:p14="http://schemas.microsoft.com/office/powerpoint/2010/main" xmlns:p15="http://schemas.microsoft.com/office/powerpoint/2012/main" xmlns:ahyp="http://schemas.microsoft.com/office/drawing/2018/hyperlinkcolor">
+<p:sld xmlns:a="http://schemas.openxmlformats.org/drawingml/2006/main" xmlns:r="http://schemas.openxmlformats.org/officeDocument/2006/relationships" xmlns:p="http://schemas.openxmlformats.org/presentationml/2006/main">
   <p:cSld>
     <p:spTree>
       <p:nvGrpSpPr>
-        <p:cNvPr id="192" name="Shape 192"/>
+        <p:cNvPr id="1" name="Shape 192"/>
         <p:cNvGrpSpPr/>
         <p:nvPr/>
       </p:nvGrpSpPr>
@@ -12285,9 +12503,11 @@
       <p:sp>
         <p:nvSpPr>
           <p:cNvPr id="194" name="Google Shape;194;p30"/>
-          <p:cNvSpPr txBox="1"/>
+          <p:cNvSpPr txBox="1">
+            <a:spLocks noGrp="1"/>
+          </p:cNvSpPr>
           <p:nvPr>
-            <p:ph idx="4294967295" type="title"/>
+            <p:ph type="title" idx="4294967295"/>
           </p:nvPr>
         </p:nvSpPr>
         <p:spPr>
@@ -12300,12 +12520,12 @@
           </a:prstGeom>
         </p:spPr>
         <p:txBody>
-          <a:bodyPr anchorCtr="0" anchor="t" bIns="91425" lIns="91425" spcFirstLastPara="1" rIns="91425" wrap="square" tIns="91425">
+          <a:bodyPr spcFirstLastPara="1" wrap="square" lIns="91425" tIns="91425" rIns="91425" bIns="91425" anchor="t" anchorCtr="0">
             <a:normAutofit fontScale="90000"/>
           </a:bodyPr>
           <a:lstStyle/>
           <a:p>
-            <a:pPr indent="0" lvl="0" marL="0" rtl="0" algn="l">
+            <a:pPr marL="0" lvl="0" indent="0" algn="l" rtl="0">
               <a:spcBef>
                 <a:spcPts val="0"/>
               </a:spcBef>
@@ -12331,11 +12551,11 @@
 </file>
 
 <file path=ppt/slides/slide15.xml><?xml version="1.0" encoding="utf-8"?>
-<p:sld xmlns:a="http://schemas.openxmlformats.org/drawingml/2006/main" xmlns:r="http://schemas.openxmlformats.org/officeDocument/2006/relationships" xmlns:mc="http://schemas.openxmlformats.org/markup-compatibility/2006" xmlns:mv="urn:schemas-microsoft-com:mac:vml" xmlns:p="http://schemas.openxmlformats.org/presentationml/2006/main" xmlns:c="http://schemas.openxmlformats.org/drawingml/2006/chart" xmlns:dgm="http://schemas.openxmlformats.org/drawingml/2006/diagram" xmlns:o="urn:schemas-microsoft-com:office:office" xmlns:v="urn:schemas-microsoft-com:vml" xmlns:pvml="urn:schemas-microsoft-com:office:powerpoint" xmlns:com="http://schemas.openxmlformats.org/drawingml/2006/compatibility" xmlns:p14="http://schemas.microsoft.com/office/powerpoint/2010/main" xmlns:p15="http://schemas.microsoft.com/office/powerpoint/2012/main" xmlns:ahyp="http://schemas.microsoft.com/office/drawing/2018/hyperlinkcolor">
+<p:sld xmlns:a="http://schemas.openxmlformats.org/drawingml/2006/main" xmlns:r="http://schemas.openxmlformats.org/officeDocument/2006/relationships" xmlns:p="http://schemas.openxmlformats.org/presentationml/2006/main">
   <p:cSld>
     <p:spTree>
       <p:nvGrpSpPr>
-        <p:cNvPr id="198" name="Shape 198"/>
+        <p:cNvPr id="1" name="Shape 198"/>
         <p:cNvGrpSpPr/>
         <p:nvPr/>
       </p:nvGrpSpPr>
@@ -12350,7 +12570,9 @@
       <p:sp>
         <p:nvSpPr>
           <p:cNvPr id="199" name="Google Shape;199;p31"/>
-          <p:cNvSpPr txBox="1"/>
+          <p:cNvSpPr txBox="1">
+            <a:spLocks noGrp="1"/>
+          </p:cNvSpPr>
           <p:nvPr>
             <p:ph type="title"/>
           </p:nvPr>
@@ -12365,12 +12587,12 @@
           </a:prstGeom>
         </p:spPr>
         <p:txBody>
-          <a:bodyPr anchorCtr="0" anchor="t" bIns="91425" lIns="91425" spcFirstLastPara="1" rIns="91425" wrap="square" tIns="91425">
+          <a:bodyPr spcFirstLastPara="1" wrap="square" lIns="91425" tIns="91425" rIns="91425" bIns="91425" anchor="t" anchorCtr="0">
             <a:normAutofit fontScale="90000"/>
           </a:bodyPr>
           <a:lstStyle/>
           <a:p>
-            <a:pPr indent="0" lvl="0" marL="0" rtl="0" algn="l">
+            <a:pPr marL="0" lvl="0" indent="0" algn="l" rtl="0">
               <a:spcBef>
                 <a:spcPts val="0"/>
               </a:spcBef>
@@ -12390,9 +12612,11 @@
       <p:sp>
         <p:nvSpPr>
           <p:cNvPr id="200" name="Google Shape;200;p31"/>
-          <p:cNvSpPr txBox="1"/>
+          <p:cNvSpPr txBox="1">
+            <a:spLocks noGrp="1"/>
+          </p:cNvSpPr>
           <p:nvPr>
-            <p:ph idx="1" type="body"/>
+            <p:ph type="body" idx="1"/>
           </p:nvPr>
         </p:nvSpPr>
         <p:spPr>
@@ -12405,12 +12629,12 @@
           </a:prstGeom>
         </p:spPr>
         <p:txBody>
-          <a:bodyPr anchorCtr="0" anchor="t" bIns="91425" lIns="91425" spcFirstLastPara="1" rIns="91425" wrap="square" tIns="91425">
+          <a:bodyPr spcFirstLastPara="1" wrap="square" lIns="91425" tIns="91425" rIns="91425" bIns="91425" anchor="t" anchorCtr="0">
             <a:normAutofit/>
           </a:bodyPr>
           <a:lstStyle/>
           <a:p>
-            <a:pPr indent="-323850" lvl="0" marL="457200" rtl="0" algn="l">
+            <a:pPr marL="457200" lvl="0" indent="-323850" algn="l" rtl="0">
               <a:spcBef>
                 <a:spcPts val="0"/>
               </a:spcBef>
@@ -12427,7 +12651,7 @@
             <a:endParaRPr sz="1500"/>
           </a:p>
           <a:p>
-            <a:pPr indent="-323850" lvl="0" marL="457200" rtl="0" algn="l">
+            <a:pPr marL="457200" lvl="0" indent="-323850" algn="l" rtl="0">
               <a:spcBef>
                 <a:spcPts val="0"/>
               </a:spcBef>
@@ -12444,7 +12668,7 @@
             <a:endParaRPr sz="1500"/>
           </a:p>
           <a:p>
-            <a:pPr indent="-323850" lvl="0" marL="457200" rtl="0" algn="l">
+            <a:pPr marL="457200" lvl="0" indent="-323850" algn="l" rtl="0">
               <a:spcBef>
                 <a:spcPts val="0"/>
               </a:spcBef>
@@ -12461,7 +12685,7 @@
             <a:endParaRPr sz="1500"/>
           </a:p>
           <a:p>
-            <a:pPr indent="-323850" lvl="0" marL="457200" rtl="0" algn="l">
+            <a:pPr marL="457200" lvl="0" indent="-323850" algn="l" rtl="0">
               <a:spcBef>
                 <a:spcPts val="0"/>
               </a:spcBef>
@@ -12488,11 +12712,11 @@
 </file>
 
 <file path=ppt/slides/slide16.xml><?xml version="1.0" encoding="utf-8"?>
-<p:sld xmlns:a="http://schemas.openxmlformats.org/drawingml/2006/main" xmlns:r="http://schemas.openxmlformats.org/officeDocument/2006/relationships" xmlns:mc="http://schemas.openxmlformats.org/markup-compatibility/2006" xmlns:mv="urn:schemas-microsoft-com:mac:vml" xmlns:p="http://schemas.openxmlformats.org/presentationml/2006/main" xmlns:c="http://schemas.openxmlformats.org/drawingml/2006/chart" xmlns:dgm="http://schemas.openxmlformats.org/drawingml/2006/diagram" xmlns:o="urn:schemas-microsoft-com:office:office" xmlns:v="urn:schemas-microsoft-com:vml" xmlns:pvml="urn:schemas-microsoft-com:office:powerpoint" xmlns:com="http://schemas.openxmlformats.org/drawingml/2006/compatibility" xmlns:p14="http://schemas.microsoft.com/office/powerpoint/2010/main" xmlns:p15="http://schemas.microsoft.com/office/powerpoint/2012/main" xmlns:ahyp="http://schemas.microsoft.com/office/drawing/2018/hyperlinkcolor">
+<p:sld xmlns:a="http://schemas.openxmlformats.org/drawingml/2006/main" xmlns:r="http://schemas.openxmlformats.org/officeDocument/2006/relationships" xmlns:p="http://schemas.openxmlformats.org/presentationml/2006/main">
   <p:cSld>
     <p:spTree>
       <p:nvGrpSpPr>
-        <p:cNvPr id="204" name="Shape 204"/>
+        <p:cNvPr id="1" name="Shape 204"/>
         <p:cNvGrpSpPr/>
         <p:nvPr/>
       </p:nvGrpSpPr>
@@ -12507,7 +12731,9 @@
       <p:sp>
         <p:nvSpPr>
           <p:cNvPr id="205" name="Google Shape;205;p32"/>
-          <p:cNvSpPr txBox="1"/>
+          <p:cNvSpPr txBox="1">
+            <a:spLocks noGrp="1"/>
+          </p:cNvSpPr>
           <p:nvPr>
             <p:ph type="title"/>
           </p:nvPr>
@@ -12522,12 +12748,12 @@
           </a:prstGeom>
         </p:spPr>
         <p:txBody>
-          <a:bodyPr anchorCtr="0" anchor="t" bIns="91425" lIns="91425" spcFirstLastPara="1" rIns="91425" wrap="square" tIns="91425">
+          <a:bodyPr spcFirstLastPara="1" wrap="square" lIns="91425" tIns="91425" rIns="91425" bIns="91425" anchor="t" anchorCtr="0">
             <a:normAutofit fontScale="90000"/>
           </a:bodyPr>
           <a:lstStyle/>
           <a:p>
-            <a:pPr indent="0" lvl="0" marL="0" rtl="0" algn="l">
+            <a:pPr marL="0" lvl="0" indent="0" algn="l" rtl="0">
               <a:spcBef>
                 <a:spcPts val="0"/>
               </a:spcBef>
@@ -12543,7 +12769,7 @@
             <a:endParaRPr/>
           </a:p>
           <a:p>
-            <a:pPr indent="0" lvl="0" marL="0" rtl="0" algn="l">
+            <a:pPr marL="0" lvl="0" indent="0" algn="l" rtl="0">
               <a:spcBef>
                 <a:spcPts val="0"/>
               </a:spcBef>
@@ -12552,9 +12778,6 @@
               </a:spcAft>
               <a:buNone/>
             </a:pPr>
-            <a:r>
-              <a:t/>
-            </a:r>
             <a:endParaRPr/>
           </a:p>
         </p:txBody>
@@ -12596,11 +12819,11 @@
 </file>
 
 <file path=ppt/slides/slide17.xml><?xml version="1.0" encoding="utf-8"?>
-<p:sld xmlns:a="http://schemas.openxmlformats.org/drawingml/2006/main" xmlns:r="http://schemas.openxmlformats.org/officeDocument/2006/relationships" xmlns:mc="http://schemas.openxmlformats.org/markup-compatibility/2006" xmlns:mv="urn:schemas-microsoft-com:mac:vml" xmlns:p="http://schemas.openxmlformats.org/presentationml/2006/main" xmlns:c="http://schemas.openxmlformats.org/drawingml/2006/chart" xmlns:dgm="http://schemas.openxmlformats.org/drawingml/2006/diagram" xmlns:o="urn:schemas-microsoft-com:office:office" xmlns:v="urn:schemas-microsoft-com:vml" xmlns:pvml="urn:schemas-microsoft-com:office:powerpoint" xmlns:com="http://schemas.openxmlformats.org/drawingml/2006/compatibility" xmlns:p14="http://schemas.microsoft.com/office/powerpoint/2010/main" xmlns:p15="http://schemas.microsoft.com/office/powerpoint/2012/main" xmlns:ahyp="http://schemas.microsoft.com/office/drawing/2018/hyperlinkcolor">
+<p:sld xmlns:a="http://schemas.openxmlformats.org/drawingml/2006/main" xmlns:r="http://schemas.openxmlformats.org/officeDocument/2006/relationships" xmlns:p="http://schemas.openxmlformats.org/presentationml/2006/main">
   <p:cSld>
     <p:spTree>
       <p:nvGrpSpPr>
-        <p:cNvPr id="210" name="Shape 210"/>
+        <p:cNvPr id="1" name="Shape 210"/>
         <p:cNvGrpSpPr/>
         <p:nvPr/>
       </p:nvGrpSpPr>
@@ -12615,9 +12838,11 @@
       <p:sp>
         <p:nvSpPr>
           <p:cNvPr id="211" name="Google Shape;211;p33"/>
-          <p:cNvSpPr txBox="1"/>
+          <p:cNvSpPr txBox="1">
+            <a:spLocks noGrp="1"/>
+          </p:cNvSpPr>
           <p:nvPr>
-            <p:ph idx="4294967295" type="title"/>
+            <p:ph type="title" idx="4294967295"/>
           </p:nvPr>
         </p:nvSpPr>
         <p:spPr>
@@ -12630,12 +12855,12 @@
           </a:prstGeom>
         </p:spPr>
         <p:txBody>
-          <a:bodyPr anchorCtr="0" anchor="t" bIns="91425" lIns="91425" spcFirstLastPara="1" rIns="91425" wrap="square" tIns="91425">
+          <a:bodyPr spcFirstLastPara="1" wrap="square" lIns="91425" tIns="91425" rIns="91425" bIns="91425" anchor="t" anchorCtr="0">
             <a:normAutofit fontScale="90000"/>
           </a:bodyPr>
           <a:lstStyle/>
           <a:p>
-            <a:pPr indent="0" lvl="0" marL="0" rtl="0" algn="l">
+            <a:pPr marL="0" lvl="0" indent="0" algn="l" rtl="0">
               <a:spcBef>
                 <a:spcPts val="0"/>
               </a:spcBef>
@@ -12689,11 +12914,11 @@
 </file>
 
 <file path=ppt/slides/slide18.xml><?xml version="1.0" encoding="utf-8"?>
-<p:sld xmlns:a="http://schemas.openxmlformats.org/drawingml/2006/main" xmlns:r="http://schemas.openxmlformats.org/officeDocument/2006/relationships" xmlns:mc="http://schemas.openxmlformats.org/markup-compatibility/2006" xmlns:mv="urn:schemas-microsoft-com:mac:vml" xmlns:p="http://schemas.openxmlformats.org/presentationml/2006/main" xmlns:c="http://schemas.openxmlformats.org/drawingml/2006/chart" xmlns:dgm="http://schemas.openxmlformats.org/drawingml/2006/diagram" xmlns:o="urn:schemas-microsoft-com:office:office" xmlns:v="urn:schemas-microsoft-com:vml" xmlns:pvml="urn:schemas-microsoft-com:office:powerpoint" xmlns:com="http://schemas.openxmlformats.org/drawingml/2006/compatibility" xmlns:p14="http://schemas.microsoft.com/office/powerpoint/2010/main" xmlns:p15="http://schemas.microsoft.com/office/powerpoint/2012/main" xmlns:ahyp="http://schemas.microsoft.com/office/drawing/2018/hyperlinkcolor">
+<p:sld xmlns:a="http://schemas.openxmlformats.org/drawingml/2006/main" xmlns:r="http://schemas.openxmlformats.org/officeDocument/2006/relationships" xmlns:p="http://schemas.openxmlformats.org/presentationml/2006/main">
   <p:cSld>
     <p:spTree>
       <p:nvGrpSpPr>
-        <p:cNvPr id="216" name="Shape 216"/>
+        <p:cNvPr id="1" name="Shape 216"/>
         <p:cNvGrpSpPr/>
         <p:nvPr/>
       </p:nvGrpSpPr>
@@ -12708,7 +12933,9 @@
       <p:sp>
         <p:nvSpPr>
           <p:cNvPr id="217" name="Google Shape;217;p34"/>
-          <p:cNvSpPr txBox="1"/>
+          <p:cNvSpPr txBox="1">
+            <a:spLocks noGrp="1"/>
+          </p:cNvSpPr>
           <p:nvPr>
             <p:ph type="title"/>
           </p:nvPr>
@@ -12723,12 +12950,12 @@
           </a:prstGeom>
         </p:spPr>
         <p:txBody>
-          <a:bodyPr anchorCtr="0" anchor="t" bIns="91425" lIns="91425" spcFirstLastPara="1" rIns="91425" wrap="square" tIns="91425">
+          <a:bodyPr spcFirstLastPara="1" wrap="square" lIns="91425" tIns="91425" rIns="91425" bIns="91425" anchor="t" anchorCtr="0">
             <a:normAutofit fontScale="90000"/>
           </a:bodyPr>
           <a:lstStyle/>
           <a:p>
-            <a:pPr indent="0" lvl="0" marL="0" rtl="0" algn="l">
+            <a:pPr marL="0" lvl="0" indent="0" algn="l" rtl="0">
               <a:spcBef>
                 <a:spcPts val="0"/>
               </a:spcBef>
@@ -12748,9 +12975,11 @@
       <p:sp>
         <p:nvSpPr>
           <p:cNvPr id="218" name="Google Shape;218;p34"/>
-          <p:cNvSpPr txBox="1"/>
+          <p:cNvSpPr txBox="1">
+            <a:spLocks noGrp="1"/>
+          </p:cNvSpPr>
           <p:nvPr>
-            <p:ph idx="1" type="body"/>
+            <p:ph type="body" idx="1"/>
           </p:nvPr>
         </p:nvSpPr>
         <p:spPr>
@@ -12763,12 +12992,12 @@
           </a:prstGeom>
         </p:spPr>
         <p:txBody>
-          <a:bodyPr anchorCtr="0" anchor="t" bIns="91425" lIns="91425" spcFirstLastPara="1" rIns="91425" wrap="square" tIns="91425">
+          <a:bodyPr spcFirstLastPara="1" wrap="square" lIns="91425" tIns="91425" rIns="91425" bIns="91425" anchor="t" anchorCtr="0">
             <a:normAutofit fontScale="92500" lnSpcReduction="10000"/>
           </a:bodyPr>
           <a:lstStyle/>
           <a:p>
-            <a:pPr indent="-316706" lvl="0" marL="457200" rtl="0" algn="l">
+            <a:pPr marL="457200" lvl="0" indent="-316706" algn="l" rtl="0">
               <a:spcBef>
                 <a:spcPts val="0"/>
               </a:spcBef>
@@ -12785,7 +13014,7 @@
             <a:endParaRPr sz="1500"/>
           </a:p>
           <a:p>
-            <a:pPr indent="-316706" lvl="0" marL="457200" rtl="0" algn="l">
+            <a:pPr marL="457200" lvl="0" indent="-316706" algn="l" rtl="0">
               <a:spcBef>
                 <a:spcPts val="0"/>
               </a:spcBef>
@@ -12802,7 +13031,7 @@
             <a:endParaRPr sz="1500"/>
           </a:p>
           <a:p>
-            <a:pPr indent="-316706" lvl="0" marL="457200" rtl="0" algn="l">
+            <a:pPr marL="457200" lvl="0" indent="-316706" algn="l" rtl="0">
               <a:spcBef>
                 <a:spcPts val="0"/>
               </a:spcBef>
@@ -12819,7 +13048,7 @@
             <a:endParaRPr sz="1500"/>
           </a:p>
           <a:p>
-            <a:pPr indent="-316706" lvl="0" marL="457200" rtl="0" algn="l">
+            <a:pPr marL="457200" lvl="0" indent="-316706" algn="l" rtl="0">
               <a:spcBef>
                 <a:spcPts val="0"/>
               </a:spcBef>
@@ -12836,7 +13065,7 @@
             <a:endParaRPr sz="1500"/>
           </a:p>
           <a:p>
-            <a:pPr indent="-316706" lvl="0" marL="457200" rtl="0" algn="l">
+            <a:pPr marL="457200" lvl="0" indent="-316706" algn="l" rtl="0">
               <a:spcBef>
                 <a:spcPts val="0"/>
               </a:spcBef>
@@ -12863,11 +13092,11 @@
 </file>
 
 <file path=ppt/slides/slide19.xml><?xml version="1.0" encoding="utf-8"?>
-<p:sld xmlns:a="http://schemas.openxmlformats.org/drawingml/2006/main" xmlns:r="http://schemas.openxmlformats.org/officeDocument/2006/relationships" xmlns:mc="http://schemas.openxmlformats.org/markup-compatibility/2006" xmlns:mv="urn:schemas-microsoft-com:mac:vml" xmlns:p="http://schemas.openxmlformats.org/presentationml/2006/main" xmlns:c="http://schemas.openxmlformats.org/drawingml/2006/chart" xmlns:dgm="http://schemas.openxmlformats.org/drawingml/2006/diagram" xmlns:o="urn:schemas-microsoft-com:office:office" xmlns:v="urn:schemas-microsoft-com:vml" xmlns:pvml="urn:schemas-microsoft-com:office:powerpoint" xmlns:com="http://schemas.openxmlformats.org/drawingml/2006/compatibility" xmlns:p14="http://schemas.microsoft.com/office/powerpoint/2010/main" xmlns:p15="http://schemas.microsoft.com/office/powerpoint/2012/main" xmlns:ahyp="http://schemas.microsoft.com/office/drawing/2018/hyperlinkcolor">
+<p:sld xmlns:a="http://schemas.openxmlformats.org/drawingml/2006/main" xmlns:r="http://schemas.openxmlformats.org/officeDocument/2006/relationships" xmlns:p="http://schemas.openxmlformats.org/presentationml/2006/main">
   <p:cSld>
     <p:spTree>
       <p:nvGrpSpPr>
-        <p:cNvPr id="222" name="Shape 222"/>
+        <p:cNvPr id="1" name="Shape 222"/>
         <p:cNvGrpSpPr/>
         <p:nvPr/>
       </p:nvGrpSpPr>
@@ -12882,7 +13111,9 @@
       <p:sp>
         <p:nvSpPr>
           <p:cNvPr id="223" name="Google Shape;223;p35"/>
-          <p:cNvSpPr txBox="1"/>
+          <p:cNvSpPr txBox="1">
+            <a:spLocks noGrp="1"/>
+          </p:cNvSpPr>
           <p:nvPr>
             <p:ph type="title"/>
           </p:nvPr>
@@ -12897,12 +13128,12 @@
           </a:prstGeom>
         </p:spPr>
         <p:txBody>
-          <a:bodyPr anchorCtr="0" anchor="t" bIns="91425" lIns="91425" spcFirstLastPara="1" rIns="91425" wrap="square" tIns="91425">
+          <a:bodyPr spcFirstLastPara="1" wrap="square" lIns="91425" tIns="91425" rIns="91425" bIns="91425" anchor="t" anchorCtr="0">
             <a:normAutofit fontScale="90000"/>
           </a:bodyPr>
           <a:lstStyle/>
           <a:p>
-            <a:pPr indent="0" lvl="0" marL="0" rtl="0" algn="l">
+            <a:pPr marL="0" lvl="0" indent="0" algn="l" rtl="0">
               <a:spcBef>
                 <a:spcPts val="0"/>
               </a:spcBef>
@@ -12913,16 +13144,12 @@
             </a:pPr>
             <a:r>
               <a:rPr lang="en"/>
-              <a:t>UNDERNOURISHED</a:t>
-            </a:r>
-            <a:r>
-              <a:rPr lang="en"/>
-              <a:t> BY DIET VARIABLES INSTANCES</a:t>
+              <a:t>UNDERNOURISHED BY DIET VARIABLES INSTANCES</a:t>
             </a:r>
             <a:endParaRPr/>
           </a:p>
           <a:p>
-            <a:pPr indent="0" lvl="0" marL="0" rtl="0" algn="l">
+            <a:pPr marL="0" lvl="0" indent="0" algn="l" rtl="0">
               <a:spcBef>
                 <a:spcPts val="0"/>
               </a:spcBef>
@@ -12931,13 +13158,10 @@
               </a:spcAft>
               <a:buNone/>
             </a:pPr>
-            <a:r>
-              <a:t/>
-            </a:r>
             <a:endParaRPr/>
           </a:p>
           <a:p>
-            <a:pPr indent="0" lvl="0" marL="0" rtl="0" algn="l">
+            <a:pPr marL="0" lvl="0" indent="0" algn="l" rtl="0">
               <a:spcBef>
                 <a:spcPts val="0"/>
               </a:spcBef>
@@ -12946,9 +13170,6 @@
               </a:spcAft>
               <a:buNone/>
             </a:pPr>
-            <a:r>
-              <a:t/>
-            </a:r>
             <a:endParaRPr/>
           </a:p>
         </p:txBody>
@@ -12990,11 +13211,11 @@
 </file>
 
 <file path=ppt/slides/slide2.xml><?xml version="1.0" encoding="utf-8"?>
-<p:sld xmlns:a="http://schemas.openxmlformats.org/drawingml/2006/main" xmlns:r="http://schemas.openxmlformats.org/officeDocument/2006/relationships" xmlns:mc="http://schemas.openxmlformats.org/markup-compatibility/2006" xmlns:mv="urn:schemas-microsoft-com:mac:vml" xmlns:p="http://schemas.openxmlformats.org/presentationml/2006/main" xmlns:c="http://schemas.openxmlformats.org/drawingml/2006/chart" xmlns:dgm="http://schemas.openxmlformats.org/drawingml/2006/diagram" xmlns:o="urn:schemas-microsoft-com:office:office" xmlns:v="urn:schemas-microsoft-com:vml" xmlns:pvml="urn:schemas-microsoft-com:office:powerpoint" xmlns:com="http://schemas.openxmlformats.org/drawingml/2006/compatibility" xmlns:p14="http://schemas.microsoft.com/office/powerpoint/2010/main" xmlns:p15="http://schemas.microsoft.com/office/powerpoint/2012/main" xmlns:ahyp="http://schemas.microsoft.com/office/drawing/2018/hyperlinkcolor">
+<p:sld xmlns:a="http://schemas.openxmlformats.org/drawingml/2006/main" xmlns:r="http://schemas.openxmlformats.org/officeDocument/2006/relationships" xmlns:p="http://schemas.openxmlformats.org/presentationml/2006/main">
   <p:cSld>
     <p:spTree>
       <p:nvGrpSpPr>
-        <p:cNvPr id="115" name="Shape 115"/>
+        <p:cNvPr id="1" name="Shape 115"/>
         <p:cNvGrpSpPr/>
         <p:nvPr/>
       </p:nvGrpSpPr>
@@ -13009,7 +13230,9 @@
       <p:sp>
         <p:nvSpPr>
           <p:cNvPr id="116" name="Google Shape;116;p18"/>
-          <p:cNvSpPr txBox="1"/>
+          <p:cNvSpPr txBox="1">
+            <a:spLocks noGrp="1"/>
+          </p:cNvSpPr>
           <p:nvPr>
             <p:ph type="title"/>
           </p:nvPr>
@@ -13024,12 +13247,12 @@
           </a:prstGeom>
         </p:spPr>
         <p:txBody>
-          <a:bodyPr anchorCtr="0" anchor="t" bIns="91425" lIns="91425" spcFirstLastPara="1" rIns="91425" wrap="square" tIns="91425">
+          <a:bodyPr spcFirstLastPara="1" wrap="square" lIns="91425" tIns="91425" rIns="91425" bIns="91425" anchor="t" anchorCtr="0">
             <a:normAutofit fontScale="90000"/>
           </a:bodyPr>
           <a:lstStyle/>
           <a:p>
-            <a:pPr indent="0" lvl="0" marL="0" rtl="0" algn="l">
+            <a:pPr marL="0" lvl="0" indent="0" algn="l" rtl="0">
               <a:spcBef>
                 <a:spcPts val="0"/>
               </a:spcBef>
@@ -13049,9 +13272,11 @@
       <p:sp>
         <p:nvSpPr>
           <p:cNvPr id="117" name="Google Shape;117;p18"/>
-          <p:cNvSpPr txBox="1"/>
+          <p:cNvSpPr txBox="1">
+            <a:spLocks noGrp="1"/>
+          </p:cNvSpPr>
           <p:nvPr>
-            <p:ph idx="4294967295" type="body"/>
+            <p:ph type="body" idx="4294967295"/>
           </p:nvPr>
         </p:nvSpPr>
         <p:spPr>
@@ -13064,12 +13289,12 @@
           </a:prstGeom>
         </p:spPr>
         <p:txBody>
-          <a:bodyPr anchorCtr="0" anchor="t" bIns="91425" lIns="91425" spcFirstLastPara="1" rIns="91425" wrap="square" tIns="91425">
+          <a:bodyPr spcFirstLastPara="1" wrap="square" lIns="91425" tIns="91425" rIns="91425" bIns="91425" anchor="t" anchorCtr="0">
             <a:normAutofit fontScale="25000" lnSpcReduction="20000"/>
           </a:bodyPr>
           <a:lstStyle/>
           <a:p>
-            <a:pPr indent="0" lvl="0" marL="0" rtl="0" algn="l">
+            <a:pPr marL="0" lvl="0" indent="0" algn="l" rtl="0">
               <a:lnSpc>
                 <a:spcPct val="120000"/>
               </a:lnSpc>
@@ -13082,7 +13307,7 @@
               <a:buNone/>
             </a:pPr>
             <a:r>
-              <a:rPr b="1" lang="en" sz="5900">
+              <a:rPr lang="en" sz="5900" b="1">
                 <a:solidFill>
                   <a:srgbClr val="FF9900"/>
                 </a:solidFill>
@@ -13094,39 +13319,9 @@
                 <a:cs typeface="Trebuchet MS"/>
                 <a:sym typeface="Trebuchet MS"/>
               </a:rPr>
-              <a:t>Injustice in food and health system hold people back from </a:t>
+              <a:t>Injustice in food and health system hold people back from healthy diets and lives</a:t>
             </a:r>
-            <a:r>
-              <a:rPr b="1" lang="en" sz="5900">
-                <a:solidFill>
-                  <a:srgbClr val="FF9900"/>
-                </a:solidFill>
-                <a:highlight>
-                  <a:srgbClr val="FFFFFF"/>
-                </a:highlight>
-                <a:latin typeface="Trebuchet MS"/>
-                <a:ea typeface="Trebuchet MS"/>
-                <a:cs typeface="Trebuchet MS"/>
-                <a:sym typeface="Trebuchet MS"/>
-              </a:rPr>
-              <a:t>healthy</a:t>
-            </a:r>
-            <a:r>
-              <a:rPr b="1" lang="en" sz="5900">
-                <a:solidFill>
-                  <a:srgbClr val="FF9900"/>
-                </a:solidFill>
-                <a:highlight>
-                  <a:srgbClr val="FFFFFF"/>
-                </a:highlight>
-                <a:latin typeface="Trebuchet MS"/>
-                <a:ea typeface="Trebuchet MS"/>
-                <a:cs typeface="Trebuchet MS"/>
-                <a:sym typeface="Trebuchet MS"/>
-              </a:rPr>
-              <a:t> diets and lives</a:t>
-            </a:r>
-            <a:endParaRPr b="1" sz="5900">
+            <a:endParaRPr sz="5900" b="1">
               <a:solidFill>
                 <a:srgbClr val="FF9900"/>
               </a:solidFill>
@@ -13140,7 +13335,7 @@
             </a:endParaRPr>
           </a:p>
           <a:p>
-            <a:pPr indent="0" lvl="0" marL="0" rtl="0" algn="l">
+            <a:pPr marL="0" lvl="0" indent="0" algn="l" rtl="0">
               <a:spcBef>
                 <a:spcPts val="1200"/>
               </a:spcBef>
@@ -13149,9 +13344,6 @@
               </a:spcAft>
               <a:buNone/>
             </a:pPr>
-            <a:r>
-              <a:t/>
-            </a:r>
             <a:endParaRPr/>
           </a:p>
         </p:txBody>
@@ -13221,11 +13413,11 @@
 </file>
 
 <file path=ppt/slides/slide20.xml><?xml version="1.0" encoding="utf-8"?>
-<p:sld xmlns:a="http://schemas.openxmlformats.org/drawingml/2006/main" xmlns:r="http://schemas.openxmlformats.org/officeDocument/2006/relationships" xmlns:mc="http://schemas.openxmlformats.org/markup-compatibility/2006" xmlns:mv="urn:schemas-microsoft-com:mac:vml" xmlns:p="http://schemas.openxmlformats.org/presentationml/2006/main" xmlns:c="http://schemas.openxmlformats.org/drawingml/2006/chart" xmlns:dgm="http://schemas.openxmlformats.org/drawingml/2006/diagram" xmlns:o="urn:schemas-microsoft-com:office:office" xmlns:v="urn:schemas-microsoft-com:vml" xmlns:pvml="urn:schemas-microsoft-com:office:powerpoint" xmlns:com="http://schemas.openxmlformats.org/drawingml/2006/compatibility" xmlns:p14="http://schemas.microsoft.com/office/powerpoint/2010/main" xmlns:p15="http://schemas.microsoft.com/office/powerpoint/2012/main" xmlns:ahyp="http://schemas.microsoft.com/office/drawing/2018/hyperlinkcolor">
+<p:sld xmlns:a="http://schemas.openxmlformats.org/drawingml/2006/main" xmlns:r="http://schemas.openxmlformats.org/officeDocument/2006/relationships" xmlns:p="http://schemas.openxmlformats.org/presentationml/2006/main">
   <p:cSld>
     <p:spTree>
       <p:nvGrpSpPr>
-        <p:cNvPr id="228" name="Shape 228"/>
+        <p:cNvPr id="1" name="Shape 228"/>
         <p:cNvGrpSpPr/>
         <p:nvPr/>
       </p:nvGrpSpPr>
@@ -13240,7 +13432,9 @@
       <p:sp>
         <p:nvSpPr>
           <p:cNvPr id="229" name="Google Shape;229;p36"/>
-          <p:cNvSpPr txBox="1"/>
+          <p:cNvSpPr txBox="1">
+            <a:spLocks noGrp="1"/>
+          </p:cNvSpPr>
           <p:nvPr>
             <p:ph type="title"/>
           </p:nvPr>
@@ -13255,12 +13449,12 @@
           </a:prstGeom>
         </p:spPr>
         <p:txBody>
-          <a:bodyPr anchorCtr="0" anchor="t" bIns="91425" lIns="91425" spcFirstLastPara="1" rIns="91425" wrap="square" tIns="91425">
+          <a:bodyPr spcFirstLastPara="1" wrap="square" lIns="91425" tIns="91425" rIns="91425" bIns="91425" anchor="t" anchorCtr="0">
             <a:normAutofit/>
           </a:bodyPr>
           <a:lstStyle/>
           <a:p>
-            <a:pPr indent="0" lvl="0" marL="0" rtl="0" algn="l">
+            <a:pPr marL="0" lvl="0" indent="0" algn="l" rtl="0">
               <a:spcBef>
                 <a:spcPts val="0"/>
               </a:spcBef>
@@ -13280,9 +13474,11 @@
       <p:sp>
         <p:nvSpPr>
           <p:cNvPr id="230" name="Google Shape;230;p36"/>
-          <p:cNvSpPr txBox="1"/>
+          <p:cNvSpPr txBox="1">
+            <a:spLocks noGrp="1"/>
+          </p:cNvSpPr>
           <p:nvPr>
-            <p:ph idx="2" type="body"/>
+            <p:ph type="body" idx="2"/>
           </p:nvPr>
         </p:nvSpPr>
         <p:spPr>
@@ -13295,12 +13491,12 @@
           </a:prstGeom>
         </p:spPr>
         <p:txBody>
-          <a:bodyPr anchorCtr="0" anchor="t" bIns="91425" lIns="91425" spcFirstLastPara="1" rIns="91425" wrap="square" tIns="91425">
+          <a:bodyPr spcFirstLastPara="1" wrap="square" lIns="91425" tIns="91425" rIns="91425" bIns="91425" anchor="t" anchorCtr="0">
             <a:normAutofit fontScale="85000" lnSpcReduction="20000"/>
           </a:bodyPr>
           <a:lstStyle/>
           <a:p>
-            <a:pPr indent="0" lvl="0" marL="0" rtl="0" algn="l">
+            <a:pPr marL="0" lvl="0" indent="0" algn="l" rtl="0">
               <a:spcBef>
                 <a:spcPts val="0"/>
               </a:spcBef>
@@ -13316,7 +13512,7 @@
             <a:endParaRPr sz="1500"/>
           </a:p>
           <a:p>
-            <a:pPr indent="0" lvl="0" marL="0" rtl="0" algn="l">
+            <a:pPr marL="0" lvl="0" indent="0" algn="l" rtl="0">
               <a:spcBef>
                 <a:spcPts val="1200"/>
               </a:spcBef>
@@ -13332,7 +13528,7 @@
             <a:endParaRPr sz="1500"/>
           </a:p>
           <a:p>
-            <a:pPr indent="0" lvl="0" marL="0" rtl="0" algn="l">
+            <a:pPr marL="0" lvl="0" indent="0" algn="l" rtl="0">
               <a:spcBef>
                 <a:spcPts val="1200"/>
               </a:spcBef>
@@ -13348,7 +13544,7 @@
             <a:endParaRPr sz="1500"/>
           </a:p>
           <a:p>
-            <a:pPr indent="0" lvl="0" marL="0" rtl="0" algn="l">
+            <a:pPr marL="0" lvl="0" indent="0" algn="l" rtl="0">
               <a:spcBef>
                 <a:spcPts val="1200"/>
               </a:spcBef>
@@ -13357,13 +13553,10 @@
               </a:spcAft>
               <a:buNone/>
             </a:pPr>
-            <a:r>
-              <a:t/>
-            </a:r>
             <a:endParaRPr sz="1500"/>
           </a:p>
           <a:p>
-            <a:pPr indent="0" lvl="0" marL="0" rtl="0" algn="l">
+            <a:pPr marL="0" lvl="0" indent="0" algn="l" rtl="0">
               <a:spcBef>
                 <a:spcPts val="1200"/>
               </a:spcBef>
@@ -13372,9 +13565,6 @@
               </a:spcAft>
               <a:buNone/>
             </a:pPr>
-            <a:r>
-              <a:t/>
-            </a:r>
             <a:endParaRPr sz="1500"/>
           </a:p>
         </p:txBody>
@@ -13388,11 +13578,11 @@
 </file>
 
 <file path=ppt/slides/slide21.xml><?xml version="1.0" encoding="utf-8"?>
-<p:sld xmlns:a="http://schemas.openxmlformats.org/drawingml/2006/main" xmlns:r="http://schemas.openxmlformats.org/officeDocument/2006/relationships" xmlns:mc="http://schemas.openxmlformats.org/markup-compatibility/2006" xmlns:mv="urn:schemas-microsoft-com:mac:vml" xmlns:p="http://schemas.openxmlformats.org/presentationml/2006/main" xmlns:c="http://schemas.openxmlformats.org/drawingml/2006/chart" xmlns:dgm="http://schemas.openxmlformats.org/drawingml/2006/diagram" xmlns:o="urn:schemas-microsoft-com:office:office" xmlns:v="urn:schemas-microsoft-com:vml" xmlns:pvml="urn:schemas-microsoft-com:office:powerpoint" xmlns:com="http://schemas.openxmlformats.org/drawingml/2006/compatibility" xmlns:p14="http://schemas.microsoft.com/office/powerpoint/2010/main" xmlns:p15="http://schemas.microsoft.com/office/powerpoint/2012/main" xmlns:ahyp="http://schemas.microsoft.com/office/drawing/2018/hyperlinkcolor">
+<p:sld xmlns:a="http://schemas.openxmlformats.org/drawingml/2006/main" xmlns:r="http://schemas.openxmlformats.org/officeDocument/2006/relationships" xmlns:p="http://schemas.openxmlformats.org/presentationml/2006/main">
   <p:cSld>
     <p:spTree>
       <p:nvGrpSpPr>
-        <p:cNvPr id="234" name="Shape 234"/>
+        <p:cNvPr id="1" name="Shape 234"/>
         <p:cNvGrpSpPr/>
         <p:nvPr/>
       </p:nvGrpSpPr>
@@ -13414,7 +13604,7 @@
           <a:blip r:embed="rId3">
             <a:alphaModFix/>
           </a:blip>
-          <a:srcRect b="7813" l="0" r="0" t="7813"/>
+          <a:srcRect t="7813" b="7813"/>
           <a:stretch/>
         </p:blipFill>
         <p:spPr>
@@ -13440,11 +13630,11 @@
 </file>
 
 <file path=ppt/slides/slide3.xml><?xml version="1.0" encoding="utf-8"?>
-<p:sld xmlns:a="http://schemas.openxmlformats.org/drawingml/2006/main" xmlns:r="http://schemas.openxmlformats.org/officeDocument/2006/relationships" xmlns:mc="http://schemas.openxmlformats.org/markup-compatibility/2006" xmlns:mv="urn:schemas-microsoft-com:mac:vml" xmlns:p="http://schemas.openxmlformats.org/presentationml/2006/main" xmlns:c="http://schemas.openxmlformats.org/drawingml/2006/chart" xmlns:dgm="http://schemas.openxmlformats.org/drawingml/2006/diagram" xmlns:o="urn:schemas-microsoft-com:office:office" xmlns:v="urn:schemas-microsoft-com:vml" xmlns:pvml="urn:schemas-microsoft-com:office:powerpoint" xmlns:com="http://schemas.openxmlformats.org/drawingml/2006/compatibility" xmlns:p14="http://schemas.microsoft.com/office/powerpoint/2010/main" xmlns:p15="http://schemas.microsoft.com/office/powerpoint/2012/main" xmlns:ahyp="http://schemas.microsoft.com/office/drawing/2018/hyperlinkcolor">
+<p:sld xmlns:a="http://schemas.openxmlformats.org/drawingml/2006/main" xmlns:r="http://schemas.openxmlformats.org/officeDocument/2006/relationships" xmlns:p="http://schemas.openxmlformats.org/presentationml/2006/main">
   <p:cSld>
     <p:spTree>
       <p:nvGrpSpPr>
-        <p:cNvPr id="123" name="Shape 123"/>
+        <p:cNvPr id="1" name="Shape 123"/>
         <p:cNvGrpSpPr/>
         <p:nvPr/>
       </p:nvGrpSpPr>
@@ -13459,7 +13649,9 @@
       <p:sp>
         <p:nvSpPr>
           <p:cNvPr id="124" name="Google Shape;124;p19"/>
-          <p:cNvSpPr txBox="1"/>
+          <p:cNvSpPr txBox="1">
+            <a:spLocks noGrp="1"/>
+          </p:cNvSpPr>
           <p:nvPr>
             <p:ph type="title"/>
           </p:nvPr>
@@ -13474,12 +13666,12 @@
           </a:prstGeom>
         </p:spPr>
         <p:txBody>
-          <a:bodyPr anchorCtr="0" anchor="t" bIns="91425" lIns="91425" spcFirstLastPara="1" rIns="91425" wrap="square" tIns="91425">
+          <a:bodyPr spcFirstLastPara="1" wrap="square" lIns="91425" tIns="91425" rIns="91425" bIns="91425" anchor="t" anchorCtr="0">
             <a:normAutofit fontScale="90000"/>
           </a:bodyPr>
           <a:lstStyle/>
           <a:p>
-            <a:pPr indent="0" lvl="0" marL="0" rtl="0" algn="l">
+            <a:pPr marL="0" lvl="0" indent="0" algn="l" rtl="0">
               <a:spcBef>
                 <a:spcPts val="0"/>
               </a:spcBef>
@@ -13561,11 +13753,11 @@
 </file>
 
 <file path=ppt/slides/slide4.xml><?xml version="1.0" encoding="utf-8"?>
-<p:sld xmlns:a="http://schemas.openxmlformats.org/drawingml/2006/main" xmlns:r="http://schemas.openxmlformats.org/officeDocument/2006/relationships" xmlns:mc="http://schemas.openxmlformats.org/markup-compatibility/2006" xmlns:mv="urn:schemas-microsoft-com:mac:vml" xmlns:p="http://schemas.openxmlformats.org/presentationml/2006/main" xmlns:c="http://schemas.openxmlformats.org/drawingml/2006/chart" xmlns:dgm="http://schemas.openxmlformats.org/drawingml/2006/diagram" xmlns:o="urn:schemas-microsoft-com:office:office" xmlns:v="urn:schemas-microsoft-com:vml" xmlns:pvml="urn:schemas-microsoft-com:office:powerpoint" xmlns:com="http://schemas.openxmlformats.org/drawingml/2006/compatibility" xmlns:p14="http://schemas.microsoft.com/office/powerpoint/2010/main" xmlns:p15="http://schemas.microsoft.com/office/powerpoint/2012/main" xmlns:ahyp="http://schemas.microsoft.com/office/drawing/2018/hyperlinkcolor">
+<p:sld xmlns:a="http://schemas.openxmlformats.org/drawingml/2006/main" xmlns:r="http://schemas.openxmlformats.org/officeDocument/2006/relationships" xmlns:p="http://schemas.openxmlformats.org/presentationml/2006/main">
   <p:cSld>
     <p:spTree>
       <p:nvGrpSpPr>
-        <p:cNvPr id="130" name="Shape 130"/>
+        <p:cNvPr id="1" name="Shape 130"/>
         <p:cNvGrpSpPr/>
         <p:nvPr/>
       </p:nvGrpSpPr>
@@ -13580,7 +13772,9 @@
       <p:sp>
         <p:nvSpPr>
           <p:cNvPr id="131" name="Google Shape;131;p20"/>
-          <p:cNvSpPr txBox="1"/>
+          <p:cNvSpPr txBox="1">
+            <a:spLocks noGrp="1"/>
+          </p:cNvSpPr>
           <p:nvPr>
             <p:ph type="title"/>
           </p:nvPr>
@@ -13595,12 +13789,12 @@
           </a:prstGeom>
         </p:spPr>
         <p:txBody>
-          <a:bodyPr anchorCtr="0" anchor="t" bIns="91425" lIns="91425" spcFirstLastPara="1" rIns="91425" wrap="square" tIns="91425">
+          <a:bodyPr spcFirstLastPara="1" wrap="square" lIns="91425" tIns="91425" rIns="91425" bIns="91425" anchor="t" anchorCtr="0">
             <a:normAutofit fontScale="90000"/>
           </a:bodyPr>
           <a:lstStyle/>
           <a:p>
-            <a:pPr indent="0" lvl="0" marL="0" rtl="0" algn="l">
+            <a:pPr marL="0" lvl="0" indent="0" algn="l" rtl="0">
               <a:spcBef>
                 <a:spcPts val="0"/>
               </a:spcBef>
@@ -13620,9 +13814,11 @@
       <p:sp>
         <p:nvSpPr>
           <p:cNvPr id="132" name="Google Shape;132;p20"/>
-          <p:cNvSpPr txBox="1"/>
+          <p:cNvSpPr txBox="1">
+            <a:spLocks noGrp="1"/>
+          </p:cNvSpPr>
           <p:nvPr>
-            <p:ph idx="1" type="body"/>
+            <p:ph type="body" idx="1"/>
           </p:nvPr>
         </p:nvSpPr>
         <p:spPr>
@@ -13635,12 +13831,12 @@
           </a:prstGeom>
         </p:spPr>
         <p:txBody>
-          <a:bodyPr anchorCtr="0" anchor="t" bIns="91425" lIns="91425" spcFirstLastPara="1" rIns="91425" wrap="square" tIns="91425">
+          <a:bodyPr spcFirstLastPara="1" wrap="square" lIns="91425" tIns="91425" rIns="91425" bIns="91425" anchor="t" anchorCtr="0">
             <a:normAutofit/>
           </a:bodyPr>
           <a:lstStyle/>
           <a:p>
-            <a:pPr indent="-323850" lvl="0" marL="457200" rtl="0" algn="l">
+            <a:pPr marL="457200" lvl="0" indent="-323850" algn="l" rtl="0">
               <a:spcBef>
                 <a:spcPts val="0"/>
               </a:spcBef>
@@ -13657,7 +13853,7 @@
             <a:endParaRPr sz="1500"/>
           </a:p>
           <a:p>
-            <a:pPr indent="-323850" lvl="1" marL="914400" rtl="0" algn="l">
+            <a:pPr marL="914400" lvl="1" indent="-323850" algn="l" rtl="0">
               <a:spcBef>
                 <a:spcPts val="0"/>
               </a:spcBef>
@@ -13674,7 +13870,7 @@
             <a:endParaRPr sz="1500"/>
           </a:p>
           <a:p>
-            <a:pPr indent="-323850" lvl="1" marL="914400" rtl="0" algn="l">
+            <a:pPr marL="914400" lvl="1" indent="-323850" algn="l" rtl="0">
               <a:spcBef>
                 <a:spcPts val="0"/>
               </a:spcBef>
@@ -13691,7 +13887,7 @@
             <a:endParaRPr sz="1500"/>
           </a:p>
           <a:p>
-            <a:pPr indent="-323850" lvl="0" marL="457200" rtl="0" algn="l">
+            <a:pPr marL="457200" lvl="0" indent="-323850" algn="l" rtl="0">
               <a:spcBef>
                 <a:spcPts val="0"/>
               </a:spcBef>
@@ -13718,11 +13914,11 @@
 </file>
 
 <file path=ppt/slides/slide5.xml><?xml version="1.0" encoding="utf-8"?>
-<p:sld xmlns:a="http://schemas.openxmlformats.org/drawingml/2006/main" xmlns:r="http://schemas.openxmlformats.org/officeDocument/2006/relationships" xmlns:mc="http://schemas.openxmlformats.org/markup-compatibility/2006" xmlns:mv="urn:schemas-microsoft-com:mac:vml" xmlns:p="http://schemas.openxmlformats.org/presentationml/2006/main" xmlns:c="http://schemas.openxmlformats.org/drawingml/2006/chart" xmlns:dgm="http://schemas.openxmlformats.org/drawingml/2006/diagram" xmlns:o="urn:schemas-microsoft-com:office:office" xmlns:v="urn:schemas-microsoft-com:vml" xmlns:pvml="urn:schemas-microsoft-com:office:powerpoint" xmlns:com="http://schemas.openxmlformats.org/drawingml/2006/compatibility" xmlns:p14="http://schemas.microsoft.com/office/powerpoint/2010/main" xmlns:p15="http://schemas.microsoft.com/office/powerpoint/2012/main" xmlns:ahyp="http://schemas.microsoft.com/office/drawing/2018/hyperlinkcolor">
+<p:sld xmlns:a="http://schemas.openxmlformats.org/drawingml/2006/main" xmlns:r="http://schemas.openxmlformats.org/officeDocument/2006/relationships" xmlns:p="http://schemas.openxmlformats.org/presentationml/2006/main">
   <p:cSld>
     <p:spTree>
       <p:nvGrpSpPr>
-        <p:cNvPr id="136" name="Shape 136"/>
+        <p:cNvPr id="1" name="Shape 136"/>
         <p:cNvGrpSpPr/>
         <p:nvPr/>
       </p:nvGrpSpPr>
@@ -13744,7 +13940,7 @@
           <a:blip r:embed="rId3">
             <a:alphaModFix/>
           </a:blip>
-          <a:srcRect b="228" l="0" r="0" t="228"/>
+          <a:srcRect t="228" b="228"/>
           <a:stretch/>
         </p:blipFill>
         <p:spPr>
@@ -13764,7 +13960,9 @@
       <p:sp>
         <p:nvSpPr>
           <p:cNvPr id="138" name="Google Shape;138;p21"/>
-          <p:cNvSpPr txBox="1"/>
+          <p:cNvSpPr txBox="1">
+            <a:spLocks noGrp="1"/>
+          </p:cNvSpPr>
           <p:nvPr>
             <p:ph type="title"/>
           </p:nvPr>
@@ -13779,12 +13977,12 @@
           </a:prstGeom>
         </p:spPr>
         <p:txBody>
-          <a:bodyPr anchorCtr="0" anchor="t" bIns="91425" lIns="91425" spcFirstLastPara="1" rIns="91425" wrap="square" tIns="91425">
+          <a:bodyPr spcFirstLastPara="1" wrap="square" lIns="91425" tIns="91425" rIns="91425" bIns="91425" anchor="t" anchorCtr="0">
             <a:normAutofit/>
           </a:bodyPr>
           <a:lstStyle/>
           <a:p>
-            <a:pPr indent="0" lvl="0" marL="0" rtl="0" algn="l">
+            <a:pPr marL="0" lvl="0" indent="0" algn="l" rtl="0">
               <a:spcBef>
                 <a:spcPts val="0"/>
               </a:spcBef>
@@ -13810,11 +14008,11 @@
 </file>
 
 <file path=ppt/slides/slide6.xml><?xml version="1.0" encoding="utf-8"?>
-<p:sld xmlns:a="http://schemas.openxmlformats.org/drawingml/2006/main" xmlns:r="http://schemas.openxmlformats.org/officeDocument/2006/relationships" xmlns:mc="http://schemas.openxmlformats.org/markup-compatibility/2006" xmlns:mv="urn:schemas-microsoft-com:mac:vml" xmlns:p="http://schemas.openxmlformats.org/presentationml/2006/main" xmlns:c="http://schemas.openxmlformats.org/drawingml/2006/chart" xmlns:dgm="http://schemas.openxmlformats.org/drawingml/2006/diagram" xmlns:o="urn:schemas-microsoft-com:office:office" xmlns:v="urn:schemas-microsoft-com:vml" xmlns:pvml="urn:schemas-microsoft-com:office:powerpoint" xmlns:com="http://schemas.openxmlformats.org/drawingml/2006/compatibility" xmlns:p14="http://schemas.microsoft.com/office/powerpoint/2010/main" xmlns:p15="http://schemas.microsoft.com/office/powerpoint/2012/main" xmlns:ahyp="http://schemas.microsoft.com/office/drawing/2018/hyperlinkcolor">
+<p:sld xmlns:a="http://schemas.openxmlformats.org/drawingml/2006/main" xmlns:r="http://schemas.openxmlformats.org/officeDocument/2006/relationships" xmlns:p="http://schemas.openxmlformats.org/presentationml/2006/main">
   <p:cSld>
     <p:spTree>
       <p:nvGrpSpPr>
-        <p:cNvPr id="142" name="Shape 142"/>
+        <p:cNvPr id="1" name="Shape 142"/>
         <p:cNvGrpSpPr/>
         <p:nvPr/>
       </p:nvGrpSpPr>
@@ -13829,7 +14027,9 @@
       <p:sp>
         <p:nvSpPr>
           <p:cNvPr id="143" name="Google Shape;143;p22"/>
-          <p:cNvSpPr txBox="1"/>
+          <p:cNvSpPr txBox="1">
+            <a:spLocks noGrp="1"/>
+          </p:cNvSpPr>
           <p:nvPr>
             <p:ph type="title"/>
           </p:nvPr>
@@ -13844,12 +14044,12 @@
           </a:prstGeom>
         </p:spPr>
         <p:txBody>
-          <a:bodyPr anchorCtr="0" anchor="t" bIns="91425" lIns="91425" spcFirstLastPara="1" rIns="91425" wrap="square" tIns="91425">
+          <a:bodyPr spcFirstLastPara="1" wrap="square" lIns="91425" tIns="91425" rIns="91425" bIns="91425" anchor="t" anchorCtr="0">
             <a:normAutofit/>
           </a:bodyPr>
           <a:lstStyle/>
           <a:p>
-            <a:pPr indent="0" lvl="0" marL="0" rtl="0" algn="l">
+            <a:pPr marL="0" lvl="0" indent="0" algn="l" rtl="0">
               <a:spcBef>
                 <a:spcPts val="0"/>
               </a:spcBef>
@@ -13903,11 +14103,11 @@
 </file>
 
 <file path=ppt/slides/slide7.xml><?xml version="1.0" encoding="utf-8"?>
-<p:sld xmlns:a="http://schemas.openxmlformats.org/drawingml/2006/main" xmlns:r="http://schemas.openxmlformats.org/officeDocument/2006/relationships" xmlns:mc="http://schemas.openxmlformats.org/markup-compatibility/2006" xmlns:mv="urn:schemas-microsoft-com:mac:vml" xmlns:p="http://schemas.openxmlformats.org/presentationml/2006/main" xmlns:c="http://schemas.openxmlformats.org/drawingml/2006/chart" xmlns:dgm="http://schemas.openxmlformats.org/drawingml/2006/diagram" xmlns:o="urn:schemas-microsoft-com:office:office" xmlns:v="urn:schemas-microsoft-com:vml" xmlns:pvml="urn:schemas-microsoft-com:office:powerpoint" xmlns:com="http://schemas.openxmlformats.org/drawingml/2006/compatibility" xmlns:p14="http://schemas.microsoft.com/office/powerpoint/2010/main" xmlns:p15="http://schemas.microsoft.com/office/powerpoint/2012/main" xmlns:ahyp="http://schemas.microsoft.com/office/drawing/2018/hyperlinkcolor">
+<p:sld xmlns:a="http://schemas.openxmlformats.org/drawingml/2006/main" xmlns:r="http://schemas.openxmlformats.org/officeDocument/2006/relationships" xmlns:p="http://schemas.openxmlformats.org/presentationml/2006/main">
   <p:cSld>
     <p:spTree>
       <p:nvGrpSpPr>
-        <p:cNvPr id="148" name="Shape 148"/>
+        <p:cNvPr id="1" name="Shape 148"/>
         <p:cNvGrpSpPr/>
         <p:nvPr/>
       </p:nvGrpSpPr>
@@ -13922,7 +14122,9 @@
       <p:sp>
         <p:nvSpPr>
           <p:cNvPr id="149" name="Google Shape;149;p23"/>
-          <p:cNvSpPr txBox="1"/>
+          <p:cNvSpPr txBox="1">
+            <a:spLocks noGrp="1"/>
+          </p:cNvSpPr>
           <p:nvPr>
             <p:ph type="title"/>
           </p:nvPr>
@@ -13937,12 +14139,12 @@
           </a:prstGeom>
         </p:spPr>
         <p:txBody>
-          <a:bodyPr anchorCtr="0" anchor="ctr" bIns="91425" lIns="91425" spcFirstLastPara="1" rIns="91425" wrap="square" tIns="91425">
+          <a:bodyPr spcFirstLastPara="1" wrap="square" lIns="91425" tIns="91425" rIns="91425" bIns="91425" anchor="ctr" anchorCtr="0">
             <a:normAutofit/>
           </a:bodyPr>
           <a:lstStyle/>
           <a:p>
-            <a:pPr indent="0" lvl="0" marL="0" rtl="0" algn="l">
+            <a:pPr marL="0" lvl="0" indent="0" algn="l" rtl="0">
               <a:spcBef>
                 <a:spcPts val="0"/>
               </a:spcBef>
@@ -13958,7 +14160,7 @@
             <a:endParaRPr sz="2400"/>
           </a:p>
           <a:p>
-            <a:pPr indent="0" lvl="0" marL="0" rtl="0" algn="l">
+            <a:pPr marL="0" lvl="0" indent="0" algn="l" rtl="0">
               <a:spcBef>
                 <a:spcPts val="0"/>
               </a:spcBef>
@@ -13967,13 +14169,10 @@
               </a:spcAft>
               <a:buNone/>
             </a:pPr>
-            <a:r>
-              <a:t/>
-            </a:r>
             <a:endParaRPr sz="2400"/>
           </a:p>
           <a:p>
-            <a:pPr indent="0" lvl="0" marL="0" rtl="0" algn="l">
+            <a:pPr marL="0" lvl="0" indent="0" algn="l" rtl="0">
               <a:spcBef>
                 <a:spcPts val="0"/>
               </a:spcBef>
@@ -13999,11 +14198,11 @@
 </file>
 
 <file path=ppt/slides/slide8.xml><?xml version="1.0" encoding="utf-8"?>
-<p:sld xmlns:a="http://schemas.openxmlformats.org/drawingml/2006/main" xmlns:r="http://schemas.openxmlformats.org/officeDocument/2006/relationships" xmlns:mc="http://schemas.openxmlformats.org/markup-compatibility/2006" xmlns:mv="urn:schemas-microsoft-com:mac:vml" xmlns:p="http://schemas.openxmlformats.org/presentationml/2006/main" xmlns:c="http://schemas.openxmlformats.org/drawingml/2006/chart" xmlns:dgm="http://schemas.openxmlformats.org/drawingml/2006/diagram" xmlns:o="urn:schemas-microsoft-com:office:office" xmlns:v="urn:schemas-microsoft-com:vml" xmlns:pvml="urn:schemas-microsoft-com:office:powerpoint" xmlns:com="http://schemas.openxmlformats.org/drawingml/2006/compatibility" xmlns:p14="http://schemas.microsoft.com/office/powerpoint/2010/main" xmlns:p15="http://schemas.microsoft.com/office/powerpoint/2012/main" xmlns:ahyp="http://schemas.microsoft.com/office/drawing/2018/hyperlinkcolor">
+<p:sld xmlns:a="http://schemas.openxmlformats.org/drawingml/2006/main" xmlns:r="http://schemas.openxmlformats.org/officeDocument/2006/relationships" xmlns:p="http://schemas.openxmlformats.org/presentationml/2006/main">
   <p:cSld>
     <p:spTree>
       <p:nvGrpSpPr>
-        <p:cNvPr id="153" name="Shape 153"/>
+        <p:cNvPr id="1" name="Shape 153"/>
         <p:cNvGrpSpPr/>
         <p:nvPr/>
       </p:nvGrpSpPr>
@@ -14018,7 +14217,9 @@
       <p:sp>
         <p:nvSpPr>
           <p:cNvPr id="154" name="Google Shape;154;p24"/>
-          <p:cNvSpPr txBox="1"/>
+          <p:cNvSpPr txBox="1">
+            <a:spLocks noGrp="1"/>
+          </p:cNvSpPr>
           <p:nvPr>
             <p:ph type="title"/>
           </p:nvPr>
@@ -14033,12 +14234,12 @@
           </a:prstGeom>
         </p:spPr>
         <p:txBody>
-          <a:bodyPr anchorCtr="0" anchor="t" bIns="91425" lIns="91425" spcFirstLastPara="1" rIns="91425" wrap="square" tIns="91425">
+          <a:bodyPr spcFirstLastPara="1" wrap="square" lIns="91425" tIns="91425" rIns="91425" bIns="91425" anchor="t" anchorCtr="0">
             <a:normAutofit/>
           </a:bodyPr>
           <a:lstStyle/>
           <a:p>
-            <a:pPr indent="0" lvl="0" marL="0" rtl="0" algn="l">
+            <a:pPr marL="0" lvl="0" indent="0" algn="l" rtl="0">
               <a:spcBef>
                 <a:spcPts val="0"/>
               </a:spcBef>
@@ -14073,9 +14274,27 @@
                 <a:tableStyleId>{37428047-7E56-418E-9C37-17E7DD44C2F6}</a:tableStyleId>
               </a:tblPr>
               <a:tblGrid>
-                <a:gridCol w="2413000"/>
-                <a:gridCol w="2413000"/>
-                <a:gridCol w="2413000"/>
+                <a:gridCol w="2413000">
+                  <a:extLst>
+                    <a:ext uri="{9D8B030D-6E8A-4147-A177-3AD203B41FA5}">
+                      <a16:colId xmlns:a16="http://schemas.microsoft.com/office/drawing/2014/main" val="20000"/>
+                    </a:ext>
+                  </a:extLst>
+                </a:gridCol>
+                <a:gridCol w="2413000">
+                  <a:extLst>
+                    <a:ext uri="{9D8B030D-6E8A-4147-A177-3AD203B41FA5}">
+                      <a16:colId xmlns:a16="http://schemas.microsoft.com/office/drawing/2014/main" val="20001"/>
+                    </a:ext>
+                  </a:extLst>
+                </a:gridCol>
+                <a:gridCol w="2413000">
+                  <a:extLst>
+                    <a:ext uri="{9D8B030D-6E8A-4147-A177-3AD203B41FA5}">
+                      <a16:colId xmlns:a16="http://schemas.microsoft.com/office/drawing/2014/main" val="20002"/>
+                    </a:ext>
+                  </a:extLst>
+                </a:gridCol>
               </a:tblGrid>
               <a:tr h="381000">
                 <a:tc>
@@ -14083,7 +14302,7 @@
                     <a:bodyPr/>
                     <a:lstStyle/>
                     <a:p>
-                      <a:pPr indent="0" lvl="0" marL="0" rtl="0" algn="l">
+                      <a:pPr marL="0" lvl="0" indent="0" algn="l" rtl="0">
                         <a:spcBef>
                           <a:spcPts val="0"/>
                         </a:spcBef>
@@ -14107,14 +14326,14 @@
                       </a:endParaRPr>
                     </a:p>
                   </a:txBody>
-                  <a:tcPr marT="91425" marB="91425" marR="91425" marL="91425"/>
+                  <a:tcPr marL="91425" marR="91425" marT="91425" marB="91425"/>
                 </a:tc>
                 <a:tc>
                   <a:txBody>
                     <a:bodyPr/>
                     <a:lstStyle/>
                     <a:p>
-                      <a:pPr indent="0" lvl="0" marL="0" rtl="0" algn="l">
+                      <a:pPr marL="0" lvl="0" indent="0" algn="l" rtl="0">
                         <a:spcBef>
                           <a:spcPts val="0"/>
                         </a:spcBef>
@@ -14138,14 +14357,14 @@
                       </a:endParaRPr>
                     </a:p>
                   </a:txBody>
-                  <a:tcPr marT="91425" marB="91425" marR="91425" marL="91425"/>
+                  <a:tcPr marL="91425" marR="91425" marT="91425" marB="91425"/>
                 </a:tc>
                 <a:tc>
                   <a:txBody>
                     <a:bodyPr/>
                     <a:lstStyle/>
                     <a:p>
-                      <a:pPr indent="0" lvl="0" marL="0" rtl="0" algn="l">
+                      <a:pPr marL="0" lvl="0" indent="0" algn="l" rtl="0">
                         <a:spcBef>
                           <a:spcPts val="0"/>
                         </a:spcBef>
@@ -14169,8 +14388,13 @@
                       </a:endParaRPr>
                     </a:p>
                   </a:txBody>
-                  <a:tcPr marT="91425" marB="91425" marR="91425" marL="91425"/>
+                  <a:tcPr marL="91425" marR="91425" marT="91425" marB="91425"/>
                 </a:tc>
+                <a:extLst>
+                  <a:ext uri="{0D108BD9-81ED-4DB2-BD59-A6C34878D82A}">
+                    <a16:rowId xmlns:a16="http://schemas.microsoft.com/office/drawing/2014/main" val="10000"/>
+                  </a:ext>
+                </a:extLst>
               </a:tr>
               <a:tr h="381000">
                 <a:tc>
@@ -14178,7 +14402,7 @@
                     <a:bodyPr/>
                     <a:lstStyle/>
                     <a:p>
-                      <a:pPr indent="0" lvl="0" marL="0" rtl="0" algn="l">
+                      <a:pPr marL="0" lvl="0" indent="0" algn="l" rtl="0">
                         <a:spcBef>
                           <a:spcPts val="0"/>
                         </a:spcBef>
@@ -14202,14 +14426,14 @@
                       </a:endParaRPr>
                     </a:p>
                   </a:txBody>
-                  <a:tcPr marT="91425" marB="91425" marR="91425" marL="91425"/>
+                  <a:tcPr marL="91425" marR="91425" marT="91425" marB="91425"/>
                 </a:tc>
                 <a:tc>
                   <a:txBody>
                     <a:bodyPr/>
                     <a:lstStyle/>
                     <a:p>
-                      <a:pPr indent="0" lvl="0" marL="0" rtl="0" algn="l">
+                      <a:pPr marL="0" lvl="0" indent="0" algn="l" rtl="0">
                         <a:spcBef>
                           <a:spcPts val="0"/>
                         </a:spcBef>
@@ -14233,14 +14457,14 @@
                       </a:endParaRPr>
                     </a:p>
                   </a:txBody>
-                  <a:tcPr marT="91425" marB="91425" marR="91425" marL="91425"/>
+                  <a:tcPr marL="91425" marR="91425" marT="91425" marB="91425"/>
                 </a:tc>
                 <a:tc>
                   <a:txBody>
                     <a:bodyPr/>
                     <a:lstStyle/>
                     <a:p>
-                      <a:pPr indent="0" lvl="0" marL="0" rtl="0" algn="l">
+                      <a:pPr marL="0" lvl="0" indent="0" algn="l" rtl="0">
                         <a:spcBef>
                           <a:spcPts val="0"/>
                         </a:spcBef>
@@ -14264,8 +14488,13 @@
                       </a:endParaRPr>
                     </a:p>
                   </a:txBody>
-                  <a:tcPr marT="91425" marB="91425" marR="91425" marL="91425"/>
+                  <a:tcPr marL="91425" marR="91425" marT="91425" marB="91425"/>
                 </a:tc>
+                <a:extLst>
+                  <a:ext uri="{0D108BD9-81ED-4DB2-BD59-A6C34878D82A}">
+                    <a16:rowId xmlns:a16="http://schemas.microsoft.com/office/drawing/2014/main" val="10001"/>
+                  </a:ext>
+                </a:extLst>
               </a:tr>
             </a:tbl>
           </a:graphicData>
@@ -14289,9 +14518,27 @@
                 <a:tableStyleId>{37428047-7E56-418E-9C37-17E7DD44C2F6}</a:tableStyleId>
               </a:tblPr>
               <a:tblGrid>
-                <a:gridCol w="2413000"/>
-                <a:gridCol w="2413000"/>
-                <a:gridCol w="2413000"/>
+                <a:gridCol w="2413000">
+                  <a:extLst>
+                    <a:ext uri="{9D8B030D-6E8A-4147-A177-3AD203B41FA5}">
+                      <a16:colId xmlns:a16="http://schemas.microsoft.com/office/drawing/2014/main" val="20000"/>
+                    </a:ext>
+                  </a:extLst>
+                </a:gridCol>
+                <a:gridCol w="2413000">
+                  <a:extLst>
+                    <a:ext uri="{9D8B030D-6E8A-4147-A177-3AD203B41FA5}">
+                      <a16:colId xmlns:a16="http://schemas.microsoft.com/office/drawing/2014/main" val="20001"/>
+                    </a:ext>
+                  </a:extLst>
+                </a:gridCol>
+                <a:gridCol w="2413000">
+                  <a:extLst>
+                    <a:ext uri="{9D8B030D-6E8A-4147-A177-3AD203B41FA5}">
+                      <a16:colId xmlns:a16="http://schemas.microsoft.com/office/drawing/2014/main" val="20002"/>
+                    </a:ext>
+                  </a:extLst>
+                </a:gridCol>
               </a:tblGrid>
               <a:tr h="381000">
                 <a:tc>
@@ -14299,7 +14546,7 @@
                     <a:bodyPr/>
                     <a:lstStyle/>
                     <a:p>
-                      <a:pPr indent="0" lvl="0" marL="0" rtl="0" algn="l">
+                      <a:pPr marL="0" lvl="0" indent="0" algn="l" rtl="0">
                         <a:spcBef>
                           <a:spcPts val="0"/>
                         </a:spcBef>
@@ -14323,14 +14570,14 @@
                       </a:endParaRPr>
                     </a:p>
                   </a:txBody>
-                  <a:tcPr marT="91425" marB="91425" marR="91425" marL="91425"/>
+                  <a:tcPr marL="91425" marR="91425" marT="91425" marB="91425"/>
                 </a:tc>
                 <a:tc>
                   <a:txBody>
                     <a:bodyPr/>
                     <a:lstStyle/>
                     <a:p>
-                      <a:pPr indent="0" lvl="0" marL="0" rtl="0" algn="l">
+                      <a:pPr marL="0" lvl="0" indent="0" algn="l" rtl="0">
                         <a:spcBef>
                           <a:spcPts val="0"/>
                         </a:spcBef>
@@ -14354,14 +14601,14 @@
                       </a:endParaRPr>
                     </a:p>
                   </a:txBody>
-                  <a:tcPr marT="91425" marB="91425" marR="91425" marL="91425"/>
+                  <a:tcPr marL="91425" marR="91425" marT="91425" marB="91425"/>
                 </a:tc>
                 <a:tc>
                   <a:txBody>
                     <a:bodyPr/>
                     <a:lstStyle/>
                     <a:p>
-                      <a:pPr indent="0" lvl="0" marL="0" rtl="0" algn="l">
+                      <a:pPr marL="0" lvl="0" indent="0" algn="l" rtl="0">
                         <a:spcBef>
                           <a:spcPts val="0"/>
                         </a:spcBef>
@@ -14385,8 +14632,13 @@
                       </a:endParaRPr>
                     </a:p>
                   </a:txBody>
-                  <a:tcPr marT="91425" marB="91425" marR="91425" marL="91425"/>
+                  <a:tcPr marL="91425" marR="91425" marT="91425" marB="91425"/>
                 </a:tc>
+                <a:extLst>
+                  <a:ext uri="{0D108BD9-81ED-4DB2-BD59-A6C34878D82A}">
+                    <a16:rowId xmlns:a16="http://schemas.microsoft.com/office/drawing/2014/main" val="10000"/>
+                  </a:ext>
+                </a:extLst>
               </a:tr>
               <a:tr h="381000">
                 <a:tc>
@@ -14394,7 +14646,7 @@
                     <a:bodyPr/>
                     <a:lstStyle/>
                     <a:p>
-                      <a:pPr indent="0" lvl="0" marL="0" rtl="0" algn="l">
+                      <a:pPr marL="0" lvl="0" indent="0" algn="l" rtl="0">
                         <a:spcBef>
                           <a:spcPts val="0"/>
                         </a:spcBef>
@@ -14418,14 +14670,14 @@
                       </a:endParaRPr>
                     </a:p>
                   </a:txBody>
-                  <a:tcPr marT="91425" marB="91425" marR="91425" marL="91425"/>
+                  <a:tcPr marL="91425" marR="91425" marT="91425" marB="91425"/>
                 </a:tc>
                 <a:tc>
                   <a:txBody>
                     <a:bodyPr/>
                     <a:lstStyle/>
                     <a:p>
-                      <a:pPr indent="0" lvl="0" marL="0" rtl="0" algn="l">
+                      <a:pPr marL="0" lvl="0" indent="0" algn="l" rtl="0">
                         <a:spcBef>
                           <a:spcPts val="0"/>
                         </a:spcBef>
@@ -14440,15 +14692,7 @@
                             <a:schemeClr val="lt1"/>
                           </a:solidFill>
                         </a:rPr>
-                        <a:t>0</a:t>
-                      </a:r>
-                      <a:r>
-                        <a:rPr lang="en">
-                          <a:solidFill>
-                            <a:schemeClr val="lt1"/>
-                          </a:solidFill>
-                        </a:rPr>
-                        <a:t>.21</a:t>
+                        <a:t>0.21</a:t>
                       </a:r>
                       <a:endParaRPr>
                         <a:solidFill>
@@ -14457,14 +14701,14 @@
                       </a:endParaRPr>
                     </a:p>
                   </a:txBody>
-                  <a:tcPr marT="91425" marB="91425" marR="91425" marL="91425"/>
+                  <a:tcPr marL="91425" marR="91425" marT="91425" marB="91425"/>
                 </a:tc>
                 <a:tc>
                   <a:txBody>
                     <a:bodyPr/>
                     <a:lstStyle/>
                     <a:p>
-                      <a:pPr indent="0" lvl="0" marL="0" rtl="0" algn="l">
+                      <a:pPr marL="0" lvl="0" indent="0" algn="l" rtl="0">
                         <a:spcBef>
                           <a:spcPts val="0"/>
                         </a:spcBef>
@@ -14479,15 +14723,7 @@
                             <a:schemeClr val="lt1"/>
                           </a:solidFill>
                         </a:rPr>
-                        <a:t>&gt;0.05</a:t>
-                      </a:r>
-                      <a:r>
-                        <a:rPr lang="en">
-                          <a:solidFill>
-                            <a:schemeClr val="lt1"/>
-                          </a:solidFill>
-                        </a:rPr>
-                        <a:t>: no significance</a:t>
+                        <a:t>&gt;0.05: no significance</a:t>
                       </a:r>
                       <a:endParaRPr>
                         <a:solidFill>
@@ -14496,8 +14732,13 @@
                       </a:endParaRPr>
                     </a:p>
                   </a:txBody>
-                  <a:tcPr marT="91425" marB="91425" marR="91425" marL="91425"/>
+                  <a:tcPr marL="91425" marR="91425" marT="91425" marB="91425"/>
                 </a:tc>
+                <a:extLst>
+                  <a:ext uri="{0D108BD9-81ED-4DB2-BD59-A6C34878D82A}">
+                    <a16:rowId xmlns:a16="http://schemas.microsoft.com/office/drawing/2014/main" val="10001"/>
+                  </a:ext>
+                </a:extLst>
               </a:tr>
             </a:tbl>
           </a:graphicData>
@@ -14521,9 +14762,27 @@
                 <a:tableStyleId>{37428047-7E56-418E-9C37-17E7DD44C2F6}</a:tableStyleId>
               </a:tblPr>
               <a:tblGrid>
-                <a:gridCol w="2413000"/>
-                <a:gridCol w="2413000"/>
-                <a:gridCol w="2413000"/>
+                <a:gridCol w="2413000">
+                  <a:extLst>
+                    <a:ext uri="{9D8B030D-6E8A-4147-A177-3AD203B41FA5}">
+                      <a16:colId xmlns:a16="http://schemas.microsoft.com/office/drawing/2014/main" val="20000"/>
+                    </a:ext>
+                  </a:extLst>
+                </a:gridCol>
+                <a:gridCol w="2413000">
+                  <a:extLst>
+                    <a:ext uri="{9D8B030D-6E8A-4147-A177-3AD203B41FA5}">
+                      <a16:colId xmlns:a16="http://schemas.microsoft.com/office/drawing/2014/main" val="20001"/>
+                    </a:ext>
+                  </a:extLst>
+                </a:gridCol>
+                <a:gridCol w="2413000">
+                  <a:extLst>
+                    <a:ext uri="{9D8B030D-6E8A-4147-A177-3AD203B41FA5}">
+                      <a16:colId xmlns:a16="http://schemas.microsoft.com/office/drawing/2014/main" val="20002"/>
+                    </a:ext>
+                  </a:extLst>
+                </a:gridCol>
               </a:tblGrid>
               <a:tr h="385800">
                 <a:tc>
@@ -14531,7 +14790,7 @@
                     <a:bodyPr/>
                     <a:lstStyle/>
                     <a:p>
-                      <a:pPr indent="0" lvl="0" marL="0" rtl="0" algn="l">
+                      <a:pPr marL="0" lvl="0" indent="0" algn="l" rtl="0">
                         <a:spcBef>
                           <a:spcPts val="0"/>
                         </a:spcBef>
@@ -14555,14 +14814,14 @@
                       </a:endParaRPr>
                     </a:p>
                   </a:txBody>
-                  <a:tcPr marT="91425" marB="91425" marR="91425" marL="91425"/>
+                  <a:tcPr marL="91425" marR="91425" marT="91425" marB="91425"/>
                 </a:tc>
                 <a:tc>
                   <a:txBody>
                     <a:bodyPr/>
                     <a:lstStyle/>
                     <a:p>
-                      <a:pPr indent="0" lvl="0" marL="0" rtl="0" algn="l">
+                      <a:pPr marL="0" lvl="0" indent="0" algn="l" rtl="0">
                         <a:spcBef>
                           <a:spcPts val="0"/>
                         </a:spcBef>
@@ -14586,14 +14845,14 @@
                       </a:endParaRPr>
                     </a:p>
                   </a:txBody>
-                  <a:tcPr marT="91425" marB="91425" marR="91425" marL="91425"/>
+                  <a:tcPr marL="91425" marR="91425" marT="91425" marB="91425"/>
                 </a:tc>
                 <a:tc>
                   <a:txBody>
                     <a:bodyPr/>
                     <a:lstStyle/>
                     <a:p>
-                      <a:pPr indent="0" lvl="0" marL="0" rtl="0" algn="l">
+                      <a:pPr marL="0" lvl="0" indent="0" algn="l" rtl="0">
                         <a:spcBef>
                           <a:spcPts val="0"/>
                         </a:spcBef>
@@ -14617,8 +14876,13 @@
                       </a:endParaRPr>
                     </a:p>
                   </a:txBody>
-                  <a:tcPr marT="91425" marB="91425" marR="91425" marL="91425"/>
+                  <a:tcPr marL="91425" marR="91425" marT="91425" marB="91425"/>
                 </a:tc>
+                <a:extLst>
+                  <a:ext uri="{0D108BD9-81ED-4DB2-BD59-A6C34878D82A}">
+                    <a16:rowId xmlns:a16="http://schemas.microsoft.com/office/drawing/2014/main" val="10000"/>
+                  </a:ext>
+                </a:extLst>
               </a:tr>
               <a:tr h="381000">
                 <a:tc>
@@ -14626,7 +14890,7 @@
                     <a:bodyPr/>
                     <a:lstStyle/>
                     <a:p>
-                      <a:pPr indent="0" lvl="0" marL="0" rtl="0" algn="l">
+                      <a:pPr marL="0" lvl="0" indent="0" algn="l" rtl="0">
                         <a:spcBef>
                           <a:spcPts val="0"/>
                         </a:spcBef>
@@ -14650,14 +14914,14 @@
                       </a:endParaRPr>
                     </a:p>
                   </a:txBody>
-                  <a:tcPr marT="91425" marB="91425" marR="91425" marL="91425"/>
+                  <a:tcPr marL="91425" marR="91425" marT="91425" marB="91425"/>
                 </a:tc>
                 <a:tc>
                   <a:txBody>
                     <a:bodyPr/>
                     <a:lstStyle/>
                     <a:p>
-                      <a:pPr indent="0" lvl="0" marL="0" rtl="0" algn="l">
+                      <a:pPr marL="0" lvl="0" indent="0" algn="l" rtl="0">
                         <a:spcBef>
                           <a:spcPts val="0"/>
                         </a:spcBef>
@@ -14672,15 +14936,7 @@
                             <a:schemeClr val="lt1"/>
                           </a:solidFill>
                         </a:rPr>
-                        <a:t>0</a:t>
-                      </a:r>
-                      <a:r>
-                        <a:rPr lang="en">
-                          <a:solidFill>
-                            <a:schemeClr val="lt1"/>
-                          </a:solidFill>
-                        </a:rPr>
-                        <a:t>.046</a:t>
+                        <a:t>0.046</a:t>
                       </a:r>
                       <a:endParaRPr>
                         <a:solidFill>
@@ -14689,14 +14945,14 @@
                       </a:endParaRPr>
                     </a:p>
                   </a:txBody>
-                  <a:tcPr marT="91425" marB="91425" marR="91425" marL="91425"/>
+                  <a:tcPr marL="91425" marR="91425" marT="91425" marB="91425"/>
                 </a:tc>
                 <a:tc>
                   <a:txBody>
                     <a:bodyPr/>
                     <a:lstStyle/>
                     <a:p>
-                      <a:pPr indent="0" lvl="0" marL="0" rtl="0" algn="l">
+                      <a:pPr marL="0" lvl="0" indent="0" algn="l" rtl="0">
                         <a:spcBef>
                           <a:spcPts val="0"/>
                         </a:spcBef>
@@ -14711,15 +14967,7 @@
                             <a:schemeClr val="lt1"/>
                           </a:solidFill>
                         </a:rPr>
-                        <a:t>&lt;</a:t>
-                      </a:r>
-                      <a:r>
-                        <a:rPr lang="en">
-                          <a:solidFill>
-                            <a:schemeClr val="lt1"/>
-                          </a:solidFill>
-                        </a:rPr>
-                        <a:t>0.05: significance</a:t>
+                        <a:t>&lt;0.05: significance</a:t>
                       </a:r>
                       <a:endParaRPr>
                         <a:solidFill>
@@ -14728,8 +14976,13 @@
                       </a:endParaRPr>
                     </a:p>
                   </a:txBody>
-                  <a:tcPr marT="91425" marB="91425" marR="91425" marL="91425"/>
+                  <a:tcPr marL="91425" marR="91425" marT="91425" marB="91425"/>
                 </a:tc>
+                <a:extLst>
+                  <a:ext uri="{0D108BD9-81ED-4DB2-BD59-A6C34878D82A}">
+                    <a16:rowId xmlns:a16="http://schemas.microsoft.com/office/drawing/2014/main" val="10001"/>
+                  </a:ext>
+                </a:extLst>
               </a:tr>
             </a:tbl>
           </a:graphicData>
@@ -14744,11 +14997,11 @@
 </file>
 
 <file path=ppt/slides/slide9.xml><?xml version="1.0" encoding="utf-8"?>
-<p:sld xmlns:a="http://schemas.openxmlformats.org/drawingml/2006/main" xmlns:r="http://schemas.openxmlformats.org/officeDocument/2006/relationships" xmlns:mc="http://schemas.openxmlformats.org/markup-compatibility/2006" xmlns:mv="urn:schemas-microsoft-com:mac:vml" xmlns:p="http://schemas.openxmlformats.org/presentationml/2006/main" xmlns:c="http://schemas.openxmlformats.org/drawingml/2006/chart" xmlns:dgm="http://schemas.openxmlformats.org/drawingml/2006/diagram" xmlns:o="urn:schemas-microsoft-com:office:office" xmlns:v="urn:schemas-microsoft-com:vml" xmlns:pvml="urn:schemas-microsoft-com:office:powerpoint" xmlns:com="http://schemas.openxmlformats.org/drawingml/2006/compatibility" xmlns:p14="http://schemas.microsoft.com/office/powerpoint/2010/main" xmlns:p15="http://schemas.microsoft.com/office/powerpoint/2012/main" xmlns:ahyp="http://schemas.microsoft.com/office/drawing/2018/hyperlinkcolor">
+<p:sld xmlns:a="http://schemas.openxmlformats.org/drawingml/2006/main" xmlns:r="http://schemas.openxmlformats.org/officeDocument/2006/relationships" xmlns:p="http://schemas.openxmlformats.org/presentationml/2006/main">
   <p:cSld>
     <p:spTree>
       <p:nvGrpSpPr>
-        <p:cNvPr id="161" name="Shape 161"/>
+        <p:cNvPr id="1" name="Shape 161"/>
         <p:cNvGrpSpPr/>
         <p:nvPr/>
       </p:nvGrpSpPr>
@@ -14763,7 +15016,9 @@
       <p:sp>
         <p:nvSpPr>
           <p:cNvPr id="162" name="Google Shape;162;p25"/>
-          <p:cNvSpPr txBox="1"/>
+          <p:cNvSpPr txBox="1">
+            <a:spLocks noGrp="1"/>
+          </p:cNvSpPr>
           <p:nvPr>
             <p:ph type="title"/>
           </p:nvPr>
@@ -14778,12 +15033,12 @@
           </a:prstGeom>
         </p:spPr>
         <p:txBody>
-          <a:bodyPr anchorCtr="0" anchor="t" bIns="91425" lIns="91425" spcFirstLastPara="1" rIns="91425" wrap="square" tIns="91425">
+          <a:bodyPr spcFirstLastPara="1" wrap="square" lIns="91425" tIns="91425" rIns="91425" bIns="91425" anchor="t" anchorCtr="0">
             <a:normAutofit fontScale="90000"/>
           </a:bodyPr>
           <a:lstStyle/>
           <a:p>
-            <a:pPr indent="0" lvl="0" marL="0" rtl="0" algn="l">
+            <a:pPr marL="0" lvl="0" indent="0" algn="l" rtl="0">
               <a:spcBef>
                 <a:spcPts val="0"/>
               </a:spcBef>
@@ -14794,11 +15049,7 @@
             </a:pPr>
             <a:r>
               <a:rPr lang="en"/>
-              <a:t>OBESITY</a:t>
-            </a:r>
-            <a:r>
-              <a:rPr lang="en"/>
-              <a:t> vs. COVID-19</a:t>
+              <a:t>OBESITY vs. COVID-19</a:t>
             </a:r>
             <a:endParaRPr/>
           </a:p>
@@ -14841,7 +15092,288 @@
 </file>
 
 <file path=ppt/theme/theme1.xml><?xml version="1.0" encoding="utf-8"?>
-<a:theme xmlns:a="http://schemas.openxmlformats.org/drawingml/2006/main" xmlns:r="http://schemas.openxmlformats.org/officeDocument/2006/relationships">
+<a:theme xmlns:a="http://schemas.openxmlformats.org/drawingml/2006/main" name="Streamline">
+  <a:themeElements>
+    <a:clrScheme name="Streamline">
+      <a:dk1>
+        <a:srgbClr val="1A9988"/>
+      </a:dk1>
+      <a:lt1>
+        <a:srgbClr val="FFFFFF"/>
+      </a:lt1>
+      <a:dk2>
+        <a:srgbClr val="1A1A1A"/>
+      </a:dk2>
+      <a:lt2>
+        <a:srgbClr val="E9EDEE"/>
+      </a:lt2>
+      <a:accent1>
+        <a:srgbClr val="595959"/>
+      </a:accent1>
+      <a:accent2>
+        <a:srgbClr val="6AA4C8"/>
+      </a:accent2>
+      <a:accent3>
+        <a:srgbClr val="EB5600"/>
+      </a:accent3>
+      <a:accent4>
+        <a:srgbClr val="A2FFE8"/>
+      </a:accent4>
+      <a:accent5>
+        <a:srgbClr val="1C3678"/>
+      </a:accent5>
+      <a:accent6>
+        <a:srgbClr val="FFB8A2"/>
+      </a:accent6>
+      <a:hlink>
+        <a:srgbClr val="1C3678"/>
+      </a:hlink>
+      <a:folHlink>
+        <a:srgbClr val="1C3678"/>
+      </a:folHlink>
+    </a:clrScheme>
+    <a:fontScheme name="Office">
+      <a:majorFont>
+        <a:latin typeface="Arial"/>
+        <a:ea typeface=""/>
+        <a:cs typeface=""/>
+        <a:font script="Jpan" typeface="ＭＳ Ｐゴシック"/>
+        <a:font script="Hang" typeface="맑은 고딕"/>
+        <a:font script="Hans" typeface="宋体"/>
+        <a:font script="Hant" typeface="新細明體"/>
+        <a:font script="Arab" typeface="Times New Roman"/>
+        <a:font script="Hebr" typeface="Times New Roman"/>
+        <a:font script="Thai" typeface="Angsana New"/>
+        <a:font script="Ethi" typeface="Nyala"/>
+        <a:font script="Beng" typeface="Vrinda"/>
+        <a:font script="Gujr" typeface="Shruti"/>
+        <a:font script="Khmr" typeface="MoolBoran"/>
+        <a:font script="Knda" typeface="Tunga"/>
+        <a:font script="Guru" typeface="Raavi"/>
+        <a:font script="Cans" typeface="Euphemia"/>
+        <a:font script="Cher" typeface="Plantagenet Cherokee"/>
+        <a:font script="Yiii" typeface="Microsoft Yi Baiti"/>
+        <a:font script="Tibt" typeface="Microsoft Himalaya"/>
+        <a:font script="Thaa" typeface="MV Boli"/>
+        <a:font script="Deva" typeface="Mangal"/>
+        <a:font script="Telu" typeface="Gautami"/>
+        <a:font script="Taml" typeface="Latha"/>
+        <a:font script="Syrc" typeface="Estrangelo Edessa"/>
+        <a:font script="Orya" typeface="Kalinga"/>
+        <a:font script="Mlym" typeface="Kartika"/>
+        <a:font script="Laoo" typeface="DokChampa"/>
+        <a:font script="Sinh" typeface="Iskoola Pota"/>
+        <a:font script="Mong" typeface="Mongolian Baiti"/>
+        <a:font script="Viet" typeface="Times New Roman"/>
+        <a:font script="Uigh" typeface="Microsoft Uighur"/>
+        <a:font script="Geor" typeface="Sylfaen"/>
+      </a:majorFont>
+      <a:minorFont>
+        <a:latin typeface="Arial"/>
+        <a:ea typeface=""/>
+        <a:cs typeface=""/>
+        <a:font script="Jpan" typeface="ＭＳ Ｐゴシック"/>
+        <a:font script="Hang" typeface="맑은 고딕"/>
+        <a:font script="Hans" typeface="宋体"/>
+        <a:font script="Hant" typeface="新細明體"/>
+        <a:font script="Arab" typeface="Arial"/>
+        <a:font script="Hebr" typeface="Arial"/>
+        <a:font script="Thai" typeface="Cordia New"/>
+        <a:font script="Ethi" typeface="Nyala"/>
+        <a:font script="Beng" typeface="Vrinda"/>
+        <a:font script="Gujr" typeface="Shruti"/>
+        <a:font script="Khmr" typeface="DaunPenh"/>
+        <a:font script="Knda" typeface="Tunga"/>
+        <a:font script="Guru" typeface="Raavi"/>
+        <a:font script="Cans" typeface="Euphemia"/>
+        <a:font script="Cher" typeface="Plantagenet Cherokee"/>
+        <a:font script="Yiii" typeface="Microsoft Yi Baiti"/>
+        <a:font script="Tibt" typeface="Microsoft Himalaya"/>
+        <a:font script="Thaa" typeface="MV Boli"/>
+        <a:font script="Deva" typeface="Mangal"/>
+        <a:font script="Telu" typeface="Gautami"/>
+        <a:font script="Taml" typeface="Latha"/>
+        <a:font script="Syrc" typeface="Estrangelo Edessa"/>
+        <a:font script="Orya" typeface="Kalinga"/>
+        <a:font script="Mlym" typeface="Kartika"/>
+        <a:font script="Laoo" typeface="DokChampa"/>
+        <a:font script="Sinh" typeface="Iskoola Pota"/>
+        <a:font script="Mong" typeface="Mongolian Baiti"/>
+        <a:font script="Viet" typeface="Arial"/>
+        <a:font script="Uigh" typeface="Microsoft Uighur"/>
+        <a:font script="Geor" typeface="Sylfaen"/>
+      </a:minorFont>
+    </a:fontScheme>
+    <a:fmtScheme name="Office">
+      <a:fillStyleLst>
+        <a:solidFill>
+          <a:schemeClr val="phClr"/>
+        </a:solidFill>
+        <a:gradFill rotWithShape="1">
+          <a:gsLst>
+            <a:gs pos="0">
+              <a:schemeClr val="phClr">
+                <a:tint val="50000"/>
+                <a:satMod val="300000"/>
+              </a:schemeClr>
+            </a:gs>
+            <a:gs pos="35000">
+              <a:schemeClr val="phClr">
+                <a:tint val="37000"/>
+                <a:satMod val="300000"/>
+              </a:schemeClr>
+            </a:gs>
+            <a:gs pos="100000">
+              <a:schemeClr val="phClr">
+                <a:tint val="15000"/>
+                <a:satMod val="350000"/>
+              </a:schemeClr>
+            </a:gs>
+          </a:gsLst>
+          <a:lin ang="16200000" scaled="1"/>
+        </a:gradFill>
+        <a:gradFill rotWithShape="1">
+          <a:gsLst>
+            <a:gs pos="0">
+              <a:schemeClr val="phClr">
+                <a:tint val="100000"/>
+                <a:shade val="100000"/>
+                <a:satMod val="130000"/>
+              </a:schemeClr>
+            </a:gs>
+            <a:gs pos="100000">
+              <a:schemeClr val="phClr">
+                <a:tint val="50000"/>
+                <a:shade val="100000"/>
+                <a:satMod val="350000"/>
+              </a:schemeClr>
+            </a:gs>
+          </a:gsLst>
+          <a:lin ang="16200000" scaled="0"/>
+        </a:gradFill>
+      </a:fillStyleLst>
+      <a:lnStyleLst>
+        <a:ln w="9525" cap="flat" cmpd="sng" algn="ctr">
+          <a:solidFill>
+            <a:schemeClr val="phClr">
+              <a:shade val="95000"/>
+              <a:satMod val="105000"/>
+            </a:schemeClr>
+          </a:solidFill>
+          <a:prstDash val="solid"/>
+        </a:ln>
+        <a:ln w="25400" cap="flat" cmpd="sng" algn="ctr">
+          <a:solidFill>
+            <a:schemeClr val="phClr"/>
+          </a:solidFill>
+          <a:prstDash val="solid"/>
+        </a:ln>
+        <a:ln w="38100" cap="flat" cmpd="sng" algn="ctr">
+          <a:solidFill>
+            <a:schemeClr val="phClr"/>
+          </a:solidFill>
+          <a:prstDash val="solid"/>
+        </a:ln>
+      </a:lnStyleLst>
+      <a:effectStyleLst>
+        <a:effectStyle>
+          <a:effectLst>
+            <a:outerShdw blurRad="40000" dist="20000" dir="5400000" rotWithShape="0">
+              <a:srgbClr val="000000">
+                <a:alpha val="38000"/>
+              </a:srgbClr>
+            </a:outerShdw>
+          </a:effectLst>
+        </a:effectStyle>
+        <a:effectStyle>
+          <a:effectLst>
+            <a:outerShdw blurRad="40000" dist="23000" dir="5400000" rotWithShape="0">
+              <a:srgbClr val="000000">
+                <a:alpha val="35000"/>
+              </a:srgbClr>
+            </a:outerShdw>
+          </a:effectLst>
+        </a:effectStyle>
+        <a:effectStyle>
+          <a:effectLst>
+            <a:outerShdw blurRad="40000" dist="23000" dir="5400000" rotWithShape="0">
+              <a:srgbClr val="000000">
+                <a:alpha val="35000"/>
+              </a:srgbClr>
+            </a:outerShdw>
+          </a:effectLst>
+          <a:scene3d>
+            <a:camera prst="orthographicFront">
+              <a:rot lat="0" lon="0" rev="0"/>
+            </a:camera>
+            <a:lightRig rig="threePt" dir="t">
+              <a:rot lat="0" lon="0" rev="1200000"/>
+            </a:lightRig>
+          </a:scene3d>
+          <a:sp3d>
+            <a:bevelT w="63500" h="25400"/>
+          </a:sp3d>
+        </a:effectStyle>
+      </a:effectStyleLst>
+      <a:bgFillStyleLst>
+        <a:solidFill>
+          <a:schemeClr val="phClr"/>
+        </a:solidFill>
+        <a:gradFill rotWithShape="1">
+          <a:gsLst>
+            <a:gs pos="0">
+              <a:schemeClr val="phClr">
+                <a:tint val="40000"/>
+                <a:satMod val="350000"/>
+              </a:schemeClr>
+            </a:gs>
+            <a:gs pos="40000">
+              <a:schemeClr val="phClr">
+                <a:tint val="45000"/>
+                <a:shade val="99000"/>
+                <a:satMod val="350000"/>
+              </a:schemeClr>
+            </a:gs>
+            <a:gs pos="100000">
+              <a:schemeClr val="phClr">
+                <a:shade val="20000"/>
+                <a:satMod val="255000"/>
+              </a:schemeClr>
+            </a:gs>
+          </a:gsLst>
+          <a:path path="circle">
+            <a:fillToRect l="50000" t="-80000" r="50000" b="180000"/>
+          </a:path>
+        </a:gradFill>
+        <a:gradFill rotWithShape="1">
+          <a:gsLst>
+            <a:gs pos="0">
+              <a:schemeClr val="phClr">
+                <a:tint val="80000"/>
+                <a:satMod val="300000"/>
+              </a:schemeClr>
+            </a:gs>
+            <a:gs pos="100000">
+              <a:schemeClr val="phClr">
+                <a:shade val="30000"/>
+                <a:satMod val="200000"/>
+              </a:schemeClr>
+            </a:gs>
+          </a:gsLst>
+          <a:path path="circle">
+            <a:fillToRect l="50000" t="50000" r="50000" b="50000"/>
+          </a:path>
+        </a:gradFill>
+      </a:bgFillStyleLst>
+    </a:fmtScheme>
+  </a:themeElements>
+  <a:objectDefaults/>
+  <a:extraClrSchemeLst/>
+</a:theme>
+</file>
+
+<file path=ppt/theme/theme2.xml><?xml version="1.0" encoding="utf-8"?>
+<a:theme xmlns:a="http://schemas.openxmlformats.org/drawingml/2006/main">
   <a:themeElements>
     <a:clrScheme name="Default">
       <a:dk1>
@@ -15116,284 +15648,7 @@
       </a:bgFillStyleLst>
     </a:fmtScheme>
   </a:themeElements>
-</a:theme>
-</file>
-
-<file path=ppt/theme/theme2.xml><?xml version="1.0" encoding="utf-8"?>
-<a:theme xmlns:a="http://schemas.openxmlformats.org/drawingml/2006/main" xmlns:r="http://schemas.openxmlformats.org/officeDocument/2006/relationships" name="Streamline">
-  <a:themeElements>
-    <a:clrScheme name="Streamline">
-      <a:dk1>
-        <a:srgbClr val="1A9988"/>
-      </a:dk1>
-      <a:lt1>
-        <a:srgbClr val="FFFFFF"/>
-      </a:lt1>
-      <a:dk2>
-        <a:srgbClr val="1A1A1A"/>
-      </a:dk2>
-      <a:lt2>
-        <a:srgbClr val="E9EDEE"/>
-      </a:lt2>
-      <a:accent1>
-        <a:srgbClr val="595959"/>
-      </a:accent1>
-      <a:accent2>
-        <a:srgbClr val="6AA4C8"/>
-      </a:accent2>
-      <a:accent3>
-        <a:srgbClr val="EB5600"/>
-      </a:accent3>
-      <a:accent4>
-        <a:srgbClr val="A2FFE8"/>
-      </a:accent4>
-      <a:accent5>
-        <a:srgbClr val="1C3678"/>
-      </a:accent5>
-      <a:accent6>
-        <a:srgbClr val="FFB8A2"/>
-      </a:accent6>
-      <a:hlink>
-        <a:srgbClr val="1C3678"/>
-      </a:hlink>
-      <a:folHlink>
-        <a:srgbClr val="1C3678"/>
-      </a:folHlink>
-    </a:clrScheme>
-    <a:fontScheme name="Office">
-      <a:majorFont>
-        <a:latin typeface="Arial"/>
-        <a:ea typeface=""/>
-        <a:cs typeface=""/>
-        <a:font script="Jpan" typeface="ＭＳ Ｐゴシック"/>
-        <a:font script="Hang" typeface="맑은 고딕"/>
-        <a:font script="Hans" typeface="宋体"/>
-        <a:font script="Hant" typeface="新細明體"/>
-        <a:font script="Arab" typeface="Times New Roman"/>
-        <a:font script="Hebr" typeface="Times New Roman"/>
-        <a:font script="Thai" typeface="Angsana New"/>
-        <a:font script="Ethi" typeface="Nyala"/>
-        <a:font script="Beng" typeface="Vrinda"/>
-        <a:font script="Gujr" typeface="Shruti"/>
-        <a:font script="Khmr" typeface="MoolBoran"/>
-        <a:font script="Knda" typeface="Tunga"/>
-        <a:font script="Guru" typeface="Raavi"/>
-        <a:font script="Cans" typeface="Euphemia"/>
-        <a:font script="Cher" typeface="Plantagenet Cherokee"/>
-        <a:font script="Yiii" typeface="Microsoft Yi Baiti"/>
-        <a:font script="Tibt" typeface="Microsoft Himalaya"/>
-        <a:font script="Thaa" typeface="MV Boli"/>
-        <a:font script="Deva" typeface="Mangal"/>
-        <a:font script="Telu" typeface="Gautami"/>
-        <a:font script="Taml" typeface="Latha"/>
-        <a:font script="Syrc" typeface="Estrangelo Edessa"/>
-        <a:font script="Orya" typeface="Kalinga"/>
-        <a:font script="Mlym" typeface="Kartika"/>
-        <a:font script="Laoo" typeface="DokChampa"/>
-        <a:font script="Sinh" typeface="Iskoola Pota"/>
-        <a:font script="Mong" typeface="Mongolian Baiti"/>
-        <a:font script="Viet" typeface="Times New Roman"/>
-        <a:font script="Uigh" typeface="Microsoft Uighur"/>
-        <a:font script="Geor" typeface="Sylfaen"/>
-      </a:majorFont>
-      <a:minorFont>
-        <a:latin typeface="Arial"/>
-        <a:ea typeface=""/>
-        <a:cs typeface=""/>
-        <a:font script="Jpan" typeface="ＭＳ Ｐゴシック"/>
-        <a:font script="Hang" typeface="맑은 고딕"/>
-        <a:font script="Hans" typeface="宋体"/>
-        <a:font script="Hant" typeface="新細明體"/>
-        <a:font script="Arab" typeface="Arial"/>
-        <a:font script="Hebr" typeface="Arial"/>
-        <a:font script="Thai" typeface="Cordia New"/>
-        <a:font script="Ethi" typeface="Nyala"/>
-        <a:font script="Beng" typeface="Vrinda"/>
-        <a:font script="Gujr" typeface="Shruti"/>
-        <a:font script="Khmr" typeface="DaunPenh"/>
-        <a:font script="Knda" typeface="Tunga"/>
-        <a:font script="Guru" typeface="Raavi"/>
-        <a:font script="Cans" typeface="Euphemia"/>
-        <a:font script="Cher" typeface="Plantagenet Cherokee"/>
-        <a:font script="Yiii" typeface="Microsoft Yi Baiti"/>
-        <a:font script="Tibt" typeface="Microsoft Himalaya"/>
-        <a:font script="Thaa" typeface="MV Boli"/>
-        <a:font script="Deva" typeface="Mangal"/>
-        <a:font script="Telu" typeface="Gautami"/>
-        <a:font script="Taml" typeface="Latha"/>
-        <a:font script="Syrc" typeface="Estrangelo Edessa"/>
-        <a:font script="Orya" typeface="Kalinga"/>
-        <a:font script="Mlym" typeface="Kartika"/>
-        <a:font script="Laoo" typeface="DokChampa"/>
-        <a:font script="Sinh" typeface="Iskoola Pota"/>
-        <a:font script="Mong" typeface="Mongolian Baiti"/>
-        <a:font script="Viet" typeface="Arial"/>
-        <a:font script="Uigh" typeface="Microsoft Uighur"/>
-        <a:font script="Geor" typeface="Sylfaen"/>
-      </a:minorFont>
-    </a:fontScheme>
-    <a:fmtScheme name="Office">
-      <a:fillStyleLst>
-        <a:solidFill>
-          <a:schemeClr val="phClr"/>
-        </a:solidFill>
-        <a:gradFill rotWithShape="1">
-          <a:gsLst>
-            <a:gs pos="0">
-              <a:schemeClr val="phClr">
-                <a:tint val="50000"/>
-                <a:satMod val="300000"/>
-              </a:schemeClr>
-            </a:gs>
-            <a:gs pos="35000">
-              <a:schemeClr val="phClr">
-                <a:tint val="37000"/>
-                <a:satMod val="300000"/>
-              </a:schemeClr>
-            </a:gs>
-            <a:gs pos="100000">
-              <a:schemeClr val="phClr">
-                <a:tint val="15000"/>
-                <a:satMod val="350000"/>
-              </a:schemeClr>
-            </a:gs>
-          </a:gsLst>
-          <a:lin ang="16200000" scaled="1"/>
-        </a:gradFill>
-        <a:gradFill rotWithShape="1">
-          <a:gsLst>
-            <a:gs pos="0">
-              <a:schemeClr val="phClr">
-                <a:tint val="100000"/>
-                <a:shade val="100000"/>
-                <a:satMod val="130000"/>
-              </a:schemeClr>
-            </a:gs>
-            <a:gs pos="100000">
-              <a:schemeClr val="phClr">
-                <a:tint val="50000"/>
-                <a:shade val="100000"/>
-                <a:satMod val="350000"/>
-              </a:schemeClr>
-            </a:gs>
-          </a:gsLst>
-          <a:lin ang="16200000" scaled="0"/>
-        </a:gradFill>
-      </a:fillStyleLst>
-      <a:lnStyleLst>
-        <a:ln w="9525" cap="flat" cmpd="sng" algn="ctr">
-          <a:solidFill>
-            <a:schemeClr val="phClr">
-              <a:shade val="95000"/>
-              <a:satMod val="105000"/>
-            </a:schemeClr>
-          </a:solidFill>
-          <a:prstDash val="solid"/>
-        </a:ln>
-        <a:ln w="25400" cap="flat" cmpd="sng" algn="ctr">
-          <a:solidFill>
-            <a:schemeClr val="phClr"/>
-          </a:solidFill>
-          <a:prstDash val="solid"/>
-        </a:ln>
-        <a:ln w="38100" cap="flat" cmpd="sng" algn="ctr">
-          <a:solidFill>
-            <a:schemeClr val="phClr"/>
-          </a:solidFill>
-          <a:prstDash val="solid"/>
-        </a:ln>
-      </a:lnStyleLst>
-      <a:effectStyleLst>
-        <a:effectStyle>
-          <a:effectLst>
-            <a:outerShdw blurRad="40000" dist="20000" dir="5400000" rotWithShape="0">
-              <a:srgbClr val="000000">
-                <a:alpha val="38000"/>
-              </a:srgbClr>
-            </a:outerShdw>
-          </a:effectLst>
-        </a:effectStyle>
-        <a:effectStyle>
-          <a:effectLst>
-            <a:outerShdw blurRad="40000" dist="23000" dir="5400000" rotWithShape="0">
-              <a:srgbClr val="000000">
-                <a:alpha val="35000"/>
-              </a:srgbClr>
-            </a:outerShdw>
-          </a:effectLst>
-        </a:effectStyle>
-        <a:effectStyle>
-          <a:effectLst>
-            <a:outerShdw blurRad="40000" dist="23000" dir="5400000" rotWithShape="0">
-              <a:srgbClr val="000000">
-                <a:alpha val="35000"/>
-              </a:srgbClr>
-            </a:outerShdw>
-          </a:effectLst>
-          <a:scene3d>
-            <a:camera prst="orthographicFront">
-              <a:rot lat="0" lon="0" rev="0"/>
-            </a:camera>
-            <a:lightRig rig="threePt" dir="t">
-              <a:rot lat="0" lon="0" rev="1200000"/>
-            </a:lightRig>
-          </a:scene3d>
-          <a:sp3d>
-            <a:bevelT w="63500" h="25400"/>
-          </a:sp3d>
-        </a:effectStyle>
-      </a:effectStyleLst>
-      <a:bgFillStyleLst>
-        <a:solidFill>
-          <a:schemeClr val="phClr"/>
-        </a:solidFill>
-        <a:gradFill rotWithShape="1">
-          <a:gsLst>
-            <a:gs pos="0">
-              <a:schemeClr val="phClr">
-                <a:tint val="40000"/>
-                <a:satMod val="350000"/>
-              </a:schemeClr>
-            </a:gs>
-            <a:gs pos="40000">
-              <a:schemeClr val="phClr">
-                <a:tint val="45000"/>
-                <a:shade val="99000"/>
-                <a:satMod val="350000"/>
-              </a:schemeClr>
-            </a:gs>
-            <a:gs pos="100000">
-              <a:schemeClr val="phClr">
-                <a:shade val="20000"/>
-                <a:satMod val="255000"/>
-              </a:schemeClr>
-            </a:gs>
-          </a:gsLst>
-          <a:path path="circle">
-            <a:fillToRect l="50000" t="-80000" r="50000" b="180000"/>
-          </a:path>
-        </a:gradFill>
-        <a:gradFill rotWithShape="1">
-          <a:gsLst>
-            <a:gs pos="0">
-              <a:schemeClr val="phClr">
-                <a:tint val="80000"/>
-                <a:satMod val="300000"/>
-              </a:schemeClr>
-            </a:gs>
-            <a:gs pos="100000">
-              <a:schemeClr val="phClr">
-                <a:shade val="30000"/>
-                <a:satMod val="200000"/>
-              </a:schemeClr>
-            </a:gs>
-          </a:gsLst>
-          <a:path path="circle">
-            <a:fillToRect l="50000" t="50000" r="50000" b="50000"/>
-          </a:path>
-        </a:gradFill>
-      </a:bgFillStyleLst>
-    </a:fmtScheme>
-  </a:themeElements>
+  <a:objectDefaults/>
+  <a:extraClrSchemeLst/>
 </a:theme>
 </file>